--- a/[IT18掌www.it18zhang.com]HBase高级篇.pptx
+++ b/[IT18掌www.it18zhang.com]HBase高级篇.pptx
@@ -5,7 +5,7 @@
     <p:sldMasterId id="2147483663" r:id="rId1"/>
   </p:sldMasterIdLst>
   <p:notesMasterIdLst>
-    <p:notesMasterId r:id="rId76"/>
+    <p:notesMasterId r:id="rId77"/>
   </p:notesMasterIdLst>
   <p:sldIdLst>
     <p:sldId id="261" r:id="rId2"/>
@@ -35,53 +35,54 @@
     <p:sldId id="308" r:id="rId26"/>
     <p:sldId id="275" r:id="rId27"/>
     <p:sldId id="322" r:id="rId28"/>
-    <p:sldId id="324" r:id="rId29"/>
-    <p:sldId id="323" r:id="rId30"/>
-    <p:sldId id="326" r:id="rId31"/>
-    <p:sldId id="327" r:id="rId32"/>
-    <p:sldId id="328" r:id="rId33"/>
-    <p:sldId id="325" r:id="rId34"/>
-    <p:sldId id="329" r:id="rId35"/>
-    <p:sldId id="321" r:id="rId36"/>
-    <p:sldId id="332" r:id="rId37"/>
-    <p:sldId id="333" r:id="rId38"/>
-    <p:sldId id="330" r:id="rId39"/>
-    <p:sldId id="280" r:id="rId40"/>
-    <p:sldId id="303" r:id="rId41"/>
-    <p:sldId id="304" r:id="rId42"/>
-    <p:sldId id="305" r:id="rId43"/>
-    <p:sldId id="306" r:id="rId44"/>
-    <p:sldId id="276" r:id="rId45"/>
-    <p:sldId id="290" r:id="rId46"/>
-    <p:sldId id="347" r:id="rId47"/>
-    <p:sldId id="291" r:id="rId48"/>
-    <p:sldId id="292" r:id="rId49"/>
-    <p:sldId id="293" r:id="rId50"/>
-    <p:sldId id="294" r:id="rId51"/>
-    <p:sldId id="277" r:id="rId52"/>
-    <p:sldId id="346" r:id="rId53"/>
-    <p:sldId id="295" r:id="rId54"/>
-    <p:sldId id="296" r:id="rId55"/>
-    <p:sldId id="297" r:id="rId56"/>
-    <p:sldId id="298" r:id="rId57"/>
-    <p:sldId id="335" r:id="rId58"/>
-    <p:sldId id="336" r:id="rId59"/>
-    <p:sldId id="299" r:id="rId60"/>
-    <p:sldId id="300" r:id="rId61"/>
-    <p:sldId id="301" r:id="rId62"/>
-    <p:sldId id="338" r:id="rId63"/>
-    <p:sldId id="339" r:id="rId64"/>
-    <p:sldId id="342" r:id="rId65"/>
-    <p:sldId id="341" r:id="rId66"/>
-    <p:sldId id="334" r:id="rId67"/>
-    <p:sldId id="343" r:id="rId68"/>
-    <p:sldId id="285" r:id="rId69"/>
-    <p:sldId id="286" r:id="rId70"/>
-    <p:sldId id="345" r:id="rId71"/>
-    <p:sldId id="287" r:id="rId72"/>
-    <p:sldId id="288" r:id="rId73"/>
-    <p:sldId id="344" r:id="rId74"/>
-    <p:sldId id="289" r:id="rId75"/>
+    <p:sldId id="348" r:id="rId29"/>
+    <p:sldId id="324" r:id="rId30"/>
+    <p:sldId id="323" r:id="rId31"/>
+    <p:sldId id="326" r:id="rId32"/>
+    <p:sldId id="327" r:id="rId33"/>
+    <p:sldId id="328" r:id="rId34"/>
+    <p:sldId id="325" r:id="rId35"/>
+    <p:sldId id="329" r:id="rId36"/>
+    <p:sldId id="321" r:id="rId37"/>
+    <p:sldId id="332" r:id="rId38"/>
+    <p:sldId id="333" r:id="rId39"/>
+    <p:sldId id="330" r:id="rId40"/>
+    <p:sldId id="280" r:id="rId41"/>
+    <p:sldId id="303" r:id="rId42"/>
+    <p:sldId id="304" r:id="rId43"/>
+    <p:sldId id="305" r:id="rId44"/>
+    <p:sldId id="306" r:id="rId45"/>
+    <p:sldId id="276" r:id="rId46"/>
+    <p:sldId id="290" r:id="rId47"/>
+    <p:sldId id="347" r:id="rId48"/>
+    <p:sldId id="291" r:id="rId49"/>
+    <p:sldId id="292" r:id="rId50"/>
+    <p:sldId id="293" r:id="rId51"/>
+    <p:sldId id="294" r:id="rId52"/>
+    <p:sldId id="277" r:id="rId53"/>
+    <p:sldId id="346" r:id="rId54"/>
+    <p:sldId id="295" r:id="rId55"/>
+    <p:sldId id="296" r:id="rId56"/>
+    <p:sldId id="297" r:id="rId57"/>
+    <p:sldId id="298" r:id="rId58"/>
+    <p:sldId id="335" r:id="rId59"/>
+    <p:sldId id="336" r:id="rId60"/>
+    <p:sldId id="299" r:id="rId61"/>
+    <p:sldId id="300" r:id="rId62"/>
+    <p:sldId id="301" r:id="rId63"/>
+    <p:sldId id="338" r:id="rId64"/>
+    <p:sldId id="339" r:id="rId65"/>
+    <p:sldId id="342" r:id="rId66"/>
+    <p:sldId id="341" r:id="rId67"/>
+    <p:sldId id="334" r:id="rId68"/>
+    <p:sldId id="343" r:id="rId69"/>
+    <p:sldId id="285" r:id="rId70"/>
+    <p:sldId id="286" r:id="rId71"/>
+    <p:sldId id="345" r:id="rId72"/>
+    <p:sldId id="287" r:id="rId73"/>
+    <p:sldId id="288" r:id="rId74"/>
+    <p:sldId id="344" r:id="rId75"/>
+    <p:sldId id="289" r:id="rId76"/>
   </p:sldIdLst>
   <p:sldSz cx="9144000" cy="6858000" type="screen4x3"/>
   <p:notesSz cx="6858000" cy="9144000"/>
@@ -265,7 +266,7 @@
           <a:p>
             <a:fld id="{0928FEF9-167E-479C-9D1C-C0CF94BC63D4}" type="datetimeFigureOut">
               <a:rPr lang="zh-CN" altLang="en-US" smtClean="0"/>
-              <a:t>2016/3/16</a:t>
+              <a:t>2016/3/17</a:t>
             </a:fld>
             <a:endParaRPr lang="zh-CN" altLang="en-US"/>
           </a:p>
@@ -4013,7 +4014,7 @@
           <a:p>
             <a:fld id="{EE2F1B44-6939-4B22-B706-197F24F6500B}" type="slidenum">
               <a:rPr lang="zh-CN" altLang="en-US" smtClean="0"/>
-              <a:t>28</a:t>
+              <a:t>29</a:t>
             </a:fld>
             <a:endParaRPr lang="zh-CN" altLang="en-US"/>
           </a:p>
@@ -4363,7 +4364,7 @@
           <a:p>
             <a:fld id="{EE2F1B44-6939-4B22-B706-197F24F6500B}" type="slidenum">
               <a:rPr lang="zh-CN" altLang="en-US" smtClean="0"/>
-              <a:t>29</a:t>
+              <a:t>30</a:t>
             </a:fld>
             <a:endParaRPr lang="zh-CN" altLang="en-US"/>
           </a:p>
@@ -4713,7 +4714,7 @@
           <a:p>
             <a:fld id="{EE2F1B44-6939-4B22-B706-197F24F6500B}" type="slidenum">
               <a:rPr lang="zh-CN" altLang="en-US" smtClean="0"/>
-              <a:t>30</a:t>
+              <a:t>31</a:t>
             </a:fld>
             <a:endParaRPr lang="zh-CN" altLang="en-US"/>
           </a:p>
@@ -5192,7 +5193,7 @@
           <a:p>
             <a:fld id="{EE2F1B44-6939-4B22-B706-197F24F6500B}" type="slidenum">
               <a:rPr lang="zh-CN" altLang="en-US" smtClean="0"/>
-              <a:t>31</a:t>
+              <a:t>32</a:t>
             </a:fld>
             <a:endParaRPr lang="zh-CN" altLang="en-US"/>
           </a:p>
@@ -5542,7 +5543,7 @@
           <a:p>
             <a:fld id="{EE2F1B44-6939-4B22-B706-197F24F6500B}" type="slidenum">
               <a:rPr lang="zh-CN" altLang="en-US" smtClean="0"/>
-              <a:t>32</a:t>
+              <a:t>33</a:t>
             </a:fld>
             <a:endParaRPr lang="zh-CN" altLang="en-US"/>
           </a:p>
@@ -6128,7 +6129,7 @@
           <a:p>
             <a:fld id="{EE2F1B44-6939-4B22-B706-197F24F6500B}" type="slidenum">
               <a:rPr lang="zh-CN" altLang="en-US" smtClean="0"/>
-              <a:t>33</a:t>
+              <a:t>34</a:t>
             </a:fld>
             <a:endParaRPr lang="zh-CN" altLang="en-US"/>
           </a:p>
@@ -6568,7 +6569,7 @@
           <a:p>
             <a:fld id="{EE2F1B44-6939-4B22-B706-197F24F6500B}" type="slidenum">
               <a:rPr lang="zh-CN" altLang="en-US" smtClean="0"/>
-              <a:t>34</a:t>
+              <a:t>35</a:t>
             </a:fld>
             <a:endParaRPr lang="zh-CN" altLang="en-US"/>
           </a:p>
@@ -6652,7 +6653,7 @@
           <a:p>
             <a:fld id="{EE2F1B44-6939-4B22-B706-197F24F6500B}" type="slidenum">
               <a:rPr lang="zh-CN" altLang="en-US" smtClean="0"/>
-              <a:t>35</a:t>
+              <a:t>36</a:t>
             </a:fld>
             <a:endParaRPr lang="zh-CN" altLang="en-US"/>
           </a:p>
@@ -6736,7 +6737,7 @@
           <a:p>
             <a:fld id="{EE2F1B44-6939-4B22-B706-197F24F6500B}" type="slidenum">
               <a:rPr lang="zh-CN" altLang="en-US" smtClean="0"/>
-              <a:t>36</a:t>
+              <a:t>37</a:t>
             </a:fld>
             <a:endParaRPr lang="zh-CN" altLang="en-US"/>
           </a:p>
@@ -7276,7 +7277,7 @@
           <a:p>
             <a:fld id="{EE2F1B44-6939-4B22-B706-197F24F6500B}" type="slidenum">
               <a:rPr lang="zh-CN" altLang="en-US" smtClean="0"/>
-              <a:t>37</a:t>
+              <a:t>38</a:t>
             </a:fld>
             <a:endParaRPr lang="zh-CN" altLang="en-US"/>
           </a:p>
@@ -7848,7 +7849,7 @@
           <a:p>
             <a:fld id="{EE2F1B44-6939-4B22-B706-197F24F6500B}" type="slidenum">
               <a:rPr lang="zh-CN" altLang="en-US" smtClean="0"/>
-              <a:t>38</a:t>
+              <a:t>39</a:t>
             </a:fld>
             <a:endParaRPr lang="zh-CN" altLang="en-US"/>
           </a:p>
@@ -8420,7 +8421,7 @@
           <a:p>
             <a:fld id="{EE2F1B44-6939-4B22-B706-197F24F6500B}" type="slidenum">
               <a:rPr lang="zh-CN" altLang="en-US" smtClean="0"/>
-              <a:t>39</a:t>
+              <a:t>40</a:t>
             </a:fld>
             <a:endParaRPr lang="zh-CN" altLang="en-US"/>
           </a:p>
@@ -8504,7 +8505,7 @@
           <a:p>
             <a:fld id="{EE2F1B44-6939-4B22-B706-197F24F6500B}" type="slidenum">
               <a:rPr lang="zh-CN" altLang="en-US" smtClean="0"/>
-              <a:t>40</a:t>
+              <a:t>41</a:t>
             </a:fld>
             <a:endParaRPr lang="zh-CN" altLang="en-US"/>
           </a:p>
@@ -8672,7 +8673,7 @@
           <a:p>
             <a:fld id="{EE2F1B44-6939-4B22-B706-197F24F6500B}" type="slidenum">
               <a:rPr lang="zh-CN" altLang="en-US" smtClean="0"/>
-              <a:t>41</a:t>
+              <a:t>42</a:t>
             </a:fld>
             <a:endParaRPr lang="zh-CN" altLang="en-US"/>
           </a:p>
@@ -8756,7 +8757,7 @@
           <a:p>
             <a:fld id="{EE2F1B44-6939-4B22-B706-197F24F6500B}" type="slidenum">
               <a:rPr lang="zh-CN" altLang="en-US" smtClean="0"/>
-              <a:t>42</a:t>
+              <a:t>43</a:t>
             </a:fld>
             <a:endParaRPr lang="zh-CN" altLang="en-US"/>
           </a:p>
@@ -8840,7 +8841,7 @@
           <a:p>
             <a:fld id="{EE2F1B44-6939-4B22-B706-197F24F6500B}" type="slidenum">
               <a:rPr lang="zh-CN" altLang="en-US" smtClean="0"/>
-              <a:t>43</a:t>
+              <a:t>44</a:t>
             </a:fld>
             <a:endParaRPr lang="zh-CN" altLang="en-US"/>
           </a:p>
@@ -8924,7 +8925,7 @@
           <a:p>
             <a:fld id="{EE2F1B44-6939-4B22-B706-197F24F6500B}" type="slidenum">
               <a:rPr lang="zh-CN" altLang="en-US" smtClean="0"/>
-              <a:t>44</a:t>
+              <a:t>45</a:t>
             </a:fld>
             <a:endParaRPr lang="zh-CN" altLang="en-US"/>
           </a:p>
@@ -9008,7 +9009,7 @@
           <a:p>
             <a:fld id="{EE2F1B44-6939-4B22-B706-197F24F6500B}" type="slidenum">
               <a:rPr lang="zh-CN" altLang="en-US" smtClean="0"/>
-              <a:t>45</a:t>
+              <a:t>46</a:t>
             </a:fld>
             <a:endParaRPr lang="zh-CN" altLang="en-US"/>
           </a:p>
@@ -9092,7 +9093,7 @@
           <a:p>
             <a:fld id="{EE2F1B44-6939-4B22-B706-197F24F6500B}" type="slidenum">
               <a:rPr lang="zh-CN" altLang="en-US" smtClean="0"/>
-              <a:t>46</a:t>
+              <a:t>47</a:t>
             </a:fld>
             <a:endParaRPr lang="zh-CN" altLang="en-US"/>
           </a:p>
@@ -9176,7 +9177,7 @@
           <a:p>
             <a:fld id="{EE2F1B44-6939-4B22-B706-197F24F6500B}" type="slidenum">
               <a:rPr lang="zh-CN" altLang="en-US" smtClean="0"/>
-              <a:t>47</a:t>
+              <a:t>48</a:t>
             </a:fld>
             <a:endParaRPr lang="zh-CN" altLang="en-US"/>
           </a:p>
@@ -9260,7 +9261,7 @@
           <a:p>
             <a:fld id="{EE2F1B44-6939-4B22-B706-197F24F6500B}" type="slidenum">
               <a:rPr lang="zh-CN" altLang="en-US" smtClean="0"/>
-              <a:t>48</a:t>
+              <a:t>49</a:t>
             </a:fld>
             <a:endParaRPr lang="zh-CN" altLang="en-US"/>
           </a:p>
@@ -9344,7 +9345,7 @@
           <a:p>
             <a:fld id="{EE2F1B44-6939-4B22-B706-197F24F6500B}" type="slidenum">
               <a:rPr lang="zh-CN" altLang="en-US" smtClean="0"/>
-              <a:t>49</a:t>
+              <a:t>50</a:t>
             </a:fld>
             <a:endParaRPr lang="zh-CN" altLang="en-US"/>
           </a:p>
@@ -9428,7 +9429,7 @@
           <a:p>
             <a:fld id="{EE2F1B44-6939-4B22-B706-197F24F6500B}" type="slidenum">
               <a:rPr lang="zh-CN" altLang="en-US" smtClean="0"/>
-              <a:t>50</a:t>
+              <a:t>51</a:t>
             </a:fld>
             <a:endParaRPr lang="zh-CN" altLang="en-US"/>
           </a:p>
@@ -9596,7 +9597,7 @@
           <a:p>
             <a:fld id="{EE2F1B44-6939-4B22-B706-197F24F6500B}" type="slidenum">
               <a:rPr lang="zh-CN" altLang="en-US" smtClean="0"/>
-              <a:t>51</a:t>
+              <a:t>52</a:t>
             </a:fld>
             <a:endParaRPr lang="zh-CN" altLang="en-US"/>
           </a:p>
@@ -9680,7 +9681,7 @@
           <a:p>
             <a:fld id="{EE2F1B44-6939-4B22-B706-197F24F6500B}" type="slidenum">
               <a:rPr lang="zh-CN" altLang="en-US" smtClean="0"/>
-              <a:t>52</a:t>
+              <a:t>53</a:t>
             </a:fld>
             <a:endParaRPr lang="zh-CN" altLang="en-US"/>
           </a:p>
@@ -9764,7 +9765,7 @@
           <a:p>
             <a:fld id="{EE2F1B44-6939-4B22-B706-197F24F6500B}" type="slidenum">
               <a:rPr lang="zh-CN" altLang="en-US" smtClean="0"/>
-              <a:t>53</a:t>
+              <a:t>54</a:t>
             </a:fld>
             <a:endParaRPr lang="zh-CN" altLang="en-US"/>
           </a:p>
@@ -9848,7 +9849,7 @@
           <a:p>
             <a:fld id="{EE2F1B44-6939-4B22-B706-197F24F6500B}" type="slidenum">
               <a:rPr lang="zh-CN" altLang="en-US" smtClean="0"/>
-              <a:t>54</a:t>
+              <a:t>55</a:t>
             </a:fld>
             <a:endParaRPr lang="zh-CN" altLang="en-US"/>
           </a:p>
@@ -9932,7 +9933,7 @@
           <a:p>
             <a:fld id="{EE2F1B44-6939-4B22-B706-197F24F6500B}" type="slidenum">
               <a:rPr lang="zh-CN" altLang="en-US" smtClean="0"/>
-              <a:t>55</a:t>
+              <a:t>56</a:t>
             </a:fld>
             <a:endParaRPr lang="zh-CN" altLang="en-US"/>
           </a:p>
@@ -10016,7 +10017,7 @@
           <a:p>
             <a:fld id="{EE2F1B44-6939-4B22-B706-197F24F6500B}" type="slidenum">
               <a:rPr lang="zh-CN" altLang="en-US" smtClean="0"/>
-              <a:t>56</a:t>
+              <a:t>57</a:t>
             </a:fld>
             <a:endParaRPr lang="zh-CN" altLang="en-US"/>
           </a:p>
@@ -10100,7 +10101,7 @@
           <a:p>
             <a:fld id="{EE2F1B44-6939-4B22-B706-197F24F6500B}" type="slidenum">
               <a:rPr lang="zh-CN" altLang="en-US" smtClean="0"/>
-              <a:t>57</a:t>
+              <a:t>58</a:t>
             </a:fld>
             <a:endParaRPr lang="zh-CN" altLang="en-US"/>
           </a:p>
@@ -10184,7 +10185,7 @@
           <a:p>
             <a:fld id="{EE2F1B44-6939-4B22-B706-197F24F6500B}" type="slidenum">
               <a:rPr lang="zh-CN" altLang="en-US" smtClean="0"/>
-              <a:t>58</a:t>
+              <a:t>59</a:t>
             </a:fld>
             <a:endParaRPr lang="zh-CN" altLang="en-US"/>
           </a:p>
@@ -10268,7 +10269,7 @@
           <a:p>
             <a:fld id="{EE2F1B44-6939-4B22-B706-197F24F6500B}" type="slidenum">
               <a:rPr lang="zh-CN" altLang="en-US" smtClean="0"/>
-              <a:t>59</a:t>
+              <a:t>60</a:t>
             </a:fld>
             <a:endParaRPr lang="zh-CN" altLang="en-US"/>
           </a:p>
@@ -10352,7 +10353,7 @@
           <a:p>
             <a:fld id="{EE2F1B44-6939-4B22-B706-197F24F6500B}" type="slidenum">
               <a:rPr lang="zh-CN" altLang="en-US" smtClean="0"/>
-              <a:t>60</a:t>
+              <a:t>61</a:t>
             </a:fld>
             <a:endParaRPr lang="zh-CN" altLang="en-US"/>
           </a:p>
@@ -10520,7 +10521,7 @@
           <a:p>
             <a:fld id="{EE2F1B44-6939-4B22-B706-197F24F6500B}" type="slidenum">
               <a:rPr lang="zh-CN" altLang="en-US" smtClean="0"/>
-              <a:t>61</a:t>
+              <a:t>62</a:t>
             </a:fld>
             <a:endParaRPr lang="zh-CN" altLang="en-US"/>
           </a:p>
@@ -10604,7 +10605,7 @@
           <a:p>
             <a:fld id="{EE2F1B44-6939-4B22-B706-197F24F6500B}" type="slidenum">
               <a:rPr lang="zh-CN" altLang="en-US" smtClean="0"/>
-              <a:t>62</a:t>
+              <a:t>63</a:t>
             </a:fld>
             <a:endParaRPr lang="zh-CN" altLang="en-US"/>
           </a:p>
@@ -10688,7 +10689,7 @@
           <a:p>
             <a:fld id="{EE2F1B44-6939-4B22-B706-197F24F6500B}" type="slidenum">
               <a:rPr lang="zh-CN" altLang="en-US" smtClean="0"/>
-              <a:t>63</a:t>
+              <a:t>64</a:t>
             </a:fld>
             <a:endParaRPr lang="zh-CN" altLang="en-US"/>
           </a:p>
@@ -10772,7 +10773,7 @@
           <a:p>
             <a:fld id="{EE2F1B44-6939-4B22-B706-197F24F6500B}" type="slidenum">
               <a:rPr lang="zh-CN" altLang="en-US" smtClean="0"/>
-              <a:t>64</a:t>
+              <a:t>65</a:t>
             </a:fld>
             <a:endParaRPr lang="zh-CN" altLang="en-US"/>
           </a:p>
@@ -10856,7 +10857,7 @@
           <a:p>
             <a:fld id="{EE2F1B44-6939-4B22-B706-197F24F6500B}" type="slidenum">
               <a:rPr lang="zh-CN" altLang="en-US" smtClean="0"/>
-              <a:t>65</a:t>
+              <a:t>66</a:t>
             </a:fld>
             <a:endParaRPr lang="zh-CN" altLang="en-US"/>
           </a:p>
@@ -10940,7 +10941,7 @@
           <a:p>
             <a:fld id="{EE2F1B44-6939-4B22-B706-197F24F6500B}" type="slidenum">
               <a:rPr lang="zh-CN" altLang="en-US" smtClean="0"/>
-              <a:t>66</a:t>
+              <a:t>67</a:t>
             </a:fld>
             <a:endParaRPr lang="zh-CN" altLang="en-US"/>
           </a:p>
@@ -11024,7 +11025,7 @@
           <a:p>
             <a:fld id="{EE2F1B44-6939-4B22-B706-197F24F6500B}" type="slidenum">
               <a:rPr lang="zh-CN" altLang="en-US" smtClean="0"/>
-              <a:t>67</a:t>
+              <a:t>68</a:t>
             </a:fld>
             <a:endParaRPr lang="zh-CN" altLang="en-US"/>
           </a:p>
@@ -11108,7 +11109,7 @@
           <a:p>
             <a:fld id="{EE2F1B44-6939-4B22-B706-197F24F6500B}" type="slidenum">
               <a:rPr lang="zh-CN" altLang="en-US" smtClean="0"/>
-              <a:t>68</a:t>
+              <a:t>69</a:t>
             </a:fld>
             <a:endParaRPr lang="zh-CN" altLang="en-US"/>
           </a:p>
@@ -11192,7 +11193,7 @@
           <a:p>
             <a:fld id="{EE2F1B44-6939-4B22-B706-197F24F6500B}" type="slidenum">
               <a:rPr lang="zh-CN" altLang="en-US" smtClean="0"/>
-              <a:t>69</a:t>
+              <a:t>70</a:t>
             </a:fld>
             <a:endParaRPr lang="zh-CN" altLang="en-US"/>
           </a:p>
@@ -11276,7 +11277,7 @@
           <a:p>
             <a:fld id="{EE2F1B44-6939-4B22-B706-197F24F6500B}" type="slidenum">
               <a:rPr lang="zh-CN" altLang="en-US" smtClean="0"/>
-              <a:t>70</a:t>
+              <a:t>71</a:t>
             </a:fld>
             <a:endParaRPr lang="zh-CN" altLang="en-US"/>
           </a:p>
@@ -11772,7 +11773,7 @@
           <a:p>
             <a:fld id="{EE2F1B44-6939-4B22-B706-197F24F6500B}" type="slidenum">
               <a:rPr lang="zh-CN" altLang="en-US" smtClean="0"/>
-              <a:t>71</a:t>
+              <a:t>72</a:t>
             </a:fld>
             <a:endParaRPr lang="zh-CN" altLang="en-US"/>
           </a:p>
@@ -11856,7 +11857,7 @@
           <a:p>
             <a:fld id="{EE2F1B44-6939-4B22-B706-197F24F6500B}" type="slidenum">
               <a:rPr lang="zh-CN" altLang="en-US" smtClean="0"/>
-              <a:t>72</a:t>
+              <a:t>73</a:t>
             </a:fld>
             <a:endParaRPr lang="zh-CN" altLang="en-US"/>
           </a:p>
@@ -11940,7 +11941,7 @@
           <a:p>
             <a:fld id="{EE2F1B44-6939-4B22-B706-197F24F6500B}" type="slidenum">
               <a:rPr lang="zh-CN" altLang="en-US" smtClean="0"/>
-              <a:t>73</a:t>
+              <a:t>74</a:t>
             </a:fld>
             <a:endParaRPr lang="zh-CN" altLang="en-US"/>
           </a:p>
@@ -12024,7 +12025,7 @@
           <a:p>
             <a:fld id="{EE2F1B44-6939-4B22-B706-197F24F6500B}" type="slidenum">
               <a:rPr lang="zh-CN" altLang="en-US" smtClean="0"/>
-              <a:t>74</a:t>
+              <a:t>75</a:t>
             </a:fld>
             <a:endParaRPr lang="zh-CN" altLang="en-US"/>
           </a:p>
@@ -18194,328 +18195,122 @@
           <a:lstStyle/>
           <a:p>
             <a:r>
+              <a:rPr lang="zh-CN" altLang="en-US" sz="2800" dirty="0" smtClean="0"/>
+              <a:t>使用</a:t>
+            </a:r>
+            <a:r>
+              <a:rPr lang="en-US" altLang="zh-CN" sz="2800" dirty="0" smtClean="0"/>
+              <a:t>Kundera</a:t>
+            </a:r>
+            <a:r>
+              <a:rPr lang="zh-CN" altLang="en-US" sz="2800" dirty="0" smtClean="0"/>
+              <a:t>三种方式</a:t>
+            </a:r>
+            <a:endParaRPr lang="en-US" altLang="zh-CN" sz="2800" dirty="0" smtClean="0"/>
+          </a:p>
+          <a:p>
+            <a:pPr lvl="1"/>
+            <a:r>
               <a:rPr lang="zh-CN" altLang="en-US" sz="2400" dirty="0" smtClean="0"/>
-              <a:t>步骤</a:t>
+              <a:t>下载可用的二进制文件</a:t>
             </a:r>
             <a:endParaRPr lang="en-US" altLang="zh-CN" sz="2400" dirty="0" smtClean="0"/>
           </a:p>
           <a:p>
-            <a:r>
-              <a:rPr lang="en-US" altLang="zh-CN" sz="2400" dirty="0" err="1" smtClean="0"/>
+            <a:pPr lvl="1"/>
+            <a:r>
+              <a:rPr lang="en-US" altLang="zh-CN" sz="2400" dirty="0" smtClean="0"/>
+              <a:t>Maven</a:t>
+            </a:r>
+            <a:endParaRPr lang="en-US" altLang="zh-CN" sz="2400" dirty="0"/>
+          </a:p>
+          <a:p>
+            <a:pPr lvl="1"/>
+            <a:r>
+              <a:rPr lang="zh-CN" altLang="en-US" sz="2400" dirty="0" smtClean="0"/>
+              <a:t>编译源码</a:t>
+            </a:r>
+            <a:endParaRPr lang="en-US" altLang="zh-CN" sz="2400" dirty="0" smtClean="0"/>
+          </a:p>
+          <a:p>
+            <a:pPr marL="914400" lvl="2" indent="0">
+              <a:buNone/>
+            </a:pPr>
+            <a:r>
+              <a:rPr lang="zh-CN" altLang="en-US" sz="2000" dirty="0" smtClean="0"/>
+              <a:t>（源码地址：</a:t>
+            </a:r>
+            <a:r>
+              <a:rPr lang="en-US" altLang="zh-CN" sz="2000" dirty="0" smtClean="0"/>
+              <a:t>https</a:t>
+            </a:r>
+            <a:r>
+              <a:rPr lang="en-US" altLang="zh-CN" sz="2000" dirty="0"/>
+              <a:t>://github.com/impetus-opensource/Kundera</a:t>
+            </a:r>
+            <a:r>
+              <a:rPr lang="zh-CN" altLang="en-US" sz="2000" dirty="0" smtClean="0"/>
+              <a:t>）</a:t>
+            </a:r>
+            <a:endParaRPr lang="en-US" altLang="zh-CN" sz="2000" dirty="0" smtClean="0"/>
+          </a:p>
+          <a:p>
+            <a:pPr marL="914400" lvl="2" indent="0">
+              <a:buNone/>
+            </a:pPr>
+            <a:r>
+              <a:rPr lang="en-US" altLang="zh-CN" sz="2000" b="1" dirty="0" err="1"/>
+              <a:t>mvn</a:t>
+            </a:r>
+            <a:r>
+              <a:rPr lang="en-US" altLang="zh-CN" sz="2000" b="1" dirty="0"/>
+              <a:t> clean install -</a:t>
+            </a:r>
+            <a:r>
+              <a:rPr lang="en-US" altLang="zh-CN" sz="2000" b="1" dirty="0" err="1"/>
+              <a:t>Dfile</a:t>
+            </a:r>
+            <a:r>
+              <a:rPr lang="en-US" altLang="zh-CN" sz="2000" b="1" dirty="0"/>
+              <a:t> </a:t>
+            </a:r>
+            <a:r>
+              <a:rPr lang="en-US" altLang="zh-CN" sz="2000" b="1" dirty="0" err="1"/>
               <a:t>src</a:t>
             </a:r>
             <a:r>
-              <a:rPr lang="en-US" altLang="zh-CN" sz="2400" smtClean="0"/>
-              <a:t> persistence.xml</a:t>
-            </a:r>
-            <a:endParaRPr lang="en-US" altLang="zh-CN" sz="2400" dirty="0" smtClean="0"/>
-          </a:p>
-          <a:p>
-            <a:pPr lvl="1"/>
-            <a:r>
-              <a:rPr lang="zh-CN" altLang="en-US" sz="2000" dirty="0" smtClean="0"/>
-              <a:t>在</a:t>
-            </a:r>
-            <a:r>
-              <a:rPr lang="en-US" altLang="zh-CN" sz="2000" dirty="0" smtClean="0"/>
-              <a:t>xml</a:t>
-            </a:r>
-            <a:r>
-              <a:rPr lang="zh-CN" altLang="en-US" sz="2000" dirty="0" smtClean="0"/>
-              <a:t>中定义</a:t>
-            </a:r>
-            <a:r>
-              <a:rPr lang="en-US" altLang="zh-CN" sz="2000" dirty="0" smtClean="0"/>
-              <a:t>persistence-unit</a:t>
-            </a:r>
-          </a:p>
-          <a:p>
-            <a:pPr marL="457200" lvl="1" indent="0">
-              <a:buNone/>
-            </a:pPr>
-            <a:r>
-              <a:rPr lang="en-US" altLang="zh-CN" sz="1400" dirty="0"/>
-              <a:t>&lt;persistence-unit name="</a:t>
-            </a:r>
-            <a:r>
-              <a:rPr lang="en-US" altLang="zh-CN" sz="1400" dirty="0" err="1"/>
-              <a:t>hbase_pu</a:t>
-            </a:r>
-            <a:r>
-              <a:rPr lang="en-US" altLang="zh-CN" sz="1400" dirty="0"/>
-              <a:t>"&gt;</a:t>
-            </a:r>
-          </a:p>
-          <a:p>
-            <a:pPr marL="457200" lvl="1" indent="0">
-              <a:buNone/>
-            </a:pPr>
-            <a:r>
-              <a:rPr lang="en-US" altLang="zh-CN" sz="1400" dirty="0"/>
-              <a:t>	&lt;provider&gt;</a:t>
-            </a:r>
-            <a:r>
-              <a:rPr lang="en-US" altLang="zh-CN" sz="1400" dirty="0" err="1"/>
-              <a:t>com.impetus.kundera.KunderaPersistence</a:t>
-            </a:r>
-            <a:r>
-              <a:rPr lang="en-US" altLang="zh-CN" sz="1400" dirty="0"/>
-              <a:t>&lt;/provider&gt;</a:t>
-            </a:r>
-          </a:p>
-          <a:p>
-            <a:pPr marL="457200" lvl="1" indent="0">
-              <a:buNone/>
-            </a:pPr>
-            <a:r>
-              <a:rPr lang="en-US" altLang="zh-CN" sz="1400" dirty="0"/>
-              <a:t>		&lt;properties&gt;</a:t>
-            </a:r>
-          </a:p>
-          <a:p>
-            <a:pPr marL="457200" lvl="1" indent="0">
-              <a:buNone/>
-            </a:pPr>
-            <a:r>
-              <a:rPr lang="en-US" altLang="zh-CN" sz="1400" dirty="0"/>
-              <a:t>		&lt;property name="</a:t>
-            </a:r>
-            <a:r>
-              <a:rPr lang="en-US" altLang="zh-CN" sz="1400" dirty="0" err="1"/>
-              <a:t>kundera.nodes</a:t>
-            </a:r>
-            <a:r>
-              <a:rPr lang="en-US" altLang="zh-CN" sz="1400" dirty="0"/>
-              <a:t>" value="localhost" /&gt;</a:t>
-            </a:r>
-          </a:p>
-          <a:p>
-            <a:pPr marL="457200" lvl="1" indent="0">
-              <a:buNone/>
-            </a:pPr>
-            <a:r>
-              <a:rPr lang="en-US" altLang="zh-CN" sz="1400" dirty="0"/>
-              <a:t>		&lt;property name="</a:t>
-            </a:r>
-            <a:r>
-              <a:rPr lang="en-US" altLang="zh-CN" sz="1400" dirty="0" err="1"/>
-              <a:t>kundera.port</a:t>
-            </a:r>
-            <a:r>
-              <a:rPr lang="en-US" altLang="zh-CN" sz="1400" dirty="0"/>
-              <a:t>" value="2181" /&gt;</a:t>
-            </a:r>
-          </a:p>
-          <a:p>
-            <a:pPr marL="457200" lvl="1" indent="0">
-              <a:buNone/>
-            </a:pPr>
-            <a:r>
-              <a:rPr lang="en-US" altLang="zh-CN" sz="1400" dirty="0"/>
-              <a:t>		&lt;property name="</a:t>
-            </a:r>
-            <a:r>
-              <a:rPr lang="en-US" altLang="zh-CN" sz="1400" dirty="0" err="1"/>
-              <a:t>kundera.keyspace</a:t>
-            </a:r>
-            <a:r>
-              <a:rPr lang="en-US" altLang="zh-CN" sz="1400" dirty="0"/>
-              <a:t>" value="</a:t>
-            </a:r>
-            <a:r>
-              <a:rPr lang="en-US" altLang="zh-CN" sz="1400" dirty="0" err="1"/>
-              <a:t>KunderaExample</a:t>
-            </a:r>
-            <a:r>
-              <a:rPr lang="en-US" altLang="zh-CN" sz="1400" dirty="0"/>
-              <a:t>" /&gt;</a:t>
-            </a:r>
-          </a:p>
-          <a:p>
-            <a:pPr marL="457200" lvl="1" indent="0">
-              <a:buNone/>
-            </a:pPr>
-            <a:r>
-              <a:rPr lang="en-US" altLang="zh-CN" sz="1400" dirty="0"/>
-              <a:t>		&lt;property name="</a:t>
-            </a:r>
-            <a:r>
-              <a:rPr lang="en-US" altLang="zh-CN" sz="1400" dirty="0" err="1"/>
-              <a:t>kundera.dialect</a:t>
-            </a:r>
-            <a:r>
-              <a:rPr lang="en-US" altLang="zh-CN" sz="1400" dirty="0"/>
-              <a:t>" value="</a:t>
-            </a:r>
-            <a:r>
-              <a:rPr lang="en-US" altLang="zh-CN" sz="1400" dirty="0" err="1"/>
-              <a:t>hbase</a:t>
-            </a:r>
-            <a:r>
-              <a:rPr lang="en-US" altLang="zh-CN" sz="1400" dirty="0"/>
-              <a:t>" /&gt;</a:t>
-            </a:r>
-          </a:p>
-          <a:p>
-            <a:pPr marL="457200" lvl="1" indent="0">
-              <a:buNone/>
-            </a:pPr>
-            <a:r>
-              <a:rPr lang="en-US" altLang="zh-CN" sz="1400" dirty="0"/>
-              <a:t>		&lt;property name="</a:t>
-            </a:r>
-            <a:r>
-              <a:rPr lang="en-US" altLang="zh-CN" sz="1400" dirty="0" err="1"/>
-              <a:t>kundera.client.lookup.class</a:t>
-            </a:r>
-            <a:r>
-              <a:rPr lang="en-US" altLang="zh-CN" sz="1400" dirty="0"/>
-              <a:t>" value="</a:t>
-            </a:r>
-            <a:r>
-              <a:rPr lang="en-US" altLang="zh-CN" sz="1400" dirty="0" err="1"/>
-              <a:t>com.impetus</a:t>
-            </a:r>
-            <a:r>
-              <a:rPr lang="en-US" altLang="zh-CN" sz="1400" dirty="0"/>
-              <a:t>.</a:t>
-            </a:r>
-          </a:p>
-          <a:p>
-            <a:pPr marL="457200" lvl="1" indent="0">
-              <a:buNone/>
-            </a:pPr>
-            <a:r>
-              <a:rPr lang="en-US" altLang="zh-CN" sz="1400" dirty="0"/>
-              <a:t>		</a:t>
-            </a:r>
-            <a:r>
-              <a:rPr lang="en-US" altLang="zh-CN" sz="1400" dirty="0" err="1"/>
-              <a:t>client.hbase.HBaseClientFactory</a:t>
-            </a:r>
-            <a:r>
-              <a:rPr lang="en-US" altLang="zh-CN" sz="1400" dirty="0"/>
-              <a:t>" /&gt;</a:t>
-            </a:r>
-          </a:p>
-          <a:p>
-            <a:pPr marL="457200" lvl="1" indent="0">
-              <a:buNone/>
-            </a:pPr>
-            <a:r>
-              <a:rPr lang="en-US" altLang="zh-CN" sz="1400" dirty="0"/>
-              <a:t>		&lt;/properties&gt;</a:t>
-            </a:r>
-          </a:p>
-          <a:p>
-            <a:pPr marL="457200" lvl="1" indent="0">
-              <a:buNone/>
-            </a:pPr>
-            <a:r>
-              <a:rPr lang="en-US" altLang="zh-CN" sz="1400" dirty="0"/>
-              <a:t>&lt;/persistence-unit</a:t>
-            </a:r>
-            <a:r>
-              <a:rPr lang="en-US" altLang="zh-CN" sz="1400" dirty="0" smtClean="0"/>
-              <a:t>&gt;</a:t>
-            </a:r>
-          </a:p>
-          <a:p>
-            <a:pPr lvl="1"/>
-            <a:r>
-              <a:rPr lang="en-US" altLang="zh-CN" sz="1800" dirty="0" err="1"/>
-              <a:t>EntityManagerFactory</a:t>
-            </a:r>
-            <a:r>
-              <a:rPr lang="en-US" altLang="zh-CN" sz="1800" dirty="0"/>
+              <a:rPr lang="en-US" altLang="zh-CN" sz="2000" b="1" dirty="0"/>
+              <a:t>/pom.xml</a:t>
+            </a:r>
+            <a:endParaRPr lang="zh-CN" altLang="en-US" sz="2000" dirty="0"/>
+          </a:p>
+        </p:txBody>
+      </p:sp>
+      <p:sp>
+        <p:nvSpPr>
+          <p:cNvPr id="3" name="标题 2"/>
+          <p:cNvSpPr>
+            <a:spLocks noGrp="1"/>
+          </p:cNvSpPr>
+          <p:nvPr>
+            <p:ph type="title"/>
+          </p:nvPr>
+        </p:nvSpPr>
+        <p:spPr/>
+        <p:txBody>
+          <a:bodyPr/>
+          <a:lstStyle/>
+          <a:p>
+            <a:r>
+              <a:rPr lang="en-US" altLang="zh-CN" dirty="0" err="1"/>
+              <a:t>HBase</a:t>
+            </a:r>
+            <a:r>
+              <a:rPr lang="zh-CN" altLang="en-US" dirty="0"/>
               <a:t> </a:t>
             </a:r>
             <a:r>
-              <a:rPr lang="en-US" altLang="zh-CN" sz="1800" dirty="0" err="1"/>
-              <a:t>emf</a:t>
-            </a:r>
-            <a:r>
-              <a:rPr lang="en-US" altLang="zh-CN" sz="1800" dirty="0"/>
-              <a:t> = </a:t>
-            </a:r>
-            <a:r>
-              <a:rPr lang="en-US" altLang="zh-CN" sz="1800" dirty="0" err="1"/>
-              <a:t>Persistence.createEntityManagerFactory</a:t>
-            </a:r>
-            <a:r>
-              <a:rPr lang="en-US" altLang="zh-CN" sz="1800" dirty="0"/>
-              <a:t>("</a:t>
-            </a:r>
-            <a:r>
-              <a:rPr lang="en-US" altLang="zh-CN" sz="1800" dirty="0" err="1"/>
-              <a:t>hbase_pu</a:t>
-            </a:r>
-            <a:r>
-              <a:rPr lang="en-US" altLang="zh-CN" sz="1800" dirty="0"/>
-              <a:t>");</a:t>
-            </a:r>
-          </a:p>
-          <a:p>
-            <a:pPr lvl="1"/>
-            <a:r>
-              <a:rPr lang="en-US" altLang="zh-CN" sz="1800" dirty="0" err="1"/>
-              <a:t>EntityManager</a:t>
-            </a:r>
-            <a:r>
-              <a:rPr lang="en-US" altLang="zh-CN" sz="1800" dirty="0"/>
-              <a:t> </a:t>
-            </a:r>
-            <a:r>
-              <a:rPr lang="en-US" altLang="zh-CN" sz="1800" dirty="0" err="1"/>
-              <a:t>em</a:t>
-            </a:r>
-            <a:r>
-              <a:rPr lang="en-US" altLang="zh-CN" sz="1800" dirty="0"/>
-              <a:t> = </a:t>
-            </a:r>
-            <a:r>
-              <a:rPr lang="en-US" altLang="zh-CN" sz="1800" dirty="0" err="1"/>
-              <a:t>emf.createEntityManager</a:t>
-            </a:r>
-            <a:r>
-              <a:rPr lang="en-US" altLang="zh-CN" sz="1800" dirty="0"/>
-              <a:t>();</a:t>
-            </a:r>
-            <a:endParaRPr lang="en-US" altLang="zh-CN" sz="1800" dirty="0" smtClean="0"/>
-          </a:p>
-          <a:p>
-            <a:pPr marL="457200" lvl="1" indent="0">
-              <a:buNone/>
-            </a:pPr>
-            <a:endParaRPr lang="zh-CN" altLang="en-US" sz="1400" dirty="0"/>
-          </a:p>
-        </p:txBody>
-      </p:sp>
-      <p:sp>
-        <p:nvSpPr>
-          <p:cNvPr id="3" name="标题 2"/>
-          <p:cNvSpPr>
-            <a:spLocks noGrp="1"/>
-          </p:cNvSpPr>
-          <p:nvPr>
-            <p:ph type="title"/>
-          </p:nvPr>
-        </p:nvSpPr>
-        <p:spPr/>
-        <p:txBody>
-          <a:bodyPr/>
-          <a:lstStyle/>
-          <a:p>
-            <a:r>
-              <a:rPr lang="en-US" altLang="zh-CN" dirty="0" err="1" smtClean="0"/>
-              <a:t>HBase</a:t>
-            </a:r>
-            <a:r>
-              <a:rPr lang="zh-CN" altLang="en-US" dirty="0" smtClean="0"/>
-              <a:t> </a:t>
-            </a:r>
-            <a:r>
-              <a:rPr lang="en-US" altLang="zh-CN" dirty="0" smtClean="0"/>
+              <a:rPr lang="en-US" altLang="zh-CN" dirty="0"/>
               <a:t>- Kundera</a:t>
             </a:r>
             <a:endParaRPr lang="zh-CN" altLang="en-US" dirty="0"/>
@@ -18525,20 +18320,13 @@
     </p:spTree>
     <p:extLst>
       <p:ext uri="{BB962C8B-B14F-4D97-AF65-F5344CB8AC3E}">
-        <p14:creationId xmlns:p14="http://schemas.microsoft.com/office/powerpoint/2010/main" val="488597554"/>
+        <p14:creationId xmlns:p14="http://schemas.microsoft.com/office/powerpoint/2010/main" val="152409381"/>
       </p:ext>
     </p:extLst>
   </p:cSld>
   <p:clrMapOvr>
     <a:masterClrMapping/>
   </p:clrMapOvr>
-  <p:timing>
-    <p:tnLst>
-      <p:par>
-        <p:cTn id="1" dur="indefinite" restart="never" nodeType="tmRoot"/>
-      </p:par>
-    </p:tnLst>
-  </p:timing>
 </p:sld>
 </file>
 
@@ -18575,8 +18363,39 @@
           <a:lstStyle/>
           <a:p>
             <a:r>
-              <a:rPr lang="en-US" altLang="zh-CN" sz="2400" dirty="0" smtClean="0"/>
-              <a:t>Create</a:t>
+              <a:rPr lang="zh-CN" altLang="en-US" sz="2400" dirty="0" smtClean="0"/>
+              <a:t>步骤</a:t>
+            </a:r>
+            <a:endParaRPr lang="en-US" altLang="zh-CN" sz="2400" dirty="0" smtClean="0"/>
+          </a:p>
+          <a:p>
+            <a:r>
+              <a:rPr lang="en-US" altLang="zh-CN" sz="2400" dirty="0" err="1" smtClean="0"/>
+              <a:t>src</a:t>
+            </a:r>
+            <a:r>
+              <a:rPr lang="en-US" altLang="zh-CN" sz="2400" smtClean="0"/>
+              <a:t> persistence.xml</a:t>
+            </a:r>
+            <a:endParaRPr lang="en-US" altLang="zh-CN" sz="2400" dirty="0" smtClean="0"/>
+          </a:p>
+          <a:p>
+            <a:pPr lvl="1"/>
+            <a:r>
+              <a:rPr lang="zh-CN" altLang="en-US" sz="2000" dirty="0" smtClean="0"/>
+              <a:t>在</a:t>
+            </a:r>
+            <a:r>
+              <a:rPr lang="en-US" altLang="zh-CN" sz="2000" dirty="0" smtClean="0"/>
+              <a:t>xml</a:t>
+            </a:r>
+            <a:r>
+              <a:rPr lang="zh-CN" altLang="en-US" sz="2000" dirty="0" smtClean="0"/>
+              <a:t>中定义</a:t>
+            </a:r>
+            <a:r>
+              <a:rPr lang="en-US" altLang="zh-CN" sz="2000" dirty="0" smtClean="0"/>
+              <a:t>persistence-unit</a:t>
             </a:r>
           </a:p>
           <a:p>
@@ -18584,16 +18403,16 @@
               <a:buNone/>
             </a:pPr>
             <a:r>
-              <a:rPr lang="en-US" altLang="zh-CN" sz="2000" dirty="0"/>
-              <a:t>Employee </a:t>
-            </a:r>
-            <a:r>
-              <a:rPr lang="en-US" altLang="zh-CN" sz="2000" dirty="0" err="1"/>
-              <a:t>employee</a:t>
-            </a:r>
-            <a:r>
-              <a:rPr lang="en-US" altLang="zh-CN" sz="2000" dirty="0"/>
-              <a:t> = new Employee();</a:t>
+              <a:rPr lang="en-US" altLang="zh-CN" sz="1400" dirty="0"/>
+              <a:t>&lt;persistence-unit name="</a:t>
+            </a:r>
+            <a:r>
+              <a:rPr lang="en-US" altLang="zh-CN" sz="1400" dirty="0" err="1"/>
+              <a:t>hbase_pu</a:t>
+            </a:r>
+            <a:r>
+              <a:rPr lang="en-US" altLang="zh-CN" sz="1400" dirty="0"/>
+              <a:t>"&gt;</a:t>
             </a:r>
           </a:p>
           <a:p>
@@ -18601,12 +18420,16 @@
               <a:buNone/>
             </a:pPr>
             <a:r>
-              <a:rPr lang="en-US" altLang="zh-CN" sz="2000" dirty="0" err="1"/>
-              <a:t>employee.setEmployeeId</a:t>
-            </a:r>
-            <a:r>
-              <a:rPr lang="en-US" altLang="zh-CN" sz="2000" dirty="0"/>
-              <a:t>("1");</a:t>
+              <a:rPr lang="en-US" altLang="zh-CN" sz="1400" dirty="0"/>
+              <a:t>	&lt;provider&gt;</a:t>
+            </a:r>
+            <a:r>
+              <a:rPr lang="en-US" altLang="zh-CN" sz="1400" dirty="0" err="1"/>
+              <a:t>com.impetus.kundera.KunderaPersistence</a:t>
+            </a:r>
+            <a:r>
+              <a:rPr lang="en-US" altLang="zh-CN" sz="1400" dirty="0"/>
+              <a:t>&lt;/provider&gt;</a:t>
             </a:r>
           </a:p>
           <a:p>
@@ -18614,12 +18437,8 @@
               <a:buNone/>
             </a:pPr>
             <a:r>
-              <a:rPr lang="en-US" altLang="zh-CN" sz="2000" dirty="0" err="1"/>
-              <a:t>employee.setEmployeeName</a:t>
-            </a:r>
-            <a:r>
-              <a:rPr lang="en-US" altLang="zh-CN" sz="2000" dirty="0"/>
-              <a:t>("John");</a:t>
+              <a:rPr lang="en-US" altLang="zh-CN" sz="1400" dirty="0"/>
+              <a:t>		&lt;properties&gt;</a:t>
             </a:r>
           </a:p>
           <a:p>
@@ -18627,12 +18446,16 @@
               <a:buNone/>
             </a:pPr>
             <a:r>
-              <a:rPr lang="en-US" altLang="zh-CN" sz="2000" dirty="0" err="1"/>
-              <a:t>employee.setAddress</a:t>
-            </a:r>
-            <a:r>
-              <a:rPr lang="en-US" altLang="zh-CN" sz="2000" dirty="0"/>
-              <a:t>("Atlanta");</a:t>
+              <a:rPr lang="en-US" altLang="zh-CN" sz="1400" dirty="0"/>
+              <a:t>		&lt;property name="</a:t>
+            </a:r>
+            <a:r>
+              <a:rPr lang="en-US" altLang="zh-CN" sz="1400" dirty="0" err="1"/>
+              <a:t>kundera.nodes</a:t>
+            </a:r>
+            <a:r>
+              <a:rPr lang="en-US" altLang="zh-CN" sz="1400" dirty="0"/>
+              <a:t>" value="localhost" /&gt;</a:t>
             </a:r>
           </a:p>
           <a:p>
@@ -18640,12 +18463,16 @@
               <a:buNone/>
             </a:pPr>
             <a:r>
-              <a:rPr lang="en-US" altLang="zh-CN" sz="2000" dirty="0" err="1"/>
-              <a:t>employee.setDepartment</a:t>
-            </a:r>
-            <a:r>
-              <a:rPr lang="en-US" altLang="zh-CN" sz="2000" dirty="0"/>
-              <a:t>("R&amp;D Labs");</a:t>
+              <a:rPr lang="en-US" altLang="zh-CN" sz="1400" dirty="0"/>
+              <a:t>		&lt;property name="</a:t>
+            </a:r>
+            <a:r>
+              <a:rPr lang="en-US" altLang="zh-CN" sz="1400" dirty="0" err="1"/>
+              <a:t>kundera.port</a:t>
+            </a:r>
+            <a:r>
+              <a:rPr lang="en-US" altLang="zh-CN" sz="1400" dirty="0"/>
+              <a:t>" value="2181" /&gt;</a:t>
             </a:r>
           </a:p>
           <a:p>
@@ -18653,8 +18480,24 @@
               <a:buNone/>
             </a:pPr>
             <a:r>
-              <a:rPr lang="en-US" altLang="zh-CN" sz="2000" dirty="0"/>
-              <a:t>// persist employee record.</a:t>
+              <a:rPr lang="en-US" altLang="zh-CN" sz="1400" dirty="0"/>
+              <a:t>		&lt;property name="</a:t>
+            </a:r>
+            <a:r>
+              <a:rPr lang="en-US" altLang="zh-CN" sz="1400" dirty="0" err="1"/>
+              <a:t>kundera.keyspace</a:t>
+            </a:r>
+            <a:r>
+              <a:rPr lang="en-US" altLang="zh-CN" sz="1400" dirty="0"/>
+              <a:t>" value="</a:t>
+            </a:r>
+            <a:r>
+              <a:rPr lang="en-US" altLang="zh-CN" sz="1400" dirty="0" err="1"/>
+              <a:t>KunderaExample</a:t>
+            </a:r>
+            <a:r>
+              <a:rPr lang="en-US" altLang="zh-CN" sz="1400" dirty="0"/>
+              <a:t>" /&gt;</a:t>
             </a:r>
           </a:p>
           <a:p>
@@ -18662,41 +18505,158 @@
               <a:buNone/>
             </a:pPr>
             <a:r>
-              <a:rPr lang="en-US" altLang="zh-CN" sz="2000" dirty="0" err="1"/>
-              <a:t>em.persist</a:t>
-            </a:r>
-            <a:r>
-              <a:rPr lang="en-US" altLang="zh-CN" sz="2000" dirty="0"/>
-              <a:t>(employee</a:t>
-            </a:r>
-            <a:r>
-              <a:rPr lang="en-US" altLang="zh-CN" sz="2000" dirty="0" smtClean="0"/>
-              <a:t>);</a:t>
+              <a:rPr lang="en-US" altLang="zh-CN" sz="1400" dirty="0"/>
+              <a:t>		&lt;property name="</a:t>
+            </a:r>
+            <a:r>
+              <a:rPr lang="en-US" altLang="zh-CN" sz="1400" dirty="0" err="1"/>
+              <a:t>kundera.dialect</a:t>
+            </a:r>
+            <a:r>
+              <a:rPr lang="en-US" altLang="zh-CN" sz="1400" dirty="0"/>
+              <a:t>" value="</a:t>
+            </a:r>
+            <a:r>
+              <a:rPr lang="en-US" altLang="zh-CN" sz="1400" dirty="0" err="1"/>
+              <a:t>hbase</a:t>
+            </a:r>
+            <a:r>
+              <a:rPr lang="en-US" altLang="zh-CN" sz="1400" dirty="0"/>
+              <a:t>" /&gt;</a:t>
             </a:r>
           </a:p>
           <a:p>
             <a:pPr marL="457200" lvl="1" indent="0">
               <a:buNone/>
             </a:pPr>
-            <a:endParaRPr lang="en-US" altLang="zh-CN" sz="2000" dirty="0"/>
+            <a:r>
+              <a:rPr lang="en-US" altLang="zh-CN" sz="1400" dirty="0"/>
+              <a:t>		&lt;property name="</a:t>
+            </a:r>
+            <a:r>
+              <a:rPr lang="en-US" altLang="zh-CN" sz="1400" dirty="0" err="1"/>
+              <a:t>kundera.client.lookup.class</a:t>
+            </a:r>
+            <a:r>
+              <a:rPr lang="en-US" altLang="zh-CN" sz="1400" dirty="0"/>
+              <a:t>" value="</a:t>
+            </a:r>
+            <a:r>
+              <a:rPr lang="en-US" altLang="zh-CN" sz="1400" dirty="0" err="1"/>
+              <a:t>com.impetus</a:t>
+            </a:r>
+            <a:r>
+              <a:rPr lang="en-US" altLang="zh-CN" sz="1400" dirty="0"/>
+              <a:t>.</a:t>
+            </a:r>
           </a:p>
           <a:p>
             <a:pPr marL="457200" lvl="1" indent="0">
               <a:buNone/>
             </a:pPr>
             <a:r>
-              <a:rPr lang="zh-CN" altLang="en-US" sz="2000" dirty="0" smtClean="0"/>
-              <a:t>可以通过</a:t>
-            </a:r>
-            <a:r>
-              <a:rPr lang="en-US" altLang="zh-CN" sz="2000" dirty="0" smtClean="0"/>
-              <a:t>shell scan</a:t>
-            </a:r>
-            <a:r>
-              <a:rPr lang="zh-CN" altLang="en-US" sz="2000" dirty="0" smtClean="0"/>
-              <a:t>是否操作成功</a:t>
-            </a:r>
-            <a:endParaRPr lang="zh-CN" altLang="en-US" sz="2000" dirty="0"/>
+              <a:rPr lang="en-US" altLang="zh-CN" sz="1400" dirty="0"/>
+              <a:t>		</a:t>
+            </a:r>
+            <a:r>
+              <a:rPr lang="en-US" altLang="zh-CN" sz="1400" dirty="0" err="1"/>
+              <a:t>client.hbase.HBaseClientFactory</a:t>
+            </a:r>
+            <a:r>
+              <a:rPr lang="en-US" altLang="zh-CN" sz="1400" dirty="0"/>
+              <a:t>" /&gt;</a:t>
+            </a:r>
+          </a:p>
+          <a:p>
+            <a:pPr marL="457200" lvl="1" indent="0">
+              <a:buNone/>
+            </a:pPr>
+            <a:r>
+              <a:rPr lang="en-US" altLang="zh-CN" sz="1400" dirty="0"/>
+              <a:t>		&lt;/properties&gt;</a:t>
+            </a:r>
+          </a:p>
+          <a:p>
+            <a:pPr marL="457200" lvl="1" indent="0">
+              <a:buNone/>
+            </a:pPr>
+            <a:r>
+              <a:rPr lang="en-US" altLang="zh-CN" sz="1400" dirty="0"/>
+              <a:t>&lt;/persistence-unit</a:t>
+            </a:r>
+            <a:r>
+              <a:rPr lang="en-US" altLang="zh-CN" sz="1400" dirty="0" smtClean="0"/>
+              <a:t>&gt;</a:t>
+            </a:r>
+          </a:p>
+          <a:p>
+            <a:pPr lvl="1"/>
+            <a:r>
+              <a:rPr lang="en-US" altLang="zh-CN" sz="1800" dirty="0" err="1"/>
+              <a:t>EntityManagerFactory</a:t>
+            </a:r>
+            <a:r>
+              <a:rPr lang="en-US" altLang="zh-CN" sz="1800" dirty="0"/>
+              <a:t> </a:t>
+            </a:r>
+            <a:r>
+              <a:rPr lang="en-US" altLang="zh-CN" sz="1800" dirty="0" err="1"/>
+              <a:t>emf</a:t>
+            </a:r>
+            <a:r>
+              <a:rPr lang="en-US" altLang="zh-CN" sz="1800" dirty="0"/>
+              <a:t> = </a:t>
+            </a:r>
+            <a:r>
+              <a:rPr lang="en-US" altLang="zh-CN" sz="1800" dirty="0" err="1"/>
+              <a:t>Persistence.createEntityManagerFactory</a:t>
+            </a:r>
+            <a:r>
+              <a:rPr lang="en-US" altLang="zh-CN" sz="1800" dirty="0"/>
+              <a:t>("</a:t>
+            </a:r>
+            <a:r>
+              <a:rPr lang="en-US" altLang="zh-CN" sz="1800" dirty="0" err="1"/>
+              <a:t>hbase_pu</a:t>
+            </a:r>
+            <a:r>
+              <a:rPr lang="en-US" altLang="zh-CN" sz="1800" dirty="0"/>
+              <a:t>");</a:t>
+            </a:r>
+          </a:p>
+          <a:p>
+            <a:pPr lvl="1"/>
+            <a:r>
+              <a:rPr lang="en-US" altLang="zh-CN" sz="1800" dirty="0" err="1"/>
+              <a:t>EntityManager</a:t>
+            </a:r>
+            <a:r>
+              <a:rPr lang="en-US" altLang="zh-CN" sz="1800" dirty="0"/>
+              <a:t> </a:t>
+            </a:r>
+            <a:r>
+              <a:rPr lang="en-US" altLang="zh-CN" sz="1800" dirty="0" err="1"/>
+              <a:t>em</a:t>
+            </a:r>
+            <a:r>
+              <a:rPr lang="en-US" altLang="zh-CN" sz="1800" dirty="0"/>
+              <a:t> = </a:t>
+            </a:r>
+            <a:r>
+              <a:rPr lang="en-US" altLang="zh-CN" sz="1800" dirty="0" err="1"/>
+              <a:t>emf.createEntityManager</a:t>
+            </a:r>
+            <a:r>
+              <a:rPr lang="en-US" altLang="zh-CN" sz="1800" dirty="0"/>
+              <a:t>();</a:t>
+            </a:r>
+            <a:endParaRPr lang="en-US" altLang="zh-CN" sz="1800" dirty="0" smtClean="0"/>
+          </a:p>
+          <a:p>
+            <a:pPr marL="457200" lvl="1" indent="0">
+              <a:buNone/>
+            </a:pPr>
+            <a:endParaRPr lang="zh-CN" altLang="en-US" sz="1400" dirty="0"/>
           </a:p>
         </p:txBody>
       </p:sp>
@@ -18734,7 +18694,7 @@
     </p:spTree>
     <p:extLst>
       <p:ext uri="{BB962C8B-B14F-4D97-AF65-F5344CB8AC3E}">
-        <p14:creationId xmlns:p14="http://schemas.microsoft.com/office/powerpoint/2010/main" val="2328046391"/>
+        <p14:creationId xmlns:p14="http://schemas.microsoft.com/office/powerpoint/2010/main" val="488597554"/>
       </p:ext>
     </p:extLst>
   </p:cSld>
@@ -19065,29 +19025,7 @@
           <a:p>
             <a:r>
               <a:rPr lang="en-US" altLang="zh-CN" sz="2400" dirty="0" smtClean="0"/>
-              <a:t>Read</a:t>
-            </a:r>
-          </a:p>
-          <a:p>
-            <a:pPr marL="457200" lvl="1" indent="0">
-              <a:buNone/>
-            </a:pPr>
-            <a:r>
-              <a:rPr lang="en-US" altLang="zh-CN" sz="2000" dirty="0" err="1"/>
-              <a:t>System.out.println</a:t>
-            </a:r>
-            <a:r>
-              <a:rPr lang="en-US" altLang="zh-CN" sz="2000" dirty="0"/>
-              <a:t>("Finding employee record operation.");</a:t>
-            </a:r>
-          </a:p>
-          <a:p>
-            <a:pPr marL="457200" lvl="1" indent="0">
-              <a:buNone/>
-            </a:pPr>
-            <a:r>
-              <a:rPr lang="en-US" altLang="zh-CN" sz="2000" dirty="0"/>
-              <a:t>// Find persisted employee record.</a:t>
+              <a:t>Create</a:t>
             </a:r>
           </a:p>
           <a:p>
@@ -19100,27 +19038,37 @@
             </a:r>
             <a:r>
               <a:rPr lang="en-US" altLang="zh-CN" sz="2000" dirty="0" err="1"/>
-              <a:t>foundEmployee</a:t>
+              <a:t>employee</a:t>
             </a:r>
             <a:r>
               <a:rPr lang="en-US" altLang="zh-CN" sz="2000" dirty="0"/>
-              <a:t> = </a:t>
-            </a:r>
+              <a:t> = new Employee();</a:t>
+            </a:r>
+          </a:p>
+          <a:p>
+            <a:pPr marL="457200" lvl="1" indent="0">
+              <a:buNone/>
+            </a:pPr>
             <a:r>
               <a:rPr lang="en-US" altLang="zh-CN" sz="2000" dirty="0" err="1"/>
-              <a:t>em.find</a:t>
+              <a:t>employee.setEmployeeId</a:t>
             </a:r>
             <a:r>
               <a:rPr lang="en-US" altLang="zh-CN" sz="2000" dirty="0"/>
-              <a:t>(</a:t>
-            </a:r>
+              <a:t>("1");</a:t>
+            </a:r>
+          </a:p>
+          <a:p>
+            <a:pPr marL="457200" lvl="1" indent="0">
+              <a:buNone/>
+            </a:pPr>
             <a:r>
               <a:rPr lang="en-US" altLang="zh-CN" sz="2000" dirty="0" err="1"/>
-              <a:t>Employee.class</a:t>
+              <a:t>employee.setEmployeeName</a:t>
             </a:r>
             <a:r>
               <a:rPr lang="en-US" altLang="zh-CN" sz="2000" dirty="0"/>
-              <a:t>, "1");</a:t>
+              <a:t>("John");</a:t>
             </a:r>
           </a:p>
           <a:p>
@@ -19129,19 +19077,24 @@
             </a:pPr>
             <a:r>
               <a:rPr lang="en-US" altLang="zh-CN" sz="2000" dirty="0" err="1"/>
-              <a:t>System.out.println</a:t>
+              <a:t>employee.setAddress</a:t>
             </a:r>
             <a:r>
               <a:rPr lang="en-US" altLang="zh-CN" sz="2000" dirty="0"/>
-              <a:t>(</a:t>
-            </a:r>
+              <a:t>("Atlanta");</a:t>
+            </a:r>
+          </a:p>
+          <a:p>
+            <a:pPr marL="457200" lvl="1" indent="0">
+              <a:buNone/>
+            </a:pPr>
             <a:r>
               <a:rPr lang="en-US" altLang="zh-CN" sz="2000" dirty="0" err="1"/>
-              <a:t>foundEmployee.getEmployeeId</a:t>
+              <a:t>employee.setDepartment</a:t>
             </a:r>
             <a:r>
               <a:rPr lang="en-US" altLang="zh-CN" sz="2000" dirty="0"/>
-              <a:t>());</a:t>
+              <a:t>("R&amp;D Labs");</a:t>
             </a:r>
           </a:p>
           <a:p>
@@ -19149,62 +19102,48 @@
               <a:buNone/>
             </a:pPr>
             <a:r>
+              <a:rPr lang="en-US" altLang="zh-CN" sz="2000" dirty="0"/>
+              <a:t>// persist employee record.</a:t>
+            </a:r>
+          </a:p>
+          <a:p>
+            <a:pPr marL="457200" lvl="1" indent="0">
+              <a:buNone/>
+            </a:pPr>
+            <a:r>
               <a:rPr lang="en-US" altLang="zh-CN" sz="2000" dirty="0" err="1"/>
-              <a:t>System.out.println</a:t>
+              <a:t>em.persist</a:t>
             </a:r>
             <a:r>
               <a:rPr lang="en-US" altLang="zh-CN" sz="2000" dirty="0"/>
-              <a:t>(</a:t>
-            </a:r>
-            <a:r>
-              <a:rPr lang="en-US" altLang="zh-CN" sz="2000" dirty="0" err="1"/>
-              <a:t>foundEmployee.getEmployeeName</a:t>
-            </a:r>
-            <a:r>
-              <a:rPr lang="en-US" altLang="zh-CN" sz="2000" dirty="0"/>
-              <a:t>());</a:t>
+              <a:t>(employee</a:t>
+            </a:r>
+            <a:r>
+              <a:rPr lang="en-US" altLang="zh-CN" sz="2000" dirty="0" smtClean="0"/>
+              <a:t>);</a:t>
             </a:r>
           </a:p>
           <a:p>
             <a:pPr marL="457200" lvl="1" indent="0">
               <a:buNone/>
             </a:pPr>
-            <a:r>
-              <a:rPr lang="en-US" altLang="zh-CN" sz="2000" dirty="0" err="1"/>
-              <a:t>System.out.println</a:t>
-            </a:r>
-            <a:r>
-              <a:rPr lang="en-US" altLang="zh-CN" sz="2000" dirty="0"/>
-              <a:t>(</a:t>
-            </a:r>
-            <a:r>
-              <a:rPr lang="en-US" altLang="zh-CN" sz="2000" dirty="0" err="1"/>
-              <a:t>foundEmployee.getAddress</a:t>
-            </a:r>
-            <a:r>
-              <a:rPr lang="en-US" altLang="zh-CN" sz="2000" dirty="0"/>
-              <a:t>());</a:t>
-            </a:r>
+            <a:endParaRPr lang="en-US" altLang="zh-CN" sz="2000" dirty="0"/>
           </a:p>
           <a:p>
             <a:pPr marL="457200" lvl="1" indent="0">
               <a:buNone/>
             </a:pPr>
             <a:r>
-              <a:rPr lang="en-US" altLang="zh-CN" sz="2000" dirty="0" err="1"/>
-              <a:t>System.out.println</a:t>
-            </a:r>
-            <a:r>
-              <a:rPr lang="en-US" altLang="zh-CN" sz="2000" dirty="0"/>
-              <a:t>(</a:t>
-            </a:r>
-            <a:r>
-              <a:rPr lang="en-US" altLang="zh-CN" sz="2000" dirty="0" err="1"/>
-              <a:t>foundEmployee.getDepartment</a:t>
-            </a:r>
-            <a:r>
-              <a:rPr lang="en-US" altLang="zh-CN" sz="2000" dirty="0"/>
-              <a:t>());</a:t>
+              <a:rPr lang="zh-CN" altLang="en-US" sz="2000" dirty="0" smtClean="0"/>
+              <a:t>可以通过</a:t>
+            </a:r>
+            <a:r>
+              <a:rPr lang="en-US" altLang="zh-CN" sz="2000" dirty="0" smtClean="0"/>
+              <a:t>shell scan</a:t>
+            </a:r>
+            <a:r>
+              <a:rPr lang="zh-CN" altLang="en-US" sz="2000" dirty="0" smtClean="0"/>
+              <a:t>是否操作成功</a:t>
             </a:r>
             <a:endParaRPr lang="zh-CN" altLang="en-US" sz="2000" dirty="0"/>
           </a:p>
@@ -19244,7 +19183,7 @@
     </p:spTree>
     <p:extLst>
       <p:ext uri="{BB962C8B-B14F-4D97-AF65-F5344CB8AC3E}">
-        <p14:creationId xmlns:p14="http://schemas.microsoft.com/office/powerpoint/2010/main" val="1264191063"/>
+        <p14:creationId xmlns:p14="http://schemas.microsoft.com/office/powerpoint/2010/main" val="2328046391"/>
       </p:ext>
     </p:extLst>
   </p:cSld>
@@ -19295,16 +19234,7 @@
           <a:p>
             <a:r>
               <a:rPr lang="en-US" altLang="zh-CN" sz="2400" dirty="0" smtClean="0"/>
-              <a:t>Update</a:t>
-            </a:r>
-          </a:p>
-          <a:p>
-            <a:pPr marL="457200" lvl="1" indent="0">
-              <a:buNone/>
-            </a:pPr>
-            <a:r>
-              <a:rPr lang="en-US" altLang="zh-CN" sz="2000" dirty="0"/>
-              <a:t>// update employee record.</a:t>
+              <a:t>Read</a:t>
             </a:r>
           </a:p>
           <a:p>
@@ -19317,7 +19247,7 @@
             </a:r>
             <a:r>
               <a:rPr lang="en-US" altLang="zh-CN" sz="2000" dirty="0"/>
-              <a:t>("Updating existing employee record.");</a:t>
+              <a:t>("Finding employee record operation.");</a:t>
             </a:r>
           </a:p>
           <a:p>
@@ -19325,21 +19255,29 @@
               <a:buNone/>
             </a:pPr>
             <a:r>
+              <a:rPr lang="en-US" altLang="zh-CN" sz="2000" dirty="0"/>
+              <a:t>// Find persisted employee record.</a:t>
+            </a:r>
+          </a:p>
+          <a:p>
+            <a:pPr marL="457200" lvl="1" indent="0">
+              <a:buNone/>
+            </a:pPr>
+            <a:r>
+              <a:rPr lang="en-US" altLang="zh-CN" sz="2000" dirty="0"/>
+              <a:t>Employee </a:t>
+            </a:r>
+            <a:r>
               <a:rPr lang="en-US" altLang="zh-CN" sz="2000" dirty="0" err="1"/>
-              <a:t>foundEmployee.setAddress</a:t>
+              <a:t>foundEmployee</a:t>
             </a:r>
             <a:r>
               <a:rPr lang="en-US" altLang="zh-CN" sz="2000" dirty="0"/>
-              <a:t>("New York");</a:t>
-            </a:r>
-          </a:p>
-          <a:p>
-            <a:pPr marL="457200" lvl="1" indent="0">
-              <a:buNone/>
-            </a:pPr>
+              <a:t> = </a:t>
+            </a:r>
             <a:r>
               <a:rPr lang="en-US" altLang="zh-CN" sz="2000" dirty="0" err="1"/>
-              <a:t>em.merge</a:t>
+              <a:t>em.find</a:t>
             </a:r>
             <a:r>
               <a:rPr lang="en-US" altLang="zh-CN" sz="2000" dirty="0"/>
@@ -19347,11 +19285,11 @@
             </a:r>
             <a:r>
               <a:rPr lang="en-US" altLang="zh-CN" sz="2000" dirty="0" err="1"/>
-              <a:t>foundEmployee</a:t>
+              <a:t>Employee.class</a:t>
             </a:r>
             <a:r>
               <a:rPr lang="en-US" altLang="zh-CN" sz="2000" dirty="0"/>
-              <a:t>);</a:t>
+              <a:t>, "1");</a:t>
             </a:r>
           </a:p>
           <a:p>
@@ -19364,7 +19302,15 @@
             </a:r>
             <a:r>
               <a:rPr lang="en-US" altLang="zh-CN" sz="2000" dirty="0"/>
-              <a:t>("Finding employee post merge operation.");</a:t>
+              <a:t>(</a:t>
+            </a:r>
+            <a:r>
+              <a:rPr lang="en-US" altLang="zh-CN" sz="2000" dirty="0" err="1"/>
+              <a:t>foundEmployee.getEmployeeId</a:t>
+            </a:r>
+            <a:r>
+              <a:rPr lang="en-US" altLang="zh-CN" sz="2000" dirty="0"/>
+              <a:t>());</a:t>
             </a:r>
           </a:p>
           <a:p>
@@ -19372,29 +19318,8 @@
               <a:buNone/>
             </a:pPr>
             <a:r>
-              <a:rPr lang="en-US" altLang="zh-CN" sz="2000" dirty="0"/>
-              <a:t>// Find updated employee record.</a:t>
-            </a:r>
-          </a:p>
-          <a:p>
-            <a:pPr marL="457200" lvl="1" indent="0">
-              <a:buNone/>
-            </a:pPr>
-            <a:r>
-              <a:rPr lang="en-US" altLang="zh-CN" sz="2000" dirty="0"/>
-              <a:t>Employee </a:t>
-            </a:r>
-            <a:r>
               <a:rPr lang="en-US" altLang="zh-CN" sz="2000" dirty="0" err="1"/>
-              <a:t>updatedEmployee</a:t>
-            </a:r>
-            <a:r>
-              <a:rPr lang="en-US" altLang="zh-CN" sz="2000" dirty="0"/>
-              <a:t> = </a:t>
-            </a:r>
-            <a:r>
-              <a:rPr lang="en-US" altLang="zh-CN" sz="2000" dirty="0" err="1"/>
-              <a:t>em.find</a:t>
+              <a:t>System.out.println</a:t>
             </a:r>
             <a:r>
               <a:rPr lang="en-US" altLang="zh-CN" sz="2000" dirty="0"/>
@@ -19402,11 +19327,11 @@
             </a:r>
             <a:r>
               <a:rPr lang="en-US" altLang="zh-CN" sz="2000" dirty="0" err="1"/>
-              <a:t>Employee.class</a:t>
+              <a:t>foundEmployee.getEmployeeName</a:t>
             </a:r>
             <a:r>
               <a:rPr lang="en-US" altLang="zh-CN" sz="2000" dirty="0"/>
-              <a:t>, "1");</a:t>
+              <a:t>());</a:t>
             </a:r>
           </a:p>
           <a:p>
@@ -19423,7 +19348,7 @@
             </a:r>
             <a:r>
               <a:rPr lang="en-US" altLang="zh-CN" sz="2000" dirty="0" err="1"/>
-              <a:t>updatedEmployee.getEmployeeId</a:t>
+              <a:t>foundEmployee.getAddress</a:t>
             </a:r>
             <a:r>
               <a:rPr lang="en-US" altLang="zh-CN" sz="2000" dirty="0"/>
@@ -19444,49 +19369,7 @@
             </a:r>
             <a:r>
               <a:rPr lang="en-US" altLang="zh-CN" sz="2000" dirty="0" err="1"/>
-              <a:t>updatedEmployee.getEmployeeName</a:t>
-            </a:r>
-            <a:r>
-              <a:rPr lang="en-US" altLang="zh-CN" sz="2000" dirty="0"/>
-              <a:t>());</a:t>
-            </a:r>
-          </a:p>
-          <a:p>
-            <a:pPr marL="457200" lvl="1" indent="0">
-              <a:buNone/>
-            </a:pPr>
-            <a:r>
-              <a:rPr lang="en-US" altLang="zh-CN" sz="2000" dirty="0" err="1"/>
-              <a:t>System.out.println</a:t>
-            </a:r>
-            <a:r>
-              <a:rPr lang="en-US" altLang="zh-CN" sz="2000" dirty="0"/>
-              <a:t>(</a:t>
-            </a:r>
-            <a:r>
-              <a:rPr lang="en-US" altLang="zh-CN" sz="2000" dirty="0" err="1"/>
-              <a:t>updatedEmployee.getAddress</a:t>
-            </a:r>
-            <a:r>
-              <a:rPr lang="en-US" altLang="zh-CN" sz="2000" dirty="0"/>
-              <a:t>());</a:t>
-            </a:r>
-          </a:p>
-          <a:p>
-            <a:pPr marL="457200" lvl="1" indent="0">
-              <a:buNone/>
-            </a:pPr>
-            <a:r>
-              <a:rPr lang="en-US" altLang="zh-CN" sz="2000" dirty="0" err="1"/>
-              <a:t>System.out.println</a:t>
-            </a:r>
-            <a:r>
-              <a:rPr lang="en-US" altLang="zh-CN" sz="2000" dirty="0"/>
-              <a:t>(</a:t>
-            </a:r>
-            <a:r>
-              <a:rPr lang="en-US" altLang="zh-CN" sz="2000" dirty="0" err="1"/>
-              <a:t>updatedEmployee.getDepartment</a:t>
+              <a:t>foundEmployee.getDepartment</a:t>
             </a:r>
             <a:r>
               <a:rPr lang="en-US" altLang="zh-CN" sz="2000" dirty="0"/>
@@ -19581,7 +19464,7 @@
           <a:p>
             <a:r>
               <a:rPr lang="en-US" altLang="zh-CN" sz="2400" dirty="0" smtClean="0"/>
-              <a:t>Delete</a:t>
+              <a:t>Update</a:t>
             </a:r>
           </a:p>
           <a:p>
@@ -19590,7 +19473,7 @@
             </a:pPr>
             <a:r>
               <a:rPr lang="en-US" altLang="zh-CN" sz="2000" dirty="0"/>
-              <a:t>// delete employee record.</a:t>
+              <a:t>// update employee record.</a:t>
             </a:r>
           </a:p>
           <a:p>
@@ -19599,7 +19482,33 @@
             </a:pPr>
             <a:r>
               <a:rPr lang="en-US" altLang="zh-CN" sz="2000" dirty="0" err="1"/>
-              <a:t>em.remove</a:t>
+              <a:t>System.out.println</a:t>
+            </a:r>
+            <a:r>
+              <a:rPr lang="en-US" altLang="zh-CN" sz="2000" dirty="0"/>
+              <a:t>("Updating existing employee record.");</a:t>
+            </a:r>
+          </a:p>
+          <a:p>
+            <a:pPr marL="457200" lvl="1" indent="0">
+              <a:buNone/>
+            </a:pPr>
+            <a:r>
+              <a:rPr lang="en-US" altLang="zh-CN" sz="2000" dirty="0" err="1"/>
+              <a:t>foundEmployee.setAddress</a:t>
+            </a:r>
+            <a:r>
+              <a:rPr lang="en-US" altLang="zh-CN" sz="2000" dirty="0"/>
+              <a:t>("New York");</a:t>
+            </a:r>
+          </a:p>
+          <a:p>
+            <a:pPr marL="457200" lvl="1" indent="0">
+              <a:buNone/>
+            </a:pPr>
+            <a:r>
+              <a:rPr lang="en-US" altLang="zh-CN" sz="2000" dirty="0" err="1"/>
+              <a:t>em.merge</a:t>
             </a:r>
             <a:r>
               <a:rPr lang="en-US" altLang="zh-CN" sz="2000" dirty="0"/>
@@ -19619,8 +19528,21 @@
               <a:buNone/>
             </a:pPr>
             <a:r>
+              <a:rPr lang="en-US" altLang="zh-CN" sz="2000" dirty="0" err="1"/>
+              <a:t>System.out.println</a:t>
+            </a:r>
+            <a:r>
               <a:rPr lang="en-US" altLang="zh-CN" sz="2000" dirty="0"/>
-              <a:t>// Find deleted employee record, it should be null.</a:t>
+              <a:t>("Finding employee post merge operation.");</a:t>
+            </a:r>
+          </a:p>
+          <a:p>
+            <a:pPr marL="457200" lvl="1" indent="0">
+              <a:buNone/>
+            </a:pPr>
+            <a:r>
+              <a:rPr lang="en-US" altLang="zh-CN" sz="2000" dirty="0"/>
+              <a:t>// Find updated employee record.</a:t>
             </a:r>
           </a:p>
           <a:p>
@@ -19633,7 +19555,7 @@
             </a:r>
             <a:r>
               <a:rPr lang="en-US" altLang="zh-CN" sz="2000" dirty="0" err="1"/>
-              <a:t>deletedEmployee</a:t>
+              <a:t>updatedEmployee</a:t>
             </a:r>
             <a:r>
               <a:rPr lang="en-US" altLang="zh-CN" sz="2000" dirty="0"/>
@@ -19666,7 +19588,15 @@
             </a:r>
             <a:r>
               <a:rPr lang="en-US" altLang="zh-CN" sz="2000" dirty="0"/>
-              <a:t>("After deletion employee object is"</a:t>
+              <a:t>(</a:t>
+            </a:r>
+            <a:r>
+              <a:rPr lang="en-US" altLang="zh-CN" sz="2000" dirty="0" err="1"/>
+              <a:t>updatedEmployee.getEmployeeId</a:t>
+            </a:r>
+            <a:r>
+              <a:rPr lang="en-US" altLang="zh-CN" sz="2000" dirty="0"/>
+              <a:t>());</a:t>
             </a:r>
           </a:p>
           <a:p>
@@ -19674,16 +19604,20 @@
               <a:buNone/>
             </a:pPr>
             <a:r>
+              <a:rPr lang="en-US" altLang="zh-CN" sz="2000" dirty="0" err="1"/>
+              <a:t>System.out.println</a:t>
+            </a:r>
+            <a:r>
               <a:rPr lang="en-US" altLang="zh-CN" sz="2000" dirty="0"/>
-              <a:t>+ </a:t>
+              <a:t>(</a:t>
             </a:r>
             <a:r>
               <a:rPr lang="en-US" altLang="zh-CN" sz="2000" dirty="0" err="1"/>
-              <a:t>deletedEmployee</a:t>
+              <a:t>updatedEmployee.getEmployeeName</a:t>
             </a:r>
             <a:r>
               <a:rPr lang="en-US" altLang="zh-CN" sz="2000" dirty="0"/>
-              <a:t>);</a:t>
+              <a:t>());</a:t>
             </a:r>
           </a:p>
           <a:p>
@@ -19691,16 +19625,20 @@
               <a:buNone/>
             </a:pPr>
             <a:r>
+              <a:rPr lang="en-US" altLang="zh-CN" sz="2000" dirty="0" err="1"/>
+              <a:t>System.out.println</a:t>
+            </a:r>
+            <a:r>
               <a:rPr lang="en-US" altLang="zh-CN" sz="2000" dirty="0"/>
-              <a:t>// close </a:t>
+              <a:t>(</a:t>
             </a:r>
             <a:r>
               <a:rPr lang="en-US" altLang="zh-CN" sz="2000" dirty="0" err="1"/>
-              <a:t>em</a:t>
+              <a:t>updatedEmployee.getAddress</a:t>
             </a:r>
             <a:r>
               <a:rPr lang="en-US" altLang="zh-CN" sz="2000" dirty="0"/>
-              <a:t> instance.</a:t>
+              <a:t>());</a:t>
             </a:r>
           </a:p>
           <a:p>
@@ -19709,41 +19647,19 @@
             </a:pPr>
             <a:r>
               <a:rPr lang="en-US" altLang="zh-CN" sz="2000" dirty="0" err="1"/>
-              <a:t>em.close</a:t>
+              <a:t>System.out.println</a:t>
             </a:r>
             <a:r>
               <a:rPr lang="en-US" altLang="zh-CN" sz="2000" dirty="0"/>
-              <a:t>();</a:t>
-            </a:r>
-          </a:p>
-          <a:p>
-            <a:pPr marL="457200" lvl="1" indent="0">
-              <a:buNone/>
-            </a:pPr>
+              <a:t>(</a:t>
+            </a:r>
+            <a:r>
+              <a:rPr lang="en-US" altLang="zh-CN" sz="2000" dirty="0" err="1"/>
+              <a:t>updatedEmployee.getDepartment</a:t>
+            </a:r>
             <a:r>
               <a:rPr lang="en-US" altLang="zh-CN" sz="2000" dirty="0"/>
-              <a:t>// close </a:t>
-            </a:r>
-            <a:r>
-              <a:rPr lang="en-US" altLang="zh-CN" sz="2000" dirty="0" err="1"/>
-              <a:t>emf</a:t>
-            </a:r>
-            <a:r>
-              <a:rPr lang="en-US" altLang="zh-CN" sz="2000" dirty="0"/>
-              <a:t> instance.</a:t>
-            </a:r>
-          </a:p>
-          <a:p>
-            <a:pPr marL="457200" lvl="1" indent="0">
-              <a:buNone/>
-            </a:pPr>
-            <a:r>
-              <a:rPr lang="en-US" altLang="zh-CN" sz="2000" dirty="0" err="1"/>
-              <a:t>emf.close</a:t>
-            </a:r>
-            <a:r>
-              <a:rPr lang="en-US" altLang="zh-CN" sz="2000" dirty="0"/>
-              <a:t>();</a:t>
+              <a:t>());</a:t>
             </a:r>
             <a:endParaRPr lang="zh-CN" altLang="en-US" sz="2000" dirty="0"/>
           </a:p>
@@ -19834,7 +19750,7 @@
           <a:p>
             <a:r>
               <a:rPr lang="en-US" altLang="zh-CN" sz="2400" dirty="0" smtClean="0"/>
-              <a:t>Query</a:t>
+              <a:t>Delete</a:t>
             </a:r>
           </a:p>
           <a:p>
@@ -19842,41 +19758,17 @@
               <a:buNone/>
             </a:pPr>
             <a:r>
+              <a:rPr lang="en-US" altLang="zh-CN" sz="2000" dirty="0"/>
+              <a:t>// delete employee record.</a:t>
+            </a:r>
+          </a:p>
+          <a:p>
+            <a:pPr marL="457200" lvl="1" indent="0">
+              <a:buNone/>
+            </a:pPr>
+            <a:r>
               <a:rPr lang="en-US" altLang="zh-CN" sz="2000" dirty="0" err="1"/>
-              <a:t>queryString</a:t>
-            </a:r>
-            <a:r>
-              <a:rPr lang="en-US" altLang="zh-CN" sz="2000" dirty="0"/>
-              <a:t> = "Select </a:t>
-            </a:r>
-            <a:r>
-              <a:rPr lang="en-US" altLang="zh-CN" sz="2000" dirty="0" err="1"/>
-              <a:t>e.employeeName</a:t>
-            </a:r>
-            <a:r>
-              <a:rPr lang="en-US" altLang="zh-CN" sz="2000" dirty="0"/>
-              <a:t>, </a:t>
-            </a:r>
-            <a:r>
-              <a:rPr lang="en-US" altLang="zh-CN" sz="2000" dirty="0" err="1"/>
-              <a:t>e.address</a:t>
-            </a:r>
-            <a:r>
-              <a:rPr lang="en-US" altLang="zh-CN" sz="2000" dirty="0"/>
-              <a:t> from Employee e";</a:t>
-            </a:r>
-          </a:p>
-          <a:p>
-            <a:pPr marL="457200" lvl="1" indent="0">
-              <a:buNone/>
-            </a:pPr>
-            <a:r>
-              <a:rPr lang="en-US" altLang="zh-CN" sz="2000" dirty="0"/>
-              <a:t>query = </a:t>
-            </a:r>
-            <a:r>
-              <a:rPr lang="en-US" altLang="zh-CN" sz="2000" dirty="0" err="1"/>
-              <a:t>em.createQuery</a:t>
+              <a:t>em.remove</a:t>
             </a:r>
             <a:r>
               <a:rPr lang="en-US" altLang="zh-CN" sz="2000" dirty="0"/>
@@ -19884,7 +19776,7 @@
             </a:r>
             <a:r>
               <a:rPr lang="en-US" altLang="zh-CN" sz="2000" dirty="0" err="1"/>
-              <a:t>queryString</a:t>
+              <a:t>foundEmployee</a:t>
             </a:r>
             <a:r>
               <a:rPr lang="en-US" altLang="zh-CN" sz="2000" dirty="0"/>
@@ -19897,22 +19789,131 @@
             </a:pPr>
             <a:r>
               <a:rPr lang="en-US" altLang="zh-CN" sz="2000" dirty="0"/>
-              <a:t>employees = </a:t>
+              <a:t>// Find deleted employee record, it should be null.</a:t>
+            </a:r>
+          </a:p>
+          <a:p>
+            <a:pPr marL="457200" lvl="1" indent="0">
+              <a:buNone/>
+            </a:pPr>
+            <a:r>
+              <a:rPr lang="en-US" altLang="zh-CN" sz="2000" dirty="0"/>
+              <a:t>Employee </a:t>
             </a:r>
             <a:r>
               <a:rPr lang="en-US" altLang="zh-CN" sz="2000" dirty="0" err="1"/>
-              <a:t>query.getResultList</a:t>
+              <a:t>deletedEmployee</a:t>
+            </a:r>
+            <a:r>
+              <a:rPr lang="en-US" altLang="zh-CN" sz="2000" dirty="0"/>
+              <a:t> = </a:t>
+            </a:r>
+            <a:r>
+              <a:rPr lang="en-US" altLang="zh-CN" sz="2000" dirty="0" err="1"/>
+              <a:t>em.find</a:t>
+            </a:r>
+            <a:r>
+              <a:rPr lang="en-US" altLang="zh-CN" sz="2000" dirty="0"/>
+              <a:t>(</a:t>
+            </a:r>
+            <a:r>
+              <a:rPr lang="en-US" altLang="zh-CN" sz="2000" dirty="0" err="1"/>
+              <a:t>Employee.class</a:t>
+            </a:r>
+            <a:r>
+              <a:rPr lang="en-US" altLang="zh-CN" sz="2000" dirty="0"/>
+              <a:t>, "1");</a:t>
+            </a:r>
+          </a:p>
+          <a:p>
+            <a:pPr marL="457200" lvl="1" indent="0">
+              <a:buNone/>
+            </a:pPr>
+            <a:r>
+              <a:rPr lang="en-US" altLang="zh-CN" sz="2000" dirty="0" err="1"/>
+              <a:t>System.out.println</a:t>
+            </a:r>
+            <a:r>
+              <a:rPr lang="en-US" altLang="zh-CN" sz="2000" dirty="0"/>
+              <a:t>("After deletion employee object is"</a:t>
+            </a:r>
+          </a:p>
+          <a:p>
+            <a:pPr marL="457200" lvl="1" indent="0">
+              <a:buNone/>
+            </a:pPr>
+            <a:r>
+              <a:rPr lang="en-US" altLang="zh-CN" sz="2000" dirty="0"/>
+              <a:t>+ </a:t>
+            </a:r>
+            <a:r>
+              <a:rPr lang="en-US" altLang="zh-CN" sz="2000" dirty="0" err="1"/>
+              <a:t>deletedEmployee</a:t>
+            </a:r>
+            <a:r>
+              <a:rPr lang="en-US" altLang="zh-CN" sz="2000" dirty="0"/>
+              <a:t>);</a:t>
+            </a:r>
+          </a:p>
+          <a:p>
+            <a:pPr marL="457200" lvl="1" indent="0">
+              <a:buNone/>
+            </a:pPr>
+            <a:r>
+              <a:rPr lang="en-US" altLang="zh-CN" sz="2000" dirty="0"/>
+              <a:t>// close </a:t>
+            </a:r>
+            <a:r>
+              <a:rPr lang="en-US" altLang="zh-CN" sz="2000" dirty="0" err="1"/>
+              <a:t>em</a:t>
+            </a:r>
+            <a:r>
+              <a:rPr lang="en-US" altLang="zh-CN" sz="2000" dirty="0"/>
+              <a:t> instance.</a:t>
+            </a:r>
+          </a:p>
+          <a:p>
+            <a:pPr marL="457200" lvl="1" indent="0">
+              <a:buNone/>
+            </a:pPr>
+            <a:r>
+              <a:rPr lang="en-US" altLang="zh-CN" sz="2000" dirty="0" err="1"/>
+              <a:t>em.close</a:t>
             </a:r>
             <a:r>
               <a:rPr lang="en-US" altLang="zh-CN" sz="2000" dirty="0"/>
               <a:t>();</a:t>
             </a:r>
-            <a:endParaRPr lang="en-US" altLang="zh-CN" sz="2000" dirty="0" smtClean="0"/>
           </a:p>
           <a:p>
             <a:pPr marL="457200" lvl="1" indent="0">
               <a:buNone/>
             </a:pPr>
+            <a:r>
+              <a:rPr lang="en-US" altLang="zh-CN" sz="2000" dirty="0"/>
+              <a:t>// close </a:t>
+            </a:r>
+            <a:r>
+              <a:rPr lang="en-US" altLang="zh-CN" sz="2000" dirty="0" err="1"/>
+              <a:t>emf</a:t>
+            </a:r>
+            <a:r>
+              <a:rPr lang="en-US" altLang="zh-CN" sz="2000" dirty="0"/>
+              <a:t> instance.</a:t>
+            </a:r>
+          </a:p>
+          <a:p>
+            <a:pPr marL="457200" lvl="1" indent="0">
+              <a:buNone/>
+            </a:pPr>
+            <a:r>
+              <a:rPr lang="en-US" altLang="zh-CN" sz="2000" dirty="0" err="1"/>
+              <a:t>emf.close</a:t>
+            </a:r>
+            <a:r>
+              <a:rPr lang="en-US" altLang="zh-CN" sz="2000" dirty="0"/>
+              <a:t>();</a:t>
+            </a:r>
             <a:endParaRPr lang="zh-CN" altLang="en-US" sz="2000" dirty="0"/>
           </a:p>
         </p:txBody>
@@ -19951,7 +19952,7 @@
     </p:spTree>
     <p:extLst>
       <p:ext uri="{BB962C8B-B14F-4D97-AF65-F5344CB8AC3E}">
-        <p14:creationId xmlns:p14="http://schemas.microsoft.com/office/powerpoint/2010/main" val="2660597932"/>
+        <p14:creationId xmlns:p14="http://schemas.microsoft.com/office/powerpoint/2010/main" val="1264191063"/>
       </p:ext>
     </p:extLst>
   </p:cSld>
@@ -20001,84 +20002,37 @@
           <a:lstStyle/>
           <a:p>
             <a:r>
-              <a:rPr lang="en-US" altLang="zh-CN" sz="2800" dirty="0" smtClean="0"/>
-              <a:t>Filter</a:t>
-            </a:r>
-            <a:r>
-              <a:rPr lang="zh-CN" altLang="en-US" sz="2800" dirty="0" smtClean="0"/>
-              <a:t>步骤</a:t>
-            </a:r>
-            <a:endParaRPr lang="en-US" altLang="zh-CN" sz="2800" dirty="0" smtClean="0"/>
-          </a:p>
-          <a:p>
-            <a:pPr lvl="1"/>
-            <a:r>
-              <a:rPr lang="zh-CN" altLang="en-US" sz="2400" dirty="0" smtClean="0"/>
-              <a:t>新建</a:t>
-            </a:r>
-            <a:r>
-              <a:rPr lang="en-US" altLang="zh-CN" sz="2400" dirty="0" err="1" smtClean="0"/>
-              <a:t>EntityManager</a:t>
-            </a:r>
-            <a:r>
-              <a:rPr lang="zh-CN" altLang="en-US" sz="2400" dirty="0" smtClean="0"/>
-              <a:t>，通过</a:t>
-            </a:r>
-            <a:r>
-              <a:rPr lang="en-US" altLang="zh-CN" sz="2400" dirty="0" err="1" smtClean="0"/>
-              <a:t>getDelegate</a:t>
-            </a:r>
-            <a:r>
-              <a:rPr lang="zh-CN" altLang="en-US" sz="2400" dirty="0" smtClean="0"/>
-              <a:t>获得</a:t>
-            </a:r>
-            <a:r>
               <a:rPr lang="en-US" altLang="zh-CN" sz="2400" dirty="0" smtClean="0"/>
-              <a:t>clients</a:t>
-            </a:r>
-          </a:p>
-          <a:p>
-            <a:pPr lvl="1"/>
-            <a:r>
-              <a:rPr lang="zh-CN" altLang="en-US" sz="2400" dirty="0" smtClean="0"/>
-              <a:t>从</a:t>
-            </a:r>
-            <a:r>
-              <a:rPr lang="en-US" altLang="zh-CN" sz="2400" dirty="0" smtClean="0"/>
-              <a:t>clients</a:t>
-            </a:r>
-            <a:r>
-              <a:rPr lang="zh-CN" altLang="en-US" sz="2400" dirty="0" smtClean="0"/>
-              <a:t>中取出具体</a:t>
-            </a:r>
-            <a:r>
-              <a:rPr lang="en-US" altLang="zh-CN" sz="2400" dirty="0" smtClean="0"/>
-              <a:t>client</a:t>
-            </a:r>
-          </a:p>
-          <a:p>
-            <a:pPr lvl="1"/>
-            <a:r>
-              <a:rPr lang="zh-CN" altLang="en-US" sz="2400" dirty="0" smtClean="0"/>
-              <a:t>创建一个</a:t>
-            </a:r>
-            <a:r>
-              <a:rPr lang="en-US" altLang="zh-CN" sz="2400" dirty="0" smtClean="0"/>
-              <a:t>Filter</a:t>
-            </a:r>
-            <a:r>
-              <a:rPr lang="zh-CN" altLang="en-US" sz="2400" dirty="0" smtClean="0"/>
-              <a:t>对象</a:t>
-            </a:r>
-            <a:endParaRPr lang="en-US" altLang="zh-CN" sz="2400" dirty="0" smtClean="0"/>
+              <a:t>Query</a:t>
+            </a:r>
           </a:p>
           <a:p>
             <a:pPr marL="457200" lvl="1" indent="0">
               <a:buNone/>
             </a:pPr>
             <a:r>
+              <a:rPr lang="en-US" altLang="zh-CN" sz="2000" dirty="0" err="1"/>
+              <a:t>queryString</a:t>
+            </a:r>
+            <a:r>
               <a:rPr lang="en-US" altLang="zh-CN" sz="2000" dirty="0"/>
-              <a:t>Map&lt;String, Client&gt; clients = (Map&lt;String, Client&gt;)</a:t>
+              <a:t> = "Select </a:t>
+            </a:r>
+            <a:r>
+              <a:rPr lang="en-US" altLang="zh-CN" sz="2000" dirty="0" err="1"/>
+              <a:t>e.employeeName</a:t>
+            </a:r>
+            <a:r>
+              <a:rPr lang="en-US" altLang="zh-CN" sz="2000" dirty="0"/>
+              <a:t>, </a:t>
+            </a:r>
+            <a:r>
+              <a:rPr lang="en-US" altLang="zh-CN" sz="2000" dirty="0" err="1"/>
+              <a:t>e.address</a:t>
+            </a:r>
+            <a:r>
+              <a:rPr lang="en-US" altLang="zh-CN" sz="2000" dirty="0"/>
+              <a:t> from Employee e";</a:t>
             </a:r>
           </a:p>
           <a:p>
@@ -20086,108 +20040,48 @@
               <a:buNone/>
             </a:pPr>
             <a:r>
+              <a:rPr lang="en-US" altLang="zh-CN" sz="2000" dirty="0"/>
+              <a:t>query = </a:t>
+            </a:r>
+            <a:r>
               <a:rPr lang="en-US" altLang="zh-CN" sz="2000" dirty="0" err="1"/>
-              <a:t>em.getDelegate</a:t>
+              <a:t>em.createQuery</a:t>
+            </a:r>
+            <a:r>
+              <a:rPr lang="en-US" altLang="zh-CN" sz="2000" dirty="0"/>
+              <a:t>(</a:t>
+            </a:r>
+            <a:r>
+              <a:rPr lang="en-US" altLang="zh-CN" sz="2000" dirty="0" err="1"/>
+              <a:t>queryString</a:t>
+            </a:r>
+            <a:r>
+              <a:rPr lang="en-US" altLang="zh-CN" sz="2000" dirty="0"/>
+              <a:t>);</a:t>
+            </a:r>
+          </a:p>
+          <a:p>
+            <a:pPr marL="457200" lvl="1" indent="0">
+              <a:buNone/>
+            </a:pPr>
+            <a:r>
+              <a:rPr lang="en-US" altLang="zh-CN" sz="2000" dirty="0"/>
+              <a:t>employees = </a:t>
+            </a:r>
+            <a:r>
+              <a:rPr lang="en-US" altLang="zh-CN" sz="2000" dirty="0" err="1"/>
+              <a:t>query.getResultList</a:t>
             </a:r>
             <a:r>
               <a:rPr lang="en-US" altLang="zh-CN" sz="2000" dirty="0"/>
               <a:t>();</a:t>
             </a:r>
+            <a:endParaRPr lang="en-US" altLang="zh-CN" sz="2000" dirty="0" smtClean="0"/>
           </a:p>
           <a:p>
             <a:pPr marL="457200" lvl="1" indent="0">
               <a:buNone/>
             </a:pPr>
-            <a:r>
-              <a:rPr lang="en-US" altLang="zh-CN" sz="2000" dirty="0" err="1"/>
-              <a:t>HBaseClient</a:t>
-            </a:r>
-            <a:r>
-              <a:rPr lang="en-US" altLang="zh-CN" sz="2000" dirty="0"/>
-              <a:t> client = (</a:t>
-            </a:r>
-            <a:r>
-              <a:rPr lang="en-US" altLang="zh-CN" sz="2000" dirty="0" err="1"/>
-              <a:t>HBaseClient</a:t>
-            </a:r>
-            <a:r>
-              <a:rPr lang="en-US" altLang="zh-CN" sz="2000" dirty="0"/>
-              <a:t>) </a:t>
-            </a:r>
-            <a:r>
-              <a:rPr lang="en-US" altLang="zh-CN" sz="2000" dirty="0" err="1"/>
-              <a:t>clients.get</a:t>
-            </a:r>
-            <a:r>
-              <a:rPr lang="en-US" altLang="zh-CN" sz="2000" dirty="0"/>
-              <a:t>("</a:t>
-            </a:r>
-            <a:r>
-              <a:rPr lang="en-US" altLang="zh-CN" sz="2000" dirty="0" err="1"/>
-              <a:t>hbaseTest</a:t>
-            </a:r>
-            <a:r>
-              <a:rPr lang="en-US" altLang="zh-CN" sz="2000" dirty="0"/>
-              <a:t>");</a:t>
-            </a:r>
-          </a:p>
-          <a:p>
-            <a:pPr marL="457200" lvl="1" indent="0">
-              <a:buNone/>
-            </a:pPr>
-            <a:r>
-              <a:rPr lang="en-US" altLang="zh-CN" sz="2000" dirty="0"/>
-              <a:t>Filter </a:t>
-            </a:r>
-            <a:r>
-              <a:rPr lang="en-US" altLang="zh-CN" sz="2000" dirty="0" err="1"/>
-              <a:t>prefixFilter</a:t>
-            </a:r>
-            <a:r>
-              <a:rPr lang="en-US" altLang="zh-CN" sz="2000" dirty="0"/>
-              <a:t> = new </a:t>
-            </a:r>
-            <a:r>
-              <a:rPr lang="en-US" altLang="zh-CN" sz="2000" dirty="0" err="1"/>
-              <a:t>PrefixFilter</a:t>
-            </a:r>
-            <a:r>
-              <a:rPr lang="en-US" altLang="zh-CN" sz="2000" dirty="0"/>
-              <a:t>(</a:t>
-            </a:r>
-            <a:r>
-              <a:rPr lang="en-US" altLang="zh-CN" sz="2000" dirty="0" err="1"/>
-              <a:t>Bytes.toBytes</a:t>
-            </a:r>
-            <a:r>
-              <a:rPr lang="en-US" altLang="zh-CN" sz="2000" dirty="0"/>
-              <a:t>("1"));</a:t>
-            </a:r>
-          </a:p>
-          <a:p>
-            <a:pPr marL="457200" lvl="1" indent="0">
-              <a:buNone/>
-            </a:pPr>
-            <a:r>
-              <a:rPr lang="en-US" altLang="zh-CN" sz="2000" dirty="0" err="1"/>
-              <a:t>client.setFilter</a:t>
-            </a:r>
-            <a:r>
-              <a:rPr lang="en-US" altLang="zh-CN" sz="2000" dirty="0"/>
-              <a:t>(</a:t>
-            </a:r>
-            <a:r>
-              <a:rPr lang="en-US" altLang="zh-CN" sz="2000" dirty="0" err="1"/>
-              <a:t>prefixFilter</a:t>
-            </a:r>
-            <a:r>
-              <a:rPr lang="en-US" altLang="zh-CN" sz="2000" dirty="0"/>
-              <a:t>);</a:t>
-            </a:r>
-            <a:endParaRPr lang="en-US" altLang="zh-CN" sz="2000" dirty="0" smtClean="0"/>
-          </a:p>
-          <a:p>
-            <a:pPr lvl="1"/>
             <a:endParaRPr lang="zh-CN" altLang="en-US" sz="2000" dirty="0"/>
           </a:p>
         </p:txBody>
@@ -20226,7 +20120,7 @@
     </p:spTree>
     <p:extLst>
       <p:ext uri="{BB962C8B-B14F-4D97-AF65-F5344CB8AC3E}">
-        <p14:creationId xmlns:p14="http://schemas.microsoft.com/office/powerpoint/2010/main" val="1335823561"/>
+        <p14:creationId xmlns:p14="http://schemas.microsoft.com/office/powerpoint/2010/main" val="2660597932"/>
       </p:ext>
     </p:extLst>
   </p:cSld>
@@ -20275,34 +20169,195 @@
           <a:bodyPr/>
           <a:lstStyle/>
           <a:p>
-            <a:pPr marL="0" indent="0">
-              <a:buNone/>
-            </a:pPr>
+            <a:r>
+              <a:rPr lang="en-US" altLang="zh-CN" sz="2800" dirty="0" smtClean="0"/>
+              <a:t>Filter</a:t>
+            </a:r>
+            <a:r>
+              <a:rPr lang="zh-CN" altLang="en-US" sz="2800" dirty="0" smtClean="0"/>
+              <a:t>步骤</a:t>
+            </a:r>
+            <a:endParaRPr lang="en-US" altLang="zh-CN" sz="2800" dirty="0" smtClean="0"/>
+          </a:p>
+          <a:p>
+            <a:pPr lvl="1"/>
+            <a:r>
+              <a:rPr lang="zh-CN" altLang="en-US" sz="2400" dirty="0" smtClean="0"/>
+              <a:t>新建</a:t>
+            </a:r>
+            <a:r>
+              <a:rPr lang="en-US" altLang="zh-CN" sz="2400" dirty="0" err="1" smtClean="0"/>
+              <a:t>EntityManager</a:t>
+            </a:r>
+            <a:r>
+              <a:rPr lang="zh-CN" altLang="en-US" sz="2400" dirty="0" smtClean="0"/>
+              <a:t>，通过</a:t>
+            </a:r>
+            <a:r>
+              <a:rPr lang="en-US" altLang="zh-CN" sz="2400" dirty="0" err="1" smtClean="0"/>
+              <a:t>getDelegate</a:t>
+            </a:r>
+            <a:r>
+              <a:rPr lang="zh-CN" altLang="en-US" sz="2400" dirty="0" smtClean="0"/>
+              <a:t>获得</a:t>
+            </a:r>
             <a:r>
               <a:rPr lang="en-US" altLang="zh-CN" sz="2400" dirty="0" smtClean="0"/>
-              <a:t>REST</a:t>
-            </a:r>
+              <a:t>clients</a:t>
+            </a:r>
+          </a:p>
+          <a:p>
+            <a:pPr lvl="1"/>
             <a:r>
               <a:rPr lang="zh-CN" altLang="en-US" sz="2400" dirty="0" smtClean="0"/>
-              <a:t>支持现有的基础</a:t>
+              <a:t>从</a:t>
             </a:r>
             <a:r>
               <a:rPr lang="en-US" altLang="zh-CN" sz="2400" dirty="0" smtClean="0"/>
-              <a:t>Web</a:t>
+              <a:t>clients</a:t>
             </a:r>
             <a:r>
               <a:rPr lang="zh-CN" altLang="en-US" sz="2400" dirty="0" smtClean="0"/>
-              <a:t>的体系，它能够完美地融合反向代理和其他缓存技术。并行运行许多</a:t>
+              <a:t>中取出具体</a:t>
             </a:r>
             <a:r>
               <a:rPr lang="en-US" altLang="zh-CN" sz="2400" dirty="0" smtClean="0"/>
-              <a:t>REST</a:t>
-            </a:r>
+              <a:t>client</a:t>
+            </a:r>
+          </a:p>
+          <a:p>
+            <a:pPr lvl="1"/>
             <a:r>
               <a:rPr lang="zh-CN" altLang="en-US" sz="2400" dirty="0" smtClean="0"/>
-              <a:t>服务可以分摊它们之间的符合。</a:t>
-            </a:r>
-            <a:endParaRPr lang="zh-CN" altLang="en-US" sz="2400" dirty="0"/>
+              <a:t>创建一个</a:t>
+            </a:r>
+            <a:r>
+              <a:rPr lang="en-US" altLang="zh-CN" sz="2400" dirty="0" smtClean="0"/>
+              <a:t>Filter</a:t>
+            </a:r>
+            <a:r>
+              <a:rPr lang="zh-CN" altLang="en-US" sz="2400" dirty="0" smtClean="0"/>
+              <a:t>对象</a:t>
+            </a:r>
+            <a:endParaRPr lang="en-US" altLang="zh-CN" sz="2400" dirty="0" smtClean="0"/>
+          </a:p>
+          <a:p>
+            <a:pPr marL="457200" lvl="1" indent="0">
+              <a:buNone/>
+            </a:pPr>
+            <a:r>
+              <a:rPr lang="en-US" altLang="zh-CN" sz="2000" dirty="0"/>
+              <a:t>Map&lt;String, Client&gt; clients = (Map&lt;String, Client&gt;)</a:t>
+            </a:r>
+          </a:p>
+          <a:p>
+            <a:pPr marL="457200" lvl="1" indent="0">
+              <a:buNone/>
+            </a:pPr>
+            <a:r>
+              <a:rPr lang="en-US" altLang="zh-CN" sz="2000" dirty="0" err="1"/>
+              <a:t>em.getDelegate</a:t>
+            </a:r>
+            <a:r>
+              <a:rPr lang="en-US" altLang="zh-CN" sz="2000" dirty="0"/>
+              <a:t>();</a:t>
+            </a:r>
+          </a:p>
+          <a:p>
+            <a:pPr marL="457200" lvl="1" indent="0">
+              <a:buNone/>
+            </a:pPr>
+            <a:r>
+              <a:rPr lang="en-US" altLang="zh-CN" sz="2000" dirty="0" err="1"/>
+              <a:t>HBaseClient</a:t>
+            </a:r>
+            <a:r>
+              <a:rPr lang="en-US" altLang="zh-CN" sz="2000" dirty="0"/>
+              <a:t> client = (</a:t>
+            </a:r>
+            <a:r>
+              <a:rPr lang="en-US" altLang="zh-CN" sz="2000" dirty="0" err="1"/>
+              <a:t>HBaseClient</a:t>
+            </a:r>
+            <a:r>
+              <a:rPr lang="en-US" altLang="zh-CN" sz="2000" dirty="0"/>
+              <a:t>) </a:t>
+            </a:r>
+            <a:r>
+              <a:rPr lang="en-US" altLang="zh-CN" sz="2000" dirty="0" err="1"/>
+              <a:t>clients.get</a:t>
+            </a:r>
+            <a:r>
+              <a:rPr lang="en-US" altLang="zh-CN" sz="2000" dirty="0"/>
+              <a:t>("</a:t>
+            </a:r>
+            <a:r>
+              <a:rPr lang="en-US" altLang="zh-CN" sz="2000" dirty="0" err="1"/>
+              <a:t>hbaseTest</a:t>
+            </a:r>
+            <a:r>
+              <a:rPr lang="en-US" altLang="zh-CN" sz="2000" dirty="0"/>
+              <a:t>");</a:t>
+            </a:r>
+          </a:p>
+          <a:p>
+            <a:pPr marL="457200" lvl="1" indent="0">
+              <a:buNone/>
+            </a:pPr>
+            <a:r>
+              <a:rPr lang="en-US" altLang="zh-CN" sz="2000" dirty="0"/>
+              <a:t>Filter </a:t>
+            </a:r>
+            <a:r>
+              <a:rPr lang="en-US" altLang="zh-CN" sz="2000" dirty="0" err="1"/>
+              <a:t>prefixFilter</a:t>
+            </a:r>
+            <a:r>
+              <a:rPr lang="en-US" altLang="zh-CN" sz="2000" dirty="0"/>
+              <a:t> = new </a:t>
+            </a:r>
+            <a:r>
+              <a:rPr lang="en-US" altLang="zh-CN" sz="2000" dirty="0" err="1"/>
+              <a:t>PrefixFilter</a:t>
+            </a:r>
+            <a:r>
+              <a:rPr lang="en-US" altLang="zh-CN" sz="2000" dirty="0"/>
+              <a:t>(</a:t>
+            </a:r>
+            <a:r>
+              <a:rPr lang="en-US" altLang="zh-CN" sz="2000" dirty="0" err="1"/>
+              <a:t>Bytes.toBytes</a:t>
+            </a:r>
+            <a:r>
+              <a:rPr lang="en-US" altLang="zh-CN" sz="2000" dirty="0"/>
+              <a:t>("1"));</a:t>
+            </a:r>
+          </a:p>
+          <a:p>
+            <a:pPr marL="457200" lvl="1" indent="0">
+              <a:buNone/>
+            </a:pPr>
+            <a:r>
+              <a:rPr lang="en-US" altLang="zh-CN" sz="2000" dirty="0" err="1"/>
+              <a:t>client.setFilter</a:t>
+            </a:r>
+            <a:r>
+              <a:rPr lang="en-US" altLang="zh-CN" sz="2000" dirty="0"/>
+              <a:t>(</a:t>
+            </a:r>
+            <a:r>
+              <a:rPr lang="en-US" altLang="zh-CN" sz="2000" dirty="0" err="1"/>
+              <a:t>prefixFilter</a:t>
+            </a:r>
+            <a:r>
+              <a:rPr lang="en-US" altLang="zh-CN" sz="2000" dirty="0"/>
+              <a:t>);</a:t>
+            </a:r>
+            <a:endParaRPr lang="en-US" altLang="zh-CN" sz="2000" dirty="0" smtClean="0"/>
+          </a:p>
+          <a:p>
+            <a:pPr lvl="1"/>
+            <a:endParaRPr lang="zh-CN" altLang="en-US" sz="2000" dirty="0"/>
           </a:p>
         </p:txBody>
       </p:sp>
@@ -20331,7 +20386,7 @@
             </a:r>
             <a:r>
               <a:rPr lang="en-US" altLang="zh-CN" dirty="0" smtClean="0"/>
-              <a:t>- REST client</a:t>
+              <a:t>- Kundera</a:t>
             </a:r>
             <a:endParaRPr lang="zh-CN" altLang="en-US" dirty="0"/>
           </a:p>
@@ -20340,7 +20395,7 @@
     </p:spTree>
     <p:extLst>
       <p:ext uri="{BB962C8B-B14F-4D97-AF65-F5344CB8AC3E}">
-        <p14:creationId xmlns:p14="http://schemas.microsoft.com/office/powerpoint/2010/main" val="245557066"/>
+        <p14:creationId xmlns:p14="http://schemas.microsoft.com/office/powerpoint/2010/main" val="1335823561"/>
       </p:ext>
     </p:extLst>
   </p:cSld>
@@ -20389,184 +20444,34 @@
           <a:bodyPr/>
           <a:lstStyle/>
           <a:p>
+            <a:pPr marL="0" indent="0">
+              <a:buNone/>
+            </a:pPr>
+            <a:r>
+              <a:rPr lang="en-US" altLang="zh-CN" sz="2400" dirty="0" smtClean="0"/>
+              <a:t>REST</a:t>
+            </a:r>
             <a:r>
               <a:rPr lang="zh-CN" altLang="en-US" sz="2400" dirty="0" smtClean="0"/>
-              <a:t>步骤</a:t>
-            </a:r>
-            <a:endParaRPr lang="en-US" altLang="zh-CN" sz="2400" dirty="0" smtClean="0"/>
-          </a:p>
-          <a:p>
-            <a:pPr lvl="1"/>
-            <a:r>
-              <a:rPr lang="zh-CN" altLang="en-US" sz="2000" dirty="0" smtClean="0"/>
-              <a:t>开启</a:t>
-            </a:r>
-            <a:r>
-              <a:rPr lang="en-US" altLang="zh-CN" sz="2000" dirty="0" smtClean="0"/>
+              <a:t>支持现有的基础</a:t>
+            </a:r>
+            <a:r>
+              <a:rPr lang="en-US" altLang="zh-CN" sz="2400" dirty="0" smtClean="0"/>
+              <a:t>Web</a:t>
+            </a:r>
+            <a:r>
+              <a:rPr lang="zh-CN" altLang="en-US" sz="2400" dirty="0" smtClean="0"/>
+              <a:t>的体系，它能够完美地融合反向代理和其他缓存技术。并行运行许多</a:t>
+            </a:r>
+            <a:r>
+              <a:rPr lang="en-US" altLang="zh-CN" sz="2400" dirty="0" smtClean="0"/>
               <a:t>REST</a:t>
             </a:r>
             <a:r>
-              <a:rPr lang="zh-CN" altLang="en-US" sz="2000" dirty="0" smtClean="0"/>
-              <a:t>服务</a:t>
-            </a:r>
-            <a:endParaRPr lang="en-US" altLang="zh-CN" sz="2000" dirty="0" smtClean="0"/>
-          </a:p>
-          <a:p>
-            <a:pPr marL="457200" lvl="1" indent="0">
-              <a:buNone/>
-            </a:pPr>
-            <a:r>
-              <a:rPr lang="en-US" altLang="zh-CN" sz="2000" dirty="0"/>
-              <a:t>	</a:t>
-            </a:r>
-            <a:r>
-              <a:rPr lang="en-US" altLang="zh-CN" sz="2000" dirty="0" smtClean="0"/>
-              <a:t>&gt; </a:t>
-            </a:r>
-            <a:r>
-              <a:rPr lang="en-US" altLang="zh-CN" sz="2000" dirty="0" err="1" smtClean="0"/>
-              <a:t>hbase</a:t>
-            </a:r>
-            <a:r>
-              <a:rPr lang="en-US" altLang="zh-CN" sz="2000" dirty="0" smtClean="0"/>
-              <a:t> rest start</a:t>
-            </a:r>
-          </a:p>
-          <a:p>
-            <a:pPr marL="457200" lvl="1" indent="0">
-              <a:buNone/>
-            </a:pPr>
-            <a:r>
-              <a:rPr lang="zh-CN" altLang="en-US" sz="2000" dirty="0"/>
-              <a:t>或</a:t>
-            </a:r>
-            <a:endParaRPr lang="en-US" altLang="zh-CN" sz="2000" dirty="0" smtClean="0"/>
-          </a:p>
-          <a:p>
-            <a:pPr marL="457200" lvl="1" indent="0">
-              <a:buNone/>
-            </a:pPr>
-            <a:r>
-              <a:rPr lang="en-US" altLang="zh-CN" sz="2000" dirty="0" smtClean="0"/>
-              <a:t>	&gt; bin/hbase-daemon.sh </a:t>
-            </a:r>
-            <a:r>
-              <a:rPr lang="en-US" altLang="zh-CN" sz="2000" dirty="0" err="1"/>
-              <a:t>start|stop</a:t>
-            </a:r>
-            <a:r>
-              <a:rPr lang="en-US" altLang="zh-CN" sz="2000" dirty="0"/>
-              <a:t> rest [--</a:t>
-            </a:r>
-            <a:r>
-              <a:rPr lang="en-US" altLang="zh-CN" sz="2000" dirty="0" err="1"/>
-              <a:t>infoport</a:t>
-            </a:r>
-            <a:r>
-              <a:rPr lang="en-US" altLang="zh-CN" sz="2000" dirty="0"/>
-              <a:t> &lt;port&gt;] [-p &lt;port&gt;] [-</a:t>
-            </a:r>
-            <a:r>
-              <a:rPr lang="en-US" altLang="zh-CN" sz="2000" dirty="0" err="1"/>
-              <a:t>ro</a:t>
-            </a:r>
-            <a:r>
-              <a:rPr lang="en-US" altLang="zh-CN" sz="2000" dirty="0" smtClean="0"/>
-              <a:t>]</a:t>
-            </a:r>
-          </a:p>
-          <a:p>
-            <a:pPr marL="457200" lvl="1" indent="0">
-              <a:buNone/>
-            </a:pPr>
-            <a:endParaRPr lang="en-US" altLang="zh-CN" sz="2000" dirty="0"/>
-          </a:p>
-          <a:p>
-            <a:pPr marL="457200" lvl="1" indent="0">
-              <a:buNone/>
-            </a:pPr>
-            <a:r>
-              <a:rPr lang="zh-CN" altLang="en-US" sz="2000" dirty="0" smtClean="0"/>
-              <a:t>例如：</a:t>
-            </a:r>
-            <a:r>
-              <a:rPr lang="en-US" altLang="zh-CN" sz="2000" dirty="0" err="1" smtClean="0"/>
-              <a:t>hbase</a:t>
-            </a:r>
-            <a:r>
-              <a:rPr lang="en-US" altLang="zh-CN" sz="2000" dirty="0" smtClean="0"/>
-              <a:t> </a:t>
-            </a:r>
-            <a:r>
-              <a:rPr lang="en-US" altLang="zh-CN" sz="2000" dirty="0"/>
-              <a:t>rest start -p </a:t>
-            </a:r>
-            <a:r>
-              <a:rPr lang="en-US" altLang="zh-CN" sz="2000" dirty="0" smtClean="0"/>
-              <a:t>9999</a:t>
-            </a:r>
-            <a:endParaRPr lang="en-US" altLang="zh-CN" sz="2000" dirty="0"/>
-          </a:p>
-          <a:p>
-            <a:pPr marL="457200" lvl="1" indent="0">
-              <a:buNone/>
-            </a:pPr>
-            <a:r>
-              <a:rPr lang="zh-CN" altLang="en-US" sz="2000" dirty="0" smtClean="0"/>
-              <a:t>或</a:t>
-            </a:r>
-            <a:r>
-              <a:rPr lang="en-US" altLang="zh-CN" sz="2000" dirty="0"/>
-              <a:t>	</a:t>
-            </a:r>
-            <a:r>
-              <a:rPr lang="en-US" altLang="zh-CN" sz="2000" dirty="0" smtClean="0"/>
-              <a:t>./</a:t>
-            </a:r>
-            <a:r>
-              <a:rPr lang="en-US" altLang="zh-CN" sz="2000" dirty="0"/>
-              <a:t>hbase-daemon.sh start rest -p </a:t>
-            </a:r>
-            <a:r>
-              <a:rPr lang="en-US" altLang="zh-CN" sz="2000" dirty="0" smtClean="0"/>
-              <a:t>9999</a:t>
-            </a:r>
-          </a:p>
-          <a:p>
-            <a:pPr marL="457200" lvl="1" indent="0">
-              <a:buNone/>
-            </a:pPr>
-            <a:r>
-              <a:rPr lang="en-US" altLang="zh-CN" sz="2000" dirty="0" smtClean="0"/>
-              <a:t>	</a:t>
-            </a:r>
-            <a:r>
-              <a:rPr lang="en-US" altLang="zh-CN" sz="2000" dirty="0"/>
-              <a:t>curl </a:t>
-            </a:r>
-            <a:r>
-              <a:rPr lang="en-US" altLang="zh-CN" sz="2000" dirty="0">
-                <a:hlinkClick r:id="rId3"/>
-              </a:rPr>
-              <a:t>http://localhost:9999</a:t>
-            </a:r>
-            <a:r>
-              <a:rPr lang="en-US" altLang="zh-CN" sz="2000" dirty="0" smtClean="0">
-                <a:hlinkClick r:id="rId3"/>
-              </a:rPr>
-              <a:t>/</a:t>
-            </a:r>
-            <a:endParaRPr lang="en-US" altLang="zh-CN" sz="2000" dirty="0" smtClean="0"/>
-          </a:p>
-          <a:p>
-            <a:pPr marL="457200" lvl="1" indent="0">
-              <a:buNone/>
-            </a:pPr>
-            <a:r>
-              <a:rPr lang="en-US" altLang="zh-CN" sz="2000" dirty="0"/>
-              <a:t>	curl http://localhost:9999/version</a:t>
-            </a:r>
-            <a:endParaRPr lang="en-US" altLang="zh-CN" sz="2000" dirty="0" smtClean="0"/>
+              <a:rPr lang="zh-CN" altLang="en-US" sz="2400" dirty="0" smtClean="0"/>
+              <a:t>服务可以分摊它们之间的符合。</a:t>
+            </a:r>
+            <a:endParaRPr lang="zh-CN" altLang="en-US" sz="2400" dirty="0"/>
           </a:p>
         </p:txBody>
       </p:sp>
@@ -20604,7 +20509,7 @@
     </p:spTree>
     <p:extLst>
       <p:ext uri="{BB962C8B-B14F-4D97-AF65-F5344CB8AC3E}">
-        <p14:creationId xmlns:p14="http://schemas.microsoft.com/office/powerpoint/2010/main" val="3302835768"/>
+        <p14:creationId xmlns:p14="http://schemas.microsoft.com/office/powerpoint/2010/main" val="245557066"/>
       </p:ext>
     </p:extLst>
   </p:cSld>
@@ -20648,12 +20553,7 @@
             <p:ph sz="quarter" idx="10"/>
           </p:nvPr>
         </p:nvSpPr>
-        <p:spPr>
-          <a:xfrm>
-            <a:off x="619723" y="1941537"/>
-            <a:ext cx="8200749" cy="4367783"/>
-          </a:xfrm>
-        </p:spPr>
+        <p:spPr/>
         <p:txBody>
           <a:bodyPr/>
           <a:lstStyle/>
@@ -20667,81 +20567,17 @@
           <a:p>
             <a:pPr lvl="1"/>
             <a:r>
+              <a:rPr lang="zh-CN" altLang="en-US" sz="2000" dirty="0" smtClean="0"/>
+              <a:t>开启</a:t>
+            </a:r>
+            <a:r>
               <a:rPr lang="en-US" altLang="zh-CN" sz="2000" dirty="0" smtClean="0"/>
-              <a:t>The plain format</a:t>
-            </a:r>
-          </a:p>
-          <a:p>
-            <a:pPr marL="457200" lvl="1" indent="0">
-              <a:buNone/>
-            </a:pPr>
-            <a:r>
-              <a:rPr lang="en-US" altLang="zh-CN" sz="2000" dirty="0"/>
-              <a:t>	curl -H "Accept: text/plain" http://localhost:9999/version</a:t>
-            </a:r>
-            <a:endParaRPr lang="en-US" altLang="zh-CN" sz="2000" dirty="0" smtClean="0"/>
-          </a:p>
-          <a:p>
-            <a:pPr lvl="1"/>
-            <a:r>
-              <a:rPr lang="en-US" altLang="zh-CN" sz="2000" dirty="0" smtClean="0"/>
-              <a:t>The XML format</a:t>
-            </a:r>
-          </a:p>
-          <a:p>
-            <a:pPr marL="457200" lvl="1" indent="0">
-              <a:buNone/>
-            </a:pPr>
-            <a:r>
-              <a:rPr lang="en-US" altLang="zh-CN" sz="2000" dirty="0" smtClean="0"/>
-              <a:t>	 curl -H "Accept: text/xml" </a:t>
-            </a:r>
-            <a:r>
-              <a:rPr lang="en-US" altLang="zh-CN" sz="2000" dirty="0"/>
-              <a:t>http://localhost:9999/version</a:t>
-            </a:r>
-            <a:endParaRPr lang="en-US" altLang="zh-CN" sz="2000" dirty="0" smtClean="0"/>
-          </a:p>
-          <a:p>
-            <a:pPr lvl="1"/>
-            <a:r>
-              <a:rPr lang="en-US" altLang="zh-CN" sz="2000" dirty="0" smtClean="0"/>
-              <a:t>The </a:t>
-            </a:r>
-            <a:r>
-              <a:rPr lang="en-US" altLang="zh-CN" sz="2000" dirty="0" err="1" smtClean="0"/>
-              <a:t>Json</a:t>
-            </a:r>
-            <a:r>
-              <a:rPr lang="en-US" altLang="zh-CN" sz="2000" dirty="0" smtClean="0"/>
-              <a:t> format</a:t>
-            </a:r>
-          </a:p>
-          <a:p>
-            <a:pPr marL="457200" lvl="1" indent="0">
-              <a:buNone/>
-            </a:pPr>
-            <a:r>
-              <a:rPr lang="en-US" altLang="zh-CN" sz="2000" dirty="0"/>
-              <a:t>	 curl -H "Accept: application/</a:t>
-            </a:r>
-            <a:r>
-              <a:rPr lang="en-US" altLang="zh-CN" sz="2000" dirty="0" err="1"/>
-              <a:t>json</a:t>
-            </a:r>
-            <a:r>
-              <a:rPr lang="en-US" altLang="zh-CN" sz="2000" dirty="0"/>
-              <a:t>" http://</a:t>
-            </a:r>
-            <a:r>
-              <a:rPr lang="en-US" altLang="zh-CN" sz="2000" dirty="0" smtClean="0"/>
-              <a:t>localhost:9999/version</a:t>
-            </a:r>
-          </a:p>
-          <a:p>
-            <a:pPr marL="457200" lvl="1" indent="0">
-              <a:buNone/>
-            </a:pPr>
+              <a:t>REST</a:t>
+            </a:r>
+            <a:r>
+              <a:rPr lang="zh-CN" altLang="en-US" sz="2000" dirty="0" smtClean="0"/>
+              <a:t>服务</a:t>
+            </a:r>
             <a:endParaRPr lang="en-US" altLang="zh-CN" sz="2000" dirty="0" smtClean="0"/>
           </a:p>
           <a:p>
@@ -20752,12 +20588,153 @@
               <a:rPr lang="en-US" altLang="zh-CN" sz="2000" dirty="0"/>
               <a:t>	</a:t>
             </a:r>
+            <a:r>
+              <a:rPr lang="en-US" altLang="zh-CN" sz="2000" dirty="0" smtClean="0"/>
+              <a:t>&gt; </a:t>
+            </a:r>
+            <a:r>
+              <a:rPr lang="en-US" altLang="zh-CN" sz="2000" dirty="0" err="1" smtClean="0"/>
+              <a:t>hbase</a:t>
+            </a:r>
+            <a:r>
+              <a:rPr lang="en-US" altLang="zh-CN" sz="2000" dirty="0" smtClean="0"/>
+              <a:t> rest start</a:t>
+            </a:r>
+          </a:p>
+          <a:p>
+            <a:pPr marL="457200" lvl="1" indent="0">
+              <a:buNone/>
+            </a:pPr>
+            <a:r>
+              <a:rPr lang="zh-CN" altLang="en-US" sz="2000" dirty="0"/>
+              <a:t>或</a:t>
+            </a:r>
             <a:endParaRPr lang="en-US" altLang="zh-CN" sz="2000" dirty="0" smtClean="0"/>
           </a:p>
           <a:p>
             <a:pPr marL="457200" lvl="1" indent="0">
               <a:buNone/>
             </a:pPr>
+            <a:r>
+              <a:rPr lang="en-US" altLang="zh-CN" sz="2000" dirty="0" smtClean="0"/>
+              <a:t>	&gt; bin/hbase-daemon.sh </a:t>
+            </a:r>
+            <a:r>
+              <a:rPr lang="en-US" altLang="zh-CN" sz="2000" dirty="0" err="1"/>
+              <a:t>start|stop</a:t>
+            </a:r>
+            <a:r>
+              <a:rPr lang="en-US" altLang="zh-CN" sz="2000" dirty="0"/>
+              <a:t> rest [--</a:t>
+            </a:r>
+            <a:r>
+              <a:rPr lang="en-US" altLang="zh-CN" sz="2000" dirty="0" err="1"/>
+              <a:t>infoport</a:t>
+            </a:r>
+            <a:r>
+              <a:rPr lang="en-US" altLang="zh-CN" sz="2000" dirty="0"/>
+              <a:t> &lt;port&gt;] [-p &lt;port&gt;] [-</a:t>
+            </a:r>
+            <a:r>
+              <a:rPr lang="en-US" altLang="zh-CN" sz="2000" dirty="0" err="1"/>
+              <a:t>ro</a:t>
+            </a:r>
+            <a:r>
+              <a:rPr lang="en-US" altLang="zh-CN" sz="2000" dirty="0" smtClean="0"/>
+              <a:t>]</a:t>
+            </a:r>
+          </a:p>
+          <a:p>
+            <a:pPr marL="457200" lvl="1" indent="0">
+              <a:buNone/>
+            </a:pPr>
+            <a:endParaRPr lang="en-US" altLang="zh-CN" sz="2000" dirty="0"/>
+          </a:p>
+          <a:p>
+            <a:pPr marL="457200" lvl="1" indent="0">
+              <a:buNone/>
+            </a:pPr>
+            <a:r>
+              <a:rPr lang="zh-CN" altLang="en-US" sz="2000" dirty="0" smtClean="0"/>
+              <a:t>例如：</a:t>
+            </a:r>
+            <a:r>
+              <a:rPr lang="en-US" altLang="zh-CN" sz="2000" dirty="0" err="1" smtClean="0"/>
+              <a:t>hbase</a:t>
+            </a:r>
+            <a:r>
+              <a:rPr lang="en-US" altLang="zh-CN" sz="2000" dirty="0" smtClean="0"/>
+              <a:t> </a:t>
+            </a:r>
+            <a:r>
+              <a:rPr lang="en-US" altLang="zh-CN" sz="2000" dirty="0"/>
+              <a:t>rest start -p </a:t>
+            </a:r>
+            <a:r>
+              <a:rPr lang="en-US" altLang="zh-CN" sz="2000" dirty="0" smtClean="0"/>
+              <a:t>9999</a:t>
+            </a:r>
+            <a:endParaRPr lang="en-US" altLang="zh-CN" sz="2000" dirty="0"/>
+          </a:p>
+          <a:p>
+            <a:pPr marL="457200" lvl="1" indent="0">
+              <a:buNone/>
+            </a:pPr>
+            <a:r>
+              <a:rPr lang="zh-CN" altLang="en-US" sz="2000" dirty="0" smtClean="0"/>
+              <a:t>或</a:t>
+            </a:r>
+            <a:r>
+              <a:rPr lang="en-US" altLang="zh-CN" sz="2000" dirty="0"/>
+              <a:t>	</a:t>
+            </a:r>
+            <a:r>
+              <a:rPr lang="en-US" altLang="zh-CN" sz="2000" dirty="0" smtClean="0"/>
+              <a:t>./</a:t>
+            </a:r>
+            <a:r>
+              <a:rPr lang="en-US" altLang="zh-CN" sz="2000" dirty="0"/>
+              <a:t>hbase-daemon.sh start rest -p </a:t>
+            </a:r>
+            <a:r>
+              <a:rPr lang="en-US" altLang="zh-CN" sz="2000" dirty="0" smtClean="0"/>
+              <a:t>9999</a:t>
+            </a:r>
+          </a:p>
+          <a:p>
+            <a:pPr marL="457200" lvl="1" indent="0">
+              <a:buNone/>
+            </a:pPr>
+            <a:r>
+              <a:rPr lang="en-US" altLang="zh-CN" sz="2000" dirty="0" smtClean="0"/>
+              <a:t>	</a:t>
+            </a:r>
+            <a:r>
+              <a:rPr lang="en-US" altLang="zh-CN" sz="2000" dirty="0"/>
+              <a:t>curl </a:t>
+            </a:r>
+            <a:r>
+              <a:rPr lang="en-US" altLang="zh-CN" sz="2000" dirty="0">
+                <a:hlinkClick r:id="rId3"/>
+              </a:rPr>
+              <a:t>http://localhost:9999</a:t>
+            </a:r>
+            <a:r>
+              <a:rPr lang="en-US" altLang="zh-CN" sz="2000" dirty="0" smtClean="0">
+                <a:hlinkClick r:id="rId3"/>
+              </a:rPr>
+              <a:t>/</a:t>
+            </a:r>
+            <a:endParaRPr lang="en-US" altLang="zh-CN" sz="2000" dirty="0" smtClean="0"/>
+          </a:p>
+          <a:p>
+            <a:pPr marL="457200" lvl="1" indent="0">
+              <a:buNone/>
+            </a:pPr>
+            <a:r>
+              <a:rPr lang="en-US" altLang="zh-CN" sz="2000" dirty="0"/>
+              <a:t>	curl http://localhost:9999/version</a:t>
+            </a:r>
             <a:endParaRPr lang="en-US" altLang="zh-CN" sz="2000" dirty="0" smtClean="0"/>
           </a:p>
         </p:txBody>
@@ -20796,7 +20773,7 @@
     </p:spTree>
     <p:extLst>
       <p:ext uri="{BB962C8B-B14F-4D97-AF65-F5344CB8AC3E}">
-        <p14:creationId xmlns:p14="http://schemas.microsoft.com/office/powerpoint/2010/main" val="497493334"/>
+        <p14:creationId xmlns:p14="http://schemas.microsoft.com/office/powerpoint/2010/main" val="3302835768"/>
       </p:ext>
     </p:extLst>
   </p:cSld>
@@ -20840,53 +20817,117 @@
             <p:ph sz="quarter" idx="10"/>
           </p:nvPr>
         </p:nvSpPr>
-        <p:spPr/>
-        <p:txBody>
-          <a:bodyPr/>
-          <a:lstStyle/>
-          <a:p>
-            <a:r>
-              <a:rPr lang="zh-CN" altLang="en-US" sz="2800" dirty="0" smtClean="0"/>
-              <a:t>表方法</a:t>
-            </a:r>
-            <a:endParaRPr lang="en-US" altLang="zh-CN" sz="2800" dirty="0" smtClean="0"/>
-          </a:p>
-          <a:p>
-            <a:pPr marL="0" indent="0">
-              <a:buNone/>
-            </a:pPr>
-            <a:endParaRPr lang="en-US" altLang="zh-CN" sz="2800" dirty="0" smtClean="0"/>
+        <p:spPr>
+          <a:xfrm>
+            <a:off x="619723" y="1941537"/>
+            <a:ext cx="8200749" cy="4367783"/>
+          </a:xfrm>
+        </p:spPr>
+        <p:txBody>
+          <a:bodyPr/>
+          <a:lstStyle/>
+          <a:p>
+            <a:r>
+              <a:rPr lang="zh-CN" altLang="en-US" sz="2400" dirty="0" smtClean="0"/>
+              <a:t>步骤</a:t>
+            </a:r>
+            <a:endParaRPr lang="en-US" altLang="zh-CN" sz="2400" dirty="0" smtClean="0"/>
           </a:p>
           <a:p>
             <a:pPr lvl="1"/>
             <a:r>
-              <a:rPr lang="en-US" altLang="zh-CN" sz="2400" dirty="0"/>
-              <a:t>byte[] </a:t>
-            </a:r>
-            <a:r>
-              <a:rPr lang="en-US" altLang="zh-CN" sz="2400" dirty="0" err="1"/>
-              <a:t>getName</a:t>
-            </a:r>
-            <a:r>
-              <a:rPr lang="en-US" altLang="zh-CN" sz="2400" dirty="0"/>
-              <a:t>();</a:t>
-            </a:r>
+              <a:rPr lang="en-US" altLang="zh-CN" sz="2000" dirty="0" smtClean="0"/>
+              <a:t>The plain format</a:t>
+            </a:r>
+          </a:p>
+          <a:p>
+            <a:pPr marL="457200" lvl="1" indent="0">
+              <a:buNone/>
+            </a:pPr>
+            <a:r>
+              <a:rPr lang="en-US" altLang="zh-CN" sz="2000" dirty="0"/>
+              <a:t>	curl -H "Accept: text/plain" http://localhost:9999/version</a:t>
+            </a:r>
+            <a:endParaRPr lang="en-US" altLang="zh-CN" sz="2000" dirty="0" smtClean="0"/>
           </a:p>
           <a:p>
             <a:pPr lvl="1"/>
             <a:r>
-              <a:rPr lang="en-US" altLang="zh-CN" sz="2400" dirty="0"/>
-              <a:t>String </a:t>
-            </a:r>
-            <a:r>
-              <a:rPr lang="en-US" altLang="zh-CN" sz="2400" dirty="0" err="1"/>
-              <a:t>getNameAsString</a:t>
-            </a:r>
-            <a:r>
-              <a:rPr lang="en-US" altLang="zh-CN" sz="2400" dirty="0"/>
-              <a:t>();</a:t>
-            </a:r>
-            <a:endParaRPr lang="zh-CN" altLang="en-US" sz="2400" dirty="0"/>
+              <a:rPr lang="en-US" altLang="zh-CN" sz="2000" dirty="0" smtClean="0"/>
+              <a:t>The XML format</a:t>
+            </a:r>
+          </a:p>
+          <a:p>
+            <a:pPr marL="457200" lvl="1" indent="0">
+              <a:buNone/>
+            </a:pPr>
+            <a:r>
+              <a:rPr lang="en-US" altLang="zh-CN" sz="2000" dirty="0" smtClean="0"/>
+              <a:t>	 curl -H "Accept: text/xml" </a:t>
+            </a:r>
+            <a:r>
+              <a:rPr lang="en-US" altLang="zh-CN" sz="2000" dirty="0"/>
+              <a:t>http://localhost:9999/version</a:t>
+            </a:r>
+            <a:endParaRPr lang="en-US" altLang="zh-CN" sz="2000" dirty="0" smtClean="0"/>
+          </a:p>
+          <a:p>
+            <a:pPr lvl="1"/>
+            <a:r>
+              <a:rPr lang="en-US" altLang="zh-CN" sz="2000" dirty="0" smtClean="0"/>
+              <a:t>The </a:t>
+            </a:r>
+            <a:r>
+              <a:rPr lang="en-US" altLang="zh-CN" sz="2000" dirty="0" err="1" smtClean="0"/>
+              <a:t>Json</a:t>
+            </a:r>
+            <a:r>
+              <a:rPr lang="en-US" altLang="zh-CN" sz="2000" dirty="0" smtClean="0"/>
+              <a:t> format</a:t>
+            </a:r>
+          </a:p>
+          <a:p>
+            <a:pPr marL="457200" lvl="1" indent="0">
+              <a:buNone/>
+            </a:pPr>
+            <a:r>
+              <a:rPr lang="en-US" altLang="zh-CN" sz="2000" dirty="0"/>
+              <a:t>	 curl -H "Accept: application/</a:t>
+            </a:r>
+            <a:r>
+              <a:rPr lang="en-US" altLang="zh-CN" sz="2000" dirty="0" err="1"/>
+              <a:t>json</a:t>
+            </a:r>
+            <a:r>
+              <a:rPr lang="en-US" altLang="zh-CN" sz="2000" dirty="0"/>
+              <a:t>" http://</a:t>
+            </a:r>
+            <a:r>
+              <a:rPr lang="en-US" altLang="zh-CN" sz="2000" dirty="0" smtClean="0"/>
+              <a:t>localhost:9999/version</a:t>
+            </a:r>
+          </a:p>
+          <a:p>
+            <a:pPr marL="457200" lvl="1" indent="0">
+              <a:buNone/>
+            </a:pPr>
+            <a:endParaRPr lang="en-US" altLang="zh-CN" sz="2000" dirty="0" smtClean="0"/>
+          </a:p>
+          <a:p>
+            <a:pPr marL="457200" lvl="1" indent="0">
+              <a:buNone/>
+            </a:pPr>
+            <a:r>
+              <a:rPr lang="en-US" altLang="zh-CN" sz="2000" dirty="0"/>
+              <a:t>	</a:t>
+            </a:r>
+            <a:endParaRPr lang="en-US" altLang="zh-CN" sz="2000" dirty="0" smtClean="0"/>
+          </a:p>
+          <a:p>
+            <a:pPr marL="457200" lvl="1" indent="0">
+              <a:buNone/>
+            </a:pPr>
+            <a:endParaRPr lang="en-US" altLang="zh-CN" sz="2000" dirty="0" smtClean="0"/>
           </a:p>
         </p:txBody>
       </p:sp>
@@ -20915,23 +20956,16 @@
             </a:r>
             <a:r>
               <a:rPr lang="en-US" altLang="zh-CN" dirty="0" smtClean="0"/>
-              <a:t>- </a:t>
-            </a:r>
-            <a:r>
-              <a:rPr lang="zh-CN" altLang="en-US" dirty="0" smtClean="0"/>
-              <a:t>表</a:t>
-            </a:r>
-            <a:r>
-              <a:rPr lang="zh-CN" altLang="en-US" dirty="0"/>
-              <a:t>方法</a:t>
-            </a:r>
+              <a:t>- REST client</a:t>
+            </a:r>
+            <a:endParaRPr lang="zh-CN" altLang="en-US" dirty="0"/>
           </a:p>
         </p:txBody>
       </p:sp>
     </p:spTree>
     <p:extLst>
       <p:ext uri="{BB962C8B-B14F-4D97-AF65-F5344CB8AC3E}">
-        <p14:creationId xmlns:p14="http://schemas.microsoft.com/office/powerpoint/2010/main" val="1084571499"/>
+        <p14:creationId xmlns:p14="http://schemas.microsoft.com/office/powerpoint/2010/main" val="497493334"/>
       </p:ext>
     </p:extLst>
   </p:cSld>
@@ -20981,12 +21015,8 @@
           <a:lstStyle/>
           <a:p>
             <a:r>
-              <a:rPr lang="en-US" altLang="zh-CN" sz="2800" dirty="0" err="1" smtClean="0"/>
-              <a:t>HTableDescriptor</a:t>
-            </a:r>
-            <a:r>
               <a:rPr lang="zh-CN" altLang="en-US" sz="2800" dirty="0" smtClean="0"/>
-              <a:t>类的方法</a:t>
+              <a:t>表方法</a:t>
             </a:r>
             <a:endParaRPr lang="en-US" altLang="zh-CN" sz="2800" dirty="0" smtClean="0"/>
           </a:p>
@@ -20997,128 +21027,33 @@
             <a:endParaRPr lang="en-US" altLang="zh-CN" sz="2800" dirty="0" smtClean="0"/>
           </a:p>
           <a:p>
-            <a:pPr marL="457200" lvl="1" indent="0">
-              <a:buNone/>
-            </a:pPr>
+            <a:pPr lvl="1"/>
             <a:r>
               <a:rPr lang="en-US" altLang="zh-CN" sz="2400" dirty="0"/>
-              <a:t> void </a:t>
+              <a:t>byte[] </a:t>
             </a:r>
             <a:r>
               <a:rPr lang="en-US" altLang="zh-CN" sz="2400" dirty="0" err="1"/>
-              <a:t>addFamily</a:t>
+              <a:t>getName</a:t>
             </a:r>
             <a:r>
               <a:rPr lang="en-US" altLang="zh-CN" sz="2400" dirty="0"/>
-              <a:t>(</a:t>
+              <a:t>();</a:t>
+            </a:r>
+          </a:p>
+          <a:p>
+            <a:pPr lvl="1"/>
+            <a:r>
+              <a:rPr lang="en-US" altLang="zh-CN" sz="2400" dirty="0"/>
+              <a:t>String </a:t>
             </a:r>
             <a:r>
               <a:rPr lang="en-US" altLang="zh-CN" sz="2400" dirty="0" err="1"/>
-              <a:t>HColumnDescriptor</a:t>
+              <a:t>getNameAsString</a:t>
             </a:r>
             <a:r>
               <a:rPr lang="en-US" altLang="zh-CN" sz="2400" dirty="0"/>
-              <a:t> family)</a:t>
-            </a:r>
-          </a:p>
-          <a:p>
-            <a:pPr marL="457200" lvl="1" indent="0">
-              <a:buNone/>
-            </a:pPr>
-            <a:r>
-              <a:rPr lang="en-US" altLang="zh-CN" sz="2400" dirty="0"/>
-              <a:t> </a:t>
-            </a:r>
-            <a:r>
-              <a:rPr lang="en-US" altLang="zh-CN" sz="2400" dirty="0" err="1"/>
-              <a:t>boolean</a:t>
-            </a:r>
-            <a:r>
-              <a:rPr lang="en-US" altLang="zh-CN" sz="2400" dirty="0"/>
-              <a:t> </a:t>
-            </a:r>
-            <a:r>
-              <a:rPr lang="en-US" altLang="zh-CN" sz="2400" dirty="0" err="1"/>
-              <a:t>hasFamily</a:t>
-            </a:r>
-            <a:r>
-              <a:rPr lang="en-US" altLang="zh-CN" sz="2400" dirty="0"/>
-              <a:t>(byte[] c)</a:t>
-            </a:r>
-          </a:p>
-          <a:p>
-            <a:pPr marL="457200" lvl="1" indent="0">
-              <a:buNone/>
-            </a:pPr>
-            <a:r>
-              <a:rPr lang="en-US" altLang="zh-CN" sz="2400" dirty="0"/>
-              <a:t> </a:t>
-            </a:r>
-            <a:r>
-              <a:rPr lang="en-US" altLang="zh-CN" sz="2400" dirty="0" err="1"/>
-              <a:t>HColumnDescriptor</a:t>
-            </a:r>
-            <a:r>
-              <a:rPr lang="en-US" altLang="zh-CN" sz="2400" dirty="0"/>
-              <a:t>[] </a:t>
-            </a:r>
-            <a:r>
-              <a:rPr lang="en-US" altLang="zh-CN" sz="2400" dirty="0" err="1"/>
-              <a:t>getColumnFamilies</a:t>
-            </a:r>
-            <a:r>
-              <a:rPr lang="en-US" altLang="zh-CN" sz="2400" dirty="0"/>
-              <a:t>()</a:t>
-            </a:r>
-          </a:p>
-          <a:p>
-            <a:pPr marL="457200" lvl="1" indent="0">
-              <a:buNone/>
-            </a:pPr>
-            <a:r>
-              <a:rPr lang="en-US" altLang="zh-CN" sz="2400" dirty="0"/>
-              <a:t> </a:t>
-            </a:r>
-            <a:r>
-              <a:rPr lang="en-US" altLang="zh-CN" sz="2400" dirty="0" err="1"/>
-              <a:t>HColumnDescriptor</a:t>
-            </a:r>
-            <a:r>
-              <a:rPr lang="en-US" altLang="zh-CN" sz="2400" dirty="0"/>
-              <a:t> </a:t>
-            </a:r>
-            <a:r>
-              <a:rPr lang="en-US" altLang="zh-CN" sz="2400" dirty="0" err="1"/>
-              <a:t>getFamily</a:t>
-            </a:r>
-            <a:r>
-              <a:rPr lang="en-US" altLang="zh-CN" sz="2400" dirty="0"/>
-              <a:t>(byte[]column)</a:t>
-            </a:r>
-          </a:p>
-          <a:p>
-            <a:pPr marL="457200" lvl="1" indent="0">
-              <a:buNone/>
-            </a:pPr>
-            <a:r>
-              <a:rPr lang="en-US" altLang="zh-CN" sz="2400" dirty="0"/>
-              <a:t> </a:t>
-            </a:r>
-            <a:r>
-              <a:rPr lang="en-US" altLang="zh-CN" sz="2400" dirty="0" err="1"/>
-              <a:t>HColumnDescriptor</a:t>
-            </a:r>
-            <a:r>
-              <a:rPr lang="en-US" altLang="zh-CN" sz="2400" dirty="0"/>
-              <a:t> </a:t>
-            </a:r>
-            <a:r>
-              <a:rPr lang="en-US" altLang="zh-CN" sz="2400" dirty="0" err="1"/>
-              <a:t>removeFamily</a:t>
-            </a:r>
-            <a:r>
-              <a:rPr lang="en-US" altLang="zh-CN" sz="2400" dirty="0"/>
-              <a:t>(byte[] column)</a:t>
+              <a:t>();</a:t>
             </a:r>
             <a:endParaRPr lang="zh-CN" altLang="en-US" sz="2400" dirty="0"/>
           </a:p>
@@ -21153,16 +21088,19 @@
             </a:r>
             <a:r>
               <a:rPr lang="zh-CN" altLang="en-US" dirty="0" smtClean="0"/>
-              <a:t>列族操作</a:t>
-            </a:r>
-            <a:endParaRPr lang="zh-CN" altLang="en-US" dirty="0"/>
+              <a:t>表</a:t>
+            </a:r>
+            <a:r>
+              <a:rPr lang="zh-CN" altLang="en-US" dirty="0"/>
+              <a:t>方法</a:t>
+            </a:r>
           </a:p>
         </p:txBody>
       </p:sp>
     </p:spTree>
     <p:extLst>
       <p:ext uri="{BB962C8B-B14F-4D97-AF65-F5344CB8AC3E}">
-        <p14:creationId xmlns:p14="http://schemas.microsoft.com/office/powerpoint/2010/main" val="2782806338"/>
+        <p14:creationId xmlns:p14="http://schemas.microsoft.com/office/powerpoint/2010/main" val="1084571499"/>
       </p:ext>
     </p:extLst>
   </p:cSld>
@@ -21374,153 +21312,147 @@
           <a:bodyPr/>
           <a:lstStyle/>
           <a:p>
+            <a:r>
+              <a:rPr lang="en-US" altLang="zh-CN" sz="2800" dirty="0" err="1" smtClean="0"/>
+              <a:t>HTableDescriptor</a:t>
+            </a:r>
+            <a:r>
+              <a:rPr lang="zh-CN" altLang="en-US" sz="2800" dirty="0" smtClean="0"/>
+              <a:t>类的方法</a:t>
+            </a:r>
+            <a:endParaRPr lang="en-US" altLang="zh-CN" sz="2800" dirty="0" smtClean="0"/>
+          </a:p>
+          <a:p>
             <a:pPr marL="0" indent="0">
               <a:buNone/>
             </a:pPr>
-            <a:endParaRPr lang="en-US" altLang="zh-CN" sz="1800" dirty="0" smtClean="0"/>
-          </a:p>
-          <a:p>
-            <a:pPr marL="0" indent="0">
-              <a:buNone/>
-            </a:pPr>
-            <a:r>
-              <a:rPr lang="en-US" altLang="zh-CN" sz="1800" dirty="0" smtClean="0"/>
-              <a:t>long </a:t>
-            </a:r>
-            <a:r>
-              <a:rPr lang="en-US" altLang="zh-CN" sz="1800" dirty="0" err="1"/>
-              <a:t>getMaxFileSize</a:t>
-            </a:r>
-            <a:r>
-              <a:rPr lang="en-US" altLang="zh-CN" sz="1800" dirty="0"/>
-              <a:t>();</a:t>
-            </a:r>
-          </a:p>
-          <a:p>
-            <a:pPr marL="0" indent="0">
-              <a:buNone/>
-            </a:pPr>
-            <a:r>
-              <a:rPr lang="en-US" altLang="zh-CN" sz="1800" dirty="0"/>
-              <a:t>void </a:t>
-            </a:r>
-            <a:r>
-              <a:rPr lang="en-US" altLang="zh-CN" sz="1800" dirty="0" err="1"/>
-              <a:t>setMaxFileSize</a:t>
-            </a:r>
-            <a:r>
-              <a:rPr lang="en-US" altLang="zh-CN" sz="1800" dirty="0"/>
-              <a:t>(long </a:t>
-            </a:r>
-            <a:r>
-              <a:rPr lang="en-US" altLang="zh-CN" sz="1800" dirty="0" err="1"/>
-              <a:t>maxFileSize</a:t>
-            </a:r>
-            <a:r>
-              <a:rPr lang="en-US" altLang="zh-CN" sz="1800" dirty="0"/>
-              <a:t>);</a:t>
-            </a:r>
-          </a:p>
-          <a:p>
-            <a:pPr marL="0" indent="0">
-              <a:buNone/>
-            </a:pPr>
-            <a:r>
-              <a:rPr lang="en-US" altLang="zh-CN" sz="1800" dirty="0"/>
-              <a:t>long </a:t>
-            </a:r>
-            <a:r>
-              <a:rPr lang="en-US" altLang="zh-CN" sz="1800" dirty="0" err="1"/>
-              <a:t>getMemStoreFlushSize</a:t>
-            </a:r>
-            <a:r>
-              <a:rPr lang="en-US" altLang="zh-CN" sz="1800" dirty="0"/>
-              <a:t>();</a:t>
-            </a:r>
-          </a:p>
-          <a:p>
-            <a:pPr marL="0" indent="0">
-              <a:buNone/>
-            </a:pPr>
-            <a:r>
-              <a:rPr lang="en-US" altLang="zh-CN" sz="1800" dirty="0"/>
-              <a:t>void </a:t>
-            </a:r>
-            <a:r>
-              <a:rPr lang="en-US" altLang="zh-CN" sz="1800" dirty="0" err="1"/>
-              <a:t>setMemStoreFlushSize</a:t>
-            </a:r>
-            <a:r>
-              <a:rPr lang="en-US" altLang="zh-CN" sz="1800" dirty="0"/>
-              <a:t>(long </a:t>
-            </a:r>
-            <a:r>
-              <a:rPr lang="en-US" altLang="zh-CN" sz="1800" dirty="0" err="1"/>
-              <a:t>memstoreFlushSize</a:t>
-            </a:r>
-            <a:r>
-              <a:rPr lang="en-US" altLang="zh-CN" sz="1800" dirty="0"/>
-              <a:t>);</a:t>
-            </a:r>
-          </a:p>
-          <a:p>
-            <a:pPr marL="0" indent="0">
-              <a:buNone/>
-            </a:pPr>
-            <a:r>
-              <a:rPr lang="en-US" altLang="zh-CN" sz="1800" dirty="0" err="1"/>
-              <a:t>int</a:t>
-            </a:r>
-            <a:r>
-              <a:rPr lang="en-US" altLang="zh-CN" sz="1800" dirty="0"/>
+            <a:endParaRPr lang="en-US" altLang="zh-CN" sz="2800" dirty="0" smtClean="0"/>
+          </a:p>
+          <a:p>
+            <a:pPr marL="457200" lvl="1" indent="0">
+              <a:buNone/>
+            </a:pPr>
+            <a:r>
+              <a:rPr lang="en-US" altLang="zh-CN" sz="2400" dirty="0"/>
+              <a:t> void </a:t>
+            </a:r>
+            <a:r>
+              <a:rPr lang="en-US" altLang="zh-CN" sz="2400" dirty="0" err="1"/>
+              <a:t>addFamily</a:t>
+            </a:r>
+            <a:r>
+              <a:rPr lang="en-US" altLang="zh-CN" sz="2400" dirty="0"/>
+              <a:t>(</a:t>
+            </a:r>
+            <a:r>
+              <a:rPr lang="en-US" altLang="zh-CN" sz="2400" dirty="0" err="1"/>
+              <a:t>HColumnDescriptor</a:t>
+            </a:r>
+            <a:r>
+              <a:rPr lang="en-US" altLang="zh-CN" sz="2400" dirty="0"/>
+              <a:t> family)</a:t>
+            </a:r>
+          </a:p>
+          <a:p>
+            <a:pPr marL="457200" lvl="1" indent="0">
+              <a:buNone/>
+            </a:pPr>
+            <a:r>
+              <a:rPr lang="en-US" altLang="zh-CN" sz="2400" dirty="0"/>
               <a:t> </a:t>
             </a:r>
             <a:r>
-              <a:rPr lang="en-US" altLang="zh-CN" sz="1800" dirty="0" err="1"/>
-              <a:t>getMaxVersions</a:t>
-            </a:r>
-            <a:r>
-              <a:rPr lang="en-US" altLang="zh-CN" sz="1800" dirty="0"/>
-              <a:t>();</a:t>
-            </a:r>
-          </a:p>
-          <a:p>
-            <a:pPr marL="0" indent="0">
-              <a:buNone/>
-            </a:pPr>
-            <a:r>
-              <a:rPr lang="en-US" altLang="zh-CN" sz="1800" dirty="0" err="1"/>
+              <a:rPr lang="en-US" altLang="zh-CN" sz="2400" dirty="0" err="1"/>
+              <a:t>boolean</a:t>
+            </a:r>
+            <a:r>
+              <a:rPr lang="en-US" altLang="zh-CN" sz="2400" dirty="0"/>
+              <a:t> </a:t>
+            </a:r>
+            <a:r>
+              <a:rPr lang="en-US" altLang="zh-CN" sz="2400" dirty="0" err="1"/>
+              <a:t>hasFamily</a:t>
+            </a:r>
+            <a:r>
+              <a:rPr lang="en-US" altLang="zh-CN" sz="2400" dirty="0"/>
+              <a:t>(byte[] c)</a:t>
+            </a:r>
+          </a:p>
+          <a:p>
+            <a:pPr marL="457200" lvl="1" indent="0">
+              <a:buNone/>
+            </a:pPr>
+            <a:r>
+              <a:rPr lang="en-US" altLang="zh-CN" sz="2400" dirty="0"/>
+              <a:t> </a:t>
+            </a:r>
+            <a:r>
+              <a:rPr lang="en-US" altLang="zh-CN" sz="2400" dirty="0" err="1"/>
               <a:t>HColumnDescriptor</a:t>
             </a:r>
             <a:r>
-              <a:rPr lang="en-US" altLang="zh-CN" sz="1800" dirty="0"/>
+              <a:rPr lang="en-US" altLang="zh-CN" sz="2400" dirty="0"/>
+              <a:t>[] </a:t>
+            </a:r>
+            <a:r>
+              <a:rPr lang="en-US" altLang="zh-CN" sz="2400" dirty="0" err="1"/>
+              <a:t>getColumnFamilies</a:t>
+            </a:r>
+            <a:r>
+              <a:rPr lang="en-US" altLang="zh-CN" sz="2400" dirty="0"/>
+              <a:t>()</a:t>
+            </a:r>
+          </a:p>
+          <a:p>
+            <a:pPr marL="457200" lvl="1" indent="0">
+              <a:buNone/>
+            </a:pPr>
+            <a:r>
+              <a:rPr lang="en-US" altLang="zh-CN" sz="2400" dirty="0"/>
               <a:t> </a:t>
             </a:r>
             <a:r>
-              <a:rPr lang="en-US" altLang="zh-CN" sz="1800" dirty="0" err="1"/>
-              <a:t>setMaxVersions</a:t>
-            </a:r>
-            <a:r>
-              <a:rPr lang="en-US" altLang="zh-CN" sz="1800" dirty="0"/>
-              <a:t>(</a:t>
-            </a:r>
-            <a:r>
-              <a:rPr lang="en-US" altLang="zh-CN" sz="1800" dirty="0" err="1"/>
-              <a:t>int</a:t>
-            </a:r>
-            <a:r>
-              <a:rPr lang="en-US" altLang="zh-CN" sz="1800" dirty="0"/>
+              <a:rPr lang="en-US" altLang="zh-CN" sz="2400" dirty="0" err="1"/>
+              <a:t>HColumnDescriptor</a:t>
+            </a:r>
+            <a:r>
+              <a:rPr lang="en-US" altLang="zh-CN" sz="2400" dirty="0"/>
               <a:t> </a:t>
             </a:r>
             <a:r>
-              <a:rPr lang="en-US" altLang="zh-CN" sz="1800" dirty="0" err="1"/>
-              <a:t>maxVersions</a:t>
-            </a:r>
-            <a:r>
-              <a:rPr lang="en-US" altLang="zh-CN" sz="1800" dirty="0" smtClean="0"/>
-              <a:t>)</a:t>
-            </a:r>
-            <a:endParaRPr lang="en-US" altLang="zh-CN" sz="1800" dirty="0"/>
+              <a:rPr lang="en-US" altLang="zh-CN" sz="2400" dirty="0" err="1"/>
+              <a:t>getFamily</a:t>
+            </a:r>
+            <a:r>
+              <a:rPr lang="en-US" altLang="zh-CN" sz="2400" dirty="0"/>
+              <a:t>(byte[]column)</a:t>
+            </a:r>
+          </a:p>
+          <a:p>
+            <a:pPr marL="457200" lvl="1" indent="0">
+              <a:buNone/>
+            </a:pPr>
+            <a:r>
+              <a:rPr lang="en-US" altLang="zh-CN" sz="2400" dirty="0"/>
+              <a:t> </a:t>
+            </a:r>
+            <a:r>
+              <a:rPr lang="en-US" altLang="zh-CN" sz="2400" dirty="0" err="1"/>
+              <a:t>HColumnDescriptor</a:t>
+            </a:r>
+            <a:r>
+              <a:rPr lang="en-US" altLang="zh-CN" sz="2400" dirty="0"/>
+              <a:t> </a:t>
+            </a:r>
+            <a:r>
+              <a:rPr lang="en-US" altLang="zh-CN" sz="2400" dirty="0" err="1"/>
+              <a:t>removeFamily</a:t>
+            </a:r>
+            <a:r>
+              <a:rPr lang="en-US" altLang="zh-CN" sz="2400" dirty="0"/>
+              <a:t>(byte[] column)</a:t>
+            </a:r>
+            <a:endParaRPr lang="zh-CN" altLang="en-US" sz="2400" dirty="0"/>
           </a:p>
         </p:txBody>
       </p:sp>
@@ -21553,7 +21485,7 @@
             </a:r>
             <a:r>
               <a:rPr lang="zh-CN" altLang="en-US" dirty="0" smtClean="0"/>
-              <a:t>其他方法</a:t>
+              <a:t>列族操作</a:t>
             </a:r>
             <a:endParaRPr lang="zh-CN" altLang="en-US" dirty="0"/>
           </a:p>
@@ -21562,7 +21494,7 @@
     </p:spTree>
     <p:extLst>
       <p:ext uri="{BB962C8B-B14F-4D97-AF65-F5344CB8AC3E}">
-        <p14:creationId xmlns:p14="http://schemas.microsoft.com/office/powerpoint/2010/main" val="1851687876"/>
+        <p14:creationId xmlns:p14="http://schemas.microsoft.com/office/powerpoint/2010/main" val="2782806338"/>
       </p:ext>
     </p:extLst>
   </p:cSld>
@@ -21621,16 +21553,12 @@
               <a:buNone/>
             </a:pPr>
             <a:r>
-              <a:rPr lang="en-US" altLang="zh-CN" sz="1800" dirty="0" err="1" smtClean="0"/>
-              <a:t>Compression.Algorithm</a:t>
-            </a:r>
-            <a:r>
               <a:rPr lang="en-US" altLang="zh-CN" sz="1800" dirty="0" smtClean="0"/>
-              <a:t> </a:t>
+              <a:t>long </a:t>
             </a:r>
             <a:r>
               <a:rPr lang="en-US" altLang="zh-CN" sz="1800" dirty="0" err="1"/>
-              <a:t>getCompression</a:t>
+              <a:t>getMaxFileSize</a:t>
             </a:r>
             <a:r>
               <a:rPr lang="en-US" altLang="zh-CN" sz="1800" dirty="0"/>
@@ -21642,8 +21570,75 @@
               <a:buNone/>
             </a:pPr>
             <a:r>
+              <a:rPr lang="en-US" altLang="zh-CN" sz="1800" dirty="0"/>
+              <a:t>void </a:t>
+            </a:r>
+            <a:r>
               <a:rPr lang="en-US" altLang="zh-CN" sz="1800" dirty="0" err="1"/>
-              <a:t>Compression.Algorithm</a:t>
+              <a:t>setMaxFileSize</a:t>
+            </a:r>
+            <a:r>
+              <a:rPr lang="en-US" altLang="zh-CN" sz="1800" dirty="0"/>
+              <a:t>(long </a:t>
+            </a:r>
+            <a:r>
+              <a:rPr lang="en-US" altLang="zh-CN" sz="1800" dirty="0" err="1"/>
+              <a:t>maxFileSize</a:t>
+            </a:r>
+            <a:r>
+              <a:rPr lang="en-US" altLang="zh-CN" sz="1800" dirty="0"/>
+              <a:t>);</a:t>
+            </a:r>
+          </a:p>
+          <a:p>
+            <a:pPr marL="0" indent="0">
+              <a:buNone/>
+            </a:pPr>
+            <a:r>
+              <a:rPr lang="en-US" altLang="zh-CN" sz="1800" dirty="0"/>
+              <a:t>long </a:t>
+            </a:r>
+            <a:r>
+              <a:rPr lang="en-US" altLang="zh-CN" sz="1800" dirty="0" err="1"/>
+              <a:t>getMemStoreFlushSize</a:t>
+            </a:r>
+            <a:r>
+              <a:rPr lang="en-US" altLang="zh-CN" sz="1800" dirty="0"/>
+              <a:t>();</a:t>
+            </a:r>
+          </a:p>
+          <a:p>
+            <a:pPr marL="0" indent="0">
+              <a:buNone/>
+            </a:pPr>
+            <a:r>
+              <a:rPr lang="en-US" altLang="zh-CN" sz="1800" dirty="0"/>
+              <a:t>void </a:t>
+            </a:r>
+            <a:r>
+              <a:rPr lang="en-US" altLang="zh-CN" sz="1800" dirty="0" err="1"/>
+              <a:t>setMemStoreFlushSize</a:t>
+            </a:r>
+            <a:r>
+              <a:rPr lang="en-US" altLang="zh-CN" sz="1800" dirty="0"/>
+              <a:t>(long </a:t>
+            </a:r>
+            <a:r>
+              <a:rPr lang="en-US" altLang="zh-CN" sz="1800" dirty="0" err="1"/>
+              <a:t>memstoreFlushSize</a:t>
+            </a:r>
+            <a:r>
+              <a:rPr lang="en-US" altLang="zh-CN" sz="1800" dirty="0"/>
+              <a:t>);</a:t>
+            </a:r>
+          </a:p>
+          <a:p>
+            <a:pPr marL="0" indent="0">
+              <a:buNone/>
+            </a:pPr>
+            <a:r>
+              <a:rPr lang="en-US" altLang="zh-CN" sz="1800" dirty="0" err="1"/>
+              <a:t>int</a:t>
             </a:r>
             <a:r>
               <a:rPr lang="en-US" altLang="zh-CN" sz="1800" dirty="0"/>
@@ -21651,7 +21646,7 @@
             </a:r>
             <a:r>
               <a:rPr lang="en-US" altLang="zh-CN" sz="1800" dirty="0" err="1"/>
-              <a:t>getCompressionType</a:t>
+              <a:t>getMaxVersions</a:t>
             </a:r>
             <a:r>
               <a:rPr lang="en-US" altLang="zh-CN" sz="1800" dirty="0"/>
@@ -21663,12 +21658,16 @@
               <a:buNone/>
             </a:pPr>
             <a:r>
+              <a:rPr lang="en-US" altLang="zh-CN" sz="1800" dirty="0" err="1"/>
+              <a:t>HColumnDescriptor</a:t>
+            </a:r>
+            <a:r>
               <a:rPr lang="en-US" altLang="zh-CN" sz="1800" dirty="0"/>
-              <a:t>void </a:t>
+              <a:t> </a:t>
             </a:r>
             <a:r>
               <a:rPr lang="en-US" altLang="zh-CN" sz="1800" dirty="0" err="1"/>
-              <a:t>setCompressionType</a:t>
+              <a:t>setMaxVersions</a:t>
             </a:r>
             <a:r>
               <a:rPr lang="en-US" altLang="zh-CN" sz="1800" dirty="0"/>
@@ -21676,20 +21675,7 @@
             </a:r>
             <a:r>
               <a:rPr lang="en-US" altLang="zh-CN" sz="1800" dirty="0" err="1"/>
-              <a:t>Compression.Algorithm</a:t>
-            </a:r>
-            <a:r>
-              <a:rPr lang="en-US" altLang="zh-CN" sz="1800" dirty="0"/>
-              <a:t> type);</a:t>
-            </a:r>
-          </a:p>
-          <a:p>
-            <a:pPr marL="0" indent="0">
-              <a:buNone/>
-            </a:pPr>
-            <a:r>
-              <a:rPr lang="en-US" altLang="zh-CN" sz="1800" dirty="0" err="1"/>
-              <a:t>Compression.Algorithm</a:t>
+              <a:t>int</a:t>
             </a:r>
             <a:r>
               <a:rPr lang="en-US" altLang="zh-CN" sz="1800" dirty="0"/>
@@ -21697,131 +21683,13 @@
             </a:r>
             <a:r>
               <a:rPr lang="en-US" altLang="zh-CN" sz="1800" dirty="0" err="1"/>
-              <a:t>getCompactionCompression</a:t>
-            </a:r>
-            <a:r>
-              <a:rPr lang="en-US" altLang="zh-CN" sz="1800" dirty="0"/>
-              <a:t>();</a:t>
-            </a:r>
-          </a:p>
-          <a:p>
-            <a:pPr marL="0" indent="0">
-              <a:buNone/>
-            </a:pPr>
-            <a:r>
-              <a:rPr lang="en-US" altLang="zh-CN" sz="1800" dirty="0" err="1"/>
-              <a:t>Compression.Algorithm</a:t>
-            </a:r>
-            <a:r>
-              <a:rPr lang="en-US" altLang="zh-CN" sz="1800" dirty="0"/>
-              <a:t> </a:t>
-            </a:r>
-            <a:r>
-              <a:rPr lang="en-US" altLang="zh-CN" sz="1800" dirty="0" err="1"/>
-              <a:t>getCompactionCompressionType</a:t>
-            </a:r>
-            <a:r>
-              <a:rPr lang="en-US" altLang="zh-CN" sz="1800" dirty="0"/>
-              <a:t>();</a:t>
-            </a:r>
-          </a:p>
-          <a:p>
-            <a:pPr marL="0" indent="0">
-              <a:buNone/>
-            </a:pPr>
-            <a:r>
-              <a:rPr lang="en-US" altLang="zh-CN" sz="1800" dirty="0"/>
-              <a:t>void </a:t>
-            </a:r>
-            <a:r>
-              <a:rPr lang="en-US" altLang="zh-CN" sz="1800" dirty="0" err="1"/>
-              <a:t>setCompactionCompressionType</a:t>
-            </a:r>
-            <a:r>
-              <a:rPr lang="en-US" altLang="zh-CN" sz="1800" dirty="0"/>
-              <a:t> (</a:t>
-            </a:r>
-            <a:r>
-              <a:rPr lang="en-US" altLang="zh-CN" sz="1800" dirty="0" err="1"/>
-              <a:t>Compression.Algorithm</a:t>
-            </a:r>
-            <a:r>
-              <a:rPr lang="en-US" altLang="zh-CN" sz="1800" dirty="0"/>
-              <a:t> type);</a:t>
-            </a:r>
-          </a:p>
-          <a:p>
-            <a:pPr marL="0" indent="0">
-              <a:buNone/>
-            </a:pPr>
-            <a:r>
-              <a:rPr lang="en-US" altLang="zh-CN" sz="1800" dirty="0" err="1"/>
-              <a:t>Compression.Algorithm</a:t>
-            </a:r>
-            <a:r>
-              <a:rPr lang="en-US" altLang="zh-CN" sz="1800" dirty="0"/>
-              <a:t> </a:t>
-            </a:r>
-            <a:r>
-              <a:rPr lang="en-US" altLang="zh-CN" sz="1800" dirty="0" err="1"/>
-              <a:t>getCompactionCompression</a:t>
-            </a:r>
-            <a:r>
-              <a:rPr lang="en-US" altLang="zh-CN" sz="1800" dirty="0"/>
-              <a:t>();</a:t>
-            </a:r>
-          </a:p>
-          <a:p>
-            <a:pPr marL="0" indent="0">
-              <a:buNone/>
-            </a:pPr>
-            <a:r>
-              <a:rPr lang="en-US" altLang="zh-CN" sz="1800" dirty="0" err="1"/>
-              <a:t>Compression.Algorithm</a:t>
-            </a:r>
-            <a:r>
-              <a:rPr lang="en-US" altLang="zh-CN" sz="1800" dirty="0"/>
-              <a:t> </a:t>
-            </a:r>
-            <a:r>
-              <a:rPr lang="en-US" altLang="zh-CN" sz="1800" dirty="0" err="1"/>
-              <a:t>getCompactionCompressionType</a:t>
-            </a:r>
-            <a:r>
-              <a:rPr lang="en-US" altLang="zh-CN" sz="1800" dirty="0"/>
-              <a:t>();</a:t>
-            </a:r>
-          </a:p>
-          <a:p>
-            <a:pPr marL="0" indent="0">
-              <a:buNone/>
-            </a:pPr>
-            <a:r>
-              <a:rPr lang="en-US" altLang="zh-CN" sz="1800" dirty="0"/>
-              <a:t>void </a:t>
-            </a:r>
-            <a:r>
-              <a:rPr lang="en-US" altLang="zh-CN" sz="1800" dirty="0" err="1"/>
-              <a:t>setCompactionCompressionType</a:t>
-            </a:r>
-            <a:r>
-              <a:rPr lang="en-US" altLang="zh-CN" sz="1800" dirty="0"/>
-              <a:t> (</a:t>
-            </a:r>
-            <a:r>
-              <a:rPr lang="en-US" altLang="zh-CN" sz="1800" dirty="0" err="1"/>
-              <a:t>Compression.Algorithm</a:t>
-            </a:r>
-            <a:r>
-              <a:rPr lang="en-US" altLang="zh-CN" sz="1800" dirty="0"/>
-              <a:t> type);</a:t>
-            </a:r>
-          </a:p>
-          <a:p>
-            <a:pPr marL="0" indent="0">
-              <a:buNone/>
-            </a:pPr>
-            <a:endParaRPr lang="zh-CN" altLang="en-US" sz="1800" dirty="0"/>
+              <a:t>maxVersions</a:t>
+            </a:r>
+            <a:r>
+              <a:rPr lang="en-US" altLang="zh-CN" sz="1800" dirty="0" smtClean="0"/>
+              <a:t>)</a:t>
+            </a:r>
+            <a:endParaRPr lang="en-US" altLang="zh-CN" sz="1800" dirty="0"/>
           </a:p>
         </p:txBody>
       </p:sp>
@@ -21863,7 +21731,7 @@
     </p:spTree>
     <p:extLst>
       <p:ext uri="{BB962C8B-B14F-4D97-AF65-F5344CB8AC3E}">
-        <p14:creationId xmlns:p14="http://schemas.microsoft.com/office/powerpoint/2010/main" val="3737590798"/>
+        <p14:creationId xmlns:p14="http://schemas.microsoft.com/office/powerpoint/2010/main" val="1851687876"/>
       </p:ext>
     </p:extLst>
   </p:cSld>
@@ -21923,7 +21791,7 @@
             </a:pPr>
             <a:r>
               <a:rPr lang="en-US" altLang="zh-CN" sz="1800" dirty="0" err="1" smtClean="0"/>
-              <a:t>int</a:t>
+              <a:t>Compression.Algorithm</a:t>
             </a:r>
             <a:r>
               <a:rPr lang="en-US" altLang="zh-CN" sz="1800" dirty="0" smtClean="0"/>
@@ -21931,7 +21799,7 @@
             </a:r>
             <a:r>
               <a:rPr lang="en-US" altLang="zh-CN" sz="1800" dirty="0" err="1"/>
-              <a:t>getBlocksize</a:t>
+              <a:t>getCompression</a:t>
             </a:r>
             <a:r>
               <a:rPr lang="en-US" altLang="zh-CN" sz="1800" dirty="0"/>
@@ -21944,7 +21812,7 @@
             </a:pPr>
             <a:r>
               <a:rPr lang="en-US" altLang="zh-CN" sz="1800" dirty="0" err="1"/>
-              <a:t>HColumnDescriptor</a:t>
+              <a:t>Compression.Algorithm</a:t>
             </a:r>
             <a:r>
               <a:rPr lang="en-US" altLang="zh-CN" sz="1800" dirty="0"/>
@@ -21952,7 +21820,24 @@
             </a:r>
             <a:r>
               <a:rPr lang="en-US" altLang="zh-CN" sz="1800" dirty="0" err="1"/>
-              <a:t>setBlocksize</a:t>
+              <a:t>getCompressionType</a:t>
+            </a:r>
+            <a:r>
+              <a:rPr lang="en-US" altLang="zh-CN" sz="1800" dirty="0"/>
+              <a:t>();</a:t>
+            </a:r>
+          </a:p>
+          <a:p>
+            <a:pPr marL="0" indent="0">
+              <a:buNone/>
+            </a:pPr>
+            <a:r>
+              <a:rPr lang="en-US" altLang="zh-CN" sz="1800" dirty="0"/>
+              <a:t>void </a:t>
+            </a:r>
+            <a:r>
+              <a:rPr lang="en-US" altLang="zh-CN" sz="1800" dirty="0" err="1"/>
+              <a:t>setCompressionType</a:t>
             </a:r>
             <a:r>
               <a:rPr lang="en-US" altLang="zh-CN" sz="1800" dirty="0"/>
@@ -21960,11 +21845,11 @@
             </a:r>
             <a:r>
               <a:rPr lang="en-US" altLang="zh-CN" sz="1800" dirty="0" err="1"/>
-              <a:t>int</a:t>
+              <a:t>Compression.Algorithm</a:t>
             </a:r>
             <a:r>
               <a:rPr lang="en-US" altLang="zh-CN" sz="1800" dirty="0"/>
-              <a:t> s);</a:t>
+              <a:t> type);</a:t>
             </a:r>
           </a:p>
           <a:p>
@@ -21973,7 +21858,7 @@
             </a:pPr>
             <a:r>
               <a:rPr lang="en-US" altLang="zh-CN" sz="1800" dirty="0" err="1"/>
-              <a:t>boolean</a:t>
+              <a:t>Compression.Algorithm</a:t>
             </a:r>
             <a:r>
               <a:rPr lang="en-US" altLang="zh-CN" sz="1800" dirty="0"/>
@@ -21981,7 +21866,7 @@
             </a:r>
             <a:r>
               <a:rPr lang="en-US" altLang="zh-CN" sz="1800" dirty="0" err="1"/>
-              <a:t>isBlockCacheEnabled</a:t>
+              <a:t>getCompactionCompression</a:t>
             </a:r>
             <a:r>
               <a:rPr lang="en-US" altLang="zh-CN" sz="1800" dirty="0"/>
@@ -21993,20 +21878,54 @@
               <a:buNone/>
             </a:pPr>
             <a:r>
+              <a:rPr lang="en-US" altLang="zh-CN" sz="1800" dirty="0" err="1"/>
+              <a:t>Compression.Algorithm</a:t>
+            </a:r>
+            <a:r>
+              <a:rPr lang="en-US" altLang="zh-CN" sz="1800" dirty="0"/>
+              <a:t> </a:t>
+            </a:r>
+            <a:r>
+              <a:rPr lang="en-US" altLang="zh-CN" sz="1800" dirty="0" err="1"/>
+              <a:t>getCompactionCompressionType</a:t>
+            </a:r>
+            <a:r>
+              <a:rPr lang="en-US" altLang="zh-CN" sz="1800" dirty="0"/>
+              <a:t>();</a:t>
+            </a:r>
+          </a:p>
+          <a:p>
+            <a:pPr marL="0" indent="0">
+              <a:buNone/>
+            </a:pPr>
+            <a:r>
               <a:rPr lang="en-US" altLang="zh-CN" sz="1800" dirty="0"/>
               <a:t>void </a:t>
             </a:r>
             <a:r>
               <a:rPr lang="en-US" altLang="zh-CN" sz="1800" dirty="0" err="1"/>
-              <a:t>setBlockCacheEnabled</a:t>
+              <a:t>setCompactionCompressionType</a:t>
             </a:r>
             <a:r>
               <a:rPr lang="en-US" altLang="zh-CN" sz="1800" dirty="0"/>
-              <a:t>(</a:t>
+              <a:t> (</a:t>
             </a:r>
             <a:r>
               <a:rPr lang="en-US" altLang="zh-CN" sz="1800" dirty="0" err="1"/>
-              <a:t>boolean</a:t>
+              <a:t>Compression.Algorithm</a:t>
+            </a:r>
+            <a:r>
+              <a:rPr lang="en-US" altLang="zh-CN" sz="1800" dirty="0"/>
+              <a:t> type);</a:t>
+            </a:r>
+          </a:p>
+          <a:p>
+            <a:pPr marL="0" indent="0">
+              <a:buNone/>
+            </a:pPr>
+            <a:r>
+              <a:rPr lang="en-US" altLang="zh-CN" sz="1800" dirty="0" err="1"/>
+              <a:t>Compression.Algorithm</a:t>
             </a:r>
             <a:r>
               <a:rPr lang="en-US" altLang="zh-CN" sz="1800" dirty="0"/>
@@ -22014,11 +21933,11 @@
             </a:r>
             <a:r>
               <a:rPr lang="en-US" altLang="zh-CN" sz="1800" dirty="0" err="1"/>
-              <a:t>blockCacheEnabled</a:t>
+              <a:t>getCompactionCompression</a:t>
             </a:r>
             <a:r>
               <a:rPr lang="en-US" altLang="zh-CN" sz="1800" dirty="0"/>
-              <a:t>);</a:t>
+              <a:t>();</a:t>
             </a:r>
           </a:p>
           <a:p>
@@ -22027,7 +21946,7 @@
             </a:pPr>
             <a:r>
               <a:rPr lang="en-US" altLang="zh-CN" sz="1800" dirty="0" err="1"/>
-              <a:t>boolean</a:t>
+              <a:t>Compression.Algorithm</a:t>
             </a:r>
             <a:r>
               <a:rPr lang="en-US" altLang="zh-CN" sz="1800" dirty="0"/>
@@ -22035,7 +21954,7 @@
             </a:r>
             <a:r>
               <a:rPr lang="en-US" altLang="zh-CN" sz="1800" dirty="0" err="1"/>
-              <a:t>isInMemory</a:t>
+              <a:t>getCompactionCompressionType</a:t>
             </a:r>
             <a:r>
               <a:rPr lang="en-US" altLang="zh-CN" sz="1800" dirty="0"/>
@@ -22047,37 +21966,30 @@
               <a:buNone/>
             </a:pPr>
             <a:r>
+              <a:rPr lang="en-US" altLang="zh-CN" sz="1800" dirty="0"/>
+              <a:t>void </a:t>
+            </a:r>
+            <a:r>
               <a:rPr lang="en-US" altLang="zh-CN" sz="1800" dirty="0" err="1"/>
-              <a:t>HColumnDescriptor</a:t>
+              <a:t>setCompactionCompressionType</a:t>
             </a:r>
             <a:r>
               <a:rPr lang="en-US" altLang="zh-CN" sz="1800" dirty="0"/>
-              <a:t> </a:t>
+              <a:t> (</a:t>
             </a:r>
             <a:r>
               <a:rPr lang="en-US" altLang="zh-CN" sz="1800" dirty="0" err="1"/>
-              <a:t>setInMemory</a:t>
+              <a:t>Compression.Algorithm</a:t>
             </a:r>
             <a:r>
               <a:rPr lang="en-US" altLang="zh-CN" sz="1800" dirty="0"/>
-              <a:t>(</a:t>
-            </a:r>
-            <a:r>
-              <a:rPr lang="en-US" altLang="zh-CN" sz="1800" dirty="0" err="1"/>
-              <a:t>boolean</a:t>
-            </a:r>
-            <a:r>
-              <a:rPr lang="en-US" altLang="zh-CN" sz="1800" dirty="0"/>
-              <a:t> </a:t>
-            </a:r>
-            <a:r>
-              <a:rPr lang="en-US" altLang="zh-CN" sz="1800" dirty="0" err="1"/>
-              <a:t>inMemory</a:t>
-            </a:r>
-            <a:r>
-              <a:rPr lang="en-US" altLang="zh-CN" sz="1800" dirty="0"/>
-              <a:t>);</a:t>
-            </a:r>
+              <a:t> type);</a:t>
+            </a:r>
+          </a:p>
+          <a:p>
+            <a:pPr marL="0" indent="0">
+              <a:buNone/>
+            </a:pPr>
             <a:endParaRPr lang="zh-CN" altLang="en-US" sz="1800" dirty="0"/>
           </a:p>
         </p:txBody>
@@ -22120,7 +22032,7 @@
     </p:spTree>
     <p:extLst>
       <p:ext uri="{BB962C8B-B14F-4D97-AF65-F5344CB8AC3E}">
-        <p14:creationId xmlns:p14="http://schemas.microsoft.com/office/powerpoint/2010/main" val="2312381584"/>
+        <p14:creationId xmlns:p14="http://schemas.microsoft.com/office/powerpoint/2010/main" val="3737590798"/>
       </p:ext>
     </p:extLst>
   </p:cSld>
@@ -22169,21 +22081,59 @@
           <a:bodyPr/>
           <a:lstStyle/>
           <a:p>
-            <a:r>
-              <a:rPr lang="en-US" altLang="zh-CN" sz="2000" dirty="0" err="1"/>
-              <a:t>HBaseAdmin</a:t>
-            </a:r>
-            <a:r>
-              <a:rPr lang="en-US" altLang="zh-CN" sz="2000" dirty="0"/>
+            <a:pPr marL="0" indent="0">
+              <a:buNone/>
+            </a:pPr>
+            <a:endParaRPr lang="en-US" altLang="zh-CN" sz="1800" dirty="0" smtClean="0"/>
+          </a:p>
+          <a:p>
+            <a:pPr marL="0" indent="0">
+              <a:buNone/>
+            </a:pPr>
+            <a:r>
+              <a:rPr lang="en-US" altLang="zh-CN" sz="1800" dirty="0" err="1" smtClean="0"/>
+              <a:t>int</a:t>
+            </a:r>
+            <a:r>
+              <a:rPr lang="en-US" altLang="zh-CN" sz="1800" dirty="0" smtClean="0"/>
+              <a:t> </a:t>
+            </a:r>
+            <a:r>
+              <a:rPr lang="en-US" altLang="zh-CN" sz="1800" dirty="0" err="1"/>
+              <a:t>getBlocksize</a:t>
+            </a:r>
+            <a:r>
+              <a:rPr lang="en-US" altLang="zh-CN" sz="1800" dirty="0"/>
+              <a:t>();</a:t>
+            </a:r>
+          </a:p>
+          <a:p>
+            <a:pPr marL="0" indent="0">
+              <a:buNone/>
+            </a:pPr>
+            <a:r>
+              <a:rPr lang="en-US" altLang="zh-CN" sz="1800" dirty="0" err="1"/>
+              <a:t>HColumnDescriptor</a:t>
+            </a:r>
+            <a:r>
+              <a:rPr lang="en-US" altLang="zh-CN" sz="1800" dirty="0"/>
+              <a:t> </a:t>
+            </a:r>
+            <a:r>
+              <a:rPr lang="en-US" altLang="zh-CN" sz="1800" dirty="0" err="1"/>
+              <a:t>setBlocksize</a:t>
+            </a:r>
+            <a:r>
+              <a:rPr lang="en-US" altLang="zh-CN" sz="1800" dirty="0"/>
               <a:t>(</a:t>
             </a:r>
             <a:r>
-              <a:rPr lang="en-US" altLang="zh-CN" sz="2000" dirty="0" err="1"/>
-              <a:t>org.apache.hadoop.conf.Configurationconf</a:t>
-            </a:r>
-            <a:r>
-              <a:rPr lang="en-US" altLang="zh-CN" sz="2000" dirty="0" smtClean="0"/>
-              <a:t>)</a:t>
+              <a:rPr lang="en-US" altLang="zh-CN" sz="1800" dirty="0" err="1"/>
+              <a:t>int</a:t>
+            </a:r>
+            <a:r>
+              <a:rPr lang="en-US" altLang="zh-CN" sz="1800" dirty="0"/>
+              <a:t> s);</a:t>
             </a:r>
           </a:p>
           <a:p>
@@ -22191,30 +22141,53 @@
               <a:buNone/>
             </a:pPr>
             <a:r>
-              <a:rPr lang="en-US" altLang="zh-CN" sz="2000" dirty="0"/>
+              <a:rPr lang="en-US" altLang="zh-CN" sz="1800" dirty="0" err="1"/>
+              <a:t>boolean</a:t>
+            </a:r>
+            <a:r>
+              <a:rPr lang="en-US" altLang="zh-CN" sz="1800" dirty="0"/>
               <a:t> </a:t>
             </a:r>
-            <a:endParaRPr lang="en-US" altLang="zh-CN" sz="2000" dirty="0" smtClean="0"/>
+            <a:r>
+              <a:rPr lang="en-US" altLang="zh-CN" sz="1800" dirty="0" err="1"/>
+              <a:t>isBlockCacheEnabled</a:t>
+            </a:r>
+            <a:r>
+              <a:rPr lang="en-US" altLang="zh-CN" sz="1800" dirty="0"/>
+              <a:t>();</a:t>
+            </a:r>
           </a:p>
           <a:p>
             <a:pPr marL="0" indent="0">
               <a:buNone/>
             </a:pPr>
             <a:r>
-              <a:rPr lang="en-US" altLang="zh-CN" sz="2000" dirty="0" err="1" smtClean="0"/>
+              <a:rPr lang="en-US" altLang="zh-CN" sz="1800" dirty="0"/>
+              <a:t>void </a:t>
+            </a:r>
+            <a:r>
+              <a:rPr lang="en-US" altLang="zh-CN" sz="1800" dirty="0" err="1"/>
+              <a:t>setBlockCacheEnabled</a:t>
+            </a:r>
+            <a:r>
+              <a:rPr lang="en-US" altLang="zh-CN" sz="1800" dirty="0"/>
+              <a:t>(</a:t>
+            </a:r>
+            <a:r>
+              <a:rPr lang="en-US" altLang="zh-CN" sz="1800" dirty="0" err="1"/>
               <a:t>boolean</a:t>
             </a:r>
             <a:r>
-              <a:rPr lang="en-US" altLang="zh-CN" sz="2000" dirty="0" smtClean="0"/>
+              <a:rPr lang="en-US" altLang="zh-CN" sz="1800" dirty="0"/>
               <a:t> </a:t>
             </a:r>
             <a:r>
-              <a:rPr lang="en-US" altLang="zh-CN" sz="2000" dirty="0" err="1"/>
-              <a:t>isMasterRunning</a:t>
-            </a:r>
-            <a:r>
-              <a:rPr lang="en-US" altLang="zh-CN" sz="2000" dirty="0"/>
-              <a:t>()</a:t>
+              <a:rPr lang="en-US" altLang="zh-CN" sz="1800" dirty="0" err="1"/>
+              <a:t>blockCacheEnabled</a:t>
+            </a:r>
+            <a:r>
+              <a:rPr lang="en-US" altLang="zh-CN" sz="1800" dirty="0"/>
+              <a:t>);</a:t>
             </a:r>
           </a:p>
           <a:p>
@@ -22222,52 +22195,59 @@
               <a:buNone/>
             </a:pPr>
             <a:r>
-              <a:rPr lang="en-US" altLang="zh-CN" sz="2000" dirty="0"/>
+              <a:rPr lang="en-US" altLang="zh-CN" sz="1800" dirty="0" err="1"/>
+              <a:t>boolean</a:t>
+            </a:r>
+            <a:r>
+              <a:rPr lang="en-US" altLang="zh-CN" sz="1800" dirty="0"/>
               <a:t> </a:t>
             </a:r>
             <a:r>
-              <a:rPr lang="en-US" altLang="zh-CN" sz="2000" dirty="0" err="1"/>
-              <a:t>HConnection</a:t>
-            </a:r>
-            <a:r>
-              <a:rPr lang="en-US" altLang="zh-CN" sz="2000" dirty="0"/>
+              <a:rPr lang="en-US" altLang="zh-CN" sz="1800" dirty="0" err="1"/>
+              <a:t>isInMemory</a:t>
+            </a:r>
+            <a:r>
+              <a:rPr lang="en-US" altLang="zh-CN" sz="1800" dirty="0"/>
+              <a:t>();</a:t>
+            </a:r>
+          </a:p>
+          <a:p>
+            <a:pPr marL="0" indent="0">
+              <a:buNone/>
+            </a:pPr>
+            <a:r>
+              <a:rPr lang="en-US" altLang="zh-CN" sz="1800" dirty="0" err="1"/>
+              <a:t>HColumnDescriptor</a:t>
+            </a:r>
+            <a:r>
+              <a:rPr lang="en-US" altLang="zh-CN" sz="1800" dirty="0"/>
               <a:t> </a:t>
             </a:r>
             <a:r>
-              <a:rPr lang="en-US" altLang="zh-CN" sz="2000" dirty="0" err="1"/>
-              <a:t>getConnection</a:t>
-            </a:r>
-            <a:r>
-              <a:rPr lang="en-US" altLang="zh-CN" sz="2000" dirty="0"/>
-              <a:t>()</a:t>
-            </a:r>
-          </a:p>
-          <a:p>
-            <a:pPr marL="0" indent="0">
-              <a:buNone/>
-            </a:pPr>
-            <a:r>
-              <a:rPr lang="en-US" altLang="zh-CN" sz="2000" dirty="0"/>
-              <a:t> Configuration </a:t>
-            </a:r>
-            <a:r>
-              <a:rPr lang="en-US" altLang="zh-CN" sz="2000" dirty="0" err="1"/>
-              <a:t>getConfiguration</a:t>
-            </a:r>
-            <a:r>
-              <a:rPr lang="en-US" altLang="zh-CN" sz="2000" dirty="0"/>
-              <a:t>()</a:t>
-            </a:r>
-          </a:p>
-          <a:p>
-            <a:pPr marL="0" indent="0">
-              <a:buNone/>
-            </a:pPr>
-            <a:r>
-              <a:rPr lang="en-US" altLang="zh-CN" sz="2000" dirty="0"/>
-              <a:t> close()</a:t>
-            </a:r>
-            <a:endParaRPr lang="zh-CN" altLang="en-US" sz="2000" dirty="0"/>
+              <a:rPr lang="en-US" altLang="zh-CN" sz="1800" dirty="0" err="1"/>
+              <a:t>setInMemory</a:t>
+            </a:r>
+            <a:r>
+              <a:rPr lang="en-US" altLang="zh-CN" sz="1800" dirty="0"/>
+              <a:t>(</a:t>
+            </a:r>
+            <a:r>
+              <a:rPr lang="en-US" altLang="zh-CN" sz="1800" dirty="0" err="1"/>
+              <a:t>boolean</a:t>
+            </a:r>
+            <a:r>
+              <a:rPr lang="en-US" altLang="zh-CN" sz="1800" dirty="0"/>
+              <a:t> </a:t>
+            </a:r>
+            <a:r>
+              <a:rPr lang="en-US" altLang="zh-CN" sz="1800" dirty="0" err="1"/>
+              <a:t>inMemory</a:t>
+            </a:r>
+            <a:r>
+              <a:rPr lang="en-US" altLang="zh-CN" sz="1800" dirty="0"/>
+              <a:t>);</a:t>
+            </a:r>
+            <a:endParaRPr lang="zh-CN" altLang="en-US" sz="1800" dirty="0"/>
           </a:p>
         </p:txBody>
       </p:sp>
@@ -22300,11 +22280,7 @@
             </a:r>
             <a:r>
               <a:rPr lang="zh-CN" altLang="en-US" dirty="0" smtClean="0"/>
-              <a:t>管理</a:t>
-            </a:r>
-            <a:r>
-              <a:rPr lang="en-US" altLang="zh-CN" dirty="0" smtClean="0"/>
-              <a:t>API</a:t>
+              <a:t>其他方法</a:t>
             </a:r>
             <a:endParaRPr lang="zh-CN" altLang="en-US" dirty="0"/>
           </a:p>
@@ -22313,7 +22289,7 @@
     </p:spTree>
     <p:extLst>
       <p:ext uri="{BB962C8B-B14F-4D97-AF65-F5344CB8AC3E}">
-        <p14:creationId xmlns:p14="http://schemas.microsoft.com/office/powerpoint/2010/main" val="2114219200"/>
+        <p14:creationId xmlns:p14="http://schemas.microsoft.com/office/powerpoint/2010/main" val="2312381584"/>
       </p:ext>
     </p:extLst>
   </p:cSld>
@@ -22363,159 +22339,104 @@
           <a:lstStyle/>
           <a:p>
             <a:r>
-              <a:rPr lang="en-US" altLang="zh-CN" sz="2800" dirty="0" smtClean="0"/>
-              <a:t>Start/stop </a:t>
-            </a:r>
-            <a:r>
-              <a:rPr lang="en-US" altLang="zh-CN" sz="2800" dirty="0" err="1" smtClean="0"/>
-              <a:t>HBase</a:t>
-            </a:r>
-            <a:r>
-              <a:rPr lang="en-US" altLang="zh-CN" sz="2800" dirty="0" smtClean="0"/>
+              <a:rPr lang="en-US" altLang="zh-CN" sz="2000" dirty="0" err="1"/>
+              <a:t>HBaseAdmin</a:t>
+            </a:r>
+            <a:r>
+              <a:rPr lang="en-US" altLang="zh-CN" sz="2000" dirty="0"/>
+              <a:t>(</a:t>
+            </a:r>
+            <a:r>
+              <a:rPr lang="en-US" altLang="zh-CN" sz="2000" dirty="0" err="1"/>
+              <a:t>org.apache.hadoop.conf.Configurationconf</a:t>
+            </a:r>
+            <a:r>
+              <a:rPr lang="en-US" altLang="zh-CN" sz="2000" dirty="0" smtClean="0"/>
+              <a:t>)</a:t>
+            </a:r>
+          </a:p>
+          <a:p>
+            <a:pPr marL="0" indent="0">
+              <a:buNone/>
+            </a:pPr>
+            <a:r>
+              <a:rPr lang="en-US" altLang="zh-CN" sz="2000" dirty="0"/>
               <a:t> </a:t>
             </a:r>
-            <a:r>
-              <a:rPr lang="zh-CN" altLang="en-US" sz="2800" dirty="0" smtClean="0"/>
-              <a:t>集群</a:t>
-            </a:r>
-            <a:endParaRPr lang="en-US" altLang="zh-CN" sz="2800" dirty="0"/>
-          </a:p>
-          <a:p>
-            <a:pPr lvl="1"/>
-            <a:r>
-              <a:rPr lang="zh-CN" altLang="en-US" sz="2400" dirty="0" smtClean="0"/>
-              <a:t>开启</a:t>
-            </a:r>
-            <a:r>
-              <a:rPr lang="en-US" altLang="zh-CN" sz="2400" dirty="0" smtClean="0"/>
-              <a:t>/</a:t>
-            </a:r>
-            <a:r>
-              <a:rPr lang="zh-CN" altLang="en-US" sz="2400" dirty="0" smtClean="0"/>
-              <a:t>停止</a:t>
-            </a:r>
-            <a:r>
-              <a:rPr lang="en-US" altLang="zh-CN" sz="2400" dirty="0" smtClean="0"/>
-              <a:t>/</a:t>
-            </a:r>
-            <a:r>
-              <a:rPr lang="zh-CN" altLang="en-US" sz="2400" dirty="0" smtClean="0"/>
-              <a:t>重启守护进程</a:t>
-            </a:r>
-            <a:endParaRPr lang="en-US" altLang="zh-CN" sz="2400" dirty="0" smtClean="0"/>
-          </a:p>
-          <a:p>
-            <a:pPr marL="914400" lvl="2" indent="0">
-              <a:buNone/>
-            </a:pPr>
-            <a:r>
-              <a:rPr lang="en-US" altLang="zh-CN" sz="2000" dirty="0"/>
-              <a:t>$HBASE_HOME/bin/hbase-daemon.sh [start/stop/restart] [</a:t>
-            </a:r>
-            <a:r>
-              <a:rPr lang="en-US" altLang="zh-CN" sz="2000" dirty="0" err="1"/>
-              <a:t>regionserver</a:t>
-            </a:r>
-            <a:r>
-              <a:rPr lang="en-US" altLang="zh-CN" sz="2000" dirty="0"/>
-              <a:t>/master</a:t>
-            </a:r>
-            <a:r>
-              <a:rPr lang="en-US" altLang="zh-CN" sz="2000" dirty="0" smtClean="0"/>
-              <a:t>]</a:t>
-            </a:r>
-          </a:p>
-          <a:p>
-            <a:pPr marL="457200" lvl="1" indent="0">
-              <a:buNone/>
-            </a:pPr>
             <a:endParaRPr lang="en-US" altLang="zh-CN" sz="2000" dirty="0" smtClean="0"/>
           </a:p>
           <a:p>
-            <a:pPr lvl="1"/>
-            <a:r>
-              <a:rPr lang="zh-CN" altLang="en-US" sz="2400" dirty="0" smtClean="0"/>
-              <a:t>开启</a:t>
-            </a:r>
-            <a:r>
-              <a:rPr lang="en-US" altLang="zh-CN" sz="2400" dirty="0" smtClean="0"/>
-              <a:t>/</a:t>
-            </a:r>
-            <a:r>
-              <a:rPr lang="zh-CN" altLang="en-US" sz="2400" dirty="0" smtClean="0"/>
-              <a:t>停止</a:t>
-            </a:r>
-            <a:r>
-              <a:rPr lang="en-US" altLang="zh-CN" sz="2400" dirty="0" smtClean="0"/>
-              <a:t>/</a:t>
-            </a:r>
-            <a:r>
-              <a:rPr lang="zh-CN" altLang="en-US" sz="2400" dirty="0" smtClean="0"/>
-              <a:t>重启所有守护进程</a:t>
-            </a:r>
-            <a:endParaRPr lang="en-US" altLang="zh-CN" sz="2400" dirty="0" smtClean="0"/>
-          </a:p>
-          <a:p>
-            <a:pPr marL="914400" lvl="2" indent="0">
-              <a:buNone/>
-            </a:pPr>
-            <a:r>
-              <a:rPr lang="en-US" altLang="zh-CN" sz="2000" dirty="0"/>
-              <a:t>$HBASE_HOME/bin/hbase-daemons.sh --hosts </a:t>
-            </a:r>
+            <a:pPr marL="0" indent="0">
+              <a:buNone/>
+            </a:pPr>
             <a:r>
               <a:rPr lang="en-US" altLang="zh-CN" sz="2000" dirty="0" err="1" smtClean="0"/>
-              <a:t>regionserversfile</a:t>
+              <a:t>boolean</a:t>
             </a:r>
             <a:r>
               <a:rPr lang="en-US" altLang="zh-CN" sz="2000" dirty="0" smtClean="0"/>
               <a:t> </a:t>
             </a:r>
             <a:r>
+              <a:rPr lang="en-US" altLang="zh-CN" sz="2000" dirty="0" err="1"/>
+              <a:t>isMasterRunning</a:t>
+            </a:r>
+            <a:r>
               <a:rPr lang="en-US" altLang="zh-CN" sz="2000" dirty="0"/>
-              <a:t>[start/stop/restart</a:t>
-            </a:r>
-            <a:r>
-              <a:rPr lang="en-US" altLang="zh-CN" sz="2000" dirty="0" smtClean="0"/>
-              <a:t>]</a:t>
-            </a:r>
-          </a:p>
-          <a:p>
-            <a:pPr marL="457200" lvl="1" indent="0">
-              <a:buNone/>
-            </a:pPr>
-            <a:endParaRPr lang="en-US" altLang="zh-CN" sz="2000" dirty="0"/>
-          </a:p>
-          <a:p>
-            <a:pPr lvl="1"/>
-            <a:r>
-              <a:rPr lang="zh-CN" altLang="en-US" sz="2400" dirty="0" smtClean="0"/>
-              <a:t>开启</a:t>
-            </a:r>
-            <a:r>
-              <a:rPr lang="en-US" altLang="zh-CN" sz="2400" dirty="0"/>
-              <a:t>master </a:t>
-            </a:r>
-            <a:r>
-              <a:rPr lang="en-US" altLang="zh-CN" sz="2400" dirty="0" smtClean="0"/>
-              <a:t>server</a:t>
-            </a:r>
-          </a:p>
-          <a:p>
-            <a:pPr marL="914400" lvl="2" indent="0">
+              <a:t>()</a:t>
+            </a:r>
+          </a:p>
+          <a:p>
+            <a:pPr marL="0" indent="0">
               <a:buNone/>
             </a:pPr>
             <a:r>
               <a:rPr lang="en-US" altLang="zh-CN" sz="2000" dirty="0"/>
-              <a:t>$HBASE_HOME/bin/start-hbase.sh</a:t>
-            </a:r>
-            <a:endParaRPr lang="en-US" altLang="zh-CN" sz="2000" dirty="0" smtClean="0"/>
-          </a:p>
-          <a:p>
-            <a:pPr marL="457200" lvl="1" indent="0">
-              <a:buNone/>
-            </a:pPr>
-            <a:endParaRPr lang="en-US" altLang="zh-CN" sz="2400" dirty="0" smtClean="0"/>
+              <a:t> </a:t>
+            </a:r>
+            <a:r>
+              <a:rPr lang="en-US" altLang="zh-CN" sz="2000" dirty="0" err="1"/>
+              <a:t>HConnection</a:t>
+            </a:r>
+            <a:r>
+              <a:rPr lang="en-US" altLang="zh-CN" sz="2000" dirty="0"/>
+              <a:t> </a:t>
+            </a:r>
+            <a:r>
+              <a:rPr lang="en-US" altLang="zh-CN" sz="2000" dirty="0" err="1"/>
+              <a:t>getConnection</a:t>
+            </a:r>
+            <a:r>
+              <a:rPr lang="en-US" altLang="zh-CN" sz="2000" dirty="0"/>
+              <a:t>()</a:t>
+            </a:r>
+          </a:p>
+          <a:p>
+            <a:pPr marL="0" indent="0">
+              <a:buNone/>
+            </a:pPr>
+            <a:r>
+              <a:rPr lang="en-US" altLang="zh-CN" sz="2000" dirty="0"/>
+              <a:t> Configuration </a:t>
+            </a:r>
+            <a:r>
+              <a:rPr lang="en-US" altLang="zh-CN" sz="2000" dirty="0" err="1"/>
+              <a:t>getConfiguration</a:t>
+            </a:r>
+            <a:r>
+              <a:rPr lang="en-US" altLang="zh-CN" sz="2000" dirty="0"/>
+              <a:t>()</a:t>
+            </a:r>
+          </a:p>
+          <a:p>
+            <a:pPr marL="0" indent="0">
+              <a:buNone/>
+            </a:pPr>
+            <a:r>
+              <a:rPr lang="en-US" altLang="zh-CN" sz="2000" dirty="0"/>
+              <a:t> close()</a:t>
+            </a:r>
+            <a:endParaRPr lang="zh-CN" altLang="en-US" sz="2000" dirty="0"/>
           </a:p>
         </p:txBody>
       </p:sp>
@@ -22548,7 +22469,11 @@
             </a:r>
             <a:r>
               <a:rPr lang="zh-CN" altLang="en-US" dirty="0" smtClean="0"/>
-              <a:t>集群管理</a:t>
+              <a:t>管理</a:t>
+            </a:r>
+            <a:r>
+              <a:rPr lang="en-US" altLang="zh-CN" dirty="0" smtClean="0"/>
+              <a:t>API</a:t>
             </a:r>
             <a:endParaRPr lang="zh-CN" altLang="en-US" dirty="0"/>
           </a:p>
@@ -22557,7 +22482,7 @@
     </p:spTree>
     <p:extLst>
       <p:ext uri="{BB962C8B-B14F-4D97-AF65-F5344CB8AC3E}">
-        <p14:creationId xmlns:p14="http://schemas.microsoft.com/office/powerpoint/2010/main" val="1542655017"/>
+        <p14:creationId xmlns:p14="http://schemas.microsoft.com/office/powerpoint/2010/main" val="2114219200"/>
       </p:ext>
     </p:extLst>
   </p:cSld>
@@ -22607,24 +22532,22 @@
           <a:lstStyle/>
           <a:p>
             <a:r>
-              <a:rPr lang="zh-CN" altLang="en-US" sz="2800" dirty="0"/>
-              <a:t>增加</a:t>
+              <a:rPr lang="en-US" altLang="zh-CN" sz="2800" dirty="0" smtClean="0"/>
+              <a:t>Start/stop </a:t>
+            </a:r>
+            <a:r>
+              <a:rPr lang="en-US" altLang="zh-CN" sz="2800" dirty="0" err="1" smtClean="0"/>
+              <a:t>HBase</a:t>
+            </a:r>
+            <a:r>
+              <a:rPr lang="en-US" altLang="zh-CN" sz="2800" dirty="0" smtClean="0"/>
+              <a:t> </a:t>
             </a:r>
             <a:r>
               <a:rPr lang="zh-CN" altLang="en-US" sz="2800" dirty="0" smtClean="0"/>
-              <a:t>节点</a:t>
-            </a:r>
-            <a:endParaRPr lang="en-US" altLang="zh-CN" sz="2800" dirty="0" smtClean="0"/>
-          </a:p>
-          <a:p>
-            <a:pPr marL="457200" lvl="1" indent="0">
-              <a:buNone/>
-            </a:pPr>
-            <a:r>
-              <a:rPr lang="zh-CN" altLang="en-US" sz="2400" dirty="0" smtClean="0"/>
-              <a:t>执行以下三个步骤 ：</a:t>
-            </a:r>
-            <a:endParaRPr lang="en-US" altLang="zh-CN" sz="2400" dirty="0" smtClean="0"/>
+              <a:t>集群</a:t>
+            </a:r>
+            <a:endParaRPr lang="en-US" altLang="zh-CN" sz="2800" dirty="0"/>
           </a:p>
           <a:p>
             <a:pPr lvl="1"/>
@@ -22633,13 +22556,49 @@
               <a:t>开启</a:t>
             </a:r>
             <a:r>
-              <a:rPr lang="en-US" altLang="zh-CN" sz="2400" dirty="0" err="1" smtClean="0"/>
-              <a:t>datanode</a:t>
-            </a:r>
-            <a:r>
               <a:rPr lang="en-US" altLang="zh-CN" sz="2400" dirty="0" smtClean="0"/>
-              <a:t> server</a:t>
-            </a:r>
+              <a:t>/</a:t>
+            </a:r>
+            <a:r>
+              <a:rPr lang="zh-CN" altLang="en-US" sz="2400" dirty="0" smtClean="0"/>
+              <a:t>停止</a:t>
+            </a:r>
+            <a:r>
+              <a:rPr lang="en-US" altLang="zh-CN" sz="2400" dirty="0" smtClean="0"/>
+              <a:t>/</a:t>
+            </a:r>
+            <a:r>
+              <a:rPr lang="zh-CN" altLang="en-US" sz="2400" dirty="0" smtClean="0"/>
+              <a:t>重启守护进程</a:t>
+            </a:r>
+            <a:endParaRPr lang="en-US" altLang="zh-CN" sz="2400" dirty="0" smtClean="0"/>
+          </a:p>
+          <a:p>
+            <a:pPr marL="914400" lvl="2" indent="0">
+              <a:buNone/>
+            </a:pPr>
+            <a:r>
+              <a:rPr lang="en-US" altLang="zh-CN" sz="2000" dirty="0"/>
+              <a:t>$HBASE_HOME/bin/hbase-daemon.sh [start/stop/restart] [</a:t>
+            </a:r>
+            <a:r>
+              <a:rPr lang="en-US" altLang="zh-CN" sz="2000" dirty="0" err="1"/>
+              <a:t>regionserver</a:t>
+            </a:r>
+            <a:r>
+              <a:rPr lang="en-US" altLang="zh-CN" sz="2000" dirty="0"/>
+              <a:t>/master</a:t>
+            </a:r>
+            <a:r>
+              <a:rPr lang="en-US" altLang="zh-CN" sz="2000" dirty="0" smtClean="0"/>
+              <a:t>]</a:t>
+            </a:r>
+          </a:p>
+          <a:p>
+            <a:pPr marL="457200" lvl="1" indent="0">
+              <a:buNone/>
+            </a:pPr>
+            <a:endParaRPr lang="en-US" altLang="zh-CN" sz="2000" dirty="0" smtClean="0"/>
           </a:p>
           <a:p>
             <a:pPr lvl="1"/>
@@ -22648,38 +22607,84 @@
               <a:t>开启</a:t>
             </a:r>
             <a:r>
-              <a:rPr lang="en-US" altLang="zh-CN" sz="2400" dirty="0" err="1" smtClean="0"/>
-              <a:t>ResionServer</a:t>
+              <a:rPr lang="en-US" altLang="zh-CN" sz="2400" dirty="0" smtClean="0"/>
+              <a:t>/</a:t>
             </a:r>
             <a:r>
               <a:rPr lang="zh-CN" altLang="en-US" sz="2400" dirty="0" smtClean="0"/>
-              <a:t>，并验证</a:t>
+              <a:t>停止</a:t>
+            </a:r>
+            <a:r>
+              <a:rPr lang="en-US" altLang="zh-CN" sz="2400" dirty="0" smtClean="0"/>
+              <a:t>/</a:t>
+            </a:r>
+            <a:r>
+              <a:rPr lang="zh-CN" altLang="en-US" sz="2400" dirty="0" smtClean="0"/>
+              <a:t>重启所有守护进程</a:t>
             </a:r>
             <a:endParaRPr lang="en-US" altLang="zh-CN" sz="2400" dirty="0" smtClean="0"/>
           </a:p>
           <a:p>
+            <a:pPr marL="914400" lvl="2" indent="0">
+              <a:buNone/>
+            </a:pPr>
+            <a:r>
+              <a:rPr lang="en-US" altLang="zh-CN" sz="2000" dirty="0"/>
+              <a:t>$HBASE_HOME/bin/hbase-daemons.sh --hosts </a:t>
+            </a:r>
+            <a:r>
+              <a:rPr lang="en-US" altLang="zh-CN" sz="2000" dirty="0" err="1" smtClean="0"/>
+              <a:t>regionserversfile</a:t>
+            </a:r>
+            <a:r>
+              <a:rPr lang="en-US" altLang="zh-CN" sz="2000" dirty="0" smtClean="0"/>
+              <a:t> </a:t>
+            </a:r>
+            <a:r>
+              <a:rPr lang="en-US" altLang="zh-CN" sz="2000" dirty="0"/>
+              <a:t>[start/stop/restart</a:t>
+            </a:r>
+            <a:r>
+              <a:rPr lang="en-US" altLang="zh-CN" sz="2000" dirty="0" smtClean="0"/>
+              <a:t>]</a:t>
+            </a:r>
+          </a:p>
+          <a:p>
+            <a:pPr marL="457200" lvl="1" indent="0">
+              <a:buNone/>
+            </a:pPr>
+            <a:endParaRPr lang="en-US" altLang="zh-CN" sz="2000" dirty="0"/>
+          </a:p>
+          <a:p>
             <a:pPr lvl="1"/>
             <a:r>
-              <a:rPr lang="en-US" altLang="zh-CN" sz="2400" dirty="0" err="1" smtClean="0"/>
-              <a:t>HBase</a:t>
-            </a:r>
-            <a:r>
               <a:rPr lang="zh-CN" altLang="en-US" sz="2400" dirty="0" smtClean="0"/>
-              <a:t>启动后，在</a:t>
+              <a:t>开启</a:t>
+            </a:r>
+            <a:r>
+              <a:rPr lang="en-US" altLang="zh-CN" sz="2400" dirty="0"/>
+              <a:t>master </a:t>
             </a:r>
             <a:r>
               <a:rPr lang="en-US" altLang="zh-CN" sz="2400" dirty="0" smtClean="0"/>
-              <a:t>master server</a:t>
-            </a:r>
-            <a:r>
-              <a:rPr lang="zh-CN" altLang="en-US" sz="2400" dirty="0" smtClean="0"/>
-              <a:t>开启 </a:t>
-            </a:r>
-            <a:r>
-              <a:rPr lang="en-US" altLang="zh-CN" sz="2400" dirty="0" smtClean="0"/>
-              <a:t>balancer</a:t>
-            </a:r>
-            <a:endParaRPr lang="zh-CN" altLang="en-US" sz="2400" dirty="0"/>
+              <a:t>server</a:t>
+            </a:r>
+          </a:p>
+          <a:p>
+            <a:pPr marL="914400" lvl="2" indent="0">
+              <a:buNone/>
+            </a:pPr>
+            <a:r>
+              <a:rPr lang="en-US" altLang="zh-CN" sz="2000" dirty="0"/>
+              <a:t>$HBASE_HOME/bin/start-hbase.sh</a:t>
+            </a:r>
+            <a:endParaRPr lang="en-US" altLang="zh-CN" sz="2000" dirty="0" smtClean="0"/>
+          </a:p>
+          <a:p>
+            <a:pPr marL="457200" lvl="1" indent="0">
+              <a:buNone/>
+            </a:pPr>
+            <a:endParaRPr lang="en-US" altLang="zh-CN" sz="2400" dirty="0" smtClean="0"/>
           </a:p>
         </p:txBody>
       </p:sp>
@@ -22721,7 +22726,7 @@
     </p:spTree>
     <p:extLst>
       <p:ext uri="{BB962C8B-B14F-4D97-AF65-F5344CB8AC3E}">
-        <p14:creationId xmlns:p14="http://schemas.microsoft.com/office/powerpoint/2010/main" val="2603375105"/>
+        <p14:creationId xmlns:p14="http://schemas.microsoft.com/office/powerpoint/2010/main" val="1542655017"/>
       </p:ext>
     </p:extLst>
   </p:cSld>
@@ -22771,8 +22776,12 @@
           <a:lstStyle/>
           <a:p>
             <a:r>
+              <a:rPr lang="zh-CN" altLang="en-US" sz="2800" dirty="0"/>
+              <a:t>增加</a:t>
+            </a:r>
+            <a:r>
               <a:rPr lang="zh-CN" altLang="en-US" sz="2800" dirty="0" smtClean="0"/>
-              <a:t>减少节点</a:t>
+              <a:t>节点</a:t>
             </a:r>
             <a:endParaRPr lang="en-US" altLang="zh-CN" sz="2800" dirty="0" smtClean="0"/>
           </a:p>
@@ -22781,72 +22790,63 @@
               <a:buNone/>
             </a:pPr>
             <a:r>
-              <a:rPr lang="en-US" altLang="zh-CN" sz="2400" dirty="0"/>
-              <a:t>$</a:t>
+              <a:rPr lang="zh-CN" altLang="en-US" sz="2400" dirty="0" smtClean="0"/>
+              <a:t>执行以下三个步骤 ：</a:t>
+            </a:r>
+            <a:endParaRPr lang="en-US" altLang="zh-CN" sz="2400" dirty="0" smtClean="0"/>
+          </a:p>
+          <a:p>
+            <a:pPr lvl="1"/>
+            <a:r>
+              <a:rPr lang="zh-CN" altLang="en-US" sz="2400" dirty="0" smtClean="0"/>
+              <a:t>开启</a:t>
+            </a:r>
+            <a:r>
+              <a:rPr lang="en-US" altLang="zh-CN" sz="2400" dirty="0" err="1" smtClean="0"/>
+              <a:t>datanode</a:t>
             </a:r>
             <a:r>
               <a:rPr lang="en-US" altLang="zh-CN" sz="2400" dirty="0" smtClean="0"/>
-              <a:t>HBASE_HOME/bin/graceful_stop.sh</a:t>
-            </a:r>
-          </a:p>
-          <a:p>
-            <a:pPr marL="457200" lvl="1" indent="0">
-              <a:buNone/>
-            </a:pPr>
-            <a:r>
-              <a:rPr lang="zh-CN" altLang="en-US" sz="2400" dirty="0"/>
-              <a:t>该</a:t>
-            </a:r>
+              <a:t> server</a:t>
+            </a:r>
+          </a:p>
+          <a:p>
+            <a:pPr lvl="1"/>
             <a:r>
               <a:rPr lang="zh-CN" altLang="en-US" sz="2400" dirty="0" smtClean="0"/>
-              <a:t>命令执行以下三个步骤 ：</a:t>
+              <a:t>开启</a:t>
+            </a:r>
+            <a:r>
+              <a:rPr lang="en-US" altLang="zh-CN" sz="2400" dirty="0" err="1" smtClean="0"/>
+              <a:t>ResionServer</a:t>
+            </a:r>
+            <a:r>
+              <a:rPr lang="zh-CN" altLang="en-US" sz="2400" dirty="0" smtClean="0"/>
+              <a:t>，并验证</a:t>
             </a:r>
             <a:endParaRPr lang="en-US" altLang="zh-CN" sz="2400" dirty="0" smtClean="0"/>
           </a:p>
           <a:p>
             <a:pPr lvl="1"/>
             <a:r>
+              <a:rPr lang="en-US" altLang="zh-CN" sz="2400" dirty="0" err="1" smtClean="0"/>
+              <a:t>HBase</a:t>
+            </a:r>
+            <a:r>
               <a:rPr lang="zh-CN" altLang="en-US" sz="2400" dirty="0" smtClean="0"/>
-              <a:t>禁用</a:t>
+              <a:t>启动后，在</a:t>
             </a:r>
             <a:r>
               <a:rPr lang="en-US" altLang="zh-CN" sz="2400" dirty="0" smtClean="0"/>
-              <a:t>region balancer</a:t>
-            </a:r>
-          </a:p>
-          <a:p>
-            <a:pPr lvl="1"/>
+              <a:t>master server</a:t>
+            </a:r>
             <a:r>
               <a:rPr lang="zh-CN" altLang="en-US" sz="2400" dirty="0" smtClean="0"/>
-              <a:t>随机分配</a:t>
-            </a:r>
-            <a:r>
-              <a:rPr lang="en-US" altLang="zh-CN" sz="2400" dirty="0" err="1" smtClean="0"/>
-              <a:t>resions</a:t>
-            </a:r>
-            <a:r>
-              <a:rPr lang="zh-CN" altLang="en-US" sz="2400" dirty="0" smtClean="0"/>
-              <a:t>到可用的</a:t>
-            </a:r>
-            <a:r>
-              <a:rPr lang="en-US" altLang="zh-CN" sz="2400" dirty="0" err="1" smtClean="0"/>
-              <a:t>RegionServer</a:t>
-            </a:r>
-            <a:endParaRPr lang="en-US" altLang="zh-CN" sz="2400" dirty="0" smtClean="0"/>
-          </a:p>
-          <a:p>
-            <a:pPr lvl="1"/>
-            <a:r>
-              <a:rPr lang="zh-CN" altLang="en-US" sz="2400" dirty="0" smtClean="0"/>
-              <a:t>停止</a:t>
-            </a:r>
-            <a:r>
-              <a:rPr lang="en-US" altLang="zh-CN" sz="2400" dirty="0" err="1" smtClean="0"/>
-              <a:t>RegionServer</a:t>
-            </a:r>
-            <a:r>
-              <a:rPr lang="zh-CN" altLang="en-US" sz="2400" dirty="0" smtClean="0"/>
-              <a:t>进程</a:t>
+              <a:t>开启 </a:t>
+            </a:r>
+            <a:r>
+              <a:rPr lang="en-US" altLang="zh-CN" sz="2400" dirty="0" smtClean="0"/>
+              <a:t>balancer</a:t>
             </a:r>
             <a:endParaRPr lang="zh-CN" altLang="en-US" sz="2400" dirty="0"/>
           </a:p>
@@ -22890,7 +22890,7 @@
     </p:spTree>
     <p:extLst>
       <p:ext uri="{BB962C8B-B14F-4D97-AF65-F5344CB8AC3E}">
-        <p14:creationId xmlns:p14="http://schemas.microsoft.com/office/powerpoint/2010/main" val="468958060"/>
+        <p14:creationId xmlns:p14="http://schemas.microsoft.com/office/powerpoint/2010/main" val="2603375105"/>
       </p:ext>
     </p:extLst>
   </p:cSld>
@@ -22940,6 +22940,175 @@
           <a:lstStyle/>
           <a:p>
             <a:r>
+              <a:rPr lang="zh-CN" altLang="en-US" sz="2800" dirty="0" smtClean="0"/>
+              <a:t>减少节点</a:t>
+            </a:r>
+            <a:endParaRPr lang="en-US" altLang="zh-CN" sz="2800" dirty="0" smtClean="0"/>
+          </a:p>
+          <a:p>
+            <a:pPr marL="457200" lvl="1" indent="0">
+              <a:buNone/>
+            </a:pPr>
+            <a:r>
+              <a:rPr lang="en-US" altLang="zh-CN" sz="2400" dirty="0"/>
+              <a:t>$</a:t>
+            </a:r>
+            <a:r>
+              <a:rPr lang="en-US" altLang="zh-CN" sz="2400" dirty="0" smtClean="0"/>
+              <a:t>HBASE_HOME/bin/graceful_stop.sh</a:t>
+            </a:r>
+          </a:p>
+          <a:p>
+            <a:pPr marL="457200" lvl="1" indent="0">
+              <a:buNone/>
+            </a:pPr>
+            <a:r>
+              <a:rPr lang="zh-CN" altLang="en-US" sz="2400" dirty="0"/>
+              <a:t>该</a:t>
+            </a:r>
+            <a:r>
+              <a:rPr lang="zh-CN" altLang="en-US" sz="2400" dirty="0" smtClean="0"/>
+              <a:t>命令执行以下三个步骤 ：</a:t>
+            </a:r>
+            <a:endParaRPr lang="en-US" altLang="zh-CN" sz="2400" dirty="0" smtClean="0"/>
+          </a:p>
+          <a:p>
+            <a:pPr lvl="1"/>
+            <a:r>
+              <a:rPr lang="zh-CN" altLang="en-US" sz="2400" dirty="0" smtClean="0"/>
+              <a:t>禁用</a:t>
+            </a:r>
+            <a:r>
+              <a:rPr lang="en-US" altLang="zh-CN" sz="2400" dirty="0" smtClean="0"/>
+              <a:t>region balancer</a:t>
+            </a:r>
+          </a:p>
+          <a:p>
+            <a:pPr lvl="1"/>
+            <a:r>
+              <a:rPr lang="zh-CN" altLang="en-US" sz="2400" dirty="0" smtClean="0"/>
+              <a:t>随机分配</a:t>
+            </a:r>
+            <a:r>
+              <a:rPr lang="en-US" altLang="zh-CN" sz="2400" dirty="0" err="1" smtClean="0"/>
+              <a:t>resions</a:t>
+            </a:r>
+            <a:r>
+              <a:rPr lang="zh-CN" altLang="en-US" sz="2400" dirty="0" smtClean="0"/>
+              <a:t>到可用的</a:t>
+            </a:r>
+            <a:r>
+              <a:rPr lang="en-US" altLang="zh-CN" sz="2400" dirty="0" err="1" smtClean="0"/>
+              <a:t>RegionServer</a:t>
+            </a:r>
+            <a:endParaRPr lang="en-US" altLang="zh-CN" sz="2400" dirty="0" smtClean="0"/>
+          </a:p>
+          <a:p>
+            <a:pPr lvl="1"/>
+            <a:r>
+              <a:rPr lang="zh-CN" altLang="en-US" sz="2400" dirty="0" smtClean="0"/>
+              <a:t>停止</a:t>
+            </a:r>
+            <a:r>
+              <a:rPr lang="en-US" altLang="zh-CN" sz="2400" dirty="0" err="1" smtClean="0"/>
+              <a:t>RegionServer</a:t>
+            </a:r>
+            <a:r>
+              <a:rPr lang="zh-CN" altLang="en-US" sz="2400" dirty="0" smtClean="0"/>
+              <a:t>进程</a:t>
+            </a:r>
+            <a:endParaRPr lang="zh-CN" altLang="en-US" sz="2400" dirty="0"/>
+          </a:p>
+        </p:txBody>
+      </p:sp>
+      <p:sp>
+        <p:nvSpPr>
+          <p:cNvPr id="3" name="标题 2"/>
+          <p:cNvSpPr>
+            <a:spLocks noGrp="1"/>
+          </p:cNvSpPr>
+          <p:nvPr>
+            <p:ph type="title"/>
+          </p:nvPr>
+        </p:nvSpPr>
+        <p:spPr/>
+        <p:txBody>
+          <a:bodyPr/>
+          <a:lstStyle/>
+          <a:p>
+            <a:r>
+              <a:rPr lang="en-US" altLang="zh-CN" dirty="0" err="1" smtClean="0"/>
+              <a:t>HBase</a:t>
+            </a:r>
+            <a:r>
+              <a:rPr lang="zh-CN" altLang="en-US" dirty="0" smtClean="0"/>
+              <a:t> </a:t>
+            </a:r>
+            <a:r>
+              <a:rPr lang="en-US" altLang="zh-CN" dirty="0" smtClean="0"/>
+              <a:t>- </a:t>
+            </a:r>
+            <a:r>
+              <a:rPr lang="zh-CN" altLang="en-US" dirty="0" smtClean="0"/>
+              <a:t>集群管理</a:t>
+            </a:r>
+            <a:endParaRPr lang="zh-CN" altLang="en-US" dirty="0"/>
+          </a:p>
+        </p:txBody>
+      </p:sp>
+    </p:spTree>
+    <p:extLst>
+      <p:ext uri="{BB962C8B-B14F-4D97-AF65-F5344CB8AC3E}">
+        <p14:creationId xmlns:p14="http://schemas.microsoft.com/office/powerpoint/2010/main" val="468958060"/>
+      </p:ext>
+    </p:extLst>
+  </p:cSld>
+  <p:clrMapOvr>
+    <a:masterClrMapping/>
+  </p:clrMapOvr>
+  <p:timing>
+    <p:tnLst>
+      <p:par>
+        <p:cTn id="1" dur="indefinite" restart="never" nodeType="tmRoot"/>
+      </p:par>
+    </p:tnLst>
+  </p:timing>
+</p:sld>
+</file>
+
+<file path=ppt/slides/slide48.xml><?xml version="1.0" encoding="utf-8"?>
+<p:sld xmlns:a="http://schemas.openxmlformats.org/drawingml/2006/main" xmlns:r="http://schemas.openxmlformats.org/officeDocument/2006/relationships" xmlns:p="http://schemas.openxmlformats.org/presentationml/2006/main">
+  <p:cSld>
+    <p:spTree>
+      <p:nvGrpSpPr>
+        <p:cNvPr id="1" name=""/>
+        <p:cNvGrpSpPr/>
+        <p:nvPr/>
+      </p:nvGrpSpPr>
+      <p:grpSpPr>
+        <a:xfrm>
+          <a:off x="0" y="0"/>
+          <a:ext cx="0" cy="0"/>
+          <a:chOff x="0" y="0"/>
+          <a:chExt cx="0" cy="0"/>
+        </a:xfrm>
+      </p:grpSpPr>
+      <p:sp>
+        <p:nvSpPr>
+          <p:cNvPr id="2" name="内容占位符 1"/>
+          <p:cNvSpPr>
+            <a:spLocks noGrp="1"/>
+          </p:cNvSpPr>
+          <p:nvPr>
+            <p:ph sz="quarter" idx="10"/>
+          </p:nvPr>
+        </p:nvSpPr>
+        <p:spPr/>
+        <p:txBody>
+          <a:bodyPr/>
+          <a:lstStyle/>
+          <a:p>
+            <a:r>
               <a:rPr lang="en-US" altLang="zh-CN" sz="2800" dirty="0"/>
               <a:t>Upgrading a </a:t>
             </a:r>
@@ -23128,7 +23297,7 @@
 </p:sld>
 </file>
 
-<file path=ppt/slides/slide48.xml><?xml version="1.0" encoding="utf-8"?>
+<file path=ppt/slides/slide49.xml><?xml version="1.0" encoding="utf-8"?>
 <p:sld xmlns:a="http://schemas.openxmlformats.org/drawingml/2006/main" xmlns:r="http://schemas.openxmlformats.org/officeDocument/2006/relationships" xmlns:p="http://schemas.openxmlformats.org/presentationml/2006/main">
   <p:cSld>
     <p:spTree>
@@ -23320,169 +23489,6 @@
 </p:sld>
 </file>
 
-<file path=ppt/slides/slide49.xml><?xml version="1.0" encoding="utf-8"?>
-<p:sld xmlns:a="http://schemas.openxmlformats.org/drawingml/2006/main" xmlns:r="http://schemas.openxmlformats.org/officeDocument/2006/relationships" xmlns:p="http://schemas.openxmlformats.org/presentationml/2006/main">
-  <p:cSld>
-    <p:spTree>
-      <p:nvGrpSpPr>
-        <p:cNvPr id="1" name=""/>
-        <p:cNvGrpSpPr/>
-        <p:nvPr/>
-      </p:nvGrpSpPr>
-      <p:grpSpPr>
-        <a:xfrm>
-          <a:off x="0" y="0"/>
-          <a:ext cx="0" cy="0"/>
-          <a:chOff x="0" y="0"/>
-          <a:chExt cx="0" cy="0"/>
-        </a:xfrm>
-      </p:grpSpPr>
-      <p:sp>
-        <p:nvSpPr>
-          <p:cNvPr id="2" name="内容占位符 1"/>
-          <p:cNvSpPr>
-            <a:spLocks noGrp="1"/>
-          </p:cNvSpPr>
-          <p:nvPr>
-            <p:ph sz="quarter" idx="10"/>
-          </p:nvPr>
-        </p:nvSpPr>
-        <p:spPr/>
-        <p:txBody>
-          <a:bodyPr/>
-          <a:lstStyle/>
-          <a:p>
-            <a:r>
-              <a:rPr lang="zh-CN" altLang="en-US" sz="2800" dirty="0" smtClean="0"/>
-              <a:t>导入</a:t>
-            </a:r>
-            <a:r>
-              <a:rPr lang="en-US" altLang="zh-CN" sz="2800" dirty="0" smtClean="0"/>
-              <a:t>/</a:t>
-            </a:r>
-            <a:r>
-              <a:rPr lang="zh-CN" altLang="en-US" sz="2800" dirty="0" smtClean="0"/>
-              <a:t>导出</a:t>
-            </a:r>
-            <a:endParaRPr lang="en-US" altLang="zh-CN" sz="2800" dirty="0" smtClean="0"/>
-          </a:p>
-          <a:p>
-            <a:pPr marL="457200" lvl="1" indent="0">
-              <a:buNone/>
-            </a:pPr>
-            <a:r>
-              <a:rPr lang="zh-CN" altLang="en-US" sz="2400" dirty="0" smtClean="0"/>
-              <a:t>查看导出帮助</a:t>
-            </a:r>
-            <a:endParaRPr lang="en-US" altLang="zh-CN" sz="2400" dirty="0" smtClean="0"/>
-          </a:p>
-          <a:p>
-            <a:pPr marL="457200" lvl="1" indent="0">
-              <a:buNone/>
-            </a:pPr>
-            <a:r>
-              <a:rPr lang="en-US" altLang="zh-CN" sz="2400" dirty="0" err="1"/>
-              <a:t>hbase</a:t>
-            </a:r>
-            <a:r>
-              <a:rPr lang="en-US" altLang="zh-CN" sz="2400" dirty="0"/>
-              <a:t> </a:t>
-            </a:r>
-            <a:r>
-              <a:rPr lang="en-US" altLang="zh-CN" sz="2400" dirty="0" err="1" smtClean="0"/>
-              <a:t>org.apache.hadoop.hbase.mapreduce.Export</a:t>
-            </a:r>
-            <a:endParaRPr lang="en-US" altLang="zh-CN" sz="2400" dirty="0" smtClean="0"/>
-          </a:p>
-          <a:p>
-            <a:pPr marL="457200" lvl="1" indent="0">
-              <a:buNone/>
-            </a:pPr>
-            <a:r>
-              <a:rPr lang="zh-CN" altLang="en-US" sz="2400" dirty="0"/>
-              <a:t>查看</a:t>
-            </a:r>
-            <a:r>
-              <a:rPr lang="zh-CN" altLang="en-US" sz="2400" dirty="0" smtClean="0"/>
-              <a:t>导入帮助</a:t>
-            </a:r>
-            <a:endParaRPr lang="en-US" altLang="zh-CN" sz="2400" dirty="0" smtClean="0"/>
-          </a:p>
-          <a:p>
-            <a:pPr marL="457200" lvl="1" indent="0">
-              <a:buNone/>
-            </a:pPr>
-            <a:r>
-              <a:rPr lang="en-US" altLang="zh-CN" sz="2400" dirty="0" err="1"/>
-              <a:t>hbase</a:t>
-            </a:r>
-            <a:r>
-              <a:rPr lang="en-US" altLang="zh-CN" sz="2400" dirty="0"/>
-              <a:t> </a:t>
-            </a:r>
-            <a:r>
-              <a:rPr lang="en-US" altLang="zh-CN" sz="2400" dirty="0" err="1"/>
-              <a:t>org.apache.hadoop.hbase.mapreduce.Import</a:t>
-            </a:r>
-            <a:endParaRPr lang="zh-CN" altLang="en-US" sz="2400" dirty="0"/>
-          </a:p>
-        </p:txBody>
-      </p:sp>
-      <p:sp>
-        <p:nvSpPr>
-          <p:cNvPr id="3" name="标题 2"/>
-          <p:cNvSpPr>
-            <a:spLocks noGrp="1"/>
-          </p:cNvSpPr>
-          <p:nvPr>
-            <p:ph type="title"/>
-          </p:nvPr>
-        </p:nvSpPr>
-        <p:spPr/>
-        <p:txBody>
-          <a:bodyPr/>
-          <a:lstStyle/>
-          <a:p>
-            <a:r>
-              <a:rPr lang="en-US" altLang="zh-CN" dirty="0" err="1" smtClean="0"/>
-              <a:t>HBase</a:t>
-            </a:r>
-            <a:r>
-              <a:rPr lang="zh-CN" altLang="en-US" dirty="0" smtClean="0"/>
-              <a:t> </a:t>
-            </a:r>
-            <a:r>
-              <a:rPr lang="en-US" altLang="zh-CN" dirty="0" smtClean="0"/>
-              <a:t>- </a:t>
-            </a:r>
-            <a:r>
-              <a:rPr lang="zh-CN" altLang="en-US" dirty="0" smtClean="0"/>
-              <a:t>集群管理</a:t>
-            </a:r>
-            <a:endParaRPr lang="zh-CN" altLang="en-US" dirty="0"/>
-          </a:p>
-        </p:txBody>
-      </p:sp>
-    </p:spTree>
-    <p:extLst>
-      <p:ext uri="{BB962C8B-B14F-4D97-AF65-F5344CB8AC3E}">
-        <p14:creationId xmlns:p14="http://schemas.microsoft.com/office/powerpoint/2010/main" val="336547486"/>
-      </p:ext>
-    </p:extLst>
-  </p:cSld>
-  <p:clrMapOvr>
-    <a:masterClrMapping/>
-  </p:clrMapOvr>
-  <p:timing>
-    <p:tnLst>
-      <p:par>
-        <p:cTn id="1" dur="indefinite" restart="never" nodeType="tmRoot"/>
-      </p:par>
-    </p:tnLst>
-  </p:timing>
-</p:sld>
-</file>
-
 <file path=ppt/slides/slide5.xml><?xml version="1.0" encoding="utf-8"?>
 <p:sld xmlns:a="http://schemas.openxmlformats.org/drawingml/2006/main" xmlns:r="http://schemas.openxmlformats.org/officeDocument/2006/relationships" xmlns:p="http://schemas.openxmlformats.org/presentationml/2006/main">
   <p:cSld>
@@ -23764,19 +23770,22 @@
             <p:ph sz="quarter" idx="10"/>
           </p:nvPr>
         </p:nvSpPr>
-        <p:spPr>
-          <a:xfrm>
-            <a:off x="619723" y="1941537"/>
-            <a:ext cx="8344765" cy="4367783"/>
-          </a:xfrm>
-        </p:spPr>
+        <p:spPr/>
         <p:txBody>
           <a:bodyPr/>
           <a:lstStyle/>
           <a:p>
             <a:r>
               <a:rPr lang="zh-CN" altLang="en-US" sz="2800" dirty="0" smtClean="0"/>
-              <a:t>复制</a:t>
+              <a:t>导入</a:t>
+            </a:r>
+            <a:r>
+              <a:rPr lang="en-US" altLang="zh-CN" sz="2800" dirty="0" smtClean="0"/>
+              <a:t>/</a:t>
+            </a:r>
+            <a:r>
+              <a:rPr lang="zh-CN" altLang="en-US" sz="2800" dirty="0" smtClean="0"/>
+              <a:t>导出</a:t>
             </a:r>
             <a:endParaRPr lang="en-US" altLang="zh-CN" sz="2800" dirty="0" smtClean="0"/>
           </a:p>
@@ -23785,8 +23794,8 @@
               <a:buNone/>
             </a:pPr>
             <a:r>
-              <a:rPr lang="zh-CN" altLang="en-US" sz="2400" smtClean="0"/>
-              <a:t>查看复制帮助</a:t>
+              <a:rPr lang="zh-CN" altLang="en-US" sz="2400" dirty="0" smtClean="0"/>
+              <a:t>查看导出帮助</a:t>
             </a:r>
             <a:endParaRPr lang="en-US" altLang="zh-CN" sz="2400" dirty="0" smtClean="0"/>
           </a:p>
@@ -23803,8 +23812,40 @@
               <a:t> </a:t>
             </a:r>
             <a:r>
+              <a:rPr lang="en-US" altLang="zh-CN" sz="2400" dirty="0" err="1" smtClean="0"/>
+              <a:t>org.apache.hadoop.hbase.mapreduce.Export</a:t>
+            </a:r>
+            <a:endParaRPr lang="en-US" altLang="zh-CN" sz="2400" dirty="0" smtClean="0"/>
+          </a:p>
+          <a:p>
+            <a:pPr marL="457200" lvl="1" indent="0">
+              <a:buNone/>
+            </a:pPr>
+            <a:r>
+              <a:rPr lang="zh-CN" altLang="en-US" sz="2400" dirty="0"/>
+              <a:t>查看</a:t>
+            </a:r>
+            <a:r>
+              <a:rPr lang="zh-CN" altLang="en-US" sz="2400" dirty="0" smtClean="0"/>
+              <a:t>导入帮助</a:t>
+            </a:r>
+            <a:endParaRPr lang="en-US" altLang="zh-CN" sz="2400" dirty="0" smtClean="0"/>
+          </a:p>
+          <a:p>
+            <a:pPr marL="457200" lvl="1" indent="0">
+              <a:buNone/>
+            </a:pPr>
+            <a:r>
               <a:rPr lang="en-US" altLang="zh-CN" sz="2400" dirty="0" err="1"/>
-              <a:t>org.apache.hadoop.hbase.mapreduce.CopyTable</a:t>
+              <a:t>hbase</a:t>
+            </a:r>
+            <a:r>
+              <a:rPr lang="en-US" altLang="zh-CN" sz="2400" dirty="0"/>
+              <a:t> </a:t>
+            </a:r>
+            <a:r>
+              <a:rPr lang="en-US" altLang="zh-CN" sz="2400" dirty="0" err="1"/>
+              <a:t>org.apache.hadoop.hbase.mapreduce.Import</a:t>
             </a:r>
             <a:endParaRPr lang="zh-CN" altLang="en-US" sz="2400" dirty="0"/>
           </a:p>
@@ -23848,7 +23889,7 @@
     </p:spTree>
     <p:extLst>
       <p:ext uri="{BB962C8B-B14F-4D97-AF65-F5344CB8AC3E}">
-        <p14:creationId xmlns:p14="http://schemas.microsoft.com/office/powerpoint/2010/main" val="3860461998"/>
+        <p14:creationId xmlns:p14="http://schemas.microsoft.com/office/powerpoint/2010/main" val="336547486"/>
       </p:ext>
     </p:extLst>
   </p:cSld>
@@ -23892,95 +23933,47 @@
             <p:ph sz="quarter" idx="10"/>
           </p:nvPr>
         </p:nvSpPr>
-        <p:spPr/>
-        <p:txBody>
-          <a:bodyPr/>
-          <a:lstStyle/>
-          <a:p>
-            <a:pPr marL="0" indent="0" algn="just">
-              <a:buNone/>
-            </a:pPr>
-            <a:r>
-              <a:rPr lang="zh-CN" altLang="en-US" sz="2400" dirty="0" smtClean="0"/>
-              <a:t>监控生产系统非常重要，系统通常会有多种监控指标，通过它们用户可以了解到当前状态的各种详细信息，</a:t>
-            </a:r>
-            <a:r>
-              <a:rPr lang="en-US" altLang="zh-CN" sz="2400" dirty="0" err="1" smtClean="0"/>
-              <a:t>HBase</a:t>
-            </a:r>
-            <a:r>
-              <a:rPr lang="zh-CN" altLang="en-US" sz="2400" dirty="0" smtClean="0"/>
-              <a:t>系统也是如此。</a:t>
+        <p:spPr>
+          <a:xfrm>
+            <a:off x="619723" y="1941537"/>
+            <a:ext cx="8344765" cy="4367783"/>
+          </a:xfrm>
+        </p:spPr>
+        <p:txBody>
+          <a:bodyPr/>
+          <a:lstStyle/>
+          <a:p>
+            <a:r>
+              <a:rPr lang="zh-CN" altLang="en-US" sz="2800" dirty="0" smtClean="0"/>
+              <a:t>复制</a:t>
+            </a:r>
+            <a:endParaRPr lang="en-US" altLang="zh-CN" sz="2800" dirty="0" smtClean="0"/>
+          </a:p>
+          <a:p>
+            <a:pPr marL="457200" lvl="1" indent="0">
+              <a:buNone/>
+            </a:pPr>
+            <a:r>
+              <a:rPr lang="zh-CN" altLang="en-US" sz="2400" smtClean="0"/>
+              <a:t>查看复制帮助</a:t>
             </a:r>
             <a:endParaRPr lang="en-US" altLang="zh-CN" sz="2400" dirty="0" smtClean="0"/>
           </a:p>
           <a:p>
-            <a:pPr marL="0" indent="0" algn="just">
-              <a:buNone/>
-            </a:pPr>
-            <a:r>
-              <a:rPr lang="en-US" altLang="zh-CN" sz="2400" dirty="0" err="1" smtClean="0"/>
-              <a:t>HBase</a:t>
-            </a:r>
-            <a:r>
-              <a:rPr lang="zh-CN" altLang="en-US" sz="2400" dirty="0" smtClean="0"/>
-              <a:t>实际上是从</a:t>
-            </a:r>
-            <a:r>
-              <a:rPr lang="en-US" altLang="zh-CN" sz="2400" dirty="0" smtClean="0"/>
-              <a:t>Hadoop</a:t>
-            </a:r>
-            <a:r>
-              <a:rPr lang="zh-CN" altLang="en-US" sz="2400" dirty="0" smtClean="0"/>
-              <a:t>继承了监控</a:t>
-            </a:r>
-            <a:r>
-              <a:rPr lang="en-US" altLang="zh-CN" sz="2400" dirty="0" smtClean="0"/>
-              <a:t>API</a:t>
-            </a:r>
-            <a:r>
-              <a:rPr lang="zh-CN" altLang="en-US" sz="2400" dirty="0" smtClean="0"/>
-              <a:t>，然后</a:t>
-            </a:r>
-            <a:r>
-              <a:rPr lang="en-US" altLang="zh-CN" sz="2400" dirty="0" smtClean="0"/>
-              <a:t>Hadoop</a:t>
-            </a:r>
-            <a:r>
-              <a:rPr lang="zh-CN" altLang="en-US" sz="2400" dirty="0" smtClean="0"/>
-              <a:t>是一个面向批处理的系统，给用户的反馈信息往往不够及时。</a:t>
-            </a:r>
-            <a:r>
-              <a:rPr lang="en-US" altLang="zh-CN" sz="2400" dirty="0" err="1" smtClean="0"/>
-              <a:t>HBase</a:t>
-            </a:r>
-            <a:r>
-              <a:rPr lang="zh-CN" altLang="en-US" sz="2400" dirty="0" smtClean="0"/>
-              <a:t>则要求更加实时，因为</a:t>
-            </a:r>
-            <a:r>
-              <a:rPr lang="en-US" altLang="zh-CN" sz="2400" dirty="0" err="1" smtClean="0"/>
-              <a:t>HBase</a:t>
-            </a:r>
-            <a:r>
-              <a:rPr lang="zh-CN" altLang="en-US" sz="2400" dirty="0" smtClean="0"/>
-              <a:t>常被用来处理随机在线访问请求，例如，在后台驱动网站。这些请求的相应时间需要维持在一定标准以下，以保持良好的用户体验</a:t>
-            </a:r>
-            <a:r>
-              <a:rPr lang="en-US" altLang="zh-CN" sz="2400" dirty="0" smtClean="0"/>
-              <a:t>--</a:t>
-            </a:r>
-            <a:r>
-              <a:rPr lang="zh-CN" altLang="en-US" sz="2400" dirty="0" smtClean="0"/>
-              <a:t>通常也被称作服务水平协议（</a:t>
-            </a:r>
-            <a:r>
-              <a:rPr lang="en-US" altLang="zh-CN" sz="2400" dirty="0" smtClean="0"/>
-              <a:t>SLA</a:t>
-            </a:r>
-            <a:r>
-              <a:rPr lang="zh-CN" altLang="en-US" sz="2400" dirty="0" smtClean="0"/>
-              <a:t>）。</a:t>
+            <a:pPr marL="457200" lvl="1" indent="0">
+              <a:buNone/>
+            </a:pPr>
+            <a:r>
+              <a:rPr lang="en-US" altLang="zh-CN" sz="2400" dirty="0" err="1"/>
+              <a:t>hbase</a:t>
+            </a:r>
+            <a:r>
+              <a:rPr lang="en-US" altLang="zh-CN" sz="2400" dirty="0"/>
+              <a:t> </a:t>
+            </a:r>
+            <a:r>
+              <a:rPr lang="en-US" altLang="zh-CN" sz="2400" dirty="0" err="1"/>
+              <a:t>org.apache.hadoop.hbase.mapreduce.CopyTable</a:t>
             </a:r>
             <a:endParaRPr lang="zh-CN" altLang="en-US" sz="2400" dirty="0"/>
           </a:p>
@@ -24015,7 +24008,7 @@
             </a:r>
             <a:r>
               <a:rPr lang="zh-CN" altLang="en-US" dirty="0" smtClean="0"/>
-              <a:t>集群监控</a:t>
+              <a:t>集群管理</a:t>
             </a:r>
             <a:endParaRPr lang="zh-CN" altLang="en-US" dirty="0"/>
           </a:p>
@@ -24024,7 +24017,7 @@
     </p:spTree>
     <p:extLst>
       <p:ext uri="{BB962C8B-B14F-4D97-AF65-F5344CB8AC3E}">
-        <p14:creationId xmlns:p14="http://schemas.microsoft.com/office/powerpoint/2010/main" val="157214307"/>
+        <p14:creationId xmlns:p14="http://schemas.microsoft.com/office/powerpoint/2010/main" val="3860461998"/>
       </p:ext>
     </p:extLst>
   </p:cSld>
@@ -24073,75 +24066,90 @@
           <a:bodyPr/>
           <a:lstStyle/>
           <a:p>
-            <a:r>
-              <a:rPr lang="en-US" altLang="zh-CN" sz="2800" dirty="0" smtClean="0"/>
-              <a:t>Master</a:t>
-            </a:r>
-            <a:r>
-              <a:rPr lang="zh-CN" altLang="en-US" sz="2800" dirty="0" smtClean="0"/>
-              <a:t>监控指标</a:t>
-            </a:r>
-            <a:endParaRPr lang="en-US" altLang="zh-CN" sz="2800" dirty="0" smtClean="0"/>
-          </a:p>
-          <a:p>
-            <a:pPr marL="457200" lvl="1" indent="0">
-              <a:buNone/>
-            </a:pPr>
+            <a:pPr marL="0" indent="0" algn="just">
+              <a:buNone/>
+            </a:pPr>
+            <a:r>
+              <a:rPr lang="zh-CN" altLang="en-US" sz="2400" dirty="0" smtClean="0"/>
+              <a:t>监控生产系统非常重要，系统通常会有多种监控指标，通过它们用户可以了解到当前状态的各种详细信息，</a:t>
+            </a:r>
+            <a:r>
+              <a:rPr lang="en-US" altLang="zh-CN" sz="2400" dirty="0" err="1" smtClean="0"/>
+              <a:t>HBase</a:t>
+            </a:r>
+            <a:r>
+              <a:rPr lang="zh-CN" altLang="en-US" sz="2400" dirty="0" smtClean="0"/>
+              <a:t>系统也是如此。</a:t>
+            </a:r>
+            <a:endParaRPr lang="en-US" altLang="zh-CN" sz="2400" dirty="0" smtClean="0"/>
+          </a:p>
+          <a:p>
+            <a:pPr marL="0" indent="0" algn="just">
+              <a:buNone/>
+            </a:pPr>
+            <a:r>
+              <a:rPr lang="en-US" altLang="zh-CN" sz="2400" dirty="0" err="1" smtClean="0"/>
+              <a:t>HBase</a:t>
+            </a:r>
+            <a:r>
+              <a:rPr lang="zh-CN" altLang="en-US" sz="2400" dirty="0" smtClean="0"/>
+              <a:t>实际上是从</a:t>
+            </a:r>
             <a:r>
               <a:rPr lang="en-US" altLang="zh-CN" sz="2400" dirty="0" smtClean="0"/>
-              <a:t>master</a:t>
+              <a:t>Hadoop</a:t>
             </a:r>
             <a:r>
               <a:rPr lang="zh-CN" altLang="en-US" sz="2400" dirty="0" smtClean="0"/>
-              <a:t>进程导出的所有监控指标都和它在集群中的角色有关。</a:t>
-            </a:r>
-            <a:endParaRPr lang="en-US" altLang="zh-CN" sz="2400" dirty="0" smtClean="0"/>
-          </a:p>
-          <a:p>
-            <a:pPr lvl="1"/>
-            <a:r>
-              <a:rPr lang="en-US" altLang="zh-CN" sz="2400" dirty="0"/>
-              <a:t>Cluster </a:t>
+              <a:t>继承了监控</a:t>
             </a:r>
             <a:r>
               <a:rPr lang="en-US" altLang="zh-CN" sz="2400" dirty="0" smtClean="0"/>
-              <a:t>requests	//</a:t>
+              <a:t>API</a:t>
             </a:r>
             <a:r>
               <a:rPr lang="zh-CN" altLang="en-US" sz="2400" dirty="0" smtClean="0"/>
-              <a:t>集群请求总数</a:t>
-            </a:r>
-            <a:endParaRPr lang="en-US" altLang="zh-CN" sz="2400" dirty="0" smtClean="0"/>
-          </a:p>
-          <a:p>
-            <a:pPr lvl="1"/>
-            <a:r>
-              <a:rPr lang="en-US" altLang="zh-CN" sz="2400" dirty="0"/>
-              <a:t>Split </a:t>
+              <a:t>，然后</a:t>
             </a:r>
             <a:r>
               <a:rPr lang="en-US" altLang="zh-CN" sz="2400" dirty="0" smtClean="0"/>
-              <a:t>time		//</a:t>
+              <a:t>Hadoop</a:t>
             </a:r>
             <a:r>
               <a:rPr lang="zh-CN" altLang="en-US" sz="2400" dirty="0" smtClean="0"/>
-              <a:t>重启后拆分预写日志的时间</a:t>
-            </a:r>
-            <a:endParaRPr lang="en-US" altLang="zh-CN" sz="2400" dirty="0" smtClean="0"/>
-          </a:p>
-          <a:p>
-            <a:pPr lvl="1"/>
-            <a:r>
-              <a:rPr lang="en-US" altLang="zh-CN" sz="2400" dirty="0"/>
-              <a:t>Split </a:t>
+              <a:t>是一个面向批处理的系统，给用户的反馈信息往往不够及时。</a:t>
+            </a:r>
+            <a:r>
+              <a:rPr lang="en-US" altLang="zh-CN" sz="2400" dirty="0" err="1" smtClean="0"/>
+              <a:t>HBase</a:t>
+            </a:r>
+            <a:r>
+              <a:rPr lang="zh-CN" altLang="en-US" sz="2400" dirty="0" smtClean="0"/>
+              <a:t>则要求更加实时，因为</a:t>
+            </a:r>
+            <a:r>
+              <a:rPr lang="en-US" altLang="zh-CN" sz="2400" dirty="0" err="1" smtClean="0"/>
+              <a:t>HBase</a:t>
+            </a:r>
+            <a:r>
+              <a:rPr lang="zh-CN" altLang="en-US" sz="2400" dirty="0" smtClean="0"/>
+              <a:t>常被用来处理随机在线访问请求，例如，在后台驱动网站。这些请求的相应时间需要维持在一定标准以下，以保持良好的用户体验</a:t>
             </a:r>
             <a:r>
               <a:rPr lang="en-US" altLang="zh-CN" sz="2400" dirty="0" smtClean="0"/>
-              <a:t>size		//</a:t>
+              <a:t>--</a:t>
             </a:r>
             <a:r>
               <a:rPr lang="zh-CN" altLang="en-US" sz="2400" dirty="0" smtClean="0"/>
-              <a:t>拆分预写日志的大小</a:t>
+              <a:t>通常也被称作服务水平协议（</a:t>
+            </a:r>
+            <a:r>
+              <a:rPr lang="en-US" altLang="zh-CN" sz="2400" dirty="0" smtClean="0"/>
+              <a:t>SLA</a:t>
+            </a:r>
+            <a:r>
+              <a:rPr lang="zh-CN" altLang="en-US" sz="2400" dirty="0" smtClean="0"/>
+              <a:t>）。</a:t>
             </a:r>
             <a:endParaRPr lang="zh-CN" altLang="en-US" sz="2400" dirty="0"/>
           </a:p>
@@ -24185,7 +24193,7 @@
     </p:spTree>
     <p:extLst>
       <p:ext uri="{BB962C8B-B14F-4D97-AF65-F5344CB8AC3E}">
-        <p14:creationId xmlns:p14="http://schemas.microsoft.com/office/powerpoint/2010/main" val="31474646"/>
+        <p14:creationId xmlns:p14="http://schemas.microsoft.com/office/powerpoint/2010/main" val="157214307"/>
       </p:ext>
     </p:extLst>
   </p:cSld>
@@ -24236,11 +24244,11 @@
           <a:p>
             <a:r>
               <a:rPr lang="en-US" altLang="zh-CN" sz="2800" dirty="0" smtClean="0"/>
-              <a:t>Region</a:t>
+              <a:t>Master</a:t>
             </a:r>
             <a:r>
               <a:rPr lang="zh-CN" altLang="en-US" sz="2800" dirty="0" smtClean="0"/>
-              <a:t>服务器监控指标</a:t>
+              <a:t>监控指标</a:t>
             </a:r>
             <a:endParaRPr lang="en-US" altLang="zh-CN" sz="2800" dirty="0" smtClean="0"/>
           </a:p>
@@ -24250,58 +24258,59 @@
             </a:pPr>
             <a:r>
               <a:rPr lang="en-US" altLang="zh-CN" sz="2400" dirty="0" smtClean="0"/>
-              <a:t>region</a:t>
+              <a:t>master</a:t>
             </a:r>
             <a:r>
               <a:rPr lang="zh-CN" altLang="en-US" sz="2400" dirty="0" smtClean="0"/>
-              <a:t>服务器是管理实际数据读取和写入的部分，因此需要收集大量的监控指标信息。</a:t>
+              <a:t>进程导出的所有监控指标都和它在集群中的角色有关。</a:t>
             </a:r>
             <a:endParaRPr lang="en-US" altLang="zh-CN" sz="2400" dirty="0" smtClean="0"/>
           </a:p>
           <a:p>
             <a:pPr lvl="1"/>
             <a:r>
+              <a:rPr lang="en-US" altLang="zh-CN" sz="2400" dirty="0"/>
+              <a:t>Cluster </a:t>
+            </a:r>
+            <a:r>
               <a:rPr lang="en-US" altLang="zh-CN" sz="2400" dirty="0" smtClean="0"/>
-              <a:t>Block cache metrics</a:t>
-            </a:r>
+              <a:t>requests	//</a:t>
+            </a:r>
+            <a:r>
+              <a:rPr lang="zh-CN" altLang="en-US" sz="2400" dirty="0" smtClean="0"/>
+              <a:t>集群请求总数</a:t>
+            </a:r>
+            <a:endParaRPr lang="en-US" altLang="zh-CN" sz="2400" dirty="0" smtClean="0"/>
           </a:p>
           <a:p>
             <a:pPr lvl="1"/>
             <a:r>
+              <a:rPr lang="en-US" altLang="zh-CN" sz="2400" dirty="0"/>
+              <a:t>Split </a:t>
+            </a:r>
+            <a:r>
               <a:rPr lang="en-US" altLang="zh-CN" sz="2400" dirty="0" smtClean="0"/>
-              <a:t>Compaction metrics</a:t>
-            </a:r>
+              <a:t>time		//</a:t>
+            </a:r>
+            <a:r>
+              <a:rPr lang="zh-CN" altLang="en-US" sz="2400" dirty="0" smtClean="0"/>
+              <a:t>重启后拆分预写日志的时间</a:t>
+            </a:r>
+            <a:endParaRPr lang="en-US" altLang="zh-CN" sz="2400" dirty="0" smtClean="0"/>
           </a:p>
           <a:p>
             <a:pPr lvl="1"/>
             <a:r>
-              <a:rPr lang="en-US" altLang="zh-CN" sz="2400" dirty="0" err="1" smtClean="0"/>
-              <a:t>MemStore</a:t>
+              <a:rPr lang="en-US" altLang="zh-CN" sz="2400" dirty="0"/>
+              <a:t>Split </a:t>
             </a:r>
             <a:r>
               <a:rPr lang="en-US" altLang="zh-CN" sz="2400" dirty="0" smtClean="0"/>
-              <a:t> metrics</a:t>
-            </a:r>
-          </a:p>
-          <a:p>
-            <a:pPr lvl="1"/>
-            <a:r>
-              <a:rPr lang="en-US" altLang="zh-CN" sz="2400" dirty="0" smtClean="0"/>
-              <a:t>Store Metrics</a:t>
-            </a:r>
-          </a:p>
-          <a:p>
-            <a:pPr lvl="1"/>
-            <a:r>
-              <a:rPr lang="en-US" altLang="zh-CN" sz="2400" dirty="0" smtClean="0"/>
-              <a:t>I/O metrics</a:t>
-            </a:r>
-          </a:p>
-          <a:p>
-            <a:pPr lvl="1"/>
-            <a:r>
-              <a:rPr lang="en-US" altLang="zh-CN" sz="2400" dirty="0" smtClean="0"/>
-              <a:t>Other metrics</a:t>
+              <a:t>size		//</a:t>
+            </a:r>
+            <a:r>
+              <a:rPr lang="zh-CN" altLang="en-US" sz="2400" dirty="0" smtClean="0"/>
+              <a:t>拆分预写日志的大小</a:t>
             </a:r>
             <a:endParaRPr lang="zh-CN" altLang="en-US" sz="2400" dirty="0"/>
           </a:p>
@@ -24345,7 +24354,7 @@
     </p:spTree>
     <p:extLst>
       <p:ext uri="{BB962C8B-B14F-4D97-AF65-F5344CB8AC3E}">
-        <p14:creationId xmlns:p14="http://schemas.microsoft.com/office/powerpoint/2010/main" val="630182778"/>
+        <p14:creationId xmlns:p14="http://schemas.microsoft.com/office/powerpoint/2010/main" val="31474646"/>
       </p:ext>
     </p:extLst>
   </p:cSld>
@@ -24396,37 +24405,72 @@
           <a:p>
             <a:r>
               <a:rPr lang="en-US" altLang="zh-CN" sz="2800" dirty="0" smtClean="0"/>
-              <a:t>JVM</a:t>
+              <a:t>Region</a:t>
             </a:r>
             <a:r>
               <a:rPr lang="zh-CN" altLang="en-US" sz="2800" dirty="0" smtClean="0"/>
-              <a:t>监控指标</a:t>
+              <a:t>服务器监控指标</a:t>
             </a:r>
             <a:endParaRPr lang="en-US" altLang="zh-CN" sz="2800" dirty="0" smtClean="0"/>
           </a:p>
           <a:p>
+            <a:pPr marL="457200" lvl="1" indent="0">
+              <a:buNone/>
+            </a:pPr>
+            <a:r>
+              <a:rPr lang="en-US" altLang="zh-CN" sz="2400" dirty="0" smtClean="0"/>
+              <a:t>region</a:t>
+            </a:r>
+            <a:r>
+              <a:rPr lang="zh-CN" altLang="en-US" sz="2400" dirty="0" smtClean="0"/>
+              <a:t>服务器是管理实际数据读取和写入的部分，因此需要收集大量的监控指标信息。</a:t>
+            </a:r>
+            <a:endParaRPr lang="en-US" altLang="zh-CN" sz="2400" dirty="0" smtClean="0"/>
+          </a:p>
+          <a:p>
             <a:pPr lvl="1"/>
             <a:r>
-              <a:rPr lang="en-US" altLang="zh-CN" sz="2400" dirty="0"/>
-              <a:t>Garbage </a:t>
-            </a:r>
-            <a:r>
               <a:rPr lang="en-US" altLang="zh-CN" sz="2400" dirty="0" smtClean="0"/>
-              <a:t>collection</a:t>
+              <a:t>Block cache metrics</a:t>
             </a:r>
           </a:p>
           <a:p>
             <a:pPr lvl="1"/>
             <a:r>
               <a:rPr lang="en-US" altLang="zh-CN" sz="2400" dirty="0" smtClean="0"/>
-              <a:t>Memory</a:t>
+              <a:t>Compaction metrics</a:t>
             </a:r>
           </a:p>
           <a:p>
             <a:pPr lvl="1"/>
             <a:r>
+              <a:rPr lang="en-US" altLang="zh-CN" sz="2400" dirty="0" err="1" smtClean="0"/>
+              <a:t>MemStore</a:t>
+            </a:r>
+            <a:r>
               <a:rPr lang="en-US" altLang="zh-CN" sz="2400" dirty="0" smtClean="0"/>
-              <a:t>Thread</a:t>
+              <a:t> metrics</a:t>
+            </a:r>
+          </a:p>
+          <a:p>
+            <a:pPr lvl="1"/>
+            <a:r>
+              <a:rPr lang="en-US" altLang="zh-CN" sz="2400" dirty="0" smtClean="0"/>
+              <a:t>Store Metrics</a:t>
+            </a:r>
+          </a:p>
+          <a:p>
+            <a:pPr lvl="1"/>
+            <a:r>
+              <a:rPr lang="en-US" altLang="zh-CN" sz="2400" dirty="0" smtClean="0"/>
+              <a:t>I/O metrics</a:t>
+            </a:r>
+          </a:p>
+          <a:p>
+            <a:pPr lvl="1"/>
+            <a:r>
+              <a:rPr lang="en-US" altLang="zh-CN" sz="2400" dirty="0" smtClean="0"/>
+              <a:t>Other metrics</a:t>
             </a:r>
             <a:endParaRPr lang="zh-CN" altLang="en-US" sz="2400" dirty="0"/>
           </a:p>
@@ -24470,7 +24514,7 @@
     </p:spTree>
     <p:extLst>
       <p:ext uri="{BB962C8B-B14F-4D97-AF65-F5344CB8AC3E}">
-        <p14:creationId xmlns:p14="http://schemas.microsoft.com/office/powerpoint/2010/main" val="2361956240"/>
+        <p14:creationId xmlns:p14="http://schemas.microsoft.com/office/powerpoint/2010/main" val="630182778"/>
       </p:ext>
     </p:extLst>
   </p:cSld>
@@ -24520,8 +24564,8 @@
           <a:lstStyle/>
           <a:p>
             <a:r>
-              <a:rPr lang="en-US" altLang="zh-CN" sz="2800" dirty="0"/>
-              <a:t>Info</a:t>
+              <a:rPr lang="en-US" altLang="zh-CN" sz="2800" dirty="0" smtClean="0"/>
+              <a:t>JVM</a:t>
             </a:r>
             <a:r>
               <a:rPr lang="zh-CN" altLang="en-US" sz="2800" dirty="0" smtClean="0"/>
@@ -24532,81 +24576,27 @@
           <a:p>
             <a:pPr lvl="1"/>
             <a:r>
-              <a:rPr lang="en-US" altLang="zh-CN" sz="2200" dirty="0" smtClean="0"/>
-              <a:t>date</a:t>
+              <a:rPr lang="en-US" altLang="zh-CN" sz="2400" dirty="0"/>
+              <a:t>Garbage </a:t>
+            </a:r>
+            <a:r>
+              <a:rPr lang="en-US" altLang="zh-CN" sz="2400" dirty="0" smtClean="0"/>
+              <a:t>collection</a:t>
             </a:r>
           </a:p>
           <a:p>
             <a:pPr lvl="1"/>
             <a:r>
-              <a:rPr lang="en-US" altLang="zh-CN" sz="2200" dirty="0" smtClean="0"/>
-              <a:t>version</a:t>
+              <a:rPr lang="en-US" altLang="zh-CN" sz="2400" dirty="0" smtClean="0"/>
+              <a:t>Memory</a:t>
             </a:r>
           </a:p>
           <a:p>
             <a:pPr lvl="1"/>
             <a:r>
-              <a:rPr lang="en-US" altLang="zh-CN" sz="2200" dirty="0" smtClean="0"/>
-              <a:t>revision</a:t>
-            </a:r>
-          </a:p>
-          <a:p>
-            <a:pPr lvl="1"/>
-            <a:r>
-              <a:rPr lang="en-US" altLang="zh-CN" sz="2200" dirty="0" err="1" smtClean="0"/>
-              <a:t>url</a:t>
-            </a:r>
-            <a:endParaRPr lang="en-US" altLang="zh-CN" sz="2200" dirty="0" smtClean="0"/>
-          </a:p>
-          <a:p>
-            <a:pPr lvl="1"/>
-            <a:r>
-              <a:rPr lang="en-US" altLang="zh-CN" sz="2200" dirty="0" smtClean="0"/>
-              <a:t>user</a:t>
-            </a:r>
-          </a:p>
-          <a:p>
-            <a:pPr lvl="1"/>
-            <a:r>
-              <a:rPr lang="en-US" altLang="zh-CN" sz="2200" dirty="0" err="1" smtClean="0"/>
-              <a:t>hdfsDate</a:t>
-            </a:r>
-            <a:endParaRPr lang="en-US" altLang="zh-CN" sz="2200" dirty="0" smtClean="0"/>
-          </a:p>
-          <a:p>
-            <a:pPr lvl="1"/>
-            <a:r>
-              <a:rPr lang="en-US" altLang="zh-CN" sz="2200" dirty="0" err="1"/>
-              <a:t>hdfsVersion</a:t>
-            </a:r>
-            <a:endParaRPr lang="en-US" altLang="zh-CN" sz="2200" dirty="0" smtClean="0"/>
-          </a:p>
-          <a:p>
-            <a:pPr lvl="1"/>
-            <a:r>
-              <a:rPr lang="en-US" altLang="zh-CN" sz="2200" dirty="0" err="1" smtClean="0"/>
-              <a:t>hdfsRevision</a:t>
-            </a:r>
-            <a:endParaRPr lang="en-US" altLang="zh-CN" sz="2200" dirty="0" smtClean="0"/>
-          </a:p>
-          <a:p>
-            <a:pPr lvl="1"/>
-            <a:r>
-              <a:rPr lang="en-US" altLang="zh-CN" sz="2200" dirty="0" err="1" smtClean="0"/>
-              <a:t>hdfsUrl</a:t>
-            </a:r>
-            <a:endParaRPr lang="en-US" altLang="zh-CN" sz="2200" dirty="0" smtClean="0"/>
-          </a:p>
-          <a:p>
-            <a:pPr lvl="1"/>
-            <a:r>
-              <a:rPr lang="en-US" altLang="zh-CN" sz="2200" dirty="0" err="1"/>
-              <a:t>hdfsUser</a:t>
-            </a:r>
-            <a:endParaRPr lang="en-US" altLang="zh-CN" sz="2200" dirty="0" smtClean="0"/>
-          </a:p>
-          <a:p>
-            <a:pPr lvl="1"/>
+              <a:rPr lang="en-US" altLang="zh-CN" sz="2400" dirty="0" smtClean="0"/>
+              <a:t>Thread</a:t>
+            </a:r>
             <a:endParaRPr lang="zh-CN" altLang="en-US" sz="2400" dirty="0"/>
           </a:p>
         </p:txBody>
@@ -24649,7 +24639,7 @@
     </p:spTree>
     <p:extLst>
       <p:ext uri="{BB962C8B-B14F-4D97-AF65-F5344CB8AC3E}">
-        <p14:creationId xmlns:p14="http://schemas.microsoft.com/office/powerpoint/2010/main" val="1357560295"/>
+        <p14:creationId xmlns:p14="http://schemas.microsoft.com/office/powerpoint/2010/main" val="2361956240"/>
       </p:ext>
     </p:extLst>
   </p:cSld>
@@ -24699,118 +24689,93 @@
           <a:lstStyle/>
           <a:p>
             <a:r>
-              <a:rPr lang="en-US" altLang="zh-CN" sz="2800" dirty="0" smtClean="0"/>
-              <a:t>Ganglia</a:t>
-            </a:r>
-          </a:p>
-          <a:p>
-            <a:pPr marL="457200" lvl="1" indent="0">
-              <a:buNone/>
-            </a:pPr>
-            <a:r>
-              <a:rPr lang="en-US" altLang="zh-CN" sz="2400" dirty="0" err="1" smtClean="0"/>
-              <a:t>HBase</a:t>
-            </a:r>
-            <a:r>
-              <a:rPr lang="zh-CN" altLang="en-US" sz="2400" dirty="0" smtClean="0"/>
-              <a:t>直接从</a:t>
-            </a:r>
-            <a:r>
-              <a:rPr lang="en-US" altLang="zh-CN" sz="2400" dirty="0" smtClean="0"/>
-              <a:t>Hadoop</a:t>
-            </a:r>
-            <a:r>
-              <a:rPr lang="zh-CN" altLang="en-US" sz="2400" dirty="0" smtClean="0"/>
-              <a:t>集成了对</a:t>
-            </a:r>
-            <a:r>
-              <a:rPr lang="en-US" altLang="zh-CN" sz="2400" dirty="0" smtClean="0"/>
-              <a:t>Ganglia</a:t>
-            </a:r>
-            <a:r>
-              <a:rPr lang="zh-CN" altLang="en-US" sz="2400" dirty="0" smtClean="0"/>
-              <a:t>的原生支持，同时提供了一个可以直接推送监控指标数据到</a:t>
-            </a:r>
-            <a:r>
-              <a:rPr lang="en-US" altLang="zh-CN" sz="2400" dirty="0" smtClean="0"/>
-              <a:t>Ganglia</a:t>
-            </a:r>
-            <a:r>
-              <a:rPr lang="zh-CN" altLang="en-US" sz="2400" dirty="0" smtClean="0"/>
-              <a:t>的客户端。</a:t>
-            </a:r>
-            <a:r>
-              <a:rPr lang="en-US" altLang="zh-CN" sz="2400" dirty="0" smtClean="0"/>
-              <a:t>Ganglia</a:t>
-            </a:r>
-            <a:r>
-              <a:rPr lang="zh-CN" altLang="en-US" sz="2400" dirty="0" smtClean="0"/>
-              <a:t>由以下</a:t>
-            </a:r>
-            <a:r>
-              <a:rPr lang="en-US" altLang="zh-CN" sz="2400" dirty="0" smtClean="0"/>
-              <a:t>3</a:t>
-            </a:r>
-            <a:r>
-              <a:rPr lang="zh-CN" altLang="en-US" sz="2400" dirty="0" smtClean="0"/>
-              <a:t>部分组成：</a:t>
-            </a:r>
-            <a:endParaRPr lang="en-US" altLang="zh-CN" sz="2400" dirty="0" smtClean="0"/>
+              <a:rPr lang="en-US" altLang="zh-CN" sz="2800" dirty="0"/>
+              <a:t>Info</a:t>
+            </a:r>
+            <a:r>
+              <a:rPr lang="zh-CN" altLang="en-US" sz="2800" dirty="0" smtClean="0"/>
+              <a:t>监控指标</a:t>
+            </a:r>
+            <a:endParaRPr lang="en-US" altLang="zh-CN" sz="2800" dirty="0" smtClean="0"/>
           </a:p>
           <a:p>
             <a:pPr lvl="1"/>
             <a:r>
-              <a:rPr lang="en-US" altLang="zh-CN" sz="2400" dirty="0" smtClean="0"/>
-              <a:t>Ganglia </a:t>
-            </a:r>
-            <a:r>
-              <a:rPr lang="zh-CN" altLang="en-US" sz="2400" dirty="0" smtClean="0"/>
-              <a:t>监控守护进程</a:t>
-            </a:r>
-            <a:r>
-              <a:rPr lang="en-US" altLang="zh-CN" sz="2400" dirty="0"/>
-              <a:t>(</a:t>
-            </a:r>
-            <a:r>
-              <a:rPr lang="en-US" altLang="zh-CN" sz="2400" dirty="0" err="1"/>
-              <a:t>gmond</a:t>
-            </a:r>
-            <a:r>
-              <a:rPr lang="en-US" altLang="zh-CN" sz="2400" dirty="0"/>
-              <a:t>)</a:t>
-            </a:r>
-            <a:endParaRPr lang="en-US" altLang="zh-CN" sz="2400" dirty="0" smtClean="0"/>
+              <a:rPr lang="en-US" altLang="zh-CN" sz="2200" dirty="0" smtClean="0"/>
+              <a:t>date</a:t>
+            </a:r>
           </a:p>
           <a:p>
             <a:pPr lvl="1"/>
             <a:r>
-              <a:rPr lang="zh-CN" altLang="en-US" sz="2400" dirty="0" smtClean="0"/>
-              <a:t>元数据守护进程</a:t>
-            </a:r>
-            <a:r>
-              <a:rPr lang="en-US" altLang="zh-CN" sz="2400" dirty="0"/>
-              <a:t>(</a:t>
-            </a:r>
-            <a:r>
-              <a:rPr lang="en-US" altLang="zh-CN" sz="2400" dirty="0" err="1"/>
-              <a:t>gmetad</a:t>
-            </a:r>
-            <a:r>
-              <a:rPr lang="en-US" altLang="zh-CN" sz="2400" dirty="0"/>
-              <a:t>)</a:t>
-            </a:r>
-            <a:endParaRPr lang="en-US" altLang="zh-CN" sz="2400" dirty="0" smtClean="0"/>
+              <a:rPr lang="en-US" altLang="zh-CN" sz="2200" dirty="0" smtClean="0"/>
+              <a:t>version</a:t>
+            </a:r>
           </a:p>
           <a:p>
             <a:pPr lvl="1"/>
             <a:r>
-              <a:rPr lang="en-US" altLang="zh-CN" sz="2400" dirty="0"/>
-              <a:t>Ganglia PHP</a:t>
-            </a:r>
-            <a:r>
-              <a:rPr lang="zh-CN" altLang="en-US" sz="2400" dirty="0" smtClean="0"/>
-              <a:t>前端展示网页</a:t>
-            </a:r>
+              <a:rPr lang="en-US" altLang="zh-CN" sz="2200" dirty="0" smtClean="0"/>
+              <a:t>revision</a:t>
+            </a:r>
+          </a:p>
+          <a:p>
+            <a:pPr lvl="1"/>
+            <a:r>
+              <a:rPr lang="en-US" altLang="zh-CN" sz="2200" dirty="0" err="1" smtClean="0"/>
+              <a:t>url</a:t>
+            </a:r>
+            <a:endParaRPr lang="en-US" altLang="zh-CN" sz="2200" dirty="0" smtClean="0"/>
+          </a:p>
+          <a:p>
+            <a:pPr lvl="1"/>
+            <a:r>
+              <a:rPr lang="en-US" altLang="zh-CN" sz="2200" dirty="0" smtClean="0"/>
+              <a:t>user</a:t>
+            </a:r>
+          </a:p>
+          <a:p>
+            <a:pPr lvl="1"/>
+            <a:r>
+              <a:rPr lang="en-US" altLang="zh-CN" sz="2200" dirty="0" err="1" smtClean="0"/>
+              <a:t>hdfsDate</a:t>
+            </a:r>
+            <a:endParaRPr lang="en-US" altLang="zh-CN" sz="2200" dirty="0" smtClean="0"/>
+          </a:p>
+          <a:p>
+            <a:pPr lvl="1"/>
+            <a:r>
+              <a:rPr lang="en-US" altLang="zh-CN" sz="2200" dirty="0" err="1"/>
+              <a:t>hdfsVersion</a:t>
+            </a:r>
+            <a:endParaRPr lang="en-US" altLang="zh-CN" sz="2200" dirty="0" smtClean="0"/>
+          </a:p>
+          <a:p>
+            <a:pPr lvl="1"/>
+            <a:r>
+              <a:rPr lang="en-US" altLang="zh-CN" sz="2200" dirty="0" err="1" smtClean="0"/>
+              <a:t>hdfsRevision</a:t>
+            </a:r>
+            <a:endParaRPr lang="en-US" altLang="zh-CN" sz="2200" dirty="0" smtClean="0"/>
+          </a:p>
+          <a:p>
+            <a:pPr lvl="1"/>
+            <a:r>
+              <a:rPr lang="en-US" altLang="zh-CN" sz="2200" dirty="0" err="1" smtClean="0"/>
+              <a:t>hdfsUrl</a:t>
+            </a:r>
+            <a:endParaRPr lang="en-US" altLang="zh-CN" sz="2200" dirty="0" smtClean="0"/>
+          </a:p>
+          <a:p>
+            <a:pPr lvl="1"/>
+            <a:r>
+              <a:rPr lang="en-US" altLang="zh-CN" sz="2200" dirty="0" err="1"/>
+              <a:t>hdfsUser</a:t>
+            </a:r>
+            <a:endParaRPr lang="en-US" altLang="zh-CN" sz="2200" dirty="0" smtClean="0"/>
+          </a:p>
+          <a:p>
+            <a:pPr lvl="1"/>
             <a:endParaRPr lang="zh-CN" altLang="en-US" sz="2400" dirty="0"/>
           </a:p>
         </p:txBody>
@@ -24845,14 +24810,6 @@
             <a:r>
               <a:rPr lang="zh-CN" altLang="en-US" dirty="0" smtClean="0"/>
               <a:t>集群监控</a:t>
-            </a:r>
-            <a:r>
-              <a:rPr lang="en-US" altLang="zh-CN" dirty="0"/>
-              <a:t>-</a:t>
-            </a:r>
-            <a:r>
-              <a:rPr lang="en-US" altLang="zh-CN" dirty="0" smtClean="0"/>
-              <a:t>Ganglia</a:t>
             </a:r>
             <a:endParaRPr lang="zh-CN" altLang="en-US" dirty="0"/>
           </a:p>
@@ -24861,7 +24818,7 @@
     </p:spTree>
     <p:extLst>
       <p:ext uri="{BB962C8B-B14F-4D97-AF65-F5344CB8AC3E}">
-        <p14:creationId xmlns:p14="http://schemas.microsoft.com/office/powerpoint/2010/main" val="1125121823"/>
+        <p14:creationId xmlns:p14="http://schemas.microsoft.com/office/powerpoint/2010/main" val="1357560295"/>
       </p:ext>
     </p:extLst>
   </p:cSld>
@@ -24911,55 +24868,118 @@
           <a:lstStyle/>
           <a:p>
             <a:r>
-              <a:rPr lang="en-US" altLang="zh-CN" sz="2800" dirty="0" err="1" smtClean="0"/>
-              <a:t>Ganlia</a:t>
-            </a:r>
-            <a:r>
-              <a:rPr lang="zh-CN" altLang="en-US" sz="2800" dirty="0" smtClean="0"/>
-              <a:t>安装</a:t>
-            </a:r>
-            <a:endParaRPr lang="en-US" altLang="zh-CN" sz="2800" dirty="0" smtClean="0"/>
+              <a:rPr lang="en-US" altLang="zh-CN" sz="2800" dirty="0" smtClean="0"/>
+              <a:t>Ganglia</a:t>
+            </a:r>
           </a:p>
           <a:p>
             <a:pPr marL="457200" lvl="1" indent="0">
               <a:buNone/>
             </a:pPr>
             <a:r>
-              <a:rPr lang="en-US" altLang="zh-CN" sz="2400" dirty="0">
-                <a:hlinkClick r:id="rId3"/>
-              </a:rPr>
-              <a:t>http://</a:t>
-            </a:r>
-            <a:r>
-              <a:rPr lang="en-US" altLang="zh-CN" sz="2400" dirty="0" smtClean="0">
-                <a:hlinkClick r:id="rId3"/>
-              </a:rPr>
-              <a:t>my.oschina.net/u/1459307/blog/208933</a:t>
+              <a:rPr lang="en-US" altLang="zh-CN" sz="2400" dirty="0" err="1" smtClean="0"/>
+              <a:t>HBase</a:t>
+            </a:r>
+            <a:r>
+              <a:rPr lang="zh-CN" altLang="en-US" sz="2400" dirty="0" smtClean="0"/>
+              <a:t>直接从</a:t>
+            </a:r>
+            <a:r>
+              <a:rPr lang="en-US" altLang="zh-CN" sz="2400" dirty="0" smtClean="0"/>
+              <a:t>Hadoop</a:t>
+            </a:r>
+            <a:r>
+              <a:rPr lang="zh-CN" altLang="en-US" sz="2400" dirty="0" smtClean="0"/>
+              <a:t>集成了对</a:t>
+            </a:r>
+            <a:r>
+              <a:rPr lang="en-US" altLang="zh-CN" sz="2400" dirty="0" smtClean="0"/>
+              <a:t>Ganglia</a:t>
+            </a:r>
+            <a:r>
+              <a:rPr lang="zh-CN" altLang="en-US" sz="2400" dirty="0" smtClean="0"/>
+              <a:t>的原生支持，同时提供了一个可以直接推送监控指标数据到</a:t>
+            </a:r>
+            <a:r>
+              <a:rPr lang="en-US" altLang="zh-CN" sz="2400" dirty="0" smtClean="0"/>
+              <a:t>Ganglia</a:t>
+            </a:r>
+            <a:r>
+              <a:rPr lang="zh-CN" altLang="en-US" sz="2400" dirty="0" smtClean="0"/>
+              <a:t>的客户端。</a:t>
+            </a:r>
+            <a:r>
+              <a:rPr lang="en-US" altLang="zh-CN" sz="2400" dirty="0" smtClean="0"/>
+              <a:t>Ganglia</a:t>
+            </a:r>
+            <a:r>
+              <a:rPr lang="zh-CN" altLang="en-US" sz="2400" dirty="0" smtClean="0"/>
+              <a:t>由以下</a:t>
+            </a:r>
+            <a:r>
+              <a:rPr lang="en-US" altLang="zh-CN" sz="2400" dirty="0" smtClean="0"/>
+              <a:t>3</a:t>
+            </a:r>
+            <a:r>
+              <a:rPr lang="zh-CN" altLang="en-US" sz="2400" dirty="0" smtClean="0"/>
+              <a:t>部分组成：</a:t>
             </a:r>
             <a:endParaRPr lang="en-US" altLang="zh-CN" sz="2400" dirty="0" smtClean="0"/>
           </a:p>
           <a:p>
-            <a:pPr marL="457200" lvl="1" indent="0">
-              <a:buNone/>
-            </a:pPr>
-            <a:r>
-              <a:rPr lang="en-US" altLang="zh-CN" sz="2400" dirty="0">
-                <a:hlinkClick r:id="rId4"/>
-              </a:rPr>
-              <a:t>http://</a:t>
-            </a:r>
-            <a:r>
-              <a:rPr lang="en-US" altLang="zh-CN" sz="2400" dirty="0" smtClean="0">
-                <a:hlinkClick r:id="rId4"/>
-              </a:rPr>
-              <a:t>blog.chinaunix.net/uid-11121450-id-3147002.html</a:t>
+            <a:pPr lvl="1"/>
+            <a:r>
+              <a:rPr lang="en-US" altLang="zh-CN" sz="2400" dirty="0" smtClean="0"/>
+              <a:t>Ganglia </a:t>
+            </a:r>
+            <a:r>
+              <a:rPr lang="zh-CN" altLang="en-US" sz="2400" dirty="0" smtClean="0"/>
+              <a:t>监控守护进程</a:t>
+            </a:r>
+            <a:r>
+              <a:rPr lang="en-US" altLang="zh-CN" sz="2400" dirty="0"/>
+              <a:t>(</a:t>
+            </a:r>
+            <a:r>
+              <a:rPr lang="en-US" altLang="zh-CN" sz="2400" dirty="0" err="1"/>
+              <a:t>gmond</a:t>
+            </a:r>
+            <a:r>
+              <a:rPr lang="en-US" altLang="zh-CN" sz="2400" dirty="0"/>
+              <a:t>)</a:t>
             </a:r>
             <a:endParaRPr lang="en-US" altLang="zh-CN" sz="2400" dirty="0" smtClean="0"/>
           </a:p>
           <a:p>
-            <a:pPr marL="457200" lvl="1" indent="0">
-              <a:buNone/>
-            </a:pPr>
+            <a:pPr lvl="1"/>
+            <a:r>
+              <a:rPr lang="zh-CN" altLang="en-US" sz="2400" dirty="0" smtClean="0"/>
+              <a:t>元数据守护进程</a:t>
+            </a:r>
+            <a:r>
+              <a:rPr lang="en-US" altLang="zh-CN" sz="2400" dirty="0"/>
+              <a:t>(</a:t>
+            </a:r>
+            <a:r>
+              <a:rPr lang="en-US" altLang="zh-CN" sz="2400" dirty="0" err="1"/>
+              <a:t>gmetad</a:t>
+            </a:r>
+            <a:r>
+              <a:rPr lang="en-US" altLang="zh-CN" sz="2400" dirty="0"/>
+              <a:t>)</a:t>
+            </a:r>
+            <a:endParaRPr lang="en-US" altLang="zh-CN" sz="2400" dirty="0" smtClean="0"/>
+          </a:p>
+          <a:p>
+            <a:pPr lvl="1"/>
+            <a:r>
+              <a:rPr lang="en-US" altLang="zh-CN" sz="2400" dirty="0"/>
+              <a:t>Ganglia PHP</a:t>
+            </a:r>
+            <a:r>
+              <a:rPr lang="zh-CN" altLang="en-US" sz="2400" dirty="0" smtClean="0"/>
+              <a:t>前端展示网页</a:t>
+            </a:r>
             <a:endParaRPr lang="zh-CN" altLang="en-US" sz="2400" dirty="0"/>
           </a:p>
         </p:txBody>
@@ -24996,8 +25016,12 @@
               <a:t>集群监控</a:t>
             </a:r>
             <a:r>
-              <a:rPr lang="en-US" altLang="zh-CN" dirty="0" smtClean="0"/>
-              <a:t>-Ganglia</a:t>
+              <a:rPr lang="en-US" altLang="zh-CN" dirty="0"/>
+              <a:t>-</a:t>
+            </a:r>
+            <a:r>
+              <a:rPr lang="en-US" altLang="zh-CN" dirty="0" smtClean="0"/>
+              <a:t>Ganglia</a:t>
             </a:r>
             <a:endParaRPr lang="zh-CN" altLang="en-US" dirty="0"/>
           </a:p>
@@ -25006,7 +25030,7 @@
     </p:spTree>
     <p:extLst>
       <p:ext uri="{BB962C8B-B14F-4D97-AF65-F5344CB8AC3E}">
-        <p14:creationId xmlns:p14="http://schemas.microsoft.com/office/powerpoint/2010/main" val="3775896541"/>
+        <p14:creationId xmlns:p14="http://schemas.microsoft.com/office/powerpoint/2010/main" val="1125121823"/>
       </p:ext>
     </p:extLst>
   </p:cSld>
@@ -25061,9 +25085,51 @@
             </a:r>
             <a:r>
               <a:rPr lang="zh-CN" altLang="en-US" sz="2800" dirty="0" smtClean="0"/>
-              <a:t>用法</a:t>
-            </a:r>
-            <a:endParaRPr lang="zh-CN" altLang="en-US" sz="2800" dirty="0"/>
+              <a:t>安装</a:t>
+            </a:r>
+            <a:endParaRPr lang="en-US" altLang="zh-CN" sz="2800" dirty="0" smtClean="0"/>
+          </a:p>
+          <a:p>
+            <a:pPr marL="457200" lvl="1" indent="0">
+              <a:buNone/>
+            </a:pPr>
+            <a:r>
+              <a:rPr lang="en-US" altLang="zh-CN" sz="2400" dirty="0">
+                <a:hlinkClick r:id="rId3"/>
+              </a:rPr>
+              <a:t>http://</a:t>
+            </a:r>
+            <a:r>
+              <a:rPr lang="en-US" altLang="zh-CN" sz="2400" dirty="0" smtClean="0">
+                <a:hlinkClick r:id="rId3"/>
+              </a:rPr>
+              <a:t>my.oschina.net/u/1459307/blog/208933</a:t>
+            </a:r>
+            <a:endParaRPr lang="en-US" altLang="zh-CN" sz="2400" dirty="0" smtClean="0"/>
+          </a:p>
+          <a:p>
+            <a:pPr marL="457200" lvl="1" indent="0">
+              <a:buNone/>
+            </a:pPr>
+            <a:r>
+              <a:rPr lang="en-US" altLang="zh-CN" sz="2400" dirty="0">
+                <a:hlinkClick r:id="rId4"/>
+              </a:rPr>
+              <a:t>http://</a:t>
+            </a:r>
+            <a:r>
+              <a:rPr lang="en-US" altLang="zh-CN" sz="2400" dirty="0" smtClean="0">
+                <a:hlinkClick r:id="rId4"/>
+              </a:rPr>
+              <a:t>blog.chinaunix.net/uid-11121450-id-3147002.html</a:t>
+            </a:r>
+            <a:endParaRPr lang="en-US" altLang="zh-CN" sz="2400" dirty="0" smtClean="0"/>
+          </a:p>
+          <a:p>
+            <a:pPr marL="457200" lvl="1" indent="0">
+              <a:buNone/>
+            </a:pPr>
+            <a:endParaRPr lang="zh-CN" altLang="en-US" sz="2400" dirty="0"/>
           </a:p>
         </p:txBody>
       </p:sp>
@@ -25109,7 +25175,7 @@
     </p:spTree>
     <p:extLst>
       <p:ext uri="{BB962C8B-B14F-4D97-AF65-F5344CB8AC3E}">
-        <p14:creationId xmlns:p14="http://schemas.microsoft.com/office/powerpoint/2010/main" val="2226599706"/>
+        <p14:creationId xmlns:p14="http://schemas.microsoft.com/office/powerpoint/2010/main" val="3775896541"/>
       </p:ext>
     </p:extLst>
   </p:cSld>
@@ -25159,57 +25225,14 @@
           <a:lstStyle/>
           <a:p>
             <a:r>
-              <a:rPr lang="en-US" altLang="zh-CN" sz="2800" dirty="0" smtClean="0"/>
-              <a:t>Nagios</a:t>
-            </a:r>
-          </a:p>
-          <a:p>
-            <a:pPr marL="457200" lvl="1" indent="0">
-              <a:buNone/>
-            </a:pPr>
-            <a:r>
-              <a:rPr lang="en-US" altLang="zh-CN" sz="2400" dirty="0" smtClean="0"/>
-              <a:t>Nagios</a:t>
-            </a:r>
-            <a:r>
-              <a:rPr lang="zh-CN" altLang="en-US" sz="2400" dirty="0" smtClean="0"/>
-              <a:t>是一个被广泛使用的、用来获取与集群状态相关的定性数据的支持工具。它定期拉取当前的监控指标并且和阈值进行比较。一旦超过阈值，它将开启相应的规避动作，包括发送电子邮件、打电话、发送短信，使用各种方法执行各种触发脚本，必要时甚至重启物理服务器。</a:t>
-            </a:r>
-            <a:endParaRPr lang="en-US" altLang="zh-CN" sz="2400" dirty="0" smtClean="0"/>
-          </a:p>
-          <a:p>
-            <a:pPr marL="457200" lvl="1" indent="0">
-              <a:buNone/>
-            </a:pPr>
-            <a:r>
-              <a:rPr lang="zh-CN" altLang="en-US" sz="2400" dirty="0" smtClean="0"/>
-              <a:t>用户可以使用</a:t>
-            </a:r>
-            <a:r>
-              <a:rPr lang="en-US" altLang="zh-CN" sz="2400" dirty="0" smtClean="0"/>
-              <a:t>JMX</a:t>
-            </a:r>
-            <a:r>
-              <a:rPr lang="zh-CN" altLang="en-US" sz="2400" dirty="0" smtClean="0"/>
-              <a:t>将</a:t>
-            </a:r>
-            <a:r>
-              <a:rPr lang="en-US" altLang="zh-CN" sz="2400" dirty="0" smtClean="0"/>
-              <a:t>Nagios</a:t>
-            </a:r>
-            <a:r>
-              <a:rPr lang="zh-CN" altLang="en-US" sz="2400" dirty="0" smtClean="0"/>
-              <a:t>和</a:t>
-            </a:r>
-            <a:r>
-              <a:rPr lang="en-US" altLang="zh-CN" sz="2400" dirty="0" err="1" smtClean="0"/>
-              <a:t>HBase</a:t>
-            </a:r>
-            <a:r>
-              <a:rPr lang="zh-CN" altLang="en-US" sz="2400" dirty="0" smtClean="0"/>
-              <a:t>集成到一起。</a:t>
-            </a:r>
-            <a:endParaRPr lang="zh-CN" altLang="en-US" sz="2400" dirty="0"/>
+              <a:rPr lang="en-US" altLang="zh-CN" sz="2800" dirty="0" err="1" smtClean="0"/>
+              <a:t>Ganlia</a:t>
+            </a:r>
+            <a:r>
+              <a:rPr lang="zh-CN" altLang="en-US" sz="2800" dirty="0" smtClean="0"/>
+              <a:t>用法</a:t>
+            </a:r>
+            <a:endParaRPr lang="zh-CN" altLang="en-US" sz="2800" dirty="0"/>
           </a:p>
         </p:txBody>
       </p:sp>
@@ -25245,12 +25268,8 @@
               <a:t>集群监控</a:t>
             </a:r>
             <a:r>
-              <a:rPr lang="en-US" altLang="zh-CN" dirty="0"/>
-              <a:t>-</a:t>
-            </a:r>
-            <a:r>
-              <a:rPr lang="en-US" altLang="zh-CN" dirty="0" smtClean="0"/>
-              <a:t>Nagios</a:t>
+              <a:rPr lang="en-US" altLang="zh-CN" dirty="0" smtClean="0"/>
+              <a:t>-Ganglia</a:t>
             </a:r>
             <a:endParaRPr lang="zh-CN" altLang="en-US" dirty="0"/>
           </a:p>
@@ -25259,7 +25278,7 @@
     </p:spTree>
     <p:extLst>
       <p:ext uri="{BB962C8B-B14F-4D97-AF65-F5344CB8AC3E}">
-        <p14:creationId xmlns:p14="http://schemas.microsoft.com/office/powerpoint/2010/main" val="316557858"/>
+        <p14:creationId xmlns:p14="http://schemas.microsoft.com/office/powerpoint/2010/main" val="2226599706"/>
       </p:ext>
     </p:extLst>
   </p:cSld>
@@ -25490,83 +25509,54 @@
           <a:p>
             <a:r>
               <a:rPr lang="en-US" altLang="zh-CN" sz="2800" dirty="0" smtClean="0"/>
+              <a:t>Nagios</a:t>
+            </a:r>
+          </a:p>
+          <a:p>
+            <a:pPr marL="457200" lvl="1" indent="0">
+              <a:buNone/>
+            </a:pPr>
+            <a:r>
+              <a:rPr lang="en-US" altLang="zh-CN" sz="2400" dirty="0" smtClean="0"/>
+              <a:t>Nagios</a:t>
+            </a:r>
+            <a:r>
+              <a:rPr lang="zh-CN" altLang="en-US" sz="2400" dirty="0" smtClean="0"/>
+              <a:t>是一个被广泛使用的、用来获取与集群状态相关的定性数据的支持工具。它定期拉取当前的监控指标并且和阈值进行比较。一旦超过阈值，它将开启相应的规避动作，包括发送电子邮件、打电话、发送短信，使用各种方法执行各种触发脚本，必要时甚至重启物理服务器。</a:t>
+            </a:r>
+            <a:endParaRPr lang="en-US" altLang="zh-CN" sz="2400" dirty="0" smtClean="0"/>
+          </a:p>
+          <a:p>
+            <a:pPr marL="457200" lvl="1" indent="0">
+              <a:buNone/>
+            </a:pPr>
+            <a:r>
+              <a:rPr lang="zh-CN" altLang="en-US" sz="2400" dirty="0" smtClean="0"/>
+              <a:t>用户可以使用</a:t>
+            </a:r>
+            <a:r>
+              <a:rPr lang="en-US" altLang="zh-CN" sz="2400" dirty="0" smtClean="0"/>
               <a:t>JMX</a:t>
             </a:r>
-          </a:p>
-          <a:p>
-            <a:pPr marL="457200" lvl="1" indent="0">
-              <a:buNone/>
-            </a:pPr>
-            <a:r>
-              <a:rPr lang="en-US" altLang="zh-CN" sz="2400" dirty="0"/>
-              <a:t>Java Management </a:t>
+            <a:r>
+              <a:rPr lang="zh-CN" altLang="en-US" sz="2400" dirty="0" smtClean="0"/>
+              <a:t>将</a:t>
             </a:r>
             <a:r>
               <a:rPr lang="en-US" altLang="zh-CN" sz="2400" dirty="0" smtClean="0"/>
-              <a:t>Extensions</a:t>
-            </a:r>
-          </a:p>
-          <a:p>
-            <a:pPr marL="457200" lvl="1" indent="0">
-              <a:buNone/>
-            </a:pPr>
-            <a:endParaRPr lang="en-US" altLang="zh-CN" sz="2400" dirty="0" smtClean="0"/>
-          </a:p>
-          <a:p>
-            <a:pPr lvl="1"/>
-            <a:r>
-              <a:rPr lang="en-US" altLang="zh-CN" sz="2400" dirty="0"/>
-              <a:t>Master server </a:t>
-            </a:r>
-            <a:r>
-              <a:rPr lang="en-US" altLang="zh-CN" sz="2400" dirty="0" smtClean="0"/>
-              <a:t>JMX:</a:t>
-            </a:r>
-            <a:endParaRPr lang="en-US" altLang="zh-CN" sz="2400" dirty="0"/>
-          </a:p>
-          <a:p>
-            <a:pPr marL="457200" lvl="1" indent="0">
-              <a:buNone/>
-            </a:pPr>
-            <a:r>
-              <a:rPr lang="en-US" altLang="zh-CN" sz="2400" dirty="0" smtClean="0"/>
-              <a:t>	http</a:t>
-            </a:r>
-            <a:r>
-              <a:rPr lang="en-US" altLang="zh-CN" sz="2400" dirty="0"/>
-              <a:t>://master_server_ip:60010/jmx </a:t>
-            </a:r>
-            <a:endParaRPr lang="en-US" altLang="zh-CN" sz="2400" dirty="0" smtClean="0"/>
-          </a:p>
-          <a:p>
-            <a:pPr marL="457200" lvl="1" indent="0">
-              <a:buNone/>
-            </a:pPr>
-            <a:endParaRPr lang="en-US" altLang="zh-CN" sz="2400" dirty="0"/>
-          </a:p>
-          <a:p>
-            <a:pPr lvl="1"/>
-            <a:r>
-              <a:rPr lang="en-US" altLang="zh-CN" sz="2400" dirty="0"/>
-              <a:t>Region Server </a:t>
-            </a:r>
-            <a:r>
-              <a:rPr lang="en-US" altLang="zh-CN" sz="2400" dirty="0" smtClean="0"/>
-              <a:t>JMX:</a:t>
-            </a:r>
-            <a:endParaRPr lang="en-US" altLang="zh-CN" sz="2400" dirty="0"/>
-          </a:p>
-          <a:p>
-            <a:pPr marL="457200" lvl="1" indent="0">
-              <a:buNone/>
-            </a:pPr>
-            <a:r>
-              <a:rPr lang="en-US" altLang="zh-CN" sz="2400" dirty="0" smtClean="0"/>
-              <a:t>	http</a:t>
-            </a:r>
-            <a:r>
-              <a:rPr lang="en-US" altLang="zh-CN" sz="2400" dirty="0"/>
-              <a:t>://region_server_ip:60030/jmx.</a:t>
+              <a:t>Nagios</a:t>
+            </a:r>
+            <a:r>
+              <a:rPr lang="zh-CN" altLang="en-US" sz="2400" dirty="0" smtClean="0"/>
+              <a:t>和</a:t>
+            </a:r>
+            <a:r>
+              <a:rPr lang="en-US" altLang="zh-CN" sz="2400" dirty="0" err="1" smtClean="0"/>
+              <a:t>HBase</a:t>
+            </a:r>
+            <a:r>
+              <a:rPr lang="zh-CN" altLang="en-US" sz="2400" dirty="0" smtClean="0"/>
+              <a:t>集成到一起。</a:t>
             </a:r>
             <a:endParaRPr lang="zh-CN" altLang="en-US" sz="2400" dirty="0"/>
           </a:p>
@@ -25604,8 +25594,12 @@
               <a:t>集群监控</a:t>
             </a:r>
             <a:r>
-              <a:rPr lang="en-US" altLang="zh-CN" dirty="0" smtClean="0"/>
-              <a:t>-JMX</a:t>
+              <a:rPr lang="en-US" altLang="zh-CN" dirty="0"/>
+              <a:t>-</a:t>
+            </a:r>
+            <a:r>
+              <a:rPr lang="en-US" altLang="zh-CN" dirty="0" smtClean="0"/>
+              <a:t>Nagios</a:t>
             </a:r>
             <a:endParaRPr lang="zh-CN" altLang="en-US" dirty="0"/>
           </a:p>
@@ -25614,7 +25608,7 @@
     </p:spTree>
     <p:extLst>
       <p:ext uri="{BB962C8B-B14F-4D97-AF65-F5344CB8AC3E}">
-        <p14:creationId xmlns:p14="http://schemas.microsoft.com/office/powerpoint/2010/main" val="3959276196"/>
+        <p14:creationId xmlns:p14="http://schemas.microsoft.com/office/powerpoint/2010/main" val="316557858"/>
       </p:ext>
     </p:extLst>
   </p:cSld>
@@ -25658,196 +25652,91 @@
             <p:ph sz="quarter" idx="10"/>
           </p:nvPr>
         </p:nvSpPr>
-        <p:spPr>
-          <a:xfrm>
-            <a:off x="107504" y="1941537"/>
-            <a:ext cx="9036496" cy="4367783"/>
-          </a:xfrm>
-        </p:spPr>
+        <p:spPr/>
         <p:txBody>
           <a:bodyPr/>
           <a:lstStyle/>
           <a:p>
             <a:r>
               <a:rPr lang="en-US" altLang="zh-CN" sz="2800" dirty="0" smtClean="0"/>
-              <a:t>File-based </a:t>
-            </a:r>
-            <a:r>
-              <a:rPr lang="zh-CN" altLang="en-US" sz="2800" dirty="0" smtClean="0"/>
-              <a:t>监控</a:t>
-            </a:r>
-            <a:endParaRPr lang="en-US" altLang="zh-CN" sz="2800" dirty="0" smtClean="0"/>
+              <a:t>JMX</a:t>
+            </a:r>
           </a:p>
           <a:p>
             <a:pPr marL="457200" lvl="1" indent="0">
               <a:buNone/>
             </a:pPr>
             <a:r>
-              <a:rPr lang="en-US" altLang="zh-CN" sz="2400" dirty="0" err="1" smtClean="0"/>
-              <a:t>hadoop-metrics.properties</a:t>
-            </a:r>
+              <a:rPr lang="en-US" altLang="zh-CN" sz="2400" dirty="0"/>
+              <a:t>Java Management </a:t>
+            </a:r>
+            <a:r>
+              <a:rPr lang="en-US" altLang="zh-CN" sz="2400" dirty="0" smtClean="0"/>
+              <a:t>Extensions</a:t>
+            </a:r>
+          </a:p>
+          <a:p>
+            <a:pPr marL="457200" lvl="1" indent="0">
+              <a:buNone/>
+            </a:pPr>
             <a:endParaRPr lang="en-US" altLang="zh-CN" sz="2400" dirty="0" smtClean="0"/>
           </a:p>
           <a:p>
+            <a:pPr lvl="1"/>
+            <a:r>
+              <a:rPr lang="en-US" altLang="zh-CN" sz="2400" dirty="0"/>
+              <a:t>Master server </a:t>
+            </a:r>
+            <a:r>
+              <a:rPr lang="en-US" altLang="zh-CN" sz="2400" dirty="0" smtClean="0"/>
+              <a:t>JMX:</a:t>
+            </a:r>
+            <a:endParaRPr lang="en-US" altLang="zh-CN" sz="2400" dirty="0"/>
+          </a:p>
+          <a:p>
             <a:pPr marL="457200" lvl="1" indent="0">
               <a:buNone/>
             </a:pPr>
             <a:r>
-              <a:rPr lang="en-US" altLang="zh-CN" sz="1800" dirty="0" err="1"/>
-              <a:t>hbase.class</a:t>
-            </a:r>
-            <a:r>
-              <a:rPr lang="en-US" altLang="zh-CN" sz="1800" dirty="0"/>
-              <a:t>=</a:t>
-            </a:r>
-            <a:r>
-              <a:rPr lang="en-US" altLang="zh-CN" sz="1800" dirty="0" err="1"/>
-              <a:t>org.apache.hadoop.hbase.metrics.file.TimeStampingFileContext</a:t>
-            </a:r>
-            <a:endParaRPr lang="en-US" altLang="zh-CN" sz="1800" dirty="0"/>
+              <a:rPr lang="en-US" altLang="zh-CN" sz="2400" dirty="0" smtClean="0"/>
+              <a:t>	http</a:t>
+            </a:r>
+            <a:r>
+              <a:rPr lang="en-US" altLang="zh-CN" sz="2400" dirty="0"/>
+              <a:t>://master_server_ip:60010/jmx </a:t>
+            </a:r>
+            <a:endParaRPr lang="en-US" altLang="zh-CN" sz="2400" dirty="0" smtClean="0"/>
           </a:p>
           <a:p>
             <a:pPr marL="457200" lvl="1" indent="0">
               <a:buNone/>
             </a:pPr>
-            <a:r>
-              <a:rPr lang="en-US" altLang="zh-CN" sz="1800" dirty="0" err="1"/>
-              <a:t>hbase.period</a:t>
-            </a:r>
-            <a:r>
-              <a:rPr lang="en-US" altLang="zh-CN" sz="1800" dirty="0"/>
-              <a:t>=10</a:t>
-            </a:r>
+            <a:endParaRPr lang="en-US" altLang="zh-CN" sz="2400" dirty="0"/>
+          </a:p>
+          <a:p>
+            <a:pPr lvl="1"/>
+            <a:r>
+              <a:rPr lang="en-US" altLang="zh-CN" sz="2400" dirty="0"/>
+              <a:t>Region Server </a:t>
+            </a:r>
+            <a:r>
+              <a:rPr lang="en-US" altLang="zh-CN" sz="2400" dirty="0" smtClean="0"/>
+              <a:t>JMX:</a:t>
+            </a:r>
+            <a:endParaRPr lang="en-US" altLang="zh-CN" sz="2400" dirty="0"/>
           </a:p>
           <a:p>
             <a:pPr marL="457200" lvl="1" indent="0">
               <a:buNone/>
             </a:pPr>
             <a:r>
-              <a:rPr lang="en-US" altLang="zh-CN" sz="1800" dirty="0" err="1"/>
-              <a:t>hbase.fileName</a:t>
-            </a:r>
-            <a:r>
-              <a:rPr lang="en-US" altLang="zh-CN" sz="1800" dirty="0"/>
-              <a:t>=/</a:t>
-            </a:r>
-            <a:r>
-              <a:rPr lang="en-US" altLang="zh-CN" sz="1800" dirty="0" err="1"/>
-              <a:t>tmp</a:t>
-            </a:r>
-            <a:r>
-              <a:rPr lang="en-US" altLang="zh-CN" sz="1800" dirty="0"/>
-              <a:t>/metrics_hbase.log</a:t>
-            </a:r>
-          </a:p>
-          <a:p>
-            <a:pPr marL="457200" lvl="1" indent="0">
-              <a:buNone/>
-            </a:pPr>
-            <a:r>
-              <a:rPr lang="en-US" altLang="zh-CN" sz="1800" dirty="0" err="1"/>
-              <a:t>jvm.class</a:t>
-            </a:r>
-            <a:r>
-              <a:rPr lang="en-US" altLang="zh-CN" sz="1800" dirty="0"/>
-              <a:t>=</a:t>
-            </a:r>
-            <a:r>
-              <a:rPr lang="en-US" altLang="zh-CN" sz="1800" dirty="0" err="1"/>
-              <a:t>org.apache.hadoop.hbase.metrics.file.TimeStampingFileContext</a:t>
-            </a:r>
-            <a:endParaRPr lang="en-US" altLang="zh-CN" sz="1800" dirty="0"/>
-          </a:p>
-          <a:p>
-            <a:pPr marL="457200" lvl="1" indent="0">
-              <a:buNone/>
-            </a:pPr>
-            <a:r>
-              <a:rPr lang="en-US" altLang="zh-CN" sz="1800" dirty="0" err="1"/>
-              <a:t>jvm.period</a:t>
-            </a:r>
-            <a:r>
-              <a:rPr lang="en-US" altLang="zh-CN" sz="1800" dirty="0"/>
-              <a:t>=10</a:t>
-            </a:r>
-          </a:p>
-          <a:p>
-            <a:pPr marL="457200" lvl="1" indent="0">
-              <a:buNone/>
-            </a:pPr>
-            <a:r>
-              <a:rPr lang="en-US" altLang="zh-CN" sz="1800" dirty="0" err="1"/>
-              <a:t>jvm.fileName</a:t>
-            </a:r>
-            <a:r>
-              <a:rPr lang="en-US" altLang="zh-CN" sz="1800" dirty="0"/>
-              <a:t>=/</a:t>
-            </a:r>
-            <a:r>
-              <a:rPr lang="en-US" altLang="zh-CN" sz="1800" dirty="0" err="1"/>
-              <a:t>tmp</a:t>
-            </a:r>
-            <a:r>
-              <a:rPr lang="en-US" altLang="zh-CN" sz="1800" dirty="0"/>
-              <a:t>/metrics_jvm.log</a:t>
-            </a:r>
-          </a:p>
-          <a:p>
-            <a:pPr marL="457200" lvl="1" indent="0">
-              <a:buNone/>
-            </a:pPr>
-            <a:r>
-              <a:rPr lang="en-US" altLang="zh-CN" sz="1800" dirty="0" err="1"/>
-              <a:t>rpc.class</a:t>
-            </a:r>
-            <a:r>
-              <a:rPr lang="en-US" altLang="zh-CN" sz="1800" dirty="0"/>
-              <a:t>=</a:t>
-            </a:r>
-            <a:r>
-              <a:rPr lang="en-US" altLang="zh-CN" sz="1800" dirty="0" err="1"/>
-              <a:t>org.apache.hadoop.hbase.metrics.file.TimeStampingFileContext</a:t>
-            </a:r>
-            <a:endParaRPr lang="en-US" altLang="zh-CN" sz="1800" dirty="0"/>
-          </a:p>
-          <a:p>
-            <a:pPr marL="457200" lvl="1" indent="0">
-              <a:buNone/>
-            </a:pPr>
-            <a:r>
-              <a:rPr lang="en-US" altLang="zh-CN" sz="1800" dirty="0" err="1"/>
-              <a:t>rpc.period</a:t>
-            </a:r>
-            <a:r>
-              <a:rPr lang="en-US" altLang="zh-CN" sz="1800" dirty="0"/>
-              <a:t>=10</a:t>
-            </a:r>
-          </a:p>
-          <a:p>
-            <a:pPr marL="457200" lvl="1" indent="0">
-              <a:buNone/>
-            </a:pPr>
-            <a:r>
-              <a:rPr lang="en-US" altLang="zh-CN" sz="1800" dirty="0" err="1"/>
-              <a:t>rpc.fileName</a:t>
-            </a:r>
-            <a:r>
-              <a:rPr lang="en-US" altLang="zh-CN" sz="1800" dirty="0"/>
-              <a:t>=/</a:t>
-            </a:r>
-            <a:r>
-              <a:rPr lang="en-US" altLang="zh-CN" sz="1800" dirty="0" err="1"/>
-              <a:t>tmp</a:t>
-            </a:r>
-            <a:r>
-              <a:rPr lang="en-US" altLang="zh-CN" sz="1800" dirty="0"/>
-              <a:t>/metrics_rpc.log</a:t>
-            </a:r>
-          </a:p>
-          <a:p>
-            <a:pPr marL="457200" lvl="1" indent="0">
-              <a:buNone/>
-            </a:pPr>
+              <a:rPr lang="en-US" altLang="zh-CN" sz="2400" dirty="0" smtClean="0"/>
+              <a:t>	http</a:t>
+            </a:r>
+            <a:r>
+              <a:rPr lang="en-US" altLang="zh-CN" sz="2400" dirty="0"/>
+              <a:t>://region_server_ip:60030/jmx.</a:t>
+            </a:r>
             <a:endParaRPr lang="zh-CN" altLang="en-US" sz="2400" dirty="0"/>
           </a:p>
         </p:txBody>
@@ -25882,6 +25771,10 @@
             <a:r>
               <a:rPr lang="zh-CN" altLang="en-US" dirty="0" smtClean="0"/>
               <a:t>集群监控</a:t>
+            </a:r>
+            <a:r>
+              <a:rPr lang="en-US" altLang="zh-CN" dirty="0" smtClean="0"/>
+              <a:t>-JMX</a:t>
             </a:r>
             <a:endParaRPr lang="zh-CN" altLang="en-US" dirty="0"/>
           </a:p>
@@ -25890,7 +25783,7 @@
     </p:spTree>
     <p:extLst>
       <p:ext uri="{BB962C8B-B14F-4D97-AF65-F5344CB8AC3E}">
-        <p14:creationId xmlns:p14="http://schemas.microsoft.com/office/powerpoint/2010/main" val="1941888529"/>
+        <p14:creationId xmlns:p14="http://schemas.microsoft.com/office/powerpoint/2010/main" val="3959276196"/>
       </p:ext>
     </p:extLst>
   </p:cSld>
@@ -25934,171 +25827,197 @@
             <p:ph sz="quarter" idx="10"/>
           </p:nvPr>
         </p:nvSpPr>
-        <p:spPr/>
-        <p:txBody>
-          <a:bodyPr/>
-          <a:lstStyle/>
-          <a:p>
+        <p:spPr>
+          <a:xfrm>
+            <a:off x="107504" y="1941537"/>
+            <a:ext cx="9036496" cy="4367783"/>
+          </a:xfrm>
+        </p:spPr>
+        <p:txBody>
+          <a:bodyPr/>
+          <a:lstStyle/>
+          <a:p>
+            <a:r>
+              <a:rPr lang="en-US" altLang="zh-CN" sz="2800" dirty="0" smtClean="0"/>
+              <a:t>File-based </a:t>
+            </a:r>
             <a:r>
               <a:rPr lang="zh-CN" altLang="en-US" sz="2800" dirty="0" smtClean="0"/>
-              <a:t>压缩</a:t>
+              <a:t>监控</a:t>
             </a:r>
             <a:endParaRPr lang="en-US" altLang="zh-CN" sz="2800" dirty="0" smtClean="0"/>
           </a:p>
           <a:p>
-            <a:pPr lvl="1"/>
-            <a:r>
-              <a:rPr lang="zh-CN" altLang="en-US" sz="2400" dirty="0" smtClean="0"/>
-              <a:t>可用的编解码器：</a:t>
-            </a:r>
-            <a:r>
-              <a:rPr lang="en-US" altLang="zh-CN" sz="2400" dirty="0" smtClean="0"/>
-              <a:t>LZO/Snappy/GZIP</a:t>
-            </a:r>
-          </a:p>
-          <a:p>
-            <a:pPr lvl="1"/>
-            <a:r>
-              <a:rPr lang="zh-CN" altLang="en-US" sz="2400" dirty="0" smtClean="0"/>
-              <a:t>验证是否安装</a:t>
+            <a:pPr marL="457200" lvl="1" indent="0">
+              <a:buNone/>
+            </a:pPr>
+            <a:r>
+              <a:rPr lang="en-US" altLang="zh-CN" sz="2400" dirty="0" err="1" smtClean="0"/>
+              <a:t>hadoop-metrics.properties</a:t>
             </a:r>
             <a:endParaRPr lang="en-US" altLang="zh-CN" sz="2400" dirty="0" smtClean="0"/>
           </a:p>
           <a:p>
-            <a:pPr marL="914400" lvl="2" indent="0">
-              <a:buNone/>
-            </a:pPr>
-            <a:r>
-              <a:rPr lang="en-US" altLang="zh-CN" sz="2000" dirty="0"/>
-              <a:t>./bin/</a:t>
-            </a:r>
-            <a:r>
-              <a:rPr lang="en-US" altLang="zh-CN" sz="2000" dirty="0" err="1"/>
-              <a:t>hbase</a:t>
-            </a:r>
-            <a:r>
-              <a:rPr lang="en-US" altLang="zh-CN" sz="2000" dirty="0"/>
-              <a:t> </a:t>
-            </a:r>
-            <a:r>
-              <a:rPr lang="en-US" altLang="zh-CN" sz="2000" dirty="0" err="1" smtClean="0"/>
-              <a:t>org.apache.hadoop.hbase.util.CompressionTest</a:t>
-            </a:r>
-            <a:r>
-              <a:rPr lang="en-US" altLang="zh-CN" sz="2000" dirty="0" smtClean="0"/>
-              <a:t> </a:t>
-            </a:r>
-          </a:p>
-          <a:p>
-            <a:pPr marL="914400" lvl="2" indent="0">
-              <a:buNone/>
-            </a:pPr>
-            <a:r>
-              <a:rPr lang="en-US" altLang="zh-CN" sz="2000" i="1" dirty="0" err="1"/>
-              <a:t>none|gz|lzo|snappy</a:t>
-            </a:r>
-            <a:endParaRPr lang="en-US" altLang="zh-CN" sz="2000" i="1" dirty="0" smtClean="0"/>
-          </a:p>
-          <a:p>
             <a:pPr marL="457200" lvl="1" indent="0">
               <a:buNone/>
             </a:pPr>
             <a:r>
-              <a:rPr lang="zh-CN" altLang="en-US" sz="2400" dirty="0" smtClean="0"/>
-              <a:t>例：</a:t>
-            </a:r>
-            <a:endParaRPr lang="en-US" altLang="zh-CN" sz="2400" dirty="0" smtClean="0"/>
-          </a:p>
-          <a:p>
-            <a:pPr marL="914400" lvl="2" indent="0">
-              <a:buNone/>
-            </a:pPr>
-            <a:r>
-              <a:rPr lang="en-US" altLang="zh-CN" sz="2000" dirty="0"/>
-              <a:t>./bin/</a:t>
-            </a:r>
-            <a:r>
-              <a:rPr lang="en-US" altLang="zh-CN" sz="2000" dirty="0" err="1"/>
-              <a:t>hbase</a:t>
-            </a:r>
-            <a:r>
-              <a:rPr lang="en-US" altLang="zh-CN" sz="2000" dirty="0"/>
-              <a:t> </a:t>
-            </a:r>
-            <a:r>
-              <a:rPr lang="en-US" altLang="zh-CN" sz="2000" dirty="0" err="1"/>
-              <a:t>org.apache.hadoop.hbase.util.CompressionTest</a:t>
-            </a:r>
-            <a:r>
-              <a:rPr lang="en-US" altLang="zh-CN" sz="2000" dirty="0"/>
-              <a:t> </a:t>
-            </a:r>
-            <a:r>
-              <a:rPr lang="en-US" altLang="zh-CN" sz="2000" dirty="0" smtClean="0"/>
-              <a:t> </a:t>
-            </a:r>
-            <a:endParaRPr lang="en-US" altLang="zh-CN" sz="2000" dirty="0"/>
-          </a:p>
-          <a:p>
-            <a:pPr marL="914400" lvl="2" indent="0">
-              <a:buNone/>
-            </a:pPr>
-            <a:r>
-              <a:rPr lang="en-US" altLang="zh-CN" sz="2000" dirty="0"/>
-              <a:t>/user/</a:t>
-            </a:r>
-            <a:r>
-              <a:rPr lang="en-US" altLang="zh-CN" sz="2000" dirty="0" err="1"/>
-              <a:t>larsgeorge</a:t>
-            </a:r>
-            <a:r>
-              <a:rPr lang="en-US" altLang="zh-CN" sz="2000" dirty="0"/>
-              <a:t>/test.gz </a:t>
-            </a:r>
-            <a:r>
-              <a:rPr lang="en-US" altLang="zh-CN" sz="2000" dirty="0" err="1" smtClean="0"/>
-              <a:t>gz</a:t>
-            </a:r>
-            <a:endParaRPr lang="en-US" altLang="zh-CN" sz="2000" dirty="0" smtClean="0"/>
-          </a:p>
-          <a:p>
-            <a:pPr marL="914400" lvl="2" indent="0">
-              <a:buNone/>
-            </a:pPr>
-            <a:r>
-              <a:rPr lang="en-US" altLang="zh-CN" sz="2000" dirty="0"/>
-              <a:t>./bin/</a:t>
-            </a:r>
-            <a:r>
-              <a:rPr lang="en-US" altLang="zh-CN" sz="2000" dirty="0" err="1"/>
-              <a:t>hbase</a:t>
-            </a:r>
-            <a:r>
-              <a:rPr lang="en-US" altLang="zh-CN" sz="2000" dirty="0"/>
-              <a:t> </a:t>
-            </a:r>
-            <a:r>
-              <a:rPr lang="en-US" altLang="zh-CN" sz="2000" dirty="0" err="1"/>
-              <a:t>org.apache.hadoop.hbase.util.CompressionTest</a:t>
-            </a:r>
-            <a:r>
-              <a:rPr lang="en-US" altLang="zh-CN" sz="2000" dirty="0"/>
-              <a:t> </a:t>
-            </a:r>
-          </a:p>
-          <a:p>
-            <a:pPr marL="914400" lvl="2" indent="0">
-              <a:buNone/>
-            </a:pPr>
-            <a:r>
-              <a:rPr lang="en-US" altLang="zh-CN" sz="2000" dirty="0"/>
-              <a:t>file:///tmp/test.lzo </a:t>
-            </a:r>
-            <a:r>
-              <a:rPr lang="en-US" altLang="zh-CN" sz="2000" dirty="0" err="1" smtClean="0"/>
-              <a:t>lzo</a:t>
-            </a:r>
-            <a:endParaRPr lang="en-US" altLang="zh-CN" sz="2000" dirty="0" smtClean="0"/>
+              <a:rPr lang="en-US" altLang="zh-CN" sz="1800" dirty="0" err="1"/>
+              <a:t>hbase.class</a:t>
+            </a:r>
+            <a:r>
+              <a:rPr lang="en-US" altLang="zh-CN" sz="1800" dirty="0"/>
+              <a:t>=</a:t>
+            </a:r>
+            <a:r>
+              <a:rPr lang="en-US" altLang="zh-CN" sz="1800" dirty="0" err="1"/>
+              <a:t>org.apache.hadoop.hbase.metrics.file.TimeStampingFileContext</a:t>
+            </a:r>
+            <a:endParaRPr lang="en-US" altLang="zh-CN" sz="1800" dirty="0"/>
+          </a:p>
+          <a:p>
+            <a:pPr marL="457200" lvl="1" indent="0">
+              <a:buNone/>
+            </a:pPr>
+            <a:r>
+              <a:rPr lang="en-US" altLang="zh-CN" sz="1800" dirty="0" err="1"/>
+              <a:t>hbase.period</a:t>
+            </a:r>
+            <a:r>
+              <a:rPr lang="en-US" altLang="zh-CN" sz="1800" dirty="0"/>
+              <a:t>=10</a:t>
+            </a:r>
+          </a:p>
+          <a:p>
+            <a:pPr marL="457200" lvl="1" indent="0">
+              <a:buNone/>
+            </a:pPr>
+            <a:r>
+              <a:rPr lang="en-US" altLang="zh-CN" sz="1800" dirty="0" err="1"/>
+              <a:t>hbase.fileName</a:t>
+            </a:r>
+            <a:r>
+              <a:rPr lang="en-US" altLang="zh-CN" sz="1800" dirty="0"/>
+              <a:t>=/</a:t>
+            </a:r>
+            <a:r>
+              <a:rPr lang="en-US" altLang="zh-CN" sz="1800" dirty="0" err="1"/>
+              <a:t>tmp</a:t>
+            </a:r>
+            <a:r>
+              <a:rPr lang="en-US" altLang="zh-CN" sz="1800" dirty="0"/>
+              <a:t>/metrics_hbase.log</a:t>
+            </a:r>
+          </a:p>
+          <a:p>
+            <a:pPr marL="457200" lvl="1" indent="0">
+              <a:buNone/>
+            </a:pPr>
+            <a:r>
+              <a:rPr lang="en-US" altLang="zh-CN" sz="1800" dirty="0" err="1"/>
+              <a:t>jvm.class</a:t>
+            </a:r>
+            <a:r>
+              <a:rPr lang="en-US" altLang="zh-CN" sz="1800" dirty="0"/>
+              <a:t>=</a:t>
+            </a:r>
+            <a:r>
+              <a:rPr lang="en-US" altLang="zh-CN" sz="1800" dirty="0" err="1"/>
+              <a:t>org.apache.hadoop.hbase.metrics.file.TimeStampingFileContext</a:t>
+            </a:r>
+            <a:endParaRPr lang="en-US" altLang="zh-CN" sz="1800" dirty="0"/>
+          </a:p>
+          <a:p>
+            <a:pPr marL="457200" lvl="1" indent="0">
+              <a:buNone/>
+            </a:pPr>
+            <a:r>
+              <a:rPr lang="en-US" altLang="zh-CN" sz="1800" dirty="0" err="1"/>
+              <a:t>jvm.period</a:t>
+            </a:r>
+            <a:r>
+              <a:rPr lang="en-US" altLang="zh-CN" sz="1800" dirty="0"/>
+              <a:t>=10</a:t>
+            </a:r>
+          </a:p>
+          <a:p>
+            <a:pPr marL="457200" lvl="1" indent="0">
+              <a:buNone/>
+            </a:pPr>
+            <a:r>
+              <a:rPr lang="en-US" altLang="zh-CN" sz="1800" dirty="0" err="1"/>
+              <a:t>jvm.fileName</a:t>
+            </a:r>
+            <a:r>
+              <a:rPr lang="en-US" altLang="zh-CN" sz="1800" dirty="0"/>
+              <a:t>=/</a:t>
+            </a:r>
+            <a:r>
+              <a:rPr lang="en-US" altLang="zh-CN" sz="1800" dirty="0" err="1"/>
+              <a:t>tmp</a:t>
+            </a:r>
+            <a:r>
+              <a:rPr lang="en-US" altLang="zh-CN" sz="1800" dirty="0"/>
+              <a:t>/metrics_jvm.log</a:t>
+            </a:r>
+          </a:p>
+          <a:p>
+            <a:pPr marL="457200" lvl="1" indent="0">
+              <a:buNone/>
+            </a:pPr>
+            <a:r>
+              <a:rPr lang="en-US" altLang="zh-CN" sz="1800" dirty="0" err="1"/>
+              <a:t>rpc.class</a:t>
+            </a:r>
+            <a:r>
+              <a:rPr lang="en-US" altLang="zh-CN" sz="1800" dirty="0"/>
+              <a:t>=</a:t>
+            </a:r>
+            <a:r>
+              <a:rPr lang="en-US" altLang="zh-CN" sz="1800" dirty="0" err="1"/>
+              <a:t>org.apache.hadoop.hbase.metrics.file.TimeStampingFileContext</a:t>
+            </a:r>
+            <a:endParaRPr lang="en-US" altLang="zh-CN" sz="1800" dirty="0"/>
+          </a:p>
+          <a:p>
+            <a:pPr marL="457200" lvl="1" indent="0">
+              <a:buNone/>
+            </a:pPr>
+            <a:r>
+              <a:rPr lang="en-US" altLang="zh-CN" sz="1800" dirty="0" err="1"/>
+              <a:t>rpc.period</a:t>
+            </a:r>
+            <a:r>
+              <a:rPr lang="en-US" altLang="zh-CN" sz="1800" dirty="0"/>
+              <a:t>=10</a:t>
+            </a:r>
+          </a:p>
+          <a:p>
+            <a:pPr marL="457200" lvl="1" indent="0">
+              <a:buNone/>
+            </a:pPr>
+            <a:r>
+              <a:rPr lang="en-US" altLang="zh-CN" sz="1800" dirty="0" err="1"/>
+              <a:t>rpc.fileName</a:t>
+            </a:r>
+            <a:r>
+              <a:rPr lang="en-US" altLang="zh-CN" sz="1800" dirty="0"/>
+              <a:t>=/</a:t>
+            </a:r>
+            <a:r>
+              <a:rPr lang="en-US" altLang="zh-CN" sz="1800" dirty="0" err="1"/>
+              <a:t>tmp</a:t>
+            </a:r>
+            <a:r>
+              <a:rPr lang="en-US" altLang="zh-CN" sz="1800" dirty="0"/>
+              <a:t>/metrics_rpc.log</a:t>
+            </a:r>
+          </a:p>
+          <a:p>
+            <a:pPr marL="457200" lvl="1" indent="0">
+              <a:buNone/>
+            </a:pPr>
+            <a:endParaRPr lang="zh-CN" altLang="en-US" sz="2400" dirty="0"/>
           </a:p>
         </p:txBody>
       </p:sp>
@@ -26127,19 +26046,20 @@
             </a:r>
             <a:r>
               <a:rPr lang="en-US" altLang="zh-CN" dirty="0" smtClean="0"/>
-              <a:t>– </a:t>
-            </a:r>
-            <a:r>
-              <a:rPr lang="zh-CN" altLang="en-US" dirty="0"/>
-              <a:t>调优</a:t>
-            </a:r>
+              <a:t>- </a:t>
+            </a:r>
+            <a:r>
+              <a:rPr lang="zh-CN" altLang="en-US" dirty="0" smtClean="0"/>
+              <a:t>集群监控</a:t>
+            </a:r>
+            <a:endParaRPr lang="zh-CN" altLang="en-US" dirty="0"/>
           </a:p>
         </p:txBody>
       </p:sp>
     </p:spTree>
     <p:extLst>
       <p:ext uri="{BB962C8B-B14F-4D97-AF65-F5344CB8AC3E}">
-        <p14:creationId xmlns:p14="http://schemas.microsoft.com/office/powerpoint/2010/main" val="790171946"/>
+        <p14:creationId xmlns:p14="http://schemas.microsoft.com/office/powerpoint/2010/main" val="1941888529"/>
       </p:ext>
     </p:extLst>
   </p:cSld>
@@ -26195,30 +26115,159 @@
             <a:endParaRPr lang="en-US" altLang="zh-CN" sz="2800" dirty="0" smtClean="0"/>
           </a:p>
           <a:p>
+            <a:pPr lvl="1"/>
+            <a:r>
+              <a:rPr lang="zh-CN" altLang="en-US" sz="2400" dirty="0" smtClean="0"/>
+              <a:t>可用的编解码器：</a:t>
+            </a:r>
+            <a:r>
+              <a:rPr lang="en-US" altLang="zh-CN" sz="2400" dirty="0" smtClean="0"/>
+              <a:t>LZO/Snappy/GZIP</a:t>
+            </a:r>
+          </a:p>
+          <a:p>
+            <a:pPr lvl="1"/>
+            <a:r>
+              <a:rPr lang="zh-CN" altLang="en-US" sz="2400" dirty="0" smtClean="0"/>
+              <a:t>验证是否安装</a:t>
+            </a:r>
+            <a:endParaRPr lang="en-US" altLang="zh-CN" sz="2400" dirty="0" smtClean="0"/>
+          </a:p>
+          <a:p>
+            <a:pPr marL="914400" lvl="2" indent="0">
+              <a:buNone/>
+            </a:pPr>
+            <a:r>
+              <a:rPr lang="en-US" altLang="zh-CN" sz="2000" dirty="0"/>
+              <a:t>./bin/</a:t>
+            </a:r>
+            <a:r>
+              <a:rPr lang="en-US" altLang="zh-CN" sz="2000" dirty="0" err="1"/>
+              <a:t>hbase</a:t>
+            </a:r>
+            <a:r>
+              <a:rPr lang="en-US" altLang="zh-CN" sz="2000" dirty="0"/>
+              <a:t> </a:t>
+            </a:r>
+            <a:r>
+              <a:rPr lang="en-US" altLang="zh-CN" sz="2000" dirty="0" err="1" smtClean="0"/>
+              <a:t>org.apache.hadoop.hbase.util.CompressionTest</a:t>
+            </a:r>
+            <a:r>
+              <a:rPr lang="en-US" altLang="zh-CN" sz="2000" dirty="0" smtClean="0"/>
+              <a:t> </a:t>
+            </a:r>
+          </a:p>
+          <a:p>
+            <a:pPr marL="914400" lvl="2" indent="0">
+              <a:buNone/>
+            </a:pPr>
+            <a:r>
+              <a:rPr lang="en-US" altLang="zh-CN" sz="2000" i="1" dirty="0" err="1"/>
+              <a:t>none|gz|lzo|snappy</a:t>
+            </a:r>
+            <a:endParaRPr lang="en-US" altLang="zh-CN" sz="2000" i="1" dirty="0" smtClean="0"/>
+          </a:p>
+          <a:p>
             <a:pPr marL="457200" lvl="1" indent="0">
               <a:buNone/>
             </a:pPr>
             <a:r>
               <a:rPr lang="zh-CN" altLang="en-US" sz="2400" dirty="0" smtClean="0"/>
-              <a:t>如果检验没有安装，需要返回并再次检查安装。在安装</a:t>
-            </a:r>
-            <a:r>
-              <a:rPr lang="en-US" altLang="zh-CN" sz="2400" dirty="0" smtClean="0"/>
-              <a:t>JNI</a:t>
-            </a:r>
-            <a:r>
-              <a:rPr lang="zh-CN" altLang="en-US" sz="2400" dirty="0" smtClean="0"/>
-              <a:t>或本地压缩库后，用户可能还需要重新启动</a:t>
-            </a:r>
-            <a:r>
-              <a:rPr lang="en-US" altLang="zh-CN" sz="2400" dirty="0" smtClean="0"/>
-              <a:t>region</a:t>
-            </a:r>
-            <a:r>
-              <a:rPr lang="zh-CN" altLang="en-US" sz="2400" dirty="0" smtClean="0"/>
-              <a:t>服务器。</a:t>
+              <a:t>例：</a:t>
             </a:r>
             <a:endParaRPr lang="en-US" altLang="zh-CN" sz="2400" dirty="0" smtClean="0"/>
+          </a:p>
+          <a:p>
+            <a:pPr marL="914400" lvl="2" indent="0">
+              <a:buNone/>
+            </a:pPr>
+            <a:r>
+              <a:rPr lang="en-US" altLang="zh-CN" sz="2000" dirty="0"/>
+              <a:t>./bin/</a:t>
+            </a:r>
+            <a:r>
+              <a:rPr lang="en-US" altLang="zh-CN" sz="2000" dirty="0" err="1"/>
+              <a:t>hbase</a:t>
+            </a:r>
+            <a:r>
+              <a:rPr lang="en-US" altLang="zh-CN" sz="2000" dirty="0"/>
+              <a:t> </a:t>
+            </a:r>
+            <a:r>
+              <a:rPr lang="en-US" altLang="zh-CN" sz="2000" dirty="0" err="1"/>
+              <a:t>org.apache.hadoop.hbase.util.CompressionTest</a:t>
+            </a:r>
+            <a:r>
+              <a:rPr lang="en-US" altLang="zh-CN" sz="2000" dirty="0"/>
+              <a:t> </a:t>
+            </a:r>
+            <a:r>
+              <a:rPr lang="en-US" altLang="zh-CN" sz="2000" dirty="0" smtClean="0"/>
+              <a:t> </a:t>
+            </a:r>
+            <a:endParaRPr lang="en-US" altLang="zh-CN" sz="2000" dirty="0"/>
+          </a:p>
+          <a:p>
+            <a:pPr marL="914400" lvl="2" indent="0">
+              <a:buNone/>
+            </a:pPr>
+            <a:r>
+              <a:rPr lang="en-US" altLang="zh-CN" sz="2000" dirty="0"/>
+              <a:t>/user/</a:t>
+            </a:r>
+            <a:r>
+              <a:rPr lang="en-US" altLang="zh-CN" sz="2000" dirty="0" err="1"/>
+              <a:t>larsgeorge</a:t>
+            </a:r>
+            <a:r>
+              <a:rPr lang="en-US" altLang="zh-CN" sz="2000" dirty="0"/>
+              <a:t>/test.gz </a:t>
+            </a:r>
+            <a:r>
+              <a:rPr lang="en-US" altLang="zh-CN" sz="2000" dirty="0" err="1" smtClean="0"/>
+              <a:t>gz</a:t>
+            </a:r>
+            <a:endParaRPr lang="en-US" altLang="zh-CN" sz="2000" dirty="0" smtClean="0"/>
+          </a:p>
+          <a:p>
+            <a:pPr marL="914400" lvl="2" indent="0">
+              <a:buNone/>
+            </a:pPr>
+            <a:r>
+              <a:rPr lang="en-US" altLang="zh-CN" sz="2000" dirty="0"/>
+              <a:t>./bin/</a:t>
+            </a:r>
+            <a:r>
+              <a:rPr lang="en-US" altLang="zh-CN" sz="2000" dirty="0" err="1"/>
+              <a:t>hbase</a:t>
+            </a:r>
+            <a:r>
+              <a:rPr lang="en-US" altLang="zh-CN" sz="2000" dirty="0"/>
+              <a:t> </a:t>
+            </a:r>
+            <a:r>
+              <a:rPr lang="en-US" altLang="zh-CN" sz="2000" dirty="0" err="1"/>
+              <a:t>org.apache.hadoop.hbase.util.CompressionTest</a:t>
+            </a:r>
+            <a:r>
+              <a:rPr lang="en-US" altLang="zh-CN" sz="2000" dirty="0"/>
+              <a:t> </a:t>
+            </a:r>
+          </a:p>
+          <a:p>
+            <a:pPr marL="914400" lvl="2" indent="0">
+              <a:buNone/>
+            </a:pPr>
+            <a:r>
+              <a:rPr lang="en-US" altLang="zh-CN" sz="2000" dirty="0"/>
+              <a:t>file:///tmp/test.lzo </a:t>
+            </a:r>
+            <a:r>
+              <a:rPr lang="en-US" altLang="zh-CN" sz="2000" dirty="0" err="1" smtClean="0"/>
+              <a:t>lzo</a:t>
+            </a:r>
+            <a:endParaRPr lang="en-US" altLang="zh-CN" sz="2000" dirty="0" smtClean="0"/>
           </a:p>
         </p:txBody>
       </p:sp>
@@ -26259,7 +26308,7 @@
     </p:spTree>
     <p:extLst>
       <p:ext uri="{BB962C8B-B14F-4D97-AF65-F5344CB8AC3E}">
-        <p14:creationId xmlns:p14="http://schemas.microsoft.com/office/powerpoint/2010/main" val="234328746"/>
+        <p14:creationId xmlns:p14="http://schemas.microsoft.com/office/powerpoint/2010/main" val="790171946"/>
       </p:ext>
     </p:extLst>
   </p:cSld>
@@ -26315,14 +26364,28 @@
             <a:endParaRPr lang="en-US" altLang="zh-CN" sz="2800" dirty="0" smtClean="0"/>
           </a:p>
           <a:p>
-            <a:pPr lvl="1"/>
+            <a:pPr marL="457200" lvl="1" indent="0">
+              <a:buNone/>
+            </a:pPr>
+            <a:r>
+              <a:rPr lang="zh-CN" altLang="en-US" sz="2400" dirty="0" smtClean="0"/>
+              <a:t>如果检验没有安装，需要返回并再次检查安装。在安装</a:t>
+            </a:r>
             <a:r>
               <a:rPr lang="en-US" altLang="zh-CN" sz="2400" dirty="0" smtClean="0"/>
-              <a:t>LZO</a:t>
+              <a:t>JNI</a:t>
             </a:r>
             <a:r>
               <a:rPr lang="zh-CN" altLang="en-US" sz="2400" dirty="0" smtClean="0"/>
-              <a:t>安装</a:t>
+              <a:t>或本地压缩库后，用户可能还需要重新启动</a:t>
+            </a:r>
+            <a:r>
+              <a:rPr lang="en-US" altLang="zh-CN" sz="2400" dirty="0" smtClean="0"/>
+              <a:t>region</a:t>
+            </a:r>
+            <a:r>
+              <a:rPr lang="zh-CN" altLang="en-US" sz="2400" dirty="0" smtClean="0"/>
+              <a:t>服务器。</a:t>
             </a:r>
             <a:endParaRPr lang="en-US" altLang="zh-CN" sz="2400" dirty="0" smtClean="0"/>
           </a:p>
@@ -26365,7 +26428,7 @@
     </p:spTree>
     <p:extLst>
       <p:ext uri="{BB962C8B-B14F-4D97-AF65-F5344CB8AC3E}">
-        <p14:creationId xmlns:p14="http://schemas.microsoft.com/office/powerpoint/2010/main" val="4206820492"/>
+        <p14:creationId xmlns:p14="http://schemas.microsoft.com/office/powerpoint/2010/main" val="234328746"/>
       </p:ext>
     </p:extLst>
   </p:cSld>
@@ -26424,7 +26487,7 @@
             <a:pPr lvl="1"/>
             <a:r>
               <a:rPr lang="en-US" altLang="zh-CN" sz="2400" dirty="0" smtClean="0"/>
-              <a:t>snappy</a:t>
+              <a:t>LZO</a:t>
             </a:r>
             <a:r>
               <a:rPr lang="zh-CN" altLang="en-US" sz="2400" dirty="0" smtClean="0"/>
@@ -26471,7 +26534,7 @@
     </p:spTree>
     <p:extLst>
       <p:ext uri="{BB962C8B-B14F-4D97-AF65-F5344CB8AC3E}">
-        <p14:creationId xmlns:p14="http://schemas.microsoft.com/office/powerpoint/2010/main" val="2307040813"/>
+        <p14:creationId xmlns:p14="http://schemas.microsoft.com/office/powerpoint/2010/main" val="4206820492"/>
       </p:ext>
     </p:extLst>
   </p:cSld>
@@ -26515,12 +26578,7 @@
             <p:ph sz="quarter" idx="10"/>
           </p:nvPr>
         </p:nvSpPr>
-        <p:spPr>
-          <a:xfrm>
-            <a:off x="619723" y="1941537"/>
-            <a:ext cx="8200749" cy="4367783"/>
-          </a:xfrm>
-        </p:spPr>
+        <p:spPr/>
         <p:txBody>
           <a:bodyPr/>
           <a:lstStyle/>
@@ -26534,96 +26592,14 @@
           <a:p>
             <a:pPr lvl="1"/>
             <a:r>
+              <a:rPr lang="en-US" altLang="zh-CN" sz="2400" dirty="0" smtClean="0"/>
+              <a:t>snappy</a:t>
+            </a:r>
+            <a:r>
               <a:rPr lang="zh-CN" altLang="en-US" sz="2400" dirty="0" smtClean="0"/>
-              <a:t>通过以下配置，在</a:t>
-            </a:r>
-            <a:r>
-              <a:rPr lang="en-US" altLang="zh-CN" sz="2400" dirty="0" smtClean="0"/>
-              <a:t>region</a:t>
-            </a:r>
-            <a:r>
-              <a:rPr lang="zh-CN" altLang="en-US" sz="2400" dirty="0" smtClean="0"/>
-              <a:t>服务器启动的时候会检查</a:t>
-            </a:r>
-            <a:r>
-              <a:rPr lang="en-US" altLang="zh-CN" sz="2400" dirty="0" smtClean="0"/>
-              <a:t>Snappy</a:t>
-            </a:r>
-            <a:r>
-              <a:rPr lang="zh-CN" altLang="en-US" sz="2400" dirty="0" smtClean="0"/>
-              <a:t>和</a:t>
-            </a:r>
-            <a:r>
-              <a:rPr lang="en-US" altLang="zh-CN" sz="2400" dirty="0" smtClean="0"/>
-              <a:t>LZO</a:t>
-            </a:r>
-            <a:r>
-              <a:rPr lang="zh-CN" altLang="en-US" sz="2400" dirty="0" smtClean="0"/>
-              <a:t>压缩库是否已经正确安装。</a:t>
+              <a:t>安装</a:t>
             </a:r>
             <a:endParaRPr lang="en-US" altLang="zh-CN" sz="2400" dirty="0" smtClean="0"/>
-          </a:p>
-          <a:p>
-            <a:pPr marL="457200" lvl="1" indent="0">
-              <a:buNone/>
-            </a:pPr>
-            <a:r>
-              <a:rPr lang="en-US" altLang="zh-CN" sz="2000" dirty="0"/>
-              <a:t>&lt;property&gt;</a:t>
-            </a:r>
-          </a:p>
-          <a:p>
-            <a:pPr marL="457200" lvl="1" indent="0">
-              <a:buNone/>
-            </a:pPr>
-            <a:r>
-              <a:rPr lang="en-US" altLang="zh-CN" sz="2000" dirty="0"/>
-              <a:t>	&lt;name&gt;</a:t>
-            </a:r>
-            <a:r>
-              <a:rPr lang="en-US" altLang="zh-CN" sz="2000" dirty="0" err="1"/>
-              <a:t>hbase.regionserver.codecs</a:t>
-            </a:r>
-            <a:r>
-              <a:rPr lang="en-US" altLang="zh-CN" sz="2000" dirty="0"/>
-              <a:t>&lt;/name&gt;</a:t>
-            </a:r>
-          </a:p>
-          <a:p>
-            <a:pPr marL="457200" lvl="1" indent="0">
-              <a:buNone/>
-            </a:pPr>
-            <a:r>
-              <a:rPr lang="en-US" altLang="zh-CN" sz="2000" dirty="0"/>
-              <a:t>	&lt;value&gt;</a:t>
-            </a:r>
-            <a:r>
-              <a:rPr lang="en-US" altLang="zh-CN" sz="2000" dirty="0" err="1"/>
-              <a:t>snappy,lzo</a:t>
-            </a:r>
-            <a:r>
-              <a:rPr lang="en-US" altLang="zh-CN" sz="2000" dirty="0"/>
-              <a:t>&lt;/value&gt;</a:t>
-            </a:r>
-          </a:p>
-          <a:p>
-            <a:pPr marL="457200" lvl="1" indent="0">
-              <a:buNone/>
-            </a:pPr>
-            <a:r>
-              <a:rPr lang="en-US" altLang="zh-CN" sz="2000" dirty="0"/>
-              <a:t>&lt;/property</a:t>
-            </a:r>
-            <a:r>
-              <a:rPr lang="en-US" altLang="zh-CN" sz="2000" dirty="0" smtClean="0"/>
-              <a:t>&gt;</a:t>
-            </a:r>
-          </a:p>
-          <a:p>
-            <a:pPr marL="457200" lvl="1" indent="0">
-              <a:buNone/>
-            </a:pPr>
-            <a:endParaRPr lang="en-US" altLang="zh-CN" sz="2000" dirty="0"/>
           </a:p>
         </p:txBody>
       </p:sp>
@@ -26664,7 +26640,7 @@
     </p:spTree>
     <p:extLst>
       <p:ext uri="{BB962C8B-B14F-4D97-AF65-F5344CB8AC3E}">
-        <p14:creationId xmlns:p14="http://schemas.microsoft.com/office/powerpoint/2010/main" val="3853535021"/>
+        <p14:creationId xmlns:p14="http://schemas.microsoft.com/office/powerpoint/2010/main" val="2307040813"/>
       </p:ext>
     </p:extLst>
   </p:cSld>
@@ -26727,154 +26703,96 @@
           <a:p>
             <a:pPr lvl="1"/>
             <a:r>
-              <a:rPr lang="zh-CN" altLang="en-US" sz="2400" dirty="0"/>
-              <a:t>启用</a:t>
-            </a:r>
-            <a:r>
               <a:rPr lang="zh-CN" altLang="en-US" sz="2400" dirty="0" smtClean="0"/>
-              <a:t>压缩</a:t>
-            </a:r>
+              <a:t>通过以下配置，在</a:t>
+            </a:r>
+            <a:r>
+              <a:rPr lang="en-US" altLang="zh-CN" sz="2400" dirty="0" smtClean="0"/>
+              <a:t>region</a:t>
+            </a:r>
+            <a:r>
+              <a:rPr lang="zh-CN" altLang="en-US" sz="2400" dirty="0" smtClean="0"/>
+              <a:t>服务器启动的时候会检查</a:t>
+            </a:r>
+            <a:r>
+              <a:rPr lang="en-US" altLang="zh-CN" sz="2400" dirty="0" smtClean="0"/>
+              <a:t>Snappy</a:t>
+            </a:r>
+            <a:r>
+              <a:rPr lang="zh-CN" altLang="en-US" sz="2400" dirty="0" smtClean="0"/>
+              <a:t>和</a:t>
+            </a:r>
+            <a:r>
+              <a:rPr lang="en-US" altLang="zh-CN" sz="2400" dirty="0" smtClean="0"/>
+              <a:t>LZO</a:t>
+            </a:r>
+            <a:r>
+              <a:rPr lang="zh-CN" altLang="en-US" sz="2400" dirty="0" smtClean="0"/>
+              <a:t>压缩库是否已经正确安装。</a:t>
+            </a:r>
+            <a:endParaRPr lang="en-US" altLang="zh-CN" sz="2400" dirty="0" smtClean="0"/>
+          </a:p>
+          <a:p>
+            <a:pPr marL="457200" lvl="1" indent="0">
+              <a:buNone/>
+            </a:pPr>
+            <a:r>
+              <a:rPr lang="en-US" altLang="zh-CN" sz="2000" dirty="0"/>
+              <a:t>&lt;property&gt;</a:t>
+            </a:r>
+          </a:p>
+          <a:p>
+            <a:pPr marL="457200" lvl="1" indent="0">
+              <a:buNone/>
+            </a:pPr>
+            <a:r>
+              <a:rPr lang="en-US" altLang="zh-CN" sz="2000" dirty="0"/>
+              <a:t>	&lt;name&gt;</a:t>
+            </a:r>
+            <a:r>
+              <a:rPr lang="en-US" altLang="zh-CN" sz="2000" dirty="0" err="1"/>
+              <a:t>hbase.regionserver.codecs</a:t>
+            </a:r>
+            <a:r>
+              <a:rPr lang="en-US" altLang="zh-CN" sz="2000" dirty="0"/>
+              <a:t>&lt;/name&gt;</a:t>
+            </a:r>
+          </a:p>
+          <a:p>
+            <a:pPr marL="457200" lvl="1" indent="0">
+              <a:buNone/>
+            </a:pPr>
+            <a:r>
+              <a:rPr lang="en-US" altLang="zh-CN" sz="2000" dirty="0"/>
+              <a:t>	&lt;value&gt;</a:t>
+            </a:r>
+            <a:r>
+              <a:rPr lang="en-US" altLang="zh-CN" sz="2000" dirty="0" err="1"/>
+              <a:t>snappy,lzo</a:t>
+            </a:r>
+            <a:r>
+              <a:rPr lang="en-US" altLang="zh-CN" sz="2000" dirty="0"/>
+              <a:t>&lt;/value&gt;</a:t>
+            </a:r>
+          </a:p>
+          <a:p>
+            <a:pPr marL="457200" lvl="1" indent="0">
+              <a:buNone/>
+            </a:pPr>
+            <a:r>
+              <a:rPr lang="en-US" altLang="zh-CN" sz="2000" dirty="0"/>
+              <a:t>&lt;/property</a:t>
+            </a:r>
+            <a:r>
+              <a:rPr lang="en-US" altLang="zh-CN" sz="2000" dirty="0" smtClean="0"/>
+              <a:t>&gt;</a:t>
+            </a:r>
+          </a:p>
+          <a:p>
+            <a:pPr marL="457200" lvl="1" indent="0">
+              <a:buNone/>
+            </a:pPr>
             <a:endParaRPr lang="en-US" altLang="zh-CN" sz="2000" dirty="0"/>
-          </a:p>
-          <a:p>
-            <a:pPr marL="457200" lvl="1" indent="0">
-              <a:buNone/>
-            </a:pPr>
-            <a:r>
-              <a:rPr lang="en-US" altLang="zh-CN" sz="2000" dirty="0" smtClean="0"/>
-              <a:t>&gt; create </a:t>
-            </a:r>
-            <a:r>
-              <a:rPr lang="en-US" altLang="zh-CN" sz="2000" dirty="0"/>
-              <a:t>'</a:t>
-            </a:r>
-            <a:r>
-              <a:rPr lang="en-US" altLang="zh-CN" sz="2000" dirty="0" err="1"/>
-              <a:t>testtable</a:t>
-            </a:r>
-            <a:r>
-              <a:rPr lang="en-US" altLang="zh-CN" sz="2000" dirty="0"/>
-              <a:t>', { NAME =&gt; 'colfam1', COMPRESSION =&gt; 'GZ' </a:t>
-            </a:r>
-            <a:r>
-              <a:rPr lang="en-US" altLang="zh-CN" sz="2000" dirty="0" smtClean="0"/>
-              <a:t>}</a:t>
-            </a:r>
-          </a:p>
-          <a:p>
-            <a:pPr marL="457200" lvl="1" indent="0">
-              <a:buNone/>
-            </a:pPr>
-            <a:r>
-              <a:rPr lang="zh-CN" altLang="en-US" sz="2000" dirty="0" smtClean="0"/>
-              <a:t>或</a:t>
-            </a:r>
-            <a:endParaRPr lang="en-US" altLang="zh-CN" sz="2000" dirty="0"/>
-          </a:p>
-          <a:p>
-            <a:pPr marL="457200" lvl="1" indent="0">
-              <a:buNone/>
-            </a:pPr>
-            <a:r>
-              <a:rPr lang="en-US" altLang="zh-CN" sz="2000" dirty="0" smtClean="0"/>
-              <a:t>&gt; create  </a:t>
-            </a:r>
-            <a:r>
-              <a:rPr lang="en-US" altLang="zh-CN" sz="2000" dirty="0"/>
-              <a:t>, 'testtable2',  'colfam1</a:t>
-            </a:r>
-            <a:r>
-              <a:rPr lang="en-US" altLang="zh-CN" sz="2000" dirty="0" smtClean="0"/>
-              <a:t>'</a:t>
-            </a:r>
-          </a:p>
-          <a:p>
-            <a:pPr marL="457200" lvl="1" indent="0">
-              <a:buNone/>
-            </a:pPr>
-            <a:r>
-              <a:rPr lang="en-US" altLang="zh-CN" sz="2000" dirty="0"/>
-              <a:t>&gt; e disable  'testtable2</a:t>
-            </a:r>
-            <a:endParaRPr lang="en-US" altLang="zh-CN" sz="2000" dirty="0" smtClean="0"/>
-          </a:p>
-          <a:p>
-            <a:pPr marL="457200" lvl="1" indent="0">
-              <a:buNone/>
-            </a:pPr>
-            <a:r>
-              <a:rPr lang="en-US" altLang="zh-CN" sz="2000" dirty="0" smtClean="0"/>
-              <a:t>&gt; alter </a:t>
-            </a:r>
-            <a:r>
-              <a:rPr lang="en-US" altLang="zh-CN" sz="2000" dirty="0"/>
-              <a:t>'testtable2', { NAME =&gt; 'colfam1', COMPRESSION =&gt; 'GZ' </a:t>
-            </a:r>
-            <a:r>
-              <a:rPr lang="en-US" altLang="zh-CN" sz="2000" dirty="0" smtClean="0"/>
-              <a:t>}</a:t>
-            </a:r>
-          </a:p>
-          <a:p>
-            <a:pPr marL="457200" lvl="1" indent="0">
-              <a:buNone/>
-            </a:pPr>
-            <a:r>
-              <a:rPr lang="en-US" altLang="zh-CN" sz="2000" dirty="0" smtClean="0"/>
-              <a:t>&gt;  e </a:t>
-            </a:r>
-            <a:r>
-              <a:rPr lang="en-US" altLang="zh-CN" sz="2000" dirty="0"/>
-              <a:t>enable  </a:t>
-            </a:r>
-            <a:r>
-              <a:rPr lang="en-US" altLang="zh-CN" sz="2000" dirty="0" smtClean="0"/>
-              <a:t>'testtable2’</a:t>
-            </a:r>
-          </a:p>
-          <a:p>
-            <a:pPr marL="457200" lvl="1" indent="0">
-              <a:buNone/>
-            </a:pPr>
-            <a:endParaRPr lang="en-US" altLang="zh-CN" sz="2000" dirty="0" smtClean="0"/>
-          </a:p>
-          <a:p>
-            <a:pPr marL="457200" lvl="1" indent="0">
-              <a:buNone/>
-            </a:pPr>
-            <a:r>
-              <a:rPr lang="en-US" altLang="zh-CN" sz="2000" dirty="0" smtClean="0"/>
-              <a:t>&gt; describe  ‘</a:t>
-            </a:r>
-            <a:r>
-              <a:rPr lang="en-US" altLang="zh-CN" sz="2000" dirty="0" err="1" smtClean="0"/>
-              <a:t>testtable</a:t>
-            </a:r>
-            <a:r>
-              <a:rPr lang="en-US" altLang="zh-CN" sz="2000" dirty="0" smtClean="0"/>
-              <a:t>’</a:t>
-            </a:r>
-          </a:p>
-          <a:p>
-            <a:pPr marL="457200" lvl="1" indent="0">
-              <a:buNone/>
-            </a:pPr>
-            <a:r>
-              <a:rPr lang="zh-CN" altLang="en-US" sz="2000" dirty="0" smtClean="0"/>
-              <a:t>描述信息</a:t>
-            </a:r>
-            <a:r>
-              <a:rPr lang="en-US" altLang="zh-CN" sz="2000" dirty="0" smtClean="0"/>
-              <a:t>…</a:t>
-            </a:r>
-            <a:r>
-              <a:rPr lang="en-US" altLang="zh-CN" sz="2000" dirty="0"/>
-              <a:t>COMPRESSION =&gt; </a:t>
-            </a:r>
-            <a:r>
-              <a:rPr lang="en-US" altLang="zh-CN" sz="2000" dirty="0" smtClean="0"/>
-              <a:t>'GZ‘…</a:t>
-            </a:r>
           </a:p>
         </p:txBody>
       </p:sp>
@@ -26915,7 +26833,7 @@
     </p:spTree>
     <p:extLst>
       <p:ext uri="{BB962C8B-B14F-4D97-AF65-F5344CB8AC3E}">
-        <p14:creationId xmlns:p14="http://schemas.microsoft.com/office/powerpoint/2010/main" val="3628550966"/>
+        <p14:creationId xmlns:p14="http://schemas.microsoft.com/office/powerpoint/2010/main" val="3853535021"/>
       </p:ext>
     </p:extLst>
   </p:cSld>
@@ -26959,120 +26877,173 @@
             <p:ph sz="quarter" idx="10"/>
           </p:nvPr>
         </p:nvSpPr>
-        <p:spPr/>
+        <p:spPr>
+          <a:xfrm>
+            <a:off x="619723" y="1941537"/>
+            <a:ext cx="8200749" cy="4367783"/>
+          </a:xfrm>
+        </p:spPr>
         <p:txBody>
           <a:bodyPr/>
           <a:lstStyle/>
           <a:p>
             <a:r>
               <a:rPr lang="zh-CN" altLang="en-US" sz="2800" dirty="0" smtClean="0"/>
-              <a:t>负载均衡</a:t>
+              <a:t>压缩</a:t>
             </a:r>
             <a:endParaRPr lang="en-US" altLang="zh-CN" sz="2800" dirty="0" smtClean="0"/>
           </a:p>
           <a:p>
+            <a:pPr lvl="1"/>
+            <a:r>
+              <a:rPr lang="zh-CN" altLang="en-US" sz="2400" dirty="0"/>
+              <a:t>启用</a:t>
+            </a:r>
+            <a:r>
+              <a:rPr lang="zh-CN" altLang="en-US" sz="2400" dirty="0" smtClean="0"/>
+              <a:t>压缩</a:t>
+            </a:r>
+            <a:endParaRPr lang="en-US" altLang="zh-CN" sz="2000" dirty="0"/>
+          </a:p>
+          <a:p>
             <a:pPr marL="457200" lvl="1" indent="0">
               <a:buNone/>
             </a:pPr>
             <a:r>
-              <a:rPr lang="en-US" altLang="zh-CN" sz="2400" dirty="0" smtClean="0"/>
-              <a:t>Master</a:t>
-            </a:r>
-            <a:r>
-              <a:rPr lang="zh-CN" altLang="en-US" sz="2400" dirty="0" smtClean="0"/>
-              <a:t>有一个内置的叫做均衡器的特性。在默认的情况下，均衡器每五分钟运行一次。</a:t>
-            </a:r>
-            <a:endParaRPr lang="en-US" altLang="zh-CN" sz="2400" dirty="0" smtClean="0"/>
-          </a:p>
-          <a:p>
-            <a:pPr lvl="1"/>
-            <a:r>
-              <a:rPr lang="zh-CN" altLang="en-US" sz="2400" dirty="0" smtClean="0"/>
-              <a:t>通过</a:t>
-            </a:r>
-            <a:r>
-              <a:rPr lang="en-US" altLang="zh-CN" sz="2400" dirty="0" err="1" smtClean="0"/>
-              <a:t>hbase.balancer.period</a:t>
-            </a:r>
-            <a:r>
-              <a:rPr lang="zh-CN" altLang="en-US" sz="2400" dirty="0" smtClean="0"/>
-              <a:t>属性设置。</a:t>
-            </a:r>
-            <a:endParaRPr lang="en-US" altLang="zh-CN" sz="2400" dirty="0" smtClean="0"/>
-          </a:p>
-          <a:p>
-            <a:pPr lvl="1"/>
-            <a:r>
-              <a:rPr lang="zh-CN" altLang="en-US" sz="2400" dirty="0" smtClean="0"/>
-              <a:t>有一个可以限制自身运行时间得上限，可以通过</a:t>
-            </a:r>
-            <a:r>
-              <a:rPr lang="en-US" altLang="zh-CN" sz="2400" dirty="0" err="1" smtClean="0"/>
-              <a:t>hbase.balancer.max.balancing</a:t>
-            </a:r>
-            <a:r>
-              <a:rPr lang="zh-CN" altLang="en-US" sz="2400" dirty="0" smtClean="0"/>
-              <a:t>属性来配置，默认设置为均衡器运行间隔周期的一半。</a:t>
-            </a:r>
-            <a:endParaRPr lang="en-US" altLang="zh-CN" sz="2400" dirty="0" smtClean="0"/>
-          </a:p>
-          <a:p>
-            <a:pPr lvl="1"/>
-            <a:r>
-              <a:rPr lang="zh-CN" altLang="en-US" sz="2400" dirty="0" smtClean="0"/>
-              <a:t>可以通过均衡器开关来控制均衡器：</a:t>
-            </a:r>
-            <a:endParaRPr lang="en-US" altLang="zh-CN" sz="2400" dirty="0"/>
-          </a:p>
-          <a:p>
-            <a:pPr lvl="2"/>
-            <a:r>
               <a:rPr lang="en-US" altLang="zh-CN" sz="2000" dirty="0" smtClean="0"/>
-              <a:t>Shell </a:t>
-            </a:r>
+              <a:t>&gt; create </a:t>
+            </a:r>
+            <a:r>
+              <a:rPr lang="en-US" altLang="zh-CN" sz="2000" dirty="0"/>
+              <a:t>'</a:t>
+            </a:r>
+            <a:r>
+              <a:rPr lang="en-US" altLang="zh-CN" sz="2000" dirty="0" err="1"/>
+              <a:t>testtable</a:t>
+            </a:r>
+            <a:r>
+              <a:rPr lang="en-US" altLang="zh-CN" sz="2000" dirty="0"/>
+              <a:t>', { NAME =&gt; 'colfam1', COMPRESSION =&gt; 'GZ' </a:t>
+            </a:r>
+            <a:r>
+              <a:rPr lang="en-US" altLang="zh-CN" sz="2000" dirty="0" smtClean="0"/>
+              <a:t>}</a:t>
+            </a:r>
+          </a:p>
+          <a:p>
+            <a:pPr marL="457200" lvl="1" indent="0">
+              <a:buNone/>
+            </a:pPr>
             <a:r>
               <a:rPr lang="zh-CN" altLang="en-US" sz="2000" dirty="0" smtClean="0"/>
-              <a:t>的</a:t>
-            </a:r>
-            <a:r>
-              <a:rPr lang="en-US" altLang="zh-CN" sz="2000" i="1" dirty="0" err="1"/>
-              <a:t>balance_switch</a:t>
-            </a:r>
-            <a:r>
-              <a:rPr lang="en-US" altLang="zh-CN" sz="2000" i="1" dirty="0"/>
-              <a:t> </a:t>
-            </a:r>
-            <a:r>
-              <a:rPr lang="en-US" altLang="zh-CN" sz="2000" i="1" dirty="0" err="1" smtClean="0"/>
-              <a:t>true|false</a:t>
-            </a:r>
-            <a:endParaRPr lang="en-US" altLang="zh-CN" sz="2000" i="1" dirty="0" smtClean="0"/>
-          </a:p>
-          <a:p>
-            <a:pPr lvl="2"/>
+              <a:t>或</a:t>
+            </a:r>
+            <a:endParaRPr lang="en-US" altLang="zh-CN" sz="2000" dirty="0"/>
+          </a:p>
+          <a:p>
+            <a:pPr marL="457200" lvl="1" indent="0">
+              <a:buNone/>
+            </a:pPr>
             <a:r>
               <a:rPr lang="en-US" altLang="zh-CN" sz="2000" dirty="0" smtClean="0"/>
-              <a:t>API</a:t>
-            </a:r>
+              <a:t>&gt; create  </a:t>
+            </a:r>
+            <a:r>
+              <a:rPr lang="en-US" altLang="zh-CN" sz="2000" dirty="0"/>
+              <a:t>, 'testtable2',  'colfam1</a:t>
+            </a:r>
+            <a:r>
+              <a:rPr lang="en-US" altLang="zh-CN" sz="2000" dirty="0" smtClean="0"/>
+              <a:t>'</a:t>
+            </a:r>
+          </a:p>
+          <a:p>
+            <a:pPr marL="457200" lvl="1" indent="0">
+              <a:buNone/>
+            </a:pPr>
+            <a:r>
+              <a:rPr lang="en-US" altLang="zh-CN" sz="2000" dirty="0"/>
+              <a:t>&gt; e disable  'testtable2</a:t>
+            </a:r>
+            <a:endParaRPr lang="en-US" altLang="zh-CN" sz="2000" dirty="0" smtClean="0"/>
+          </a:p>
+          <a:p>
+            <a:pPr marL="457200" lvl="1" indent="0">
+              <a:buNone/>
+            </a:pPr>
+            <a:r>
+              <a:rPr lang="en-US" altLang="zh-CN" sz="2000" dirty="0" smtClean="0"/>
+              <a:t>&gt; alter </a:t>
+            </a:r>
+            <a:r>
+              <a:rPr lang="en-US" altLang="zh-CN" sz="2000" dirty="0"/>
+              <a:t>'testtable2', { NAME =&gt; 'colfam1', COMPRESSION =&gt; 'GZ' </a:t>
+            </a:r>
+            <a:r>
+              <a:rPr lang="en-US" altLang="zh-CN" sz="2000" dirty="0" smtClean="0"/>
+              <a:t>}</a:t>
+            </a:r>
+          </a:p>
+          <a:p>
+            <a:pPr marL="457200" lvl="1" indent="0">
+              <a:buNone/>
+            </a:pPr>
+            <a:r>
+              <a:rPr lang="en-US" altLang="zh-CN" sz="2000" dirty="0" smtClean="0"/>
+              <a:t>&gt;  e </a:t>
+            </a:r>
+            <a:r>
+              <a:rPr lang="en-US" altLang="zh-CN" sz="2000" dirty="0"/>
+              <a:t>enable  </a:t>
+            </a:r>
+            <a:r>
+              <a:rPr lang="en-US" altLang="zh-CN" sz="2000" dirty="0" smtClean="0"/>
+              <a:t>'testtable2’</a:t>
+            </a:r>
+          </a:p>
+          <a:p>
+            <a:pPr marL="457200" lvl="1" indent="0">
+              <a:buNone/>
+            </a:pPr>
+            <a:endParaRPr lang="en-US" altLang="zh-CN" sz="2000" dirty="0" smtClean="0"/>
+          </a:p>
+          <a:p>
+            <a:pPr marL="457200" lvl="1" indent="0">
+              <a:buNone/>
+            </a:pPr>
+            <a:r>
+              <a:rPr lang="en-US" altLang="zh-CN" sz="2000" dirty="0" smtClean="0"/>
+              <a:t>&gt; describe  ‘</a:t>
+            </a:r>
+            <a:r>
+              <a:rPr lang="en-US" altLang="zh-CN" sz="2000" dirty="0" err="1" smtClean="0"/>
+              <a:t>testtable</a:t>
+            </a:r>
+            <a:r>
+              <a:rPr lang="en-US" altLang="zh-CN" sz="2000" dirty="0" smtClean="0"/>
+              <a:t>’</a:t>
+            </a:r>
+          </a:p>
+          <a:p>
+            <a:pPr marL="457200" lvl="1" indent="0">
+              <a:buNone/>
+            </a:pPr>
             <a:r>
               <a:rPr lang="zh-CN" altLang="en-US" sz="2000" dirty="0" smtClean="0"/>
-              <a:t>的</a:t>
-            </a:r>
-            <a:r>
-              <a:rPr lang="en-US" altLang="zh-CN" sz="2000" dirty="0" err="1" smtClean="0"/>
-              <a:t>balanceSwitch</a:t>
+              <a:t>描述信息</a:t>
+            </a:r>
+            <a:r>
+              <a:rPr lang="en-US" altLang="zh-CN" sz="2000" dirty="0" smtClean="0"/>
+              <a:t>…</a:t>
             </a:r>
             <a:r>
               <a:rPr lang="en-US" altLang="zh-CN" sz="2000" dirty="0"/>
-              <a:t>()</a:t>
-            </a:r>
-            <a:endParaRPr lang="en-US" altLang="zh-CN" sz="2000" dirty="0" smtClean="0"/>
-          </a:p>
-          <a:p>
-            <a:pPr marL="457200" lvl="1" indent="0">
-              <a:buNone/>
-            </a:pPr>
-            <a:endParaRPr lang="zh-CN" altLang="en-US" sz="2400" dirty="0"/>
+              <a:t>COMPRESSION =&gt; </a:t>
+            </a:r>
+            <a:r>
+              <a:rPr lang="en-US" altLang="zh-CN" sz="2000" dirty="0" smtClean="0"/>
+              <a:t>'GZ‘…</a:t>
+            </a:r>
           </a:p>
         </p:txBody>
       </p:sp>
@@ -27113,7 +27084,7 @@
     </p:spTree>
     <p:extLst>
       <p:ext uri="{BB962C8B-B14F-4D97-AF65-F5344CB8AC3E}">
-        <p14:creationId xmlns:p14="http://schemas.microsoft.com/office/powerpoint/2010/main" val="505597360"/>
+        <p14:creationId xmlns:p14="http://schemas.microsoft.com/office/powerpoint/2010/main" val="3628550966"/>
       </p:ext>
     </p:extLst>
   </p:cSld>
@@ -27164,110 +27135,113 @@
           <a:p>
             <a:r>
               <a:rPr lang="zh-CN" altLang="en-US" sz="2800" dirty="0" smtClean="0"/>
-              <a:t>拆分</a:t>
-            </a:r>
-            <a:r>
-              <a:rPr lang="en-US" altLang="zh-CN" sz="2800" dirty="0" smtClean="0"/>
-              <a:t>region</a:t>
-            </a:r>
+              <a:t>负载均衡</a:t>
+            </a:r>
+            <a:endParaRPr lang="en-US" altLang="zh-CN" sz="2800" dirty="0" smtClean="0"/>
           </a:p>
           <a:p>
             <a:pPr marL="457200" lvl="1" indent="0">
               <a:buNone/>
             </a:pPr>
             <a:r>
+              <a:rPr lang="en-US" altLang="zh-CN" sz="2400" dirty="0" smtClean="0"/>
+              <a:t>Master</a:t>
+            </a:r>
+            <a:r>
               <a:rPr lang="zh-CN" altLang="en-US" sz="2400" dirty="0" smtClean="0"/>
-              <a:t>通常</a:t>
+              <a:t>有一个内置的叫做均衡器的特性。在默认的情况下，均衡器每五分钟运行一次。</a:t>
+            </a:r>
+            <a:endParaRPr lang="en-US" altLang="zh-CN" sz="2400" dirty="0" smtClean="0"/>
+          </a:p>
+          <a:p>
+            <a:pPr lvl="1"/>
+            <a:r>
+              <a:rPr lang="zh-CN" altLang="en-US" sz="2400" dirty="0" smtClean="0"/>
+              <a:t>通过</a:t>
             </a:r>
             <a:r>
               <a:rPr lang="en-US" altLang="zh-CN" sz="2400" dirty="0" err="1" smtClean="0"/>
-              <a:t>HBase</a:t>
+              <a:t>hbase.balancer.period</a:t>
             </a:r>
             <a:r>
               <a:rPr lang="zh-CN" altLang="en-US" sz="2400" dirty="0" smtClean="0"/>
-              <a:t>是自动处理</a:t>
-            </a:r>
-            <a:r>
-              <a:rPr lang="en-US" altLang="zh-CN" sz="2400" dirty="0" smtClean="0"/>
-              <a:t>region</a:t>
-            </a:r>
+              <a:t>属性设置。</a:t>
+            </a:r>
+            <a:endParaRPr lang="en-US" altLang="zh-CN" sz="2400" dirty="0" smtClean="0"/>
+          </a:p>
+          <a:p>
+            <a:pPr lvl="1"/>
             <a:r>
               <a:rPr lang="zh-CN" altLang="en-US" sz="2400" dirty="0" smtClean="0"/>
-              <a:t>拆分的：一旦他们达到了既定的阈值，</a:t>
-            </a:r>
-            <a:r>
-              <a:rPr lang="en-US" altLang="zh-CN" sz="2400" dirty="0" smtClean="0"/>
-              <a:t>region</a:t>
+              <a:t>有一个可以限制自身运行时间得上限，可以通过</a:t>
+            </a:r>
+            <a:r>
+              <a:rPr lang="en-US" altLang="zh-CN" sz="2400" dirty="0" err="1" smtClean="0"/>
+              <a:t>hbase.balancer.max.balancing</a:t>
             </a:r>
             <a:r>
               <a:rPr lang="zh-CN" altLang="en-US" sz="2400" dirty="0" smtClean="0"/>
-              <a:t>将被拆分成两个，之后它们可以接受新的数据并继续增长。这个默认行为能满足大多数用例的需求。</a:t>
+              <a:t>属性来配置，默认设置为均衡器运行间隔周期的一半。</a:t>
             </a:r>
             <a:endParaRPr lang="en-US" altLang="zh-CN" sz="2400" dirty="0" smtClean="0"/>
           </a:p>
           <a:p>
+            <a:pPr lvl="1"/>
+            <a:r>
+              <a:rPr lang="zh-CN" altLang="en-US" sz="2400" dirty="0" smtClean="0"/>
+              <a:t>可以通过均衡器开关来控制均衡器：</a:t>
+            </a:r>
+            <a:endParaRPr lang="en-US" altLang="zh-CN" sz="2400" dirty="0"/>
+          </a:p>
+          <a:p>
+            <a:pPr lvl="2"/>
+            <a:r>
+              <a:rPr lang="en-US" altLang="zh-CN" sz="2000" dirty="0" smtClean="0"/>
+              <a:t>Shell </a:t>
+            </a:r>
+            <a:r>
+              <a:rPr lang="zh-CN" altLang="en-US" sz="2000" dirty="0" smtClean="0"/>
+              <a:t>的</a:t>
+            </a:r>
+            <a:r>
+              <a:rPr lang="en-US" altLang="zh-CN" sz="2000" i="1" dirty="0" err="1"/>
+              <a:t>balance_switch</a:t>
+            </a:r>
+            <a:r>
+              <a:rPr lang="en-US" altLang="zh-CN" sz="2000" i="1" dirty="0"/>
+              <a:t> </a:t>
+            </a:r>
+            <a:r>
+              <a:rPr lang="en-US" altLang="zh-CN" sz="2000" i="1" dirty="0" err="1" smtClean="0"/>
+              <a:t>true|false</a:t>
+            </a:r>
+            <a:endParaRPr lang="en-US" altLang="zh-CN" sz="2000" i="1" dirty="0" smtClean="0"/>
+          </a:p>
+          <a:p>
+            <a:pPr lvl="2"/>
+            <a:r>
+              <a:rPr lang="en-US" altLang="zh-CN" sz="2000" dirty="0" smtClean="0"/>
+              <a:t>API</a:t>
+            </a:r>
+            <a:r>
+              <a:rPr lang="zh-CN" altLang="en-US" sz="2000" dirty="0" smtClean="0"/>
+              <a:t>的</a:t>
+            </a:r>
+            <a:r>
+              <a:rPr lang="en-US" altLang="zh-CN" sz="2000" dirty="0" err="1" smtClean="0"/>
+              <a:t>balanceSwitch</a:t>
+            </a:r>
+            <a:r>
+              <a:rPr lang="en-US" altLang="zh-CN" sz="2000" dirty="0"/>
+              <a:t>()</a:t>
+            </a:r>
+            <a:endParaRPr lang="en-US" altLang="zh-CN" sz="2000" dirty="0" smtClean="0"/>
+          </a:p>
+          <a:p>
             <a:pPr marL="457200" lvl="1" indent="0">
               <a:buNone/>
             </a:pPr>
-            <a:r>
-              <a:rPr lang="zh-CN" altLang="en-US" sz="2400" dirty="0" smtClean="0"/>
-              <a:t>其中一种可能出现问题的情况被称为“拆分</a:t>
-            </a:r>
-            <a:r>
-              <a:rPr lang="en-US" altLang="zh-CN" sz="2400" dirty="0" smtClean="0"/>
-              <a:t>/</a:t>
-            </a:r>
-            <a:r>
-              <a:rPr lang="zh-CN" altLang="en-US" sz="2400" dirty="0" smtClean="0"/>
-              <a:t>合并风暴”：当用户的</a:t>
-            </a:r>
-            <a:r>
-              <a:rPr lang="en-US" altLang="zh-CN" sz="2400" dirty="0" smtClean="0"/>
-              <a:t>region</a:t>
-            </a:r>
-            <a:r>
-              <a:rPr lang="zh-CN" altLang="en-US" sz="2400" dirty="0" smtClean="0"/>
-              <a:t>大小以恒定的速度保持增长时，</a:t>
-            </a:r>
-            <a:r>
-              <a:rPr lang="en-US" altLang="zh-CN" sz="2400" dirty="0" smtClean="0"/>
-              <a:t>region</a:t>
-            </a:r>
-            <a:r>
-              <a:rPr lang="zh-CN" altLang="en-US" sz="2400" dirty="0" smtClean="0"/>
-              <a:t>拆分会在同一时间发生，因为同时需要压缩</a:t>
-            </a:r>
-            <a:r>
-              <a:rPr lang="en-US" altLang="zh-CN" sz="2400" dirty="0" smtClean="0"/>
-              <a:t>region</a:t>
-            </a:r>
-            <a:r>
-              <a:rPr lang="zh-CN" altLang="en-US" sz="2400" dirty="0" smtClean="0"/>
-              <a:t>中的存储文件，这个过程会重写拆分之后的</a:t>
-            </a:r>
-            <a:r>
-              <a:rPr lang="en-US" altLang="zh-CN" sz="2400" dirty="0" smtClean="0"/>
-              <a:t>region</a:t>
-            </a:r>
-            <a:r>
-              <a:rPr lang="zh-CN" altLang="en-US" sz="2400" dirty="0" smtClean="0"/>
-              <a:t>，这个将会引起磁盘</a:t>
-            </a:r>
-            <a:r>
-              <a:rPr lang="en-US" altLang="zh-CN" sz="2400" dirty="0" smtClean="0"/>
-              <a:t>I/O</a:t>
-            </a:r>
-            <a:r>
-              <a:rPr lang="zh-CN" altLang="en-US" sz="2400" dirty="0" smtClean="0"/>
-              <a:t>上升。这种情况下，关闭自动拆分，使用手动拆分可能会更好。</a:t>
-            </a:r>
-            <a:endParaRPr lang="en-US" altLang="zh-CN" sz="2400" dirty="0" smtClean="0"/>
-          </a:p>
-          <a:p>
-            <a:pPr marL="457200" lvl="1" indent="0">
-              <a:buNone/>
-            </a:pPr>
-            <a:endParaRPr lang="en-US" altLang="zh-CN" sz="2400" dirty="0" smtClean="0"/>
+            <a:endParaRPr lang="zh-CN" altLang="en-US" sz="2400" dirty="0"/>
           </a:p>
         </p:txBody>
       </p:sp>
@@ -27308,7 +27282,7 @@
     </p:spTree>
     <p:extLst>
       <p:ext uri="{BB962C8B-B14F-4D97-AF65-F5344CB8AC3E}">
-        <p14:creationId xmlns:p14="http://schemas.microsoft.com/office/powerpoint/2010/main" val="3093220406"/>
+        <p14:creationId xmlns:p14="http://schemas.microsoft.com/office/powerpoint/2010/main" val="505597360"/>
       </p:ext>
     </p:extLst>
   </p:cSld>
@@ -27603,15 +27577,31 @@
             </a:pPr>
             <a:r>
               <a:rPr lang="zh-CN" altLang="en-US" sz="2400" dirty="0" smtClean="0"/>
-              <a:t>拆分的大小定义在</a:t>
+              <a:t>通常</a:t>
+            </a:r>
+            <a:r>
+              <a:rPr lang="en-US" altLang="zh-CN" sz="2400" dirty="0" err="1" smtClean="0"/>
+              <a:t>HBase</a:t>
+            </a:r>
+            <a:r>
+              <a:rPr lang="zh-CN" altLang="en-US" sz="2400" dirty="0" smtClean="0"/>
+              <a:t>是自动处理</a:t>
             </a:r>
             <a:r>
               <a:rPr lang="en-US" altLang="zh-CN" sz="2400" dirty="0" smtClean="0"/>
-              <a:t>hbase-site.xml</a:t>
+              <a:t>region</a:t>
             </a:r>
             <a:r>
               <a:rPr lang="zh-CN" altLang="en-US" sz="2400" dirty="0" smtClean="0"/>
-              <a:t>中</a:t>
+              <a:t>拆分的：一旦他们达到了既定的阈值，</a:t>
+            </a:r>
+            <a:r>
+              <a:rPr lang="en-US" altLang="zh-CN" sz="2400" dirty="0" smtClean="0"/>
+              <a:t>region</a:t>
+            </a:r>
+            <a:r>
+              <a:rPr lang="zh-CN" altLang="en-US" sz="2400" dirty="0" smtClean="0"/>
+              <a:t>将被拆分成两个，之后它们可以接受新的数据并继续增长。这个默认行为能满足大多数用例的需求。</a:t>
             </a:r>
             <a:endParaRPr lang="en-US" altLang="zh-CN" sz="2400" dirty="0" smtClean="0"/>
           </a:p>
@@ -27620,90 +27610,64 @@
               <a:buNone/>
             </a:pPr>
             <a:r>
-              <a:rPr lang="en-US" altLang="zh-CN" sz="2400" dirty="0"/>
-              <a:t>&lt;property&gt;</a:t>
-            </a:r>
+              <a:rPr lang="zh-CN" altLang="en-US" sz="2400" dirty="0" smtClean="0"/>
+              <a:t>其中一种可能出现问题的情况被称为“拆分</a:t>
+            </a:r>
+            <a:r>
+              <a:rPr lang="en-US" altLang="zh-CN" sz="2400" dirty="0" smtClean="0"/>
+              <a:t>/</a:t>
+            </a:r>
+            <a:r>
+              <a:rPr lang="zh-CN" altLang="en-US" sz="2400" dirty="0" smtClean="0"/>
+              <a:t>合并风暴”：当用户的</a:t>
+            </a:r>
+            <a:r>
+              <a:rPr lang="en-US" altLang="zh-CN" sz="2400" dirty="0" smtClean="0"/>
+              <a:t>region</a:t>
+            </a:r>
+            <a:r>
+              <a:rPr lang="zh-CN" altLang="en-US" sz="2400" dirty="0" smtClean="0"/>
+              <a:t>大小以恒定的速度保持增长时，</a:t>
+            </a:r>
+            <a:r>
+              <a:rPr lang="en-US" altLang="zh-CN" sz="2400" dirty="0" smtClean="0"/>
+              <a:t>region</a:t>
+            </a:r>
+            <a:r>
+              <a:rPr lang="zh-CN" altLang="en-US" sz="2400" dirty="0" smtClean="0"/>
+              <a:t>拆分会在同一时间发生，因为同时需要压缩</a:t>
+            </a:r>
+            <a:r>
+              <a:rPr lang="en-US" altLang="zh-CN" sz="2400" dirty="0" smtClean="0"/>
+              <a:t>region</a:t>
+            </a:r>
+            <a:r>
+              <a:rPr lang="zh-CN" altLang="en-US" sz="2400" dirty="0" smtClean="0"/>
+              <a:t>中的存储文件，这个过程会重写拆分之后的</a:t>
+            </a:r>
+            <a:r>
+              <a:rPr lang="en-US" altLang="zh-CN" sz="2400" dirty="0" smtClean="0"/>
+              <a:t>region</a:t>
+            </a:r>
+            <a:r>
+              <a:rPr lang="zh-CN" altLang="en-US" sz="2400" dirty="0" smtClean="0"/>
+              <a:t>，这个将会引起磁盘</a:t>
+            </a:r>
+            <a:r>
+              <a:rPr lang="en-US" altLang="zh-CN" sz="2400" dirty="0" smtClean="0"/>
+              <a:t>I/O</a:t>
+            </a:r>
+            <a:r>
+              <a:rPr lang="zh-CN" altLang="en-US" sz="2400" dirty="0" smtClean="0"/>
+              <a:t>上升。这种情况下，关闭自动拆分，使用手动拆分可能会更好。</a:t>
+            </a:r>
+            <a:endParaRPr lang="en-US" altLang="zh-CN" sz="2400" dirty="0" smtClean="0"/>
           </a:p>
           <a:p>
             <a:pPr marL="457200" lvl="1" indent="0">
               <a:buNone/>
             </a:pPr>
-            <a:r>
-              <a:rPr lang="en-US" altLang="zh-CN" sz="2400" dirty="0"/>
-              <a:t>	&lt;name&gt;</a:t>
-            </a:r>
-            <a:r>
-              <a:rPr lang="en-US" altLang="zh-CN" sz="2400" dirty="0" err="1"/>
-              <a:t>hbase.hregion.max.filesize</a:t>
-            </a:r>
-            <a:r>
-              <a:rPr lang="en-US" altLang="zh-CN" sz="2400" dirty="0"/>
-              <a:t>&lt;/name&gt;</a:t>
-            </a:r>
-          </a:p>
-          <a:p>
-            <a:pPr marL="457200" lvl="1" indent="0">
-              <a:buNone/>
-            </a:pPr>
-            <a:r>
-              <a:rPr lang="en-US" altLang="zh-CN" sz="2400" dirty="0"/>
-              <a:t>	&lt;value&gt;107374182400&lt;/value&gt;</a:t>
-            </a:r>
-          </a:p>
-          <a:p>
-            <a:pPr marL="457200" lvl="1" indent="0">
-              <a:buNone/>
-            </a:pPr>
-            <a:r>
-              <a:rPr lang="en-US" altLang="zh-CN" sz="2400" dirty="0"/>
-              <a:t>&lt;/property</a:t>
-            </a:r>
-            <a:r>
-              <a:rPr lang="en-US" altLang="zh-CN" sz="2400" dirty="0" smtClean="0"/>
-              <a:t>&gt;</a:t>
-            </a:r>
-          </a:p>
-          <a:p>
-            <a:pPr marL="457200" lvl="1" indent="0">
-              <a:buNone/>
-            </a:pPr>
-            <a:r>
-              <a:rPr lang="zh-CN" altLang="en-US" sz="2400" dirty="0" smtClean="0"/>
-              <a:t>为防止手动拆分无法运行，最好不要将其设置为</a:t>
-            </a:r>
-            <a:r>
-              <a:rPr lang="en-US" altLang="zh-CN" sz="2400" dirty="0" err="1" smtClean="0"/>
-              <a:t>Long</a:t>
-            </a:r>
-            <a:r>
-              <a:rPr lang="en-US" altLang="zh-CN" sz="2400" dirty="0" err="1"/>
-              <a:t>.</a:t>
-            </a:r>
-            <a:r>
-              <a:rPr lang="en-US" altLang="zh-CN" sz="2400" dirty="0" err="1" smtClean="0"/>
-              <a:t>MAX_VALUE</a:t>
-            </a:r>
-            <a:r>
-              <a:rPr lang="zh-CN" altLang="en-US" sz="2400" dirty="0" smtClean="0"/>
-              <a:t>。用户最好将这个值设置为一个合理的上限，例如</a:t>
-            </a:r>
-            <a:r>
-              <a:rPr lang="en-US" altLang="zh-CN" sz="2400" dirty="0" smtClean="0"/>
-              <a:t>100GB</a:t>
-            </a:r>
-            <a:r>
-              <a:rPr lang="zh-CN" altLang="en-US" sz="2400" dirty="0" smtClean="0"/>
-              <a:t>（如果触发的话将会导致一个小时的</a:t>
-            </a:r>
-            <a:r>
-              <a:rPr lang="en-US" altLang="zh-CN" sz="2400" dirty="0" smtClean="0"/>
-              <a:t>major</a:t>
-            </a:r>
-            <a:r>
-              <a:rPr lang="zh-CN" altLang="en-US" sz="2400" dirty="0" smtClean="0"/>
-              <a:t>合并）。</a:t>
-            </a:r>
-            <a:endParaRPr lang="zh-CN" altLang="en-US" sz="2400" dirty="0"/>
+            <a:endParaRPr lang="en-US" altLang="zh-CN" sz="2400" dirty="0" smtClean="0"/>
           </a:p>
         </p:txBody>
       </p:sp>
@@ -27744,7 +27708,7 @@
     </p:spTree>
     <p:extLst>
       <p:ext uri="{BB962C8B-B14F-4D97-AF65-F5344CB8AC3E}">
-        <p14:creationId xmlns:p14="http://schemas.microsoft.com/office/powerpoint/2010/main" val="3263950629"/>
+        <p14:creationId xmlns:p14="http://schemas.microsoft.com/office/powerpoint/2010/main" val="3093220406"/>
       </p:ext>
     </p:extLst>
   </p:cSld>
@@ -27795,7 +27759,7 @@
           <a:p>
             <a:r>
               <a:rPr lang="zh-CN" altLang="en-US" sz="2800" dirty="0" smtClean="0"/>
-              <a:t>合并</a:t>
+              <a:t>拆分</a:t>
             </a:r>
             <a:r>
               <a:rPr lang="en-US" altLang="zh-CN" sz="2800" dirty="0" smtClean="0"/>
@@ -27808,71 +27772,105 @@
             </a:pPr>
             <a:r>
               <a:rPr lang="zh-CN" altLang="en-US" sz="2400" dirty="0" smtClean="0"/>
-              <a:t>当用户向相应的表中插入数据时，</a:t>
+              <a:t>拆分的大小定义在</a:t>
             </a:r>
             <a:r>
               <a:rPr lang="en-US" altLang="zh-CN" sz="2400" dirty="0" smtClean="0"/>
-              <a:t>region</a:t>
+              <a:t>hbase-site.xml</a:t>
             </a:r>
             <a:r>
               <a:rPr lang="zh-CN" altLang="en-US" sz="2400" dirty="0" smtClean="0"/>
-              <a:t>自动拆分的情况很常见。当然某些特殊情况下，用户可能需要合并</a:t>
+              <a:t>中</a:t>
+            </a:r>
+            <a:endParaRPr lang="en-US" altLang="zh-CN" sz="2400" dirty="0" smtClean="0"/>
+          </a:p>
+          <a:p>
+            <a:pPr marL="457200" lvl="1" indent="0">
+              <a:buNone/>
+            </a:pPr>
+            <a:r>
+              <a:rPr lang="en-US" altLang="zh-CN" sz="2400" dirty="0"/>
+              <a:t>&lt;property&gt;</a:t>
+            </a:r>
+          </a:p>
+          <a:p>
+            <a:pPr marL="457200" lvl="1" indent="0">
+              <a:buNone/>
+            </a:pPr>
+            <a:r>
+              <a:rPr lang="en-US" altLang="zh-CN" sz="2400" dirty="0"/>
+              <a:t>	&lt;name&gt;</a:t>
+            </a:r>
+            <a:r>
+              <a:rPr lang="en-US" altLang="zh-CN" sz="2400" dirty="0" err="1"/>
+              <a:t>hbase.hregion.max.filesize</a:t>
+            </a:r>
+            <a:r>
+              <a:rPr lang="en-US" altLang="zh-CN" sz="2400" dirty="0"/>
+              <a:t>&lt;/name&gt;</a:t>
+            </a:r>
+          </a:p>
+          <a:p>
+            <a:pPr marL="457200" lvl="1" indent="0">
+              <a:buNone/>
+            </a:pPr>
+            <a:r>
+              <a:rPr lang="en-US" altLang="zh-CN" sz="2400" dirty="0"/>
+              <a:t>	&lt;value&gt;107374182400&lt;/value&gt;</a:t>
+            </a:r>
+          </a:p>
+          <a:p>
+            <a:pPr marL="457200" lvl="1" indent="0">
+              <a:buNone/>
+            </a:pPr>
+            <a:r>
+              <a:rPr lang="en-US" altLang="zh-CN" sz="2400" dirty="0"/>
+              <a:t>&lt;/property</a:t>
             </a:r>
             <a:r>
               <a:rPr lang="en-US" altLang="zh-CN" sz="2400" dirty="0" smtClean="0"/>
-              <a:t>region</a:t>
-            </a:r>
+              <a:t>&gt;</a:t>
+            </a:r>
+          </a:p>
+          <a:p>
+            <a:pPr marL="457200" lvl="1" indent="0">
+              <a:buNone/>
+            </a:pPr>
             <a:r>
               <a:rPr lang="zh-CN" altLang="en-US" sz="2400" dirty="0" smtClean="0"/>
-              <a:t>。</a:t>
-            </a:r>
-            <a:endParaRPr lang="en-US" altLang="zh-CN" sz="2400" dirty="0" smtClean="0"/>
-          </a:p>
-          <a:p>
-            <a:pPr marL="457200" lvl="1" indent="0">
-              <a:buNone/>
-            </a:pPr>
+              <a:t>为防止手动拆分无法运行，最好不要将其设置为</a:t>
+            </a:r>
             <a:r>
               <a:rPr lang="en-US" altLang="zh-CN" sz="2400" dirty="0" err="1" smtClean="0"/>
-              <a:t>Hbas</a:t>
+              <a:t>Long</a:t>
+            </a:r>
+            <a:r>
+              <a:rPr lang="en-US" altLang="zh-CN" sz="2400" dirty="0" err="1"/>
+              <a:t>.</a:t>
+            </a:r>
+            <a:r>
+              <a:rPr lang="en-US" altLang="zh-CN" sz="2400" dirty="0" err="1" smtClean="0"/>
+              <a:t>MAX_VALUE</a:t>
             </a:r>
             <a:r>
               <a:rPr lang="zh-CN" altLang="en-US" sz="2400" dirty="0" smtClean="0"/>
-              <a:t>集成了一个工具能够让用户在集群没有工作时合并两个相邻的</a:t>
+              <a:t>。用户最好将这个值设置为一个合理的上限，例如</a:t>
             </a:r>
             <a:r>
               <a:rPr lang="en-US" altLang="zh-CN" sz="2400" dirty="0" smtClean="0"/>
-              <a:t>region</a:t>
+              <a:t>100GB</a:t>
             </a:r>
             <a:r>
               <a:rPr lang="zh-CN" altLang="en-US" sz="2400" dirty="0" smtClean="0"/>
-              <a:t>。</a:t>
-            </a:r>
-            <a:endParaRPr lang="en-US" altLang="zh-CN" sz="2400" dirty="0" smtClean="0"/>
-          </a:p>
-          <a:p>
-            <a:pPr marL="457200" lvl="1" indent="0">
-              <a:buNone/>
-            </a:pPr>
-            <a:r>
-              <a:rPr lang="en-US" altLang="zh-CN" sz="2400" dirty="0"/>
-              <a:t>$ ./bin/</a:t>
-            </a:r>
-            <a:r>
-              <a:rPr lang="en-US" altLang="zh-CN" sz="2400" dirty="0" err="1"/>
-              <a:t>hbase</a:t>
-            </a:r>
-            <a:r>
-              <a:rPr lang="en-US" altLang="zh-CN" sz="2400" dirty="0"/>
-              <a:t> </a:t>
-            </a:r>
-            <a:r>
-              <a:rPr lang="en-US" altLang="zh-CN" sz="2400" dirty="0" err="1"/>
-              <a:t>org.apache.hadoop.hbase.util.Merge</a:t>
-            </a:r>
-            <a:r>
-              <a:rPr lang="en-US" altLang="zh-CN" sz="2400" dirty="0"/>
-              <a:t> &lt;table-name&gt; &lt;region-1&gt; &lt;region-2&gt;</a:t>
+              <a:t>（如果触发的话将会导致一个小时的</a:t>
+            </a:r>
+            <a:r>
+              <a:rPr lang="en-US" altLang="zh-CN" sz="2400" dirty="0" smtClean="0"/>
+              <a:t>major</a:t>
+            </a:r>
+            <a:r>
+              <a:rPr lang="zh-CN" altLang="en-US" sz="2400" dirty="0" smtClean="0"/>
+              <a:t>合并）。</a:t>
             </a:r>
             <a:endParaRPr lang="zh-CN" altLang="en-US" sz="2400" dirty="0"/>
           </a:p>
@@ -27915,7 +27913,7 @@
     </p:spTree>
     <p:extLst>
       <p:ext uri="{BB962C8B-B14F-4D97-AF65-F5344CB8AC3E}">
-        <p14:creationId xmlns:p14="http://schemas.microsoft.com/office/powerpoint/2010/main" val="3093220406"/>
+        <p14:creationId xmlns:p14="http://schemas.microsoft.com/office/powerpoint/2010/main" val="3263950629"/>
       </p:ext>
     </p:extLst>
   </p:cSld>
@@ -27966,88 +27964,86 @@
           <a:p>
             <a:r>
               <a:rPr lang="zh-CN" altLang="en-US" sz="2800" dirty="0" smtClean="0"/>
-              <a:t>本地</a:t>
-            </a:r>
-            <a:r>
-              <a:rPr lang="en-US" altLang="zh-CN" sz="2800" dirty="0" err="1" smtClean="0"/>
-              <a:t>MemStore</a:t>
-            </a:r>
-            <a:r>
-              <a:rPr lang="zh-CN" altLang="en-US" sz="2800" dirty="0" smtClean="0"/>
-              <a:t>分配缓冲区（</a:t>
+              <a:t>合并</a:t>
             </a:r>
             <a:r>
               <a:rPr lang="en-US" altLang="zh-CN" sz="2800" dirty="0" smtClean="0"/>
-              <a:t>MSLAB</a:t>
-            </a:r>
-            <a:r>
-              <a:rPr lang="zh-CN" altLang="en-US" sz="2800" dirty="0" smtClean="0"/>
-              <a:t>）</a:t>
-            </a:r>
-            <a:endParaRPr lang="en-US" altLang="zh-CN" sz="2800" dirty="0" smtClean="0"/>
+              <a:t>region</a:t>
+            </a:r>
           </a:p>
           <a:p>
             <a:pPr marL="457200" lvl="1" indent="0">
               <a:buNone/>
             </a:pPr>
             <a:r>
+              <a:rPr lang="zh-CN" altLang="en-US" sz="2400" dirty="0" smtClean="0"/>
+              <a:t>当用户向相应的表中插入数据时，</a:t>
+            </a:r>
+            <a:r>
               <a:rPr lang="en-US" altLang="zh-CN" sz="2400" dirty="0" smtClean="0"/>
-              <a:t>MSLAB</a:t>
+              <a:t>region</a:t>
             </a:r>
             <a:r>
               <a:rPr lang="zh-CN" altLang="en-US" sz="2400" dirty="0" smtClean="0"/>
-              <a:t>是许多固定大小的缓冲区，用来存储大小不同的</a:t>
-            </a:r>
+              <a:t>自动拆分的情况很常见。当然某些特殊情况下，用户可能需要合并</a:t>
+            </a:r>
+            <a:r>
+              <a:rPr lang="en-US" altLang="zh-CN" sz="2400" dirty="0" smtClean="0"/>
+              <a:t>region</a:t>
+            </a:r>
+            <a:r>
+              <a:rPr lang="zh-CN" altLang="en-US" sz="2400" dirty="0" smtClean="0"/>
+              <a:t>。</a:t>
+            </a:r>
+            <a:endParaRPr lang="en-US" altLang="zh-CN" sz="2400" dirty="0" smtClean="0"/>
+          </a:p>
+          <a:p>
+            <a:pPr marL="457200" lvl="1" indent="0">
+              <a:buNone/>
+            </a:pPr>
             <a:r>
               <a:rPr lang="en-US" altLang="zh-CN" sz="2400" dirty="0" err="1" smtClean="0"/>
-              <a:t>KeyValue</a:t>
+              <a:t>Hbas</a:t>
             </a:r>
             <a:r>
               <a:rPr lang="zh-CN" altLang="en-US" sz="2400" dirty="0" smtClean="0"/>
-              <a:t>实例。当一个缓冲区不能放下一个新加入的</a:t>
-            </a:r>
-            <a:r>
-              <a:rPr lang="en-US" altLang="zh-CN" sz="2400" dirty="0" err="1" smtClean="0"/>
-              <a:t>KeyValue</a:t>
+              <a:t>集成了一个工具能够让用户在集群没有工作时合并两个相邻的</a:t>
+            </a:r>
+            <a:r>
+              <a:rPr lang="en-US" altLang="zh-CN" sz="2400" dirty="0" smtClean="0"/>
+              <a:t>region</a:t>
             </a:r>
             <a:r>
               <a:rPr lang="zh-CN" altLang="en-US" sz="2400" dirty="0" smtClean="0"/>
-              <a:t>时，系统就认为这个缓冲区已经被占满了，然后创建一个新的固定大小的缓冲区。</a:t>
+              <a:t>。</a:t>
             </a:r>
             <a:endParaRPr lang="en-US" altLang="zh-CN" sz="2400" dirty="0" smtClean="0"/>
           </a:p>
           <a:p>
-            <a:endParaRPr lang="en-US" altLang="zh-CN" sz="2800" dirty="0" smtClean="0"/>
-          </a:p>
-          <a:p>
-            <a:pPr lvl="1"/>
-            <a:r>
-              <a:rPr lang="zh-CN" altLang="en-US" sz="2400" dirty="0" smtClean="0"/>
-              <a:t>默认没有被开启，用户可以通过如下配置开启：</a:t>
-            </a:r>
-            <a:r>
-              <a:rPr lang="en-US" altLang="zh-CN" sz="2400" dirty="0" err="1" smtClean="0"/>
-              <a:t>hbase.hregion.memstore.mslab.enabled</a:t>
-            </a:r>
-            <a:endParaRPr lang="en-US" altLang="zh-CN" sz="2400" dirty="0" smtClean="0"/>
-          </a:p>
-          <a:p>
-            <a:pPr lvl="1"/>
-            <a:r>
-              <a:rPr lang="zh-CN" altLang="en-US" sz="2400" dirty="0" smtClean="0"/>
-              <a:t>每个被分配的、固定大小的缓冲区的大小设置：</a:t>
-            </a:r>
-            <a:endParaRPr lang="en-US" altLang="zh-CN" sz="2400" dirty="0" smtClean="0"/>
-          </a:p>
-          <a:p>
-            <a:pPr marL="914400" lvl="2" indent="0">
-              <a:buNone/>
-            </a:pPr>
-            <a:r>
-              <a:rPr lang="en-US" altLang="zh-CN" dirty="0" err="1"/>
-              <a:t>hbase.hregion.memstore.mslab.chunksize</a:t>
-            </a:r>
-            <a:endParaRPr lang="zh-CN" altLang="en-US" dirty="0"/>
+            <a:pPr marL="457200" lvl="1" indent="0">
+              <a:buNone/>
+            </a:pPr>
+            <a:r>
+              <a:rPr lang="en-US" altLang="zh-CN" sz="2400" dirty="0"/>
+              <a:t>$ ./bin/</a:t>
+            </a:r>
+            <a:r>
+              <a:rPr lang="en-US" altLang="zh-CN" sz="2400" dirty="0" err="1"/>
+              <a:t>hbase</a:t>
+            </a:r>
+            <a:r>
+              <a:rPr lang="en-US" altLang="zh-CN" sz="2400" dirty="0"/>
+              <a:t> </a:t>
+            </a:r>
+            <a:r>
+              <a:rPr lang="en-US" altLang="zh-CN" sz="2400" dirty="0" err="1"/>
+              <a:t>org.apache.hadoop.hbase.util.Merge</a:t>
+            </a:r>
+            <a:r>
+              <a:rPr lang="en-US" altLang="zh-CN" sz="2400" dirty="0"/>
+              <a:t> &lt;table-name&gt; &lt;region-1&gt; &lt;region-2&gt;</a:t>
+            </a:r>
+            <a:endParaRPr lang="zh-CN" altLang="en-US" sz="2400" dirty="0"/>
           </a:p>
         </p:txBody>
       </p:sp>
@@ -28132,6 +28128,179 @@
             <p:ph sz="quarter" idx="10"/>
           </p:nvPr>
         </p:nvSpPr>
+        <p:spPr/>
+        <p:txBody>
+          <a:bodyPr/>
+          <a:lstStyle/>
+          <a:p>
+            <a:r>
+              <a:rPr lang="zh-CN" altLang="en-US" sz="2800" dirty="0" smtClean="0"/>
+              <a:t>本地</a:t>
+            </a:r>
+            <a:r>
+              <a:rPr lang="en-US" altLang="zh-CN" sz="2800" dirty="0" err="1" smtClean="0"/>
+              <a:t>MemStore</a:t>
+            </a:r>
+            <a:r>
+              <a:rPr lang="zh-CN" altLang="en-US" sz="2800" dirty="0" smtClean="0"/>
+              <a:t>分配缓冲区（</a:t>
+            </a:r>
+            <a:r>
+              <a:rPr lang="en-US" altLang="zh-CN" sz="2800" dirty="0" smtClean="0"/>
+              <a:t>MSLAB</a:t>
+            </a:r>
+            <a:r>
+              <a:rPr lang="zh-CN" altLang="en-US" sz="2800" dirty="0" smtClean="0"/>
+              <a:t>）</a:t>
+            </a:r>
+            <a:endParaRPr lang="en-US" altLang="zh-CN" sz="2800" dirty="0" smtClean="0"/>
+          </a:p>
+          <a:p>
+            <a:pPr marL="457200" lvl="1" indent="0">
+              <a:buNone/>
+            </a:pPr>
+            <a:r>
+              <a:rPr lang="en-US" altLang="zh-CN" sz="2400" dirty="0" smtClean="0"/>
+              <a:t>MSLAB</a:t>
+            </a:r>
+            <a:r>
+              <a:rPr lang="zh-CN" altLang="en-US" sz="2400" dirty="0" smtClean="0"/>
+              <a:t>是许多固定大小的缓冲区，用来存储大小不同的</a:t>
+            </a:r>
+            <a:r>
+              <a:rPr lang="en-US" altLang="zh-CN" sz="2400" dirty="0" err="1" smtClean="0"/>
+              <a:t>KeyValue</a:t>
+            </a:r>
+            <a:r>
+              <a:rPr lang="zh-CN" altLang="en-US" sz="2400" dirty="0" smtClean="0"/>
+              <a:t>实例。当一个缓冲区不能放下一个新加入的</a:t>
+            </a:r>
+            <a:r>
+              <a:rPr lang="en-US" altLang="zh-CN" sz="2400" dirty="0" err="1" smtClean="0"/>
+              <a:t>KeyValue</a:t>
+            </a:r>
+            <a:r>
+              <a:rPr lang="zh-CN" altLang="en-US" sz="2400" dirty="0" smtClean="0"/>
+              <a:t>时，系统就认为这个缓冲区已经被占满了，然后创建一个新的固定大小的缓冲区。</a:t>
+            </a:r>
+            <a:endParaRPr lang="en-US" altLang="zh-CN" sz="2400" dirty="0" smtClean="0"/>
+          </a:p>
+          <a:p>
+            <a:endParaRPr lang="en-US" altLang="zh-CN" sz="2800" dirty="0" smtClean="0"/>
+          </a:p>
+          <a:p>
+            <a:pPr lvl="1"/>
+            <a:r>
+              <a:rPr lang="zh-CN" altLang="en-US" sz="2400" dirty="0" smtClean="0"/>
+              <a:t>默认没有被开启，用户可以通过如下配置开启：</a:t>
+            </a:r>
+            <a:r>
+              <a:rPr lang="en-US" altLang="zh-CN" sz="2400" dirty="0" err="1" smtClean="0"/>
+              <a:t>hbase.hregion.memstore.mslab.enabled</a:t>
+            </a:r>
+            <a:endParaRPr lang="en-US" altLang="zh-CN" sz="2400" dirty="0" smtClean="0"/>
+          </a:p>
+          <a:p>
+            <a:pPr lvl="1"/>
+            <a:r>
+              <a:rPr lang="zh-CN" altLang="en-US" sz="2400" dirty="0" smtClean="0"/>
+              <a:t>每个被分配的、固定大小的缓冲区的大小设置：</a:t>
+            </a:r>
+            <a:endParaRPr lang="en-US" altLang="zh-CN" sz="2400" dirty="0" smtClean="0"/>
+          </a:p>
+          <a:p>
+            <a:pPr marL="914400" lvl="2" indent="0">
+              <a:buNone/>
+            </a:pPr>
+            <a:r>
+              <a:rPr lang="en-US" altLang="zh-CN" dirty="0" err="1"/>
+              <a:t>hbase.hregion.memstore.mslab.chunksize</a:t>
+            </a:r>
+            <a:endParaRPr lang="zh-CN" altLang="en-US" dirty="0"/>
+          </a:p>
+        </p:txBody>
+      </p:sp>
+      <p:sp>
+        <p:nvSpPr>
+          <p:cNvPr id="3" name="标题 2"/>
+          <p:cNvSpPr>
+            <a:spLocks noGrp="1"/>
+          </p:cNvSpPr>
+          <p:nvPr>
+            <p:ph type="title"/>
+          </p:nvPr>
+        </p:nvSpPr>
+        <p:spPr/>
+        <p:txBody>
+          <a:bodyPr/>
+          <a:lstStyle/>
+          <a:p>
+            <a:r>
+              <a:rPr lang="en-US" altLang="zh-CN" dirty="0" err="1" smtClean="0"/>
+              <a:t>HBase</a:t>
+            </a:r>
+            <a:r>
+              <a:rPr lang="zh-CN" altLang="en-US" dirty="0" smtClean="0"/>
+              <a:t> </a:t>
+            </a:r>
+            <a:r>
+              <a:rPr lang="en-US" altLang="zh-CN" dirty="0" smtClean="0"/>
+              <a:t>– </a:t>
+            </a:r>
+            <a:r>
+              <a:rPr lang="zh-CN" altLang="en-US" dirty="0"/>
+              <a:t>调优</a:t>
+            </a:r>
+          </a:p>
+        </p:txBody>
+      </p:sp>
+    </p:spTree>
+    <p:extLst>
+      <p:ext uri="{BB962C8B-B14F-4D97-AF65-F5344CB8AC3E}">
+        <p14:creationId xmlns:p14="http://schemas.microsoft.com/office/powerpoint/2010/main" val="3093220406"/>
+      </p:ext>
+    </p:extLst>
+  </p:cSld>
+  <p:clrMapOvr>
+    <a:masterClrMapping/>
+  </p:clrMapOvr>
+  <p:timing>
+    <p:tnLst>
+      <p:par>
+        <p:cTn id="1" dur="indefinite" restart="never" nodeType="tmRoot"/>
+      </p:par>
+    </p:tnLst>
+  </p:timing>
+</p:sld>
+</file>
+
+<file path=ppt/slides/slide74.xml><?xml version="1.0" encoding="utf-8"?>
+<p:sld xmlns:a="http://schemas.openxmlformats.org/drawingml/2006/main" xmlns:r="http://schemas.openxmlformats.org/officeDocument/2006/relationships" xmlns:p="http://schemas.openxmlformats.org/presentationml/2006/main">
+  <p:cSld>
+    <p:spTree>
+      <p:nvGrpSpPr>
+        <p:cNvPr id="1" name=""/>
+        <p:cNvGrpSpPr/>
+        <p:nvPr/>
+      </p:nvGrpSpPr>
+      <p:grpSpPr>
+        <a:xfrm>
+          <a:off x="0" y="0"/>
+          <a:ext cx="0" cy="0"/>
+          <a:chOff x="0" y="0"/>
+          <a:chExt cx="0" cy="0"/>
+        </a:xfrm>
+      </p:grpSpPr>
+      <p:sp>
+        <p:nvSpPr>
+          <p:cNvPr id="2" name="内容占位符 1"/>
+          <p:cNvSpPr>
+            <a:spLocks noGrp="1"/>
+          </p:cNvSpPr>
+          <p:nvPr>
+            <p:ph sz="quarter" idx="10"/>
+          </p:nvPr>
+        </p:nvSpPr>
         <p:spPr>
           <a:xfrm>
             <a:off x="323528" y="1941537"/>
@@ -28306,7 +28475,7 @@
 </p:sld>
 </file>
 
-<file path=ppt/slides/slide74.xml><?xml version="1.0" encoding="utf-8"?>
+<file path=ppt/slides/slide75.xml><?xml version="1.0" encoding="utf-8"?>
 <p:sld xmlns:a="http://schemas.openxmlformats.org/drawingml/2006/main" xmlns:r="http://schemas.openxmlformats.org/officeDocument/2006/relationships" xmlns:p="http://schemas.openxmlformats.org/presentationml/2006/main">
   <p:cSld>
     <p:spTree>

--- a/[IT18掌www.it18zhang.com]HBase高级篇.pptx
+++ b/[IT18掌www.it18zhang.com]HBase高级篇.pptx
@@ -266,7 +266,7 @@
           <a:p>
             <a:fld id="{0928FEF9-167E-479C-9D1C-C0CF94BC63D4}" type="datetimeFigureOut">
               <a:rPr lang="zh-CN" altLang="en-US" smtClean="0"/>
-              <a:t>2016/3/17</a:t>
+              <a:t>2016/3/18</a:t>
             </a:fld>
             <a:endParaRPr lang="zh-CN" altLang="en-US"/>
           </a:p>
@@ -18264,23 +18264,11 @@
             </a:r>
             <a:r>
               <a:rPr lang="en-US" altLang="zh-CN" sz="2000" b="1" dirty="0"/>
-              <a:t> clean install -</a:t>
-            </a:r>
-            <a:r>
-              <a:rPr lang="en-US" altLang="zh-CN" sz="2000" b="1" dirty="0" err="1"/>
-              <a:t>Dfile</a:t>
-            </a:r>
-            <a:r>
-              <a:rPr lang="en-US" altLang="zh-CN" sz="2000" b="1" dirty="0"/>
-              <a:t> </a:t>
-            </a:r>
-            <a:r>
-              <a:rPr lang="en-US" altLang="zh-CN" sz="2000" b="1" dirty="0" err="1"/>
-              <a:t>src</a:t>
-            </a:r>
-            <a:r>
-              <a:rPr lang="en-US" altLang="zh-CN" sz="2000" b="1" dirty="0"/>
-              <a:t>/pom.xml</a:t>
+              <a:t> clean </a:t>
+            </a:r>
+            <a:r>
+              <a:rPr lang="en-US" altLang="zh-CN" sz="2000" b="1" dirty="0" smtClean="0"/>
+              <a:t>install</a:t>
             </a:r>
             <a:endParaRPr lang="zh-CN" altLang="en-US" sz="2000" dirty="0"/>
           </a:p>
